--- a/etc/folienEclipseCon2013/ECE2013-mbeddr-schmierer_voelter.pptx
+++ b/etc/folienEclipseCon2013/ECE2013-mbeddr-schmierer_voelter.pptx
@@ -45,8 +45,8 @@
     <p:sldId id="478" r:id="rId36"/>
     <p:sldId id="479" r:id="rId37"/>
     <p:sldId id="480" r:id="rId38"/>
-    <p:sldId id="481" r:id="rId39"/>
-    <p:sldId id="488" r:id="rId40"/>
+    <p:sldId id="488" r:id="rId39"/>
+    <p:sldId id="481" r:id="rId40"/>
     <p:sldId id="482" r:id="rId41"/>
   </p:sldIdLst>
   <p:sldSz cx="9144000" cy="6858000" type="screen4x3"/>
@@ -232,7 +232,7 @@
             <a:fld id="{BA23DC7E-545F-4537-850F-CC5C2B410559}" type="datetimeFigureOut">
               <a:rPr lang="de-DE" smtClean="0"/>
               <a:pPr/>
-              <a:t>25/10/13</a:t>
+              <a:t>28.10.2013</a:t>
             </a:fld>
             <a:endParaRPr lang="de-DE"/>
           </a:p>
@@ -392,7 +392,7 @@
             <a:fld id="{F67A725A-9256-4EC5-8CDB-4CC5D97770DD}" type="slidenum">
               <a:rPr lang="de-DE" smtClean="0"/>
               <a:pPr/>
-              <a:t>‹Nr.›</a:t>
+              <a:t>‹#›</a:t>
             </a:fld>
             <a:endParaRPr lang="de-DE"/>
           </a:p>
@@ -401,7 +401,7 @@
     </p:spTree>
     <p:extLst>
       <p:ext uri="{BB962C8B-B14F-4D97-AF65-F5344CB8AC3E}">
-        <p14:creationId xmlns:p14="http://schemas.microsoft.com/office/powerpoint/2010/main" val="2083301213"/>
+        <p14:creationId xmlns:p14="http://schemas.microsoft.com/office/powerpoint/2010/main" xmlns="" val="2083301213"/>
       </p:ext>
     </p:extLst>
   </p:cSld>
@@ -3916,7 +3916,7 @@
             <a:fld id="{F67A725A-9256-4EC5-8CDB-4CC5D97770DD}" type="slidenum">
               <a:rPr lang="de-DE" smtClean="0"/>
               <a:pPr/>
-              <a:t>38</a:t>
+              <a:t>39</a:t>
             </a:fld>
             <a:endParaRPr lang="de-DE"/>
           </a:p>
@@ -6196,7 +6196,7 @@
     </p:spTree>
     <p:extLst>
       <p:ext uri="{BB962C8B-B14F-4D97-AF65-F5344CB8AC3E}">
-        <p14:creationId xmlns:p14="http://schemas.microsoft.com/office/powerpoint/2010/main" val="3849503778"/>
+        <p14:creationId xmlns:p14="http://schemas.microsoft.com/office/powerpoint/2010/main" xmlns="" val="3849503778"/>
       </p:ext>
     </p:extLst>
   </p:cSld>
@@ -6206,7 +6206,7 @@
   <p:timing>
     <p:tnLst>
       <p:par>
-        <p:cTn xmlns:p14="http://schemas.microsoft.com/office/powerpoint/2010/main" id="1" dur="indefinite" restart="never" nodeType="tmRoot"/>
+        <p:cTn id="1" dur="indefinite" restart="never" nodeType="tmRoot"/>
       </p:par>
     </p:tnLst>
   </p:timing>
@@ -6331,7 +6331,7 @@
     </p:spTree>
     <p:extLst>
       <p:ext uri="{BB962C8B-B14F-4D97-AF65-F5344CB8AC3E}">
-        <p14:creationId xmlns:p14="http://schemas.microsoft.com/office/powerpoint/2010/main" val="3242060718"/>
+        <p14:creationId xmlns:p14="http://schemas.microsoft.com/office/powerpoint/2010/main" xmlns="" val="3242060718"/>
       </p:ext>
     </p:extLst>
   </p:cSld>
@@ -6404,7 +6404,7 @@
             <a:fld id="{AA807A42-CF27-4B84-8583-18EBE418342E}" type="slidenum">
               <a:rPr lang="en-GB" noProof="0" smtClean="0"/>
               <a:pPr/>
-              <a:t>‹Nr.›</a:t>
+              <a:t>‹#›</a:t>
             </a:fld>
             <a:endParaRPr lang="en-GB" noProof="0" dirty="0"/>
           </a:p>
@@ -6836,7 +6836,7 @@
             <a:fld id="{AA807A42-CF27-4B84-8583-18EBE418342E}" type="slidenum">
               <a:rPr lang="en-GB" noProof="0" smtClean="0"/>
               <a:pPr/>
-              <a:t>‹Nr.›</a:t>
+              <a:t>‹#›</a:t>
             </a:fld>
             <a:endParaRPr lang="en-GB" noProof="0" dirty="0"/>
           </a:p>
@@ -7162,7 +7162,7 @@
             <a:fld id="{AA807A42-CF27-4B84-8583-18EBE418342E}" type="slidenum">
               <a:rPr lang="en-GB" noProof="0" smtClean="0"/>
               <a:pPr/>
-              <a:t>‹Nr.›</a:t>
+              <a:t>‹#›</a:t>
             </a:fld>
             <a:endParaRPr lang="en-GB" noProof="0" dirty="0"/>
           </a:p>
@@ -8570,7 +8570,7 @@
     </p:spTree>
     <p:extLst>
       <p:ext uri="{BB962C8B-B14F-4D97-AF65-F5344CB8AC3E}">
-        <p14:creationId xmlns:p14="http://schemas.microsoft.com/office/powerpoint/2010/main" val="2408415105"/>
+        <p14:creationId xmlns:p14="http://schemas.microsoft.com/office/powerpoint/2010/main" xmlns="" val="2408415105"/>
       </p:ext>
     </p:extLst>
   </p:cSld>
@@ -8580,7 +8580,7 @@
   <p:timing>
     <p:tnLst>
       <p:par>
-        <p:cTn xmlns:p14="http://schemas.microsoft.com/office/powerpoint/2010/main" id="1" dur="indefinite" restart="never" nodeType="tmRoot"/>
+        <p:cTn id="1" dur="indefinite" restart="never" nodeType="tmRoot"/>
       </p:par>
     </p:tnLst>
   </p:timing>
@@ -8817,7 +8817,7 @@
     </p:spTree>
     <p:extLst>
       <p:ext uri="{BB962C8B-B14F-4D97-AF65-F5344CB8AC3E}">
-        <p14:creationId xmlns:p14="http://schemas.microsoft.com/office/powerpoint/2010/main" val="336931444"/>
+        <p14:creationId xmlns:p14="http://schemas.microsoft.com/office/powerpoint/2010/main" xmlns="" val="336931444"/>
       </p:ext>
     </p:extLst>
   </p:cSld>
@@ -8827,7 +8827,7 @@
   <p:timing>
     <p:tnLst>
       <p:par>
-        <p:cTn xmlns:p14="http://schemas.microsoft.com/office/powerpoint/2010/main" id="1" dur="indefinite" restart="never" nodeType="tmRoot"/>
+        <p:cTn id="1" dur="indefinite" restart="never" nodeType="tmRoot"/>
       </p:par>
     </p:tnLst>
   </p:timing>
@@ -9071,7 +9071,7 @@
     </p:spTree>
     <p:extLst>
       <p:ext uri="{BB962C8B-B14F-4D97-AF65-F5344CB8AC3E}">
-        <p14:creationId xmlns:p14="http://schemas.microsoft.com/office/powerpoint/2010/main" val="1974033518"/>
+        <p14:creationId xmlns:p14="http://schemas.microsoft.com/office/powerpoint/2010/main" xmlns="" val="1974033518"/>
       </p:ext>
     </p:extLst>
   </p:cSld>
@@ -9081,7 +9081,7 @@
   <p:timing>
     <p:tnLst>
       <p:par>
-        <p:cTn xmlns:p14="http://schemas.microsoft.com/office/powerpoint/2010/main" id="1" dur="indefinite" restart="never" nodeType="tmRoot"/>
+        <p:cTn id="1" dur="indefinite" restart="never" nodeType="tmRoot"/>
       </p:par>
     </p:tnLst>
   </p:timing>
@@ -9151,7 +9151,7 @@
             <a:fld id="{AA807A42-CF27-4B84-8583-18EBE418342E}" type="slidenum">
               <a:rPr lang="en-GB" noProof="0" smtClean="0"/>
               <a:pPr/>
-              <a:t>‹Nr.›</a:t>
+              <a:t>‹#›</a:t>
             </a:fld>
             <a:endParaRPr lang="en-GB" noProof="0" dirty="0"/>
           </a:p>
@@ -9423,7 +9423,7 @@
             <a:fld id="{AA807A42-CF27-4B84-8583-18EBE418342E}" type="slidenum">
               <a:rPr lang="en-GB" noProof="0" smtClean="0"/>
               <a:pPr/>
-              <a:t>‹Nr.›</a:t>
+              <a:t>‹#›</a:t>
             </a:fld>
             <a:endParaRPr lang="en-GB" noProof="0" dirty="0"/>
           </a:p>
@@ -9696,7 +9696,7 @@
             <a:fld id="{AA807A42-CF27-4B84-8583-18EBE418342E}" type="slidenum">
               <a:rPr lang="en-GB" noProof="0" smtClean="0"/>
               <a:pPr/>
-              <a:t>‹Nr.›</a:t>
+              <a:t>‹#›</a:t>
             </a:fld>
             <a:endParaRPr lang="en-GB" noProof="0" dirty="0"/>
           </a:p>
@@ -9969,7 +9969,7 @@
             <a:fld id="{AA807A42-CF27-4B84-8583-18EBE418342E}" type="slidenum">
               <a:rPr lang="en-GB" noProof="0" smtClean="0"/>
               <a:pPr/>
-              <a:t>‹Nr.›</a:t>
+              <a:t>‹#›</a:t>
             </a:fld>
             <a:endParaRPr lang="en-GB" noProof="0" dirty="0"/>
           </a:p>
@@ -10242,7 +10242,7 @@
             <a:fld id="{AA807A42-CF27-4B84-8583-18EBE418342E}" type="slidenum">
               <a:rPr lang="en-GB" noProof="0" smtClean="0"/>
               <a:pPr/>
-              <a:t>‹Nr.›</a:t>
+              <a:t>‹#›</a:t>
             </a:fld>
             <a:endParaRPr lang="en-GB" noProof="0" dirty="0"/>
           </a:p>
@@ -10454,7 +10454,7 @@
             <a:fld id="{AA807A42-CF27-4B84-8583-18EBE418342E}" type="slidenum">
               <a:rPr lang="en-GB" noProof="0" smtClean="0"/>
               <a:pPr/>
-              <a:t>‹Nr.›</a:t>
+              <a:t>‹#›</a:t>
             </a:fld>
             <a:endParaRPr lang="en-GB" noProof="0" dirty="0"/>
           </a:p>
@@ -10463,7 +10463,7 @@
     </p:spTree>
     <p:extLst>
       <p:ext uri="{BB962C8B-B14F-4D97-AF65-F5344CB8AC3E}">
-        <p14:creationId xmlns:p14="http://schemas.microsoft.com/office/powerpoint/2010/main" val="3829165557"/>
+        <p14:creationId xmlns:p14="http://schemas.microsoft.com/office/powerpoint/2010/main" xmlns="" val="3829165557"/>
       </p:ext>
     </p:extLst>
   </p:cSld>
@@ -10486,7 +10486,7 @@
   <p:timing>
     <p:tnLst>
       <p:par>
-        <p:cTn xmlns:p14="http://schemas.microsoft.com/office/powerpoint/2010/main" id="1" dur="indefinite" restart="never" nodeType="tmRoot"/>
+        <p:cTn id="1" dur="indefinite" restart="never" nodeType="tmRoot"/>
       </p:par>
     </p:tnLst>
   </p:timing>
@@ -10901,10 +10901,10 @@
           <p:nvPr/>
         </p:nvPicPr>
         <p:blipFill rotWithShape="1">
-          <a:blip r:embed="rId2">
+          <a:blip r:embed="rId2" cstate="print">
             <a:extLst>
               <a:ext uri="{28A0092B-C50C-407E-A947-70E740481C1C}">
-                <a14:useLocalDpi xmlns:a14="http://schemas.microsoft.com/office/drawing/2010/main" val="0"/>
+                <a14:useLocalDpi xmlns:a14="http://schemas.microsoft.com/office/drawing/2010/main" xmlns="" val="0"/>
               </a:ext>
             </a:extLst>
           </a:blip>
@@ -10926,13 +10926,13 @@
   <p:clrMapOvr>
     <a:masterClrMapping/>
   </p:clrMapOvr>
-  <p:transition xmlns:p14="http://schemas.microsoft.com/office/powerpoint/2010/main">
+  <p:transition>
     <p:fade/>
   </p:transition>
   <p:timing>
     <p:tnLst>
       <p:par>
-        <p:cTn xmlns:p14="http://schemas.microsoft.com/office/powerpoint/2010/main" id="1" dur="indefinite" restart="never" nodeType="tmRoot"/>
+        <p:cTn id="1" dur="indefinite" restart="never" nodeType="tmRoot"/>
       </p:par>
     </p:tnLst>
   </p:timing>
@@ -11203,7 +11203,7 @@
   <p:timing>
     <p:tnLst>
       <p:par>
-        <p:cTn xmlns:p14="http://schemas.microsoft.com/office/powerpoint/2010/main" id="1" dur="indefinite" restart="never" nodeType="tmRoot"/>
+        <p:cTn id="1" dur="indefinite" restart="never" nodeType="tmRoot"/>
       </p:par>
     </p:tnLst>
   </p:timing>
@@ -11746,7 +11746,7 @@
   <p:timing>
     <p:tnLst>
       <p:par>
-        <p:cTn xmlns:p14="http://schemas.microsoft.com/office/powerpoint/2010/main" id="1" dur="indefinite" restart="never" nodeType="tmRoot"/>
+        <p:cTn id="1" dur="indefinite" restart="never" nodeType="tmRoot"/>
       </p:par>
     </p:tnLst>
   </p:timing>
@@ -11886,20 +11886,20 @@
     </p:spTree>
     <p:extLst>
       <p:ext uri="{BB962C8B-B14F-4D97-AF65-F5344CB8AC3E}">
-        <p14:creationId xmlns:p14="http://schemas.microsoft.com/office/powerpoint/2010/main" val="1244883522"/>
+        <p14:creationId xmlns:p14="http://schemas.microsoft.com/office/powerpoint/2010/main" xmlns="" val="1244883522"/>
       </p:ext>
     </p:extLst>
   </p:cSld>
   <p:clrMapOvr>
     <a:masterClrMapping/>
   </p:clrMapOvr>
-  <p:transition xmlns:p14="http://schemas.microsoft.com/office/powerpoint/2010/main">
+  <p:transition>
     <p:fade/>
   </p:transition>
   <p:timing>
     <p:tnLst>
       <p:par>
-        <p:cTn xmlns:p14="http://schemas.microsoft.com/office/powerpoint/2010/main" id="1" dur="indefinite" restart="never" nodeType="tmRoot"/>
+        <p:cTn id="1" dur="indefinite" restart="never" nodeType="tmRoot"/>
       </p:par>
     </p:tnLst>
   </p:timing>
@@ -12528,7 +12528,7 @@
   <p:timing>
     <p:tnLst>
       <p:par>
-        <p:cTn xmlns:p14="http://schemas.microsoft.com/office/powerpoint/2010/main" id="1" dur="indefinite" restart="never" nodeType="tmRoot"/>
+        <p:cTn id="1" dur="indefinite" restart="never" nodeType="tmRoot"/>
       </p:par>
     </p:tnLst>
   </p:timing>
@@ -13314,7 +13314,7 @@
   <p:timing>
     <p:tnLst>
       <p:par>
-        <p:cTn xmlns:p14="http://schemas.microsoft.com/office/powerpoint/2010/main" id="1" dur="indefinite" restart="never" nodeType="tmRoot"/>
+        <p:cTn id="1" dur="indefinite" restart="never" nodeType="tmRoot"/>
       </p:par>
     </p:tnLst>
   </p:timing>
@@ -13510,7 +13510,7 @@
           <a:blip r:embed="rId2" cstate="print">
             <a:extLst>
               <a:ext uri="{BEBA8EAE-BF5A-486C-A8C5-ECC9F3942E4B}">
-                <a14:imgProps xmlns:a14="http://schemas.microsoft.com/office/drawing/2010/main">
+                <a14:imgProps xmlns:a14="http://schemas.microsoft.com/office/drawing/2010/main" xmlns="">
                   <a14:imgLayer r:embed="rId3">
                     <a14:imgEffect>
                       <a14:saturation sat="0"/>
@@ -13840,7 +13840,7 @@
   <p:timing>
     <p:tnLst>
       <p:par>
-        <p:cTn xmlns:p14="http://schemas.microsoft.com/office/powerpoint/2010/main" id="1" dur="indefinite" restart="never" nodeType="tmRoot"/>
+        <p:cTn id="1" dur="indefinite" restart="never" nodeType="tmRoot"/>
       </p:par>
     </p:tnLst>
   </p:timing>
@@ -14048,7 +14048,7 @@
   <p:timing>
     <p:tnLst>
       <p:par>
-        <p:cTn xmlns:p14="http://schemas.microsoft.com/office/powerpoint/2010/main" id="1" dur="indefinite" restart="never" nodeType="tmRoot"/>
+        <p:cTn id="1" dur="indefinite" restart="never" nodeType="tmRoot"/>
       </p:par>
     </p:tnLst>
   </p:timing>
@@ -14260,7 +14260,7 @@
   <p:timing>
     <p:tnLst>
       <p:par>
-        <p:cTn xmlns:p14="http://schemas.microsoft.com/office/powerpoint/2010/main" id="1" dur="indefinite" restart="never" nodeType="tmRoot"/>
+        <p:cTn id="1" dur="indefinite" restart="never" nodeType="tmRoot"/>
       </p:par>
     </p:tnLst>
   </p:timing>
@@ -14640,7 +14640,7 @@
   <p:timing>
     <p:tnLst>
       <p:par>
-        <p:cTn xmlns:p14="http://schemas.microsoft.com/office/powerpoint/2010/main" id="1" dur="indefinite" restart="never" nodeType="tmRoot"/>
+        <p:cTn id="1" dur="indefinite" restart="never" nodeType="tmRoot"/>
       </p:par>
     </p:tnLst>
   </p:timing>
@@ -14852,7 +14852,7 @@
   <p:timing>
     <p:tnLst>
       <p:par>
-        <p:cTn xmlns:p14="http://schemas.microsoft.com/office/powerpoint/2010/main" id="1" dur="indefinite" restart="never" nodeType="tmRoot"/>
+        <p:cTn id="1" dur="indefinite" restart="never" nodeType="tmRoot"/>
       </p:par>
     </p:tnLst>
   </p:timing>
@@ -14992,20 +14992,20 @@
     </p:spTree>
     <p:extLst>
       <p:ext uri="{BB962C8B-B14F-4D97-AF65-F5344CB8AC3E}">
-        <p14:creationId xmlns:p14="http://schemas.microsoft.com/office/powerpoint/2010/main" val="1244883522"/>
+        <p14:creationId xmlns:p14="http://schemas.microsoft.com/office/powerpoint/2010/main" xmlns="" val="1244883522"/>
       </p:ext>
     </p:extLst>
   </p:cSld>
   <p:clrMapOvr>
     <a:masterClrMapping/>
   </p:clrMapOvr>
-  <p:transition xmlns:p14="http://schemas.microsoft.com/office/powerpoint/2010/main">
+  <p:transition>
     <p:fade/>
   </p:transition>
   <p:timing>
     <p:tnLst>
       <p:par>
-        <p:cTn xmlns:p14="http://schemas.microsoft.com/office/powerpoint/2010/main" id="1" dur="indefinite" restart="never" nodeType="tmRoot"/>
+        <p:cTn id="1" dur="indefinite" restart="never" nodeType="tmRoot"/>
       </p:par>
     </p:tnLst>
   </p:timing>
@@ -15263,7 +15263,7 @@
   <p:timing>
     <p:tnLst>
       <p:par>
-        <p:cTn xmlns:p14="http://schemas.microsoft.com/office/powerpoint/2010/main" id="1" dur="indefinite" restart="never" nodeType="tmRoot"/>
+        <p:cTn id="1" dur="indefinite" restart="never" nodeType="tmRoot"/>
       </p:par>
     </p:tnLst>
   </p:timing>
@@ -15403,20 +15403,20 @@
     </p:spTree>
     <p:extLst>
       <p:ext uri="{BB962C8B-B14F-4D97-AF65-F5344CB8AC3E}">
-        <p14:creationId xmlns:p14="http://schemas.microsoft.com/office/powerpoint/2010/main" val="1244883522"/>
+        <p14:creationId xmlns:p14="http://schemas.microsoft.com/office/powerpoint/2010/main" xmlns="" val="1244883522"/>
       </p:ext>
     </p:extLst>
   </p:cSld>
   <p:clrMapOvr>
     <a:masterClrMapping/>
   </p:clrMapOvr>
-  <p:transition xmlns:p14="http://schemas.microsoft.com/office/powerpoint/2010/main">
+  <p:transition>
     <p:fade/>
   </p:transition>
   <p:timing>
     <p:tnLst>
       <p:par>
-        <p:cTn xmlns:p14="http://schemas.microsoft.com/office/powerpoint/2010/main" id="1" dur="indefinite" restart="never" nodeType="tmRoot"/>
+        <p:cTn id="1" dur="indefinite" restart="never" nodeType="tmRoot"/>
       </p:par>
     </p:tnLst>
   </p:timing>
@@ -15611,13 +15611,13 @@
   <p:clrMapOvr>
     <a:masterClrMapping/>
   </p:clrMapOvr>
-  <p:transition xmlns:p14="http://schemas.microsoft.com/office/powerpoint/2010/main">
+  <p:transition>
     <p:fade/>
   </p:transition>
   <p:timing>
     <p:tnLst>
       <p:par>
-        <p:cTn xmlns:p14="http://schemas.microsoft.com/office/powerpoint/2010/main" id="1" dur="indefinite" restart="never" nodeType="tmRoot"/>
+        <p:cTn id="1" dur="indefinite" restart="never" nodeType="tmRoot"/>
       </p:par>
     </p:tnLst>
   </p:timing>
@@ -16993,7 +16993,7 @@
   <p:timing>
     <p:tnLst>
       <p:par>
-        <p:cTn xmlns:p14="http://schemas.microsoft.com/office/powerpoint/2010/main" id="1" dur="indefinite" restart="never" nodeType="tmRoot">
+        <p:cTn id="1" dur="indefinite" restart="never" nodeType="tmRoot">
           <p:childTnLst>
             <p:seq concurrent="1" nextAc="seek">
               <p:cTn id="2" dur="indefinite" nodeType="mainSeq">
@@ -18146,7 +18146,7 @@
   <p:timing>
     <p:tnLst>
       <p:par>
-        <p:cTn xmlns:p14="http://schemas.microsoft.com/office/powerpoint/2010/main" id="1" dur="indefinite" restart="never" nodeType="tmRoot"/>
+        <p:cTn id="1" dur="indefinite" restart="never" nodeType="tmRoot"/>
       </p:par>
     </p:tnLst>
   </p:timing>
@@ -19567,7 +19567,7 @@
   <p:timing>
     <p:tnLst>
       <p:par>
-        <p:cTn xmlns:p14="http://schemas.microsoft.com/office/powerpoint/2010/main" id="1" dur="indefinite" restart="never" nodeType="tmRoot">
+        <p:cTn id="1" dur="indefinite" restart="never" nodeType="tmRoot">
           <p:childTnLst>
             <p:seq concurrent="1" nextAc="seek">
               <p:cTn id="2" dur="indefinite" nodeType="mainSeq">
@@ -20551,7 +20551,7 @@
   <p:timing>
     <p:tnLst>
       <p:par>
-        <p:cTn xmlns:p14="http://schemas.microsoft.com/office/powerpoint/2010/main" id="1" dur="indefinite" restart="never" nodeType="tmRoot">
+        <p:cTn id="1" dur="indefinite" restart="never" nodeType="tmRoot">
           <p:childTnLst>
             <p:seq concurrent="1" nextAc="seek">
               <p:cTn id="2" dur="indefinite" nodeType="mainSeq">
@@ -21032,7 +21032,7 @@
   <p:timing>
     <p:tnLst>
       <p:par>
-        <p:cTn xmlns:p14="http://schemas.microsoft.com/office/powerpoint/2010/main" id="1" dur="indefinite" restart="never" nodeType="tmRoot"/>
+        <p:cTn id="1" dur="indefinite" restart="never" nodeType="tmRoot"/>
       </p:par>
     </p:tnLst>
   </p:timing>
@@ -23212,7 +23212,7 @@
   <p:timing>
     <p:tnLst>
       <p:par>
-        <p:cTn xmlns:p14="http://schemas.microsoft.com/office/powerpoint/2010/main" id="1" dur="indefinite" restart="never" nodeType="tmRoot">
+        <p:cTn id="1" dur="indefinite" restart="never" nodeType="tmRoot">
           <p:childTnLst>
             <p:seq concurrent="1" nextAc="seek">
               <p:cTn id="2" dur="indefinite" nodeType="mainSeq">
@@ -24033,7 +24033,7 @@
   <p:timing>
     <p:tnLst>
       <p:par>
-        <p:cTn xmlns:p14="http://schemas.microsoft.com/office/powerpoint/2010/main" id="1" dur="indefinite" restart="never" nodeType="tmRoot">
+        <p:cTn id="1" dur="indefinite" restart="never" nodeType="tmRoot">
           <p:childTnLst>
             <p:seq concurrent="1" nextAc="seek">
               <p:cTn id="2" dur="indefinite" nodeType="mainSeq">
@@ -24441,20 +24441,20 @@
     </p:spTree>
     <p:extLst>
       <p:ext uri="{BB962C8B-B14F-4D97-AF65-F5344CB8AC3E}">
-        <p14:creationId xmlns:p14="http://schemas.microsoft.com/office/powerpoint/2010/main" val="3800702723"/>
+        <p14:creationId xmlns:p14="http://schemas.microsoft.com/office/powerpoint/2010/main" xmlns="" val="3800702723"/>
       </p:ext>
     </p:extLst>
   </p:cSld>
   <p:clrMapOvr>
     <a:masterClrMapping/>
   </p:clrMapOvr>
-  <p:transition xmlns:p14="http://schemas.microsoft.com/office/powerpoint/2010/main">
+  <p:transition>
     <p:fade/>
   </p:transition>
   <p:timing>
     <p:tnLst>
       <p:par>
-        <p:cTn xmlns:p14="http://schemas.microsoft.com/office/powerpoint/2010/main" id="1" dur="indefinite" restart="never" nodeType="tmRoot"/>
+        <p:cTn id="1" dur="indefinite" restart="never" nodeType="tmRoot"/>
       </p:par>
     </p:tnLst>
   </p:timing>
@@ -24700,7 +24700,7 @@
   <p:timing>
     <p:tnLst>
       <p:par>
-        <p:cTn xmlns:p14="http://schemas.microsoft.com/office/powerpoint/2010/main" id="1" dur="indefinite" restart="never" nodeType="tmRoot"/>
+        <p:cTn id="1" dur="indefinite" restart="never" nodeType="tmRoot"/>
       </p:par>
     </p:tnLst>
   </p:timing>
@@ -24984,7 +24984,7 @@
   <p:timing>
     <p:tnLst>
       <p:par>
-        <p:cTn xmlns:p14="http://schemas.microsoft.com/office/powerpoint/2010/main" id="1" dur="indefinite" restart="never" nodeType="tmRoot">
+        <p:cTn id="1" dur="indefinite" restart="never" nodeType="tmRoot">
           <p:childTnLst>
             <p:seq concurrent="1" nextAc="seek">
               <p:cTn id="2" dur="indefinite" nodeType="mainSeq">
@@ -25523,7 +25523,7 @@
   <p:timing>
     <p:tnLst>
       <p:par>
-        <p:cTn xmlns:p14="http://schemas.microsoft.com/office/powerpoint/2010/main" id="1" dur="indefinite" restart="never" nodeType="tmRoot">
+        <p:cTn id="1" dur="indefinite" restart="never" nodeType="tmRoot">
           <p:childTnLst>
             <p:seq concurrent="1" nextAc="seek">
               <p:cTn id="2" dur="indefinite" nodeType="mainSeq">
@@ -26009,7 +26009,7 @@
   <p:timing>
     <p:tnLst>
       <p:par>
-        <p:cTn xmlns:p14="http://schemas.microsoft.com/office/powerpoint/2010/main" id="1" dur="indefinite" restart="never" nodeType="tmRoot"/>
+        <p:cTn id="1" dur="indefinite" restart="never" nodeType="tmRoot"/>
       </p:par>
     </p:tnLst>
   </p:timing>
@@ -26296,7 +26296,7 @@
   <p:timing>
     <p:tnLst>
       <p:par>
-        <p:cTn xmlns:p14="http://schemas.microsoft.com/office/powerpoint/2010/main" id="1" dur="indefinite" restart="never" nodeType="tmRoot"/>
+        <p:cTn id="1" dur="indefinite" restart="never" nodeType="tmRoot"/>
       </p:par>
     </p:tnLst>
   </p:timing>
@@ -27390,7 +27390,7 @@
   <p:timing>
     <p:tnLst>
       <p:par>
-        <p:cTn xmlns:p14="http://schemas.microsoft.com/office/powerpoint/2010/main" id="1" dur="indefinite" restart="never" nodeType="tmRoot">
+        <p:cTn id="1" dur="indefinite" restart="never" nodeType="tmRoot">
           <p:childTnLst>
             <p:seq concurrent="1" nextAc="seek">
               <p:cTn id="2" dur="indefinite" nodeType="mainSeq">
@@ -28138,7 +28138,7 @@
   <p:timing>
     <p:tnLst>
       <p:par>
-        <p:cTn xmlns:p14="http://schemas.microsoft.com/office/powerpoint/2010/main" id="1" dur="indefinite" restart="never" nodeType="tmRoot">
+        <p:cTn id="1" dur="indefinite" restart="never" nodeType="tmRoot">
           <p:childTnLst>
             <p:seq concurrent="1" nextAc="seek">
               <p:cTn id="2" dur="indefinite" nodeType="mainSeq">
@@ -29086,7 +29086,7 @@
   <p:timing>
     <p:tnLst>
       <p:par>
-        <p:cTn xmlns:p14="http://schemas.microsoft.com/office/powerpoint/2010/main" id="1" dur="indefinite" restart="never" nodeType="tmRoot">
+        <p:cTn id="1" dur="indefinite" restart="never" nodeType="tmRoot">
           <p:childTnLst>
             <p:seq concurrent="1" nextAc="seek">
               <p:cTn id="2" dur="indefinite" nodeType="mainSeq">
@@ -29415,6 +29415,321 @@
           <a:p>
             <a:r>
               <a:rPr lang="en-GB" dirty="0" smtClean="0"/>
+              <a:t>MPS.</a:t>
+            </a:r>
+          </a:p>
+          <a:p>
+            <a:r>
+              <a:rPr lang="en-GB" dirty="0" err="1" smtClean="0"/>
+              <a:t>Mbeddr</a:t>
+            </a:r>
+            <a:r>
+              <a:rPr lang="en-GB" dirty="0" smtClean="0"/>
+              <a:t> + </a:t>
+            </a:r>
+            <a:r>
+              <a:rPr lang="en-GB" dirty="0" err="1" smtClean="0"/>
+              <a:t>autosar</a:t>
+            </a:r>
+            <a:endParaRPr lang="en-GB" dirty="0" smtClean="0"/>
+          </a:p>
+        </p:txBody>
+      </p:sp>
+      <p:sp>
+        <p:nvSpPr>
+          <p:cNvPr id="9" name="Textplatzhalter 4"/>
+          <p:cNvSpPr>
+            <a:spLocks noGrp="1"/>
+          </p:cNvSpPr>
+          <p:nvPr>
+            <p:ph type="body" sz="quarter" idx="14"/>
+          </p:nvPr>
+        </p:nvSpPr>
+        <p:spPr>
+          <a:xfrm>
+            <a:off x="465138" y="1611038"/>
+            <a:ext cx="11263312" cy="4861700"/>
+          </a:xfrm>
+        </p:spPr>
+        <p:txBody>
+          <a:bodyPr/>
+          <a:lstStyle/>
+          <a:p>
+            <a:pPr marL="266700" indent="-266700">
+              <a:spcBef>
+                <a:spcPct val="0"/>
+              </a:spcBef>
+            </a:pPr>
+            <a:endParaRPr lang="en-US" dirty="0" smtClean="0">
+              <a:ea typeface="ＭＳ Ｐゴシック" charset="-128"/>
+            </a:endParaRPr>
+          </a:p>
+          <a:p>
+            <a:pPr marL="266700" indent="-266700">
+              <a:spcBef>
+                <a:spcPct val="0"/>
+              </a:spcBef>
+              <a:buFont typeface="Symbol" pitchFamily="18" charset="2"/>
+              <a:buChar char="-"/>
+            </a:pPr>
+            <a:endParaRPr lang="en-US" dirty="0">
+              <a:ea typeface="ＭＳ Ｐゴシック" charset="-128"/>
+            </a:endParaRPr>
+          </a:p>
+          <a:p>
+            <a:pPr>
+              <a:buFontTx/>
+              <a:buChar char="-"/>
+            </a:pPr>
+            <a:endParaRPr lang="en-US" dirty="0" smtClean="0"/>
+          </a:p>
+          <a:p>
+            <a:endParaRPr lang="de-DE" dirty="0"/>
+          </a:p>
+        </p:txBody>
+      </p:sp>
+      <p:sp>
+        <p:nvSpPr>
+          <p:cNvPr id="10" name="Rechteck 8"/>
+          <p:cNvSpPr/>
+          <p:nvPr/>
+        </p:nvSpPr>
+        <p:spPr>
+          <a:xfrm>
+            <a:off x="1832262" y="2458800"/>
+            <a:ext cx="7992888" cy="216024"/>
+          </a:xfrm>
+          <a:prstGeom prst="rect">
+            <a:avLst/>
+          </a:prstGeom>
+          <a:solidFill>
+            <a:schemeClr val="bg1"/>
+          </a:solidFill>
+          <a:ln>
+            <a:noFill/>
+          </a:ln>
+          <a:effectLst/>
+        </p:spPr>
+        <p:style>
+          <a:lnRef idx="1">
+            <a:schemeClr val="accent1"/>
+          </a:lnRef>
+          <a:fillRef idx="3">
+            <a:schemeClr val="accent1"/>
+          </a:fillRef>
+          <a:effectRef idx="2">
+            <a:schemeClr val="accent1"/>
+          </a:effectRef>
+          <a:fontRef idx="minor">
+            <a:schemeClr val="lt1"/>
+          </a:fontRef>
+        </p:style>
+        <p:txBody>
+          <a:bodyPr rtlCol="0" anchor="ctr"/>
+          <a:lstStyle/>
+          <a:p>
+            <a:pPr algn="ctr"/>
+            <a:endParaRPr lang="de-DE" sz="4000">
+              <a:latin typeface="Calibri"/>
+              <a:cs typeface="Calibri"/>
+            </a:endParaRPr>
+          </a:p>
+        </p:txBody>
+      </p:sp>
+      <p:sp>
+        <p:nvSpPr>
+          <p:cNvPr id="12" name="Textplatzhalter 3"/>
+          <p:cNvSpPr txBox="1">
+            <a:spLocks/>
+          </p:cNvSpPr>
+          <p:nvPr/>
+        </p:nvSpPr>
+        <p:spPr>
+          <a:xfrm>
+            <a:off x="2865360" y="3378210"/>
+            <a:ext cx="7161268" cy="960437"/>
+          </a:xfrm>
+          <a:prstGeom prst="rect">
+            <a:avLst/>
+          </a:prstGeom>
+        </p:spPr>
+        <p:txBody>
+          <a:bodyPr lIns="0" tIns="0" rIns="0" bIns="0">
+            <a:noAutofit/>
+          </a:bodyPr>
+          <a:lstStyle/>
+          <a:p>
+            <a:pPr marL="0" marR="0" lvl="0" indent="0" algn="l" defTabSz="914400" rtl="0" eaLnBrk="1" fontAlgn="auto" latinLnBrk="0" hangingPunct="1">
+              <a:lnSpc>
+                <a:spcPts val="2800"/>
+              </a:lnSpc>
+              <a:spcBef>
+                <a:spcPts val="0"/>
+              </a:spcBef>
+              <a:spcAft>
+                <a:spcPts val="0"/>
+              </a:spcAft>
+              <a:buClrTx/>
+              <a:buSzTx/>
+              <a:buFont typeface="Arial" pitchFamily="34" charset="0"/>
+              <a:buNone/>
+              <a:tabLst/>
+              <a:defRPr/>
+            </a:pPr>
+            <a:r>
+              <a:rPr kumimoji="0" lang="en-GB" sz="8800" b="1" i="0" u="none" strike="noStrike" kern="1200" cap="all" spc="0" normalizeH="0" baseline="0" noProof="0" smtClean="0">
+                <a:ln>
+                  <a:noFill/>
+                </a:ln>
+                <a:solidFill>
+                  <a:schemeClr val="bg2"/>
+                </a:solidFill>
+                <a:effectLst/>
+                <a:uLnTx/>
+                <a:uFillTx/>
+                <a:latin typeface="+mn-lt"/>
+                <a:ea typeface="+mn-ea"/>
+                <a:cs typeface="+mn-cs"/>
+              </a:rPr>
+              <a:t>DEMO</a:t>
+            </a:r>
+            <a:endParaRPr kumimoji="0" lang="en-GB" sz="8800" b="1" i="0" u="none" strike="noStrike" kern="1200" cap="all" spc="0" normalizeH="0" baseline="0" noProof="0" dirty="0" smtClean="0">
+              <a:ln>
+                <a:noFill/>
+              </a:ln>
+              <a:solidFill>
+                <a:schemeClr val="bg2"/>
+              </a:solidFill>
+              <a:effectLst/>
+              <a:uLnTx/>
+              <a:uFillTx/>
+              <a:latin typeface="+mn-lt"/>
+              <a:ea typeface="+mn-ea"/>
+              <a:cs typeface="+mn-cs"/>
+            </a:endParaRPr>
+          </a:p>
+        </p:txBody>
+      </p:sp>
+    </p:spTree>
+  </p:cSld>
+  <p:clrMapOvr>
+    <a:masterClrMapping/>
+  </p:clrMapOvr>
+  <p:timing>
+    <p:tnLst>
+      <p:par>
+        <p:cTn id="1" dur="indefinite" restart="never" nodeType="tmRoot"/>
+      </p:par>
+    </p:tnLst>
+  </p:timing>
+</p:sld>
+</file>
+
+<file path=ppt/slides/slide39.xml><?xml version="1.0" encoding="utf-8"?>
+<p:sld xmlns:a="http://schemas.openxmlformats.org/drawingml/2006/main" xmlns:r="http://schemas.openxmlformats.org/officeDocument/2006/relationships" xmlns:p="http://schemas.openxmlformats.org/presentationml/2006/main">
+  <p:cSld>
+    <p:spTree>
+      <p:nvGrpSpPr>
+        <p:cNvPr id="1" name=""/>
+        <p:cNvGrpSpPr/>
+        <p:nvPr/>
+      </p:nvGrpSpPr>
+      <p:grpSpPr>
+        <a:xfrm>
+          <a:off x="0" y="0"/>
+          <a:ext cx="0" cy="0"/>
+          <a:chOff x="0" y="0"/>
+          <a:chExt cx="0" cy="0"/>
+        </a:xfrm>
+      </p:grpSpPr>
+      <p:sp>
+        <p:nvSpPr>
+          <p:cNvPr id="6" name="Fußzeilenplatzhalter 1"/>
+          <p:cNvSpPr>
+            <a:spLocks noGrp="1"/>
+          </p:cNvSpPr>
+          <p:nvPr>
+            <p:ph type="ftr" sz="quarter" idx="10"/>
+          </p:nvPr>
+        </p:nvSpPr>
+        <p:spPr>
+          <a:xfrm>
+            <a:off x="465138" y="6508573"/>
+            <a:ext cx="4021247" cy="331787"/>
+          </a:xfrm>
+        </p:spPr>
+        <p:txBody>
+          <a:bodyPr/>
+          <a:lstStyle/>
+          <a:p>
+            <a:pPr algn="l"/>
+            <a:r>
+              <a:rPr lang="de-DE" dirty="0" err="1" smtClean="0"/>
+              <a:t>mbeddr</a:t>
+            </a:r>
+            <a:r>
+              <a:rPr lang="de-DE" dirty="0" smtClean="0"/>
+              <a:t>, 29.10.2013</a:t>
+            </a:r>
+            <a:endParaRPr lang="de-DE" dirty="0"/>
+          </a:p>
+        </p:txBody>
+      </p:sp>
+      <p:sp>
+        <p:nvSpPr>
+          <p:cNvPr id="7" name="Foliennummernplatzhalter 2"/>
+          <p:cNvSpPr>
+            <a:spLocks noGrp="1"/>
+          </p:cNvSpPr>
+          <p:nvPr>
+            <p:ph type="sldNum" sz="quarter" idx="11"/>
+          </p:nvPr>
+        </p:nvSpPr>
+        <p:spPr>
+          <a:xfrm>
+            <a:off x="6048138" y="6528870"/>
+            <a:ext cx="2988574" cy="329130"/>
+          </a:xfrm>
+        </p:spPr>
+        <p:txBody>
+          <a:bodyPr/>
+          <a:lstStyle/>
+          <a:p>
+            <a:r>
+              <a:rPr lang="en-GB" noProof="0" smtClean="0"/>
+              <a:t>Page </a:t>
+            </a:r>
+            <a:fld id="{AA807A42-CF27-4B84-8583-18EBE418342E}" type="slidenum">
+              <a:rPr lang="en-GB" noProof="0" smtClean="0"/>
+              <a:pPr/>
+              <a:t>39</a:t>
+            </a:fld>
+            <a:endParaRPr lang="en-GB" noProof="0" dirty="0"/>
+          </a:p>
+        </p:txBody>
+      </p:sp>
+      <p:sp>
+        <p:nvSpPr>
+          <p:cNvPr id="8" name="Textplatzhalter 3"/>
+          <p:cNvSpPr>
+            <a:spLocks noGrp="1"/>
+          </p:cNvSpPr>
+          <p:nvPr>
+            <p:ph type="body" sz="quarter" idx="13"/>
+          </p:nvPr>
+        </p:nvSpPr>
+        <p:spPr>
+          <a:xfrm>
+            <a:off x="465138" y="403226"/>
+            <a:ext cx="11263312" cy="960437"/>
+          </a:xfrm>
+        </p:spPr>
+        <p:txBody>
+          <a:bodyPr/>
+          <a:lstStyle/>
+          <a:p>
+            <a:r>
+              <a:rPr lang="en-GB" dirty="0" smtClean="0"/>
               <a:t>AUTOSAR methodology.</a:t>
             </a:r>
           </a:p>
@@ -30024,7 +30339,7 @@
   <p:timing>
     <p:tnLst>
       <p:par>
-        <p:cTn xmlns:p14="http://schemas.microsoft.com/office/powerpoint/2010/main" id="1" dur="indefinite" restart="never" nodeType="tmRoot">
+        <p:cTn id="1" dur="indefinite" restart="never" nodeType="tmRoot">
           <p:childTnLst>
             <p:seq concurrent="1" nextAc="seek">
               <p:cTn id="2" dur="indefinite" nodeType="mainSeq">
@@ -30287,7 +30602,7 @@
 </p:sld>
 </file>
 
-<file path=ppt/slides/slide39.xml><?xml version="1.0" encoding="utf-8"?>
+<file path=ppt/slides/slide4.xml><?xml version="1.0" encoding="utf-8"?>
 <p:sld xmlns:a="http://schemas.openxmlformats.org/drawingml/2006/main" xmlns:r="http://schemas.openxmlformats.org/officeDocument/2006/relationships" xmlns:p="http://schemas.openxmlformats.org/presentationml/2006/main">
   <p:cSld>
     <p:spTree>
@@ -30306,7 +30621,7 @@
       </p:grpSpPr>
       <p:sp>
         <p:nvSpPr>
-          <p:cNvPr id="6" name="Fußzeilenplatzhalter 1"/>
+          <p:cNvPr id="2" name="Fußzeilenplatzhalter 1"/>
           <p:cNvSpPr>
             <a:spLocks noGrp="1"/>
           </p:cNvSpPr>
@@ -30314,12 +30629,7 @@
             <p:ph type="ftr" sz="quarter" idx="10"/>
           </p:nvPr>
         </p:nvSpPr>
-        <p:spPr>
-          <a:xfrm>
-            <a:off x="465138" y="6508573"/>
-            <a:ext cx="4021247" cy="331787"/>
-          </a:xfrm>
-        </p:spPr>
+        <p:spPr/>
         <p:txBody>
           <a:bodyPr/>
           <a:lstStyle/>
@@ -30339,7 +30649,7 @@
       </p:sp>
       <p:sp>
         <p:nvSpPr>
-          <p:cNvPr id="7" name="Foliennummernplatzhalter 2"/>
+          <p:cNvPr id="3" name="Foliennummernplatzhalter 2"/>
           <p:cNvSpPr>
             <a:spLocks noGrp="1"/>
           </p:cNvSpPr>
@@ -30347,12 +30657,7 @@
             <p:ph type="sldNum" sz="quarter" idx="11"/>
           </p:nvPr>
         </p:nvSpPr>
-        <p:spPr>
-          <a:xfrm>
-            <a:off x="6048138" y="6528870"/>
-            <a:ext cx="2988574" cy="329130"/>
-          </a:xfrm>
-        </p:spPr>
+        <p:spPr/>
         <p:txBody>
           <a:bodyPr/>
           <a:lstStyle/>
@@ -30364,7 +30669,7 @@
             <a:fld id="{AA807A42-CF27-4B84-8583-18EBE418342E}" type="slidenum">
               <a:rPr lang="en-GB" noProof="0" smtClean="0"/>
               <a:pPr/>
-              <a:t>39</a:t>
+              <a:t>4</a:t>
             </a:fld>
             <a:endParaRPr lang="en-GB" noProof="0" dirty="0"/>
           </a:p>
@@ -30372,7 +30677,7 @@
       </p:sp>
       <p:sp>
         <p:nvSpPr>
-          <p:cNvPr id="8" name="Textplatzhalter 3"/>
+          <p:cNvPr id="6" name="Textplatzhalter 3"/>
           <p:cNvSpPr>
             <a:spLocks noGrp="1"/>
           </p:cNvSpPr>
@@ -30382,8 +30687,8 @@
         </p:nvSpPr>
         <p:spPr>
           <a:xfrm>
-            <a:off x="465138" y="403226"/>
-            <a:ext cx="11263312" cy="960437"/>
+            <a:off x="348763" y="403227"/>
+            <a:ext cx="8445285" cy="960437"/>
           </a:xfrm>
         </p:spPr>
         <p:txBody>
@@ -30392,29 +30697,20 @@
           <a:p>
             <a:r>
               <a:rPr lang="en-GB" dirty="0" smtClean="0"/>
-              <a:t>MPS.</a:t>
-            </a:r>
-          </a:p>
-          <a:p>
-            <a:r>
-              <a:rPr lang="en-GB" dirty="0" err="1" smtClean="0"/>
-              <a:t>Mbeddr</a:t>
-            </a:r>
+              <a:t>Context.</a:t>
+            </a:r>
+          </a:p>
+          <a:p>
             <a:r>
               <a:rPr lang="en-GB" dirty="0" smtClean="0"/>
-              <a:t> + </a:t>
-            </a:r>
-            <a:r>
-              <a:rPr lang="en-GB" dirty="0" err="1" smtClean="0"/>
-              <a:t>autosar</a:t>
-            </a:r>
-            <a:endParaRPr lang="en-GB" dirty="0" smtClean="0"/>
+              <a:t>What is mbeddr?</a:t>
+            </a:r>
           </a:p>
         </p:txBody>
       </p:sp>
       <p:sp>
         <p:nvSpPr>
-          <p:cNvPr id="9" name="Textplatzhalter 4"/>
+          <p:cNvPr id="7" name="Textplatzhalter 4"/>
           <p:cNvSpPr>
             <a:spLocks noGrp="1"/>
           </p:cNvSpPr>
@@ -30424,8 +30720,8 @@
         </p:nvSpPr>
         <p:spPr>
           <a:xfrm>
-            <a:off x="465138" y="1611038"/>
-            <a:ext cx="11263312" cy="4861700"/>
+            <a:off x="348763" y="1628679"/>
+            <a:ext cx="8445285" cy="4861700"/>
           </a:xfrm>
         </p:spPr>
         <p:txBody>
@@ -30467,14 +30763,14 @@
       </p:sp>
       <p:sp>
         <p:nvSpPr>
-          <p:cNvPr id="10" name="Rechteck 8"/>
+          <p:cNvPr id="9" name="Rechteck 8"/>
           <p:cNvSpPr/>
           <p:nvPr/>
         </p:nvSpPr>
         <p:spPr>
           <a:xfrm>
-            <a:off x="1832262" y="2458800"/>
-            <a:ext cx="7992888" cy="216024"/>
+            <a:off x="1373839" y="2476441"/>
+            <a:ext cx="5993105" cy="216024"/>
           </a:xfrm>
           <a:prstGeom prst="rect">
             <a:avLst/>
@@ -30506,7 +30802,7 @@
           <a:lstStyle/>
           <a:p>
             <a:pPr algn="ctr"/>
-            <a:endParaRPr lang="de-DE" sz="4000">
+            <a:endParaRPr lang="de-DE" sz="3200">
               <a:latin typeface="Calibri"/>
               <a:cs typeface="Calibri"/>
             </a:endParaRPr>
@@ -30515,7 +30811,7 @@
       </p:sp>
       <p:sp>
         <p:nvSpPr>
-          <p:cNvPr id="12" name="Textplatzhalter 3"/>
+          <p:cNvPr id="10" name="Titel 1"/>
           <p:cNvSpPr txBox="1">
             <a:spLocks/>
           </p:cNvSpPr>
@@ -30523,86 +30819,143 @@
         </p:nvSpPr>
         <p:spPr>
           <a:xfrm>
-            <a:off x="2865360" y="3378210"/>
-            <a:ext cx="7161268" cy="960437"/>
+            <a:off x="1319847" y="1324313"/>
+            <a:ext cx="8114861" cy="836712"/>
           </a:xfrm>
           <a:prstGeom prst="rect">
             <a:avLst/>
           </a:prstGeom>
         </p:spPr>
         <p:txBody>
-          <a:bodyPr lIns="0" tIns="0" rIns="0" bIns="0">
+          <a:bodyPr vert="horz" lIns="91440" tIns="45720" rIns="91440" bIns="45720" rtlCol="0" anchor="ctr">
             <a:noAutofit/>
           </a:bodyPr>
-          <a:lstStyle/>
-          <a:p>
-            <a:pPr marL="0" marR="0" lvl="0" indent="0" algn="l" defTabSz="914400" rtl="0" eaLnBrk="1" fontAlgn="auto" latinLnBrk="0" hangingPunct="1">
-              <a:lnSpc>
-                <a:spcPts val="2800"/>
-              </a:lnSpc>
+          <a:lstStyle>
+            <a:lvl1pPr algn="ctr" defTabSz="914400" rtl="0" eaLnBrk="1" latinLnBrk="0" hangingPunct="1">
               <a:spcBef>
-                <a:spcPts val="0"/>
+                <a:spcPct val="0"/>
               </a:spcBef>
-              <a:spcAft>
-                <a:spcPts val="0"/>
-              </a:spcAft>
-              <a:buClrTx/>
-              <a:buSzTx/>
-              <a:buFont typeface="Arial" pitchFamily="34" charset="0"/>
               <a:buNone/>
-              <a:tabLst/>
-              <a:defRPr/>
-            </a:pPr>
-            <a:r>
-              <a:rPr kumimoji="0" lang="en-GB" sz="8800" b="1" i="0" u="none" strike="noStrike" kern="1200" cap="all" spc="0" normalizeH="0" baseline="0" noProof="0" smtClean="0">
-                <a:ln>
-                  <a:noFill/>
-                </a:ln>
+              <a:defRPr sz="4400" kern="1200">
                 <a:solidFill>
-                  <a:schemeClr val="bg2"/>
+                  <a:schemeClr val="tx1"/>
                 </a:solidFill>
-                <a:effectLst/>
-                <a:uLnTx/>
-                <a:uFillTx/>
-                <a:latin typeface="+mn-lt"/>
-                <a:ea typeface="+mn-ea"/>
-                <a:cs typeface="+mn-cs"/>
+                <a:latin typeface="+mj-lt"/>
+                <a:ea typeface="+mj-ea"/>
+                <a:cs typeface="+mj-cs"/>
+              </a:defRPr>
+            </a:lvl1pPr>
+          </a:lstStyle>
+          <a:p>
+            <a:pPr algn="l"/>
+            <a:r>
+              <a:rPr lang="de-DE" sz="3200" b="1" dirty="0">
+                <a:solidFill>
+                  <a:schemeClr val="tx1">
+                    <a:lumMod val="75000"/>
+                    <a:lumOff val="25000"/>
+                  </a:schemeClr>
+                </a:solidFill>
+                <a:latin typeface="Calibri"/>
+                <a:ea typeface="Verdana" pitchFamily="34" charset="0"/>
+                <a:cs typeface="Calibri"/>
               </a:rPr>
-              <a:t>DEMO</a:t>
-            </a:r>
-            <a:endParaRPr kumimoji="0" lang="en-GB" sz="8800" b="1" i="0" u="none" strike="noStrike" kern="1200" cap="all" spc="0" normalizeH="0" baseline="0" noProof="0" dirty="0" smtClean="0">
-              <a:ln>
-                <a:noFill/>
-              </a:ln>
-              <a:solidFill>
-                <a:schemeClr val="bg2"/>
-              </a:solidFill>
-              <a:effectLst/>
-              <a:uLnTx/>
-              <a:uFillTx/>
-              <a:latin typeface="+mn-lt"/>
-              <a:ea typeface="+mn-ea"/>
-              <a:cs typeface="+mn-cs"/>
-            </a:endParaRPr>
+              <a:t>An extensible set of integrated </a:t>
+            </a:r>
+            <a:r>
+              <a:rPr lang="de-DE" sz="3200" b="1" dirty="0">
+                <a:solidFill>
+                  <a:srgbClr val="FF0000"/>
+                </a:solidFill>
+                <a:latin typeface="Calibri"/>
+                <a:ea typeface="Verdana" pitchFamily="34" charset="0"/>
+                <a:cs typeface="Calibri"/>
+              </a:rPr>
+              <a:t>languages </a:t>
+            </a:r>
           </a:p>
         </p:txBody>
       </p:sp>
+      <p:sp>
+        <p:nvSpPr>
+          <p:cNvPr id="11" name="Titel 1"/>
+          <p:cNvSpPr txBox="1">
+            <a:spLocks/>
+          </p:cNvSpPr>
+          <p:nvPr/>
+        </p:nvSpPr>
+        <p:spPr>
+          <a:xfrm>
+            <a:off x="1332419" y="1900377"/>
+            <a:ext cx="6559640" cy="836712"/>
+          </a:xfrm>
+          <a:prstGeom prst="rect">
+            <a:avLst/>
+          </a:prstGeom>
+        </p:spPr>
+        <p:txBody>
+          <a:bodyPr vert="horz" lIns="91440" tIns="45720" rIns="91440" bIns="45720" rtlCol="0" anchor="ctr">
+            <a:noAutofit/>
+          </a:bodyPr>
+          <a:lstStyle>
+            <a:lvl1pPr algn="ctr" defTabSz="914400" rtl="0" eaLnBrk="1" latinLnBrk="0" hangingPunct="1">
+              <a:spcBef>
+                <a:spcPct val="0"/>
+              </a:spcBef>
+              <a:buNone/>
+              <a:defRPr sz="4400" kern="1200">
+                <a:solidFill>
+                  <a:schemeClr val="tx1"/>
+                </a:solidFill>
+                <a:latin typeface="+mj-lt"/>
+                <a:ea typeface="+mj-ea"/>
+                <a:cs typeface="+mj-cs"/>
+              </a:defRPr>
+            </a:lvl1pPr>
+          </a:lstStyle>
+          <a:p>
+            <a:pPr algn="l"/>
+            <a:r>
+              <a:rPr lang="de-DE" sz="3200" b="1" dirty="0">
+                <a:solidFill>
+                  <a:schemeClr val="tx1">
+                    <a:lumMod val="75000"/>
+                    <a:lumOff val="25000"/>
+                  </a:schemeClr>
+                </a:solidFill>
+                <a:latin typeface="Calibri"/>
+                <a:ea typeface="Verdana" pitchFamily="34" charset="0"/>
+                <a:cs typeface="Calibri"/>
+              </a:rPr>
+              <a:t>for embedded software engineering. </a:t>
+            </a:r>
+          </a:p>
+        </p:txBody>
+      </p:sp>
     </p:spTree>
+    <p:extLst>
+      <p:ext uri="{BB962C8B-B14F-4D97-AF65-F5344CB8AC3E}">
+        <p14:creationId xmlns:p14="http://schemas.microsoft.com/office/powerpoint/2010/main" xmlns="" val="3938426385"/>
+      </p:ext>
+    </p:extLst>
   </p:cSld>
   <p:clrMapOvr>
     <a:masterClrMapping/>
   </p:clrMapOvr>
+  <p:transition>
+    <p:fade/>
+  </p:transition>
   <p:timing>
     <p:tnLst>
       <p:par>
-        <p:cTn xmlns:p14="http://schemas.microsoft.com/office/powerpoint/2010/main" id="1" dur="indefinite" restart="never" nodeType="tmRoot"/>
+        <p:cTn id="1" dur="indefinite" restart="never" nodeType="tmRoot"/>
       </p:par>
     </p:tnLst>
   </p:timing>
 </p:sld>
 </file>
 
-<file path=ppt/slides/slide4.xml><?xml version="1.0" encoding="utf-8"?>
+<file path=ppt/slides/slide40.xml><?xml version="1.0" encoding="utf-8"?>
 <p:sld xmlns:a="http://schemas.openxmlformats.org/drawingml/2006/main" xmlns:r="http://schemas.openxmlformats.org/officeDocument/2006/relationships" xmlns:p="http://schemas.openxmlformats.org/presentationml/2006/main">
   <p:cSld>
     <p:spTree>
@@ -30621,6 +30974,213 @@
       </p:grpSpPr>
       <p:sp>
         <p:nvSpPr>
+          <p:cNvPr id="6" name="Fußzeilenplatzhalter 1"/>
+          <p:cNvSpPr>
+            <a:spLocks noGrp="1"/>
+          </p:cNvSpPr>
+          <p:nvPr>
+            <p:ph type="ftr" sz="quarter" idx="10"/>
+          </p:nvPr>
+        </p:nvSpPr>
+        <p:spPr>
+          <a:xfrm>
+            <a:off x="465138" y="6508573"/>
+            <a:ext cx="4021247" cy="331787"/>
+          </a:xfrm>
+        </p:spPr>
+        <p:txBody>
+          <a:bodyPr/>
+          <a:lstStyle/>
+          <a:p>
+            <a:pPr algn="l"/>
+            <a:r>
+              <a:rPr lang="de-DE" dirty="0" err="1" smtClean="0"/>
+              <a:t>mbeddr</a:t>
+            </a:r>
+            <a:r>
+              <a:rPr lang="de-DE" dirty="0" smtClean="0"/>
+              <a:t>, 29.10.2013</a:t>
+            </a:r>
+            <a:endParaRPr lang="de-DE" dirty="0"/>
+          </a:p>
+        </p:txBody>
+      </p:sp>
+      <p:sp>
+        <p:nvSpPr>
+          <p:cNvPr id="7" name="Foliennummernplatzhalter 2"/>
+          <p:cNvSpPr>
+            <a:spLocks noGrp="1"/>
+          </p:cNvSpPr>
+          <p:nvPr>
+            <p:ph type="sldNum" sz="quarter" idx="11"/>
+          </p:nvPr>
+        </p:nvSpPr>
+        <p:spPr>
+          <a:xfrm>
+            <a:off x="6048138" y="6528870"/>
+            <a:ext cx="2988574" cy="329130"/>
+          </a:xfrm>
+        </p:spPr>
+        <p:txBody>
+          <a:bodyPr/>
+          <a:lstStyle/>
+          <a:p>
+            <a:r>
+              <a:rPr lang="en-GB" noProof="0" smtClean="0"/>
+              <a:t>Page </a:t>
+            </a:r>
+            <a:fld id="{AA807A42-CF27-4B84-8583-18EBE418342E}" type="slidenum">
+              <a:rPr lang="en-GB" noProof="0" smtClean="0"/>
+              <a:pPr/>
+              <a:t>40</a:t>
+            </a:fld>
+            <a:endParaRPr lang="en-GB" noProof="0" dirty="0"/>
+          </a:p>
+        </p:txBody>
+      </p:sp>
+      <p:sp>
+        <p:nvSpPr>
+          <p:cNvPr id="8" name="Textplatzhalter 3"/>
+          <p:cNvSpPr>
+            <a:spLocks noGrp="1"/>
+          </p:cNvSpPr>
+          <p:nvPr>
+            <p:ph type="body" sz="quarter" idx="13"/>
+          </p:nvPr>
+        </p:nvSpPr>
+        <p:spPr>
+          <a:xfrm>
+            <a:off x="465138" y="403226"/>
+            <a:ext cx="11263312" cy="960437"/>
+          </a:xfrm>
+        </p:spPr>
+        <p:txBody>
+          <a:bodyPr/>
+          <a:lstStyle/>
+          <a:p>
+            <a:r>
+              <a:rPr lang="en-GB" dirty="0" smtClean="0"/>
+              <a:t>Thank you!</a:t>
+            </a:r>
+          </a:p>
+        </p:txBody>
+      </p:sp>
+      <p:sp>
+        <p:nvSpPr>
+          <p:cNvPr id="9" name="Textplatzhalter 4"/>
+          <p:cNvSpPr>
+            <a:spLocks noGrp="1"/>
+          </p:cNvSpPr>
+          <p:nvPr>
+            <p:ph type="body" sz="quarter" idx="14"/>
+          </p:nvPr>
+        </p:nvSpPr>
+        <p:spPr>
+          <a:xfrm>
+            <a:off x="465138" y="1611038"/>
+            <a:ext cx="11263312" cy="4861700"/>
+          </a:xfrm>
+        </p:spPr>
+        <p:txBody>
+          <a:bodyPr/>
+          <a:lstStyle/>
+          <a:p>
+            <a:pPr marL="266700" indent="-266700">
+              <a:spcBef>
+                <a:spcPct val="0"/>
+              </a:spcBef>
+            </a:pPr>
+            <a:endParaRPr lang="en-US" dirty="0" smtClean="0">
+              <a:ea typeface="ＭＳ Ｐゴシック" charset="-128"/>
+            </a:endParaRPr>
+          </a:p>
+          <a:p>
+            <a:pPr marL="266700" indent="-266700">
+              <a:spcBef>
+                <a:spcPct val="0"/>
+              </a:spcBef>
+              <a:buFont typeface="Symbol" pitchFamily="18" charset="2"/>
+              <a:buChar char="-"/>
+            </a:pPr>
+            <a:endParaRPr lang="en-US" dirty="0">
+              <a:ea typeface="ＭＳ Ｐゴシック" charset="-128"/>
+            </a:endParaRPr>
+          </a:p>
+          <a:p>
+            <a:pPr>
+              <a:buFontTx/>
+              <a:buChar char="-"/>
+            </a:pPr>
+            <a:endParaRPr lang="en-US" dirty="0" smtClean="0"/>
+          </a:p>
+          <a:p>
+            <a:endParaRPr lang="de-DE" dirty="0"/>
+          </a:p>
+        </p:txBody>
+      </p:sp>
+      <p:pic>
+        <p:nvPicPr>
+          <p:cNvPr id="11" name="Bild 10" descr="1.pdf"/>
+          <p:cNvPicPr>
+            <a:picLocks noChangeAspect="1"/>
+          </p:cNvPicPr>
+          <p:nvPr/>
+        </p:nvPicPr>
+        <p:blipFill rotWithShape="1">
+          <a:blip r:embed="rId2" cstate="print">
+            <a:extLst>
+              <a:ext uri="{28A0092B-C50C-407E-A947-70E740481C1C}">
+                <a14:useLocalDpi xmlns:a14="http://schemas.microsoft.com/office/drawing/2010/main" xmlns="" val="0"/>
+              </a:ext>
+            </a:extLst>
+          </a:blip>
+          <a:srcRect l="9528" t="21373" r="10398" b="17256"/>
+          <a:stretch/>
+        </p:blipFill>
+        <p:spPr>
+          <a:xfrm>
+            <a:off x="1269836" y="2156259"/>
+            <a:ext cx="6155667" cy="2675371"/>
+          </a:xfrm>
+          <a:prstGeom prst="rect">
+            <a:avLst/>
+          </a:prstGeom>
+        </p:spPr>
+      </p:pic>
+    </p:spTree>
+  </p:cSld>
+  <p:clrMapOvr>
+    <a:masterClrMapping/>
+  </p:clrMapOvr>
+  <p:timing>
+    <p:tnLst>
+      <p:par>
+        <p:cTn id="1" dur="indefinite" restart="never" nodeType="tmRoot"/>
+      </p:par>
+    </p:tnLst>
+  </p:timing>
+</p:sld>
+</file>
+
+<file path=ppt/slides/slide5.xml><?xml version="1.0" encoding="utf-8"?>
+<p:sld xmlns:a="http://schemas.openxmlformats.org/drawingml/2006/main" xmlns:r="http://schemas.openxmlformats.org/officeDocument/2006/relationships" xmlns:p="http://schemas.openxmlformats.org/presentationml/2006/main">
+  <p:cSld>
+    <p:spTree>
+      <p:nvGrpSpPr>
+        <p:cNvPr id="1" name=""/>
+        <p:cNvGrpSpPr/>
+        <p:nvPr/>
+      </p:nvGrpSpPr>
+      <p:grpSpPr>
+        <a:xfrm>
+          <a:off x="0" y="0"/>
+          <a:ext cx="0" cy="0"/>
+          <a:chOff x="0" y="0"/>
+          <a:chExt cx="0" cy="0"/>
+        </a:xfrm>
+      </p:grpSpPr>
+      <p:sp>
+        <p:nvSpPr>
           <p:cNvPr id="2" name="Fußzeilenplatzhalter 1"/>
           <p:cNvSpPr>
             <a:spLocks noGrp="1"/>
@@ -30669,7 +31229,7 @@
             <a:fld id="{AA807A42-CF27-4B84-8583-18EBE418342E}" type="slidenum">
               <a:rPr lang="en-GB" noProof="0" smtClean="0"/>
               <a:pPr/>
-              <a:t>4</a:t>
+              <a:t>5</a:t>
             </a:fld>
             <a:endParaRPr lang="en-GB" noProof="0" dirty="0"/>
           </a:p>
@@ -30860,7 +31420,7 @@
                 <a:ea typeface="Verdana" pitchFamily="34" charset="0"/>
                 <a:cs typeface="Calibri"/>
               </a:rPr>
-              <a:t>An extensible set of integrated </a:t>
+              <a:t>An extensible set of </a:t>
             </a:r>
             <a:r>
               <a:rPr lang="de-DE" sz="3200" b="1" dirty="0">
@@ -30871,7 +31431,21 @@
                 <a:ea typeface="Verdana" pitchFamily="34" charset="0"/>
                 <a:cs typeface="Calibri"/>
               </a:rPr>
-              <a:t>languages </a:t>
+              <a:t>integrated</a:t>
+            </a:r>
+            <a:r>
+              <a:rPr lang="de-DE" sz="3200" b="1" dirty="0">
+                <a:solidFill>
+                  <a:schemeClr val="tx1">
+                    <a:lumMod val="75000"/>
+                    <a:lumOff val="25000"/>
+                  </a:schemeClr>
+                </a:solidFill>
+                <a:latin typeface="Calibri"/>
+                <a:ea typeface="Verdana" pitchFamily="34" charset="0"/>
+                <a:cs typeface="Calibri"/>
+              </a:rPr>
+              <a:t> languages </a:t>
             </a:r>
           </a:p>
         </p:txBody>
@@ -30935,27 +31509,27 @@
     </p:spTree>
     <p:extLst>
       <p:ext uri="{BB962C8B-B14F-4D97-AF65-F5344CB8AC3E}">
-        <p14:creationId xmlns:p14="http://schemas.microsoft.com/office/powerpoint/2010/main" val="3938426385"/>
+        <p14:creationId xmlns:p14="http://schemas.microsoft.com/office/powerpoint/2010/main" xmlns="" val="144512218"/>
       </p:ext>
     </p:extLst>
   </p:cSld>
   <p:clrMapOvr>
     <a:masterClrMapping/>
   </p:clrMapOvr>
-  <p:transition xmlns:p14="http://schemas.microsoft.com/office/powerpoint/2010/main">
+  <p:transition>
     <p:fade/>
   </p:transition>
   <p:timing>
     <p:tnLst>
       <p:par>
-        <p:cTn xmlns:p14="http://schemas.microsoft.com/office/powerpoint/2010/main" id="1" dur="indefinite" restart="never" nodeType="tmRoot"/>
+        <p:cTn id="1" dur="indefinite" restart="never" nodeType="tmRoot"/>
       </p:par>
     </p:tnLst>
   </p:timing>
 </p:sld>
 </file>
 
-<file path=ppt/slides/slide40.xml><?xml version="1.0" encoding="utf-8"?>
+<file path=ppt/slides/slide6.xml><?xml version="1.0" encoding="utf-8"?>
 <p:sld xmlns:a="http://schemas.openxmlformats.org/drawingml/2006/main" xmlns:r="http://schemas.openxmlformats.org/officeDocument/2006/relationships" xmlns:p="http://schemas.openxmlformats.org/presentationml/2006/main">
   <p:cSld>
     <p:spTree>
@@ -30974,213 +31548,6 @@
       </p:grpSpPr>
       <p:sp>
         <p:nvSpPr>
-          <p:cNvPr id="6" name="Fußzeilenplatzhalter 1"/>
-          <p:cNvSpPr>
-            <a:spLocks noGrp="1"/>
-          </p:cNvSpPr>
-          <p:nvPr>
-            <p:ph type="ftr" sz="quarter" idx="10"/>
-          </p:nvPr>
-        </p:nvSpPr>
-        <p:spPr>
-          <a:xfrm>
-            <a:off x="465138" y="6508573"/>
-            <a:ext cx="4021247" cy="331787"/>
-          </a:xfrm>
-        </p:spPr>
-        <p:txBody>
-          <a:bodyPr/>
-          <a:lstStyle/>
-          <a:p>
-            <a:pPr algn="l"/>
-            <a:r>
-              <a:rPr lang="de-DE" dirty="0" err="1" smtClean="0"/>
-              <a:t>mbeddr</a:t>
-            </a:r>
-            <a:r>
-              <a:rPr lang="de-DE" dirty="0" smtClean="0"/>
-              <a:t>, 29.10.2013</a:t>
-            </a:r>
-            <a:endParaRPr lang="de-DE" dirty="0"/>
-          </a:p>
-        </p:txBody>
-      </p:sp>
-      <p:sp>
-        <p:nvSpPr>
-          <p:cNvPr id="7" name="Foliennummernplatzhalter 2"/>
-          <p:cNvSpPr>
-            <a:spLocks noGrp="1"/>
-          </p:cNvSpPr>
-          <p:nvPr>
-            <p:ph type="sldNum" sz="quarter" idx="11"/>
-          </p:nvPr>
-        </p:nvSpPr>
-        <p:spPr>
-          <a:xfrm>
-            <a:off x="6048138" y="6528870"/>
-            <a:ext cx="2988574" cy="329130"/>
-          </a:xfrm>
-        </p:spPr>
-        <p:txBody>
-          <a:bodyPr/>
-          <a:lstStyle/>
-          <a:p>
-            <a:r>
-              <a:rPr lang="en-GB" noProof="0" smtClean="0"/>
-              <a:t>Page </a:t>
-            </a:r>
-            <a:fld id="{AA807A42-CF27-4B84-8583-18EBE418342E}" type="slidenum">
-              <a:rPr lang="en-GB" noProof="0" smtClean="0"/>
-              <a:pPr/>
-              <a:t>40</a:t>
-            </a:fld>
-            <a:endParaRPr lang="en-GB" noProof="0" dirty="0"/>
-          </a:p>
-        </p:txBody>
-      </p:sp>
-      <p:sp>
-        <p:nvSpPr>
-          <p:cNvPr id="8" name="Textplatzhalter 3"/>
-          <p:cNvSpPr>
-            <a:spLocks noGrp="1"/>
-          </p:cNvSpPr>
-          <p:nvPr>
-            <p:ph type="body" sz="quarter" idx="13"/>
-          </p:nvPr>
-        </p:nvSpPr>
-        <p:spPr>
-          <a:xfrm>
-            <a:off x="465138" y="403226"/>
-            <a:ext cx="11263312" cy="960437"/>
-          </a:xfrm>
-        </p:spPr>
-        <p:txBody>
-          <a:bodyPr/>
-          <a:lstStyle/>
-          <a:p>
-            <a:r>
-              <a:rPr lang="en-GB" dirty="0" smtClean="0"/>
-              <a:t>Thank you!</a:t>
-            </a:r>
-          </a:p>
-        </p:txBody>
-      </p:sp>
-      <p:sp>
-        <p:nvSpPr>
-          <p:cNvPr id="9" name="Textplatzhalter 4"/>
-          <p:cNvSpPr>
-            <a:spLocks noGrp="1"/>
-          </p:cNvSpPr>
-          <p:nvPr>
-            <p:ph type="body" sz="quarter" idx="14"/>
-          </p:nvPr>
-        </p:nvSpPr>
-        <p:spPr>
-          <a:xfrm>
-            <a:off x="465138" y="1611038"/>
-            <a:ext cx="11263312" cy="4861700"/>
-          </a:xfrm>
-        </p:spPr>
-        <p:txBody>
-          <a:bodyPr/>
-          <a:lstStyle/>
-          <a:p>
-            <a:pPr marL="266700" indent="-266700">
-              <a:spcBef>
-                <a:spcPct val="0"/>
-              </a:spcBef>
-            </a:pPr>
-            <a:endParaRPr lang="en-US" dirty="0" smtClean="0">
-              <a:ea typeface="ＭＳ Ｐゴシック" charset="-128"/>
-            </a:endParaRPr>
-          </a:p>
-          <a:p>
-            <a:pPr marL="266700" indent="-266700">
-              <a:spcBef>
-                <a:spcPct val="0"/>
-              </a:spcBef>
-              <a:buFont typeface="Symbol" pitchFamily="18" charset="2"/>
-              <a:buChar char="-"/>
-            </a:pPr>
-            <a:endParaRPr lang="en-US" dirty="0">
-              <a:ea typeface="ＭＳ Ｐゴシック" charset="-128"/>
-            </a:endParaRPr>
-          </a:p>
-          <a:p>
-            <a:pPr>
-              <a:buFontTx/>
-              <a:buChar char="-"/>
-            </a:pPr>
-            <a:endParaRPr lang="en-US" dirty="0" smtClean="0"/>
-          </a:p>
-          <a:p>
-            <a:endParaRPr lang="de-DE" dirty="0"/>
-          </a:p>
-        </p:txBody>
-      </p:sp>
-      <p:pic>
-        <p:nvPicPr>
-          <p:cNvPr id="11" name="Bild 10" descr="1.pdf"/>
-          <p:cNvPicPr>
-            <a:picLocks noChangeAspect="1"/>
-          </p:cNvPicPr>
-          <p:nvPr/>
-        </p:nvPicPr>
-        <p:blipFill rotWithShape="1">
-          <a:blip r:embed="rId2">
-            <a:extLst>
-              <a:ext uri="{28A0092B-C50C-407E-A947-70E740481C1C}">
-                <a14:useLocalDpi xmlns:a14="http://schemas.microsoft.com/office/drawing/2010/main" val="0"/>
-              </a:ext>
-            </a:extLst>
-          </a:blip>
-          <a:srcRect l="9528" t="21373" r="10398" b="17256"/>
-          <a:stretch/>
-        </p:blipFill>
-        <p:spPr>
-          <a:xfrm>
-            <a:off x="1269836" y="2156259"/>
-            <a:ext cx="6155667" cy="2675371"/>
-          </a:xfrm>
-          <a:prstGeom prst="rect">
-            <a:avLst/>
-          </a:prstGeom>
-        </p:spPr>
-      </p:pic>
-    </p:spTree>
-  </p:cSld>
-  <p:clrMapOvr>
-    <a:masterClrMapping/>
-  </p:clrMapOvr>
-  <p:timing>
-    <p:tnLst>
-      <p:par>
-        <p:cTn xmlns:p14="http://schemas.microsoft.com/office/powerpoint/2010/main" id="1" dur="indefinite" restart="never" nodeType="tmRoot"/>
-      </p:par>
-    </p:tnLst>
-  </p:timing>
-</p:sld>
-</file>
-
-<file path=ppt/slides/slide5.xml><?xml version="1.0" encoding="utf-8"?>
-<p:sld xmlns:a="http://schemas.openxmlformats.org/drawingml/2006/main" xmlns:r="http://schemas.openxmlformats.org/officeDocument/2006/relationships" xmlns:p="http://schemas.openxmlformats.org/presentationml/2006/main">
-  <p:cSld>
-    <p:spTree>
-      <p:nvGrpSpPr>
-        <p:cNvPr id="1" name=""/>
-        <p:cNvGrpSpPr/>
-        <p:nvPr/>
-      </p:nvGrpSpPr>
-      <p:grpSpPr>
-        <a:xfrm>
-          <a:off x="0" y="0"/>
-          <a:ext cx="0" cy="0"/>
-          <a:chOff x="0" y="0"/>
-          <a:chExt cx="0" cy="0"/>
-        </a:xfrm>
-      </p:grpSpPr>
-      <p:sp>
-        <p:nvSpPr>
           <p:cNvPr id="2" name="Fußzeilenplatzhalter 1"/>
           <p:cNvSpPr>
             <a:spLocks noGrp="1"/>
@@ -31229,7 +31596,7 @@
             <a:fld id="{AA807A42-CF27-4B84-8583-18EBE418342E}" type="slidenum">
               <a:rPr lang="en-GB" noProof="0" smtClean="0"/>
               <a:pPr/>
-              <a:t>5</a:t>
+              <a:t>6</a:t>
             </a:fld>
             <a:endParaRPr lang="en-GB" noProof="0" dirty="0"/>
           </a:p>
@@ -31420,7 +31787,7 @@
                 <a:ea typeface="Verdana" pitchFamily="34" charset="0"/>
                 <a:cs typeface="Calibri"/>
               </a:rPr>
-              <a:t>An extensible set of </a:t>
+              <a:t>An </a:t>
             </a:r>
             <a:r>
               <a:rPr lang="de-DE" sz="3200" b="1" dirty="0">
@@ -31431,7 +31798,7 @@
                 <a:ea typeface="Verdana" pitchFamily="34" charset="0"/>
                 <a:cs typeface="Calibri"/>
               </a:rPr>
-              <a:t>integrated</a:t>
+              <a:t>extensible</a:t>
             </a:r>
             <a:r>
               <a:rPr lang="de-DE" sz="3200" b="1" dirty="0">
@@ -31445,7 +31812,7 @@
                 <a:ea typeface="Verdana" pitchFamily="34" charset="0"/>
                 <a:cs typeface="Calibri"/>
               </a:rPr>
-              <a:t> languages </a:t>
+              <a:t> set of integrated languages </a:t>
             </a:r>
           </a:p>
         </p:txBody>
@@ -31509,27 +31876,27 @@
     </p:spTree>
     <p:extLst>
       <p:ext uri="{BB962C8B-B14F-4D97-AF65-F5344CB8AC3E}">
-        <p14:creationId xmlns:p14="http://schemas.microsoft.com/office/powerpoint/2010/main" val="144512218"/>
+        <p14:creationId xmlns:p14="http://schemas.microsoft.com/office/powerpoint/2010/main" xmlns="" val="2888238089"/>
       </p:ext>
     </p:extLst>
   </p:cSld>
   <p:clrMapOvr>
     <a:masterClrMapping/>
   </p:clrMapOvr>
-  <p:transition xmlns:p14="http://schemas.microsoft.com/office/powerpoint/2010/main">
+  <p:transition>
     <p:fade/>
   </p:transition>
   <p:timing>
     <p:tnLst>
       <p:par>
-        <p:cTn xmlns:p14="http://schemas.microsoft.com/office/powerpoint/2010/main" id="1" dur="indefinite" restart="never" nodeType="tmRoot"/>
+        <p:cTn id="1" dur="indefinite" restart="never" nodeType="tmRoot"/>
       </p:par>
     </p:tnLst>
   </p:timing>
 </p:sld>
 </file>
 
-<file path=ppt/slides/slide6.xml><?xml version="1.0" encoding="utf-8"?>
+<file path=ppt/slides/slide7.xml><?xml version="1.0" encoding="utf-8"?>
 <p:sld xmlns:a="http://schemas.openxmlformats.org/drawingml/2006/main" xmlns:r="http://schemas.openxmlformats.org/officeDocument/2006/relationships" xmlns:p="http://schemas.openxmlformats.org/presentationml/2006/main">
   <p:cSld>
     <p:spTree>
@@ -31596,7 +31963,7 @@
             <a:fld id="{AA807A42-CF27-4B84-8583-18EBE418342E}" type="slidenum">
               <a:rPr lang="en-GB" noProof="0" smtClean="0"/>
               <a:pPr/>
-              <a:t>6</a:t>
+              <a:t>7</a:t>
             </a:fld>
             <a:endParaRPr lang="en-GB" noProof="0" dirty="0"/>
           </a:p>
@@ -31787,32 +32154,7 @@
                 <a:ea typeface="Verdana" pitchFamily="34" charset="0"/>
                 <a:cs typeface="Calibri"/>
               </a:rPr>
-              <a:t>An </a:t>
-            </a:r>
-            <a:r>
-              <a:rPr lang="de-DE" sz="3200" b="1" dirty="0">
-                <a:solidFill>
-                  <a:srgbClr val="FF0000"/>
-                </a:solidFill>
-                <a:latin typeface="Calibri"/>
-                <a:ea typeface="Verdana" pitchFamily="34" charset="0"/>
-                <a:cs typeface="Calibri"/>
-              </a:rPr>
-              <a:t>extensible</a:t>
-            </a:r>
-            <a:r>
-              <a:rPr lang="de-DE" sz="3200" b="1" dirty="0">
-                <a:solidFill>
-                  <a:schemeClr val="tx1">
-                    <a:lumMod val="75000"/>
-                    <a:lumOff val="25000"/>
-                  </a:schemeClr>
-                </a:solidFill>
-                <a:latin typeface="Calibri"/>
-                <a:ea typeface="Verdana" pitchFamily="34" charset="0"/>
-                <a:cs typeface="Calibri"/>
-              </a:rPr>
-              <a:t> set of integrated languages </a:t>
+              <a:t>An extensible set of integrated languages </a:t>
             </a:r>
           </a:p>
         </p:txBody>
@@ -31868,7 +32210,32 @@
                 <a:ea typeface="Verdana" pitchFamily="34" charset="0"/>
                 <a:cs typeface="Calibri"/>
               </a:rPr>
-              <a:t>for embedded software engineering. </a:t>
+              <a:t>for </a:t>
+            </a:r>
+            <a:r>
+              <a:rPr lang="de-DE" sz="3200" b="1" dirty="0">
+                <a:solidFill>
+                  <a:srgbClr val="FF0000"/>
+                </a:solidFill>
+                <a:latin typeface="Calibri"/>
+                <a:ea typeface="Verdana" pitchFamily="34" charset="0"/>
+                <a:cs typeface="Calibri"/>
+              </a:rPr>
+              <a:t>embedded software</a:t>
+            </a:r>
+            <a:r>
+              <a:rPr lang="de-DE" sz="3200" b="1" dirty="0">
+                <a:solidFill>
+                  <a:schemeClr val="tx1">
+                    <a:lumMod val="75000"/>
+                    <a:lumOff val="25000"/>
+                  </a:schemeClr>
+                </a:solidFill>
+                <a:latin typeface="Calibri"/>
+                <a:ea typeface="Verdana" pitchFamily="34" charset="0"/>
+                <a:cs typeface="Calibri"/>
+              </a:rPr>
+              <a:t> engineering. </a:t>
             </a:r>
           </a:p>
         </p:txBody>
@@ -31876,27 +32243,27 @@
     </p:spTree>
     <p:extLst>
       <p:ext uri="{BB962C8B-B14F-4D97-AF65-F5344CB8AC3E}">
-        <p14:creationId xmlns:p14="http://schemas.microsoft.com/office/powerpoint/2010/main" val="2888238089"/>
+        <p14:creationId xmlns:p14="http://schemas.microsoft.com/office/powerpoint/2010/main" xmlns="" val="953527749"/>
       </p:ext>
     </p:extLst>
   </p:cSld>
   <p:clrMapOvr>
     <a:masterClrMapping/>
   </p:clrMapOvr>
-  <p:transition xmlns:p14="http://schemas.microsoft.com/office/powerpoint/2010/main">
+  <p:transition>
     <p:fade/>
   </p:transition>
   <p:timing>
     <p:tnLst>
       <p:par>
-        <p:cTn xmlns:p14="http://schemas.microsoft.com/office/powerpoint/2010/main" id="1" dur="indefinite" restart="never" nodeType="tmRoot"/>
+        <p:cTn id="1" dur="indefinite" restart="never" nodeType="tmRoot"/>
       </p:par>
     </p:tnLst>
   </p:timing>
 </p:sld>
 </file>
 
-<file path=ppt/slides/slide7.xml><?xml version="1.0" encoding="utf-8"?>
+<file path=ppt/slides/slide8.xml><?xml version="1.0" encoding="utf-8"?>
 <p:sld xmlns:a="http://schemas.openxmlformats.org/drawingml/2006/main" xmlns:r="http://schemas.openxmlformats.org/officeDocument/2006/relationships" xmlns:p="http://schemas.openxmlformats.org/presentationml/2006/main">
   <p:cSld>
     <p:spTree>
@@ -31963,7 +32330,7 @@
             <a:fld id="{AA807A42-CF27-4B84-8583-18EBE418342E}" type="slidenum">
               <a:rPr lang="en-GB" noProof="0" smtClean="0"/>
               <a:pPr/>
-              <a:t>7</a:t>
+              <a:t>8</a:t>
             </a:fld>
             <a:endParaRPr lang="en-GB" noProof="0" dirty="0"/>
           </a:p>
@@ -32210,7 +32577,7 @@
                 <a:ea typeface="Verdana" pitchFamily="34" charset="0"/>
                 <a:cs typeface="Calibri"/>
               </a:rPr>
-              <a:t>for </a:t>
+              <a:t>for embedded software </a:t>
             </a:r>
             <a:r>
               <a:rPr lang="de-DE" sz="3200" b="1" dirty="0">
@@ -32221,7 +32588,7 @@
                 <a:ea typeface="Verdana" pitchFamily="34" charset="0"/>
                 <a:cs typeface="Calibri"/>
               </a:rPr>
-              <a:t>embedded software</a:t>
+              <a:t>engineering</a:t>
             </a:r>
             <a:r>
               <a:rPr lang="de-DE" sz="3200" b="1" dirty="0">
@@ -32235,7 +32602,7 @@
                 <a:ea typeface="Verdana" pitchFamily="34" charset="0"/>
                 <a:cs typeface="Calibri"/>
               </a:rPr>
-              <a:t> engineering. </a:t>
+              <a:t>. </a:t>
             </a:r>
           </a:p>
         </p:txBody>
@@ -32243,27 +32610,27 @@
     </p:spTree>
     <p:extLst>
       <p:ext uri="{BB962C8B-B14F-4D97-AF65-F5344CB8AC3E}">
-        <p14:creationId xmlns:p14="http://schemas.microsoft.com/office/powerpoint/2010/main" val="953527749"/>
+        <p14:creationId xmlns:p14="http://schemas.microsoft.com/office/powerpoint/2010/main" xmlns="" val="4146777580"/>
       </p:ext>
     </p:extLst>
   </p:cSld>
   <p:clrMapOvr>
     <a:masterClrMapping/>
   </p:clrMapOvr>
-  <p:transition xmlns:p14="http://schemas.microsoft.com/office/powerpoint/2010/main">
+  <p:transition>
     <p:fade/>
   </p:transition>
   <p:timing>
     <p:tnLst>
       <p:par>
-        <p:cTn xmlns:p14="http://schemas.microsoft.com/office/powerpoint/2010/main" id="1" dur="indefinite" restart="never" nodeType="tmRoot"/>
+        <p:cTn id="1" dur="indefinite" restart="never" nodeType="tmRoot"/>
       </p:par>
     </p:tnLst>
   </p:timing>
 </p:sld>
 </file>
 
-<file path=ppt/slides/slide8.xml><?xml version="1.0" encoding="utf-8"?>
+<file path=ppt/slides/slide9.xml><?xml version="1.0" encoding="utf-8"?>
 <p:sld xmlns:a="http://schemas.openxmlformats.org/drawingml/2006/main" xmlns:r="http://schemas.openxmlformats.org/officeDocument/2006/relationships" xmlns:p="http://schemas.openxmlformats.org/presentationml/2006/main">
   <p:cSld>
     <p:spTree>
@@ -32330,7 +32697,7 @@
             <a:fld id="{AA807A42-CF27-4B84-8583-18EBE418342E}" type="slidenum">
               <a:rPr lang="en-GB" noProof="0" smtClean="0"/>
               <a:pPr/>
-              <a:t>8</a:t>
+              <a:t>9</a:t>
             </a:fld>
             <a:endParaRPr lang="en-GB" noProof="0" dirty="0"/>
           </a:p>
@@ -32577,373 +32944,6 @@
                 <a:ea typeface="Verdana" pitchFamily="34" charset="0"/>
                 <a:cs typeface="Calibri"/>
               </a:rPr>
-              <a:t>for embedded software </a:t>
-            </a:r>
-            <a:r>
-              <a:rPr lang="de-DE" sz="3200" b="1" dirty="0">
-                <a:solidFill>
-                  <a:srgbClr val="FF0000"/>
-                </a:solidFill>
-                <a:latin typeface="Calibri"/>
-                <a:ea typeface="Verdana" pitchFamily="34" charset="0"/>
-                <a:cs typeface="Calibri"/>
-              </a:rPr>
-              <a:t>engineering</a:t>
-            </a:r>
-            <a:r>
-              <a:rPr lang="de-DE" sz="3200" b="1" dirty="0">
-                <a:solidFill>
-                  <a:schemeClr val="tx1">
-                    <a:lumMod val="75000"/>
-                    <a:lumOff val="25000"/>
-                  </a:schemeClr>
-                </a:solidFill>
-                <a:latin typeface="Calibri"/>
-                <a:ea typeface="Verdana" pitchFamily="34" charset="0"/>
-                <a:cs typeface="Calibri"/>
-              </a:rPr>
-              <a:t>. </a:t>
-            </a:r>
-          </a:p>
-        </p:txBody>
-      </p:sp>
-    </p:spTree>
-    <p:extLst>
-      <p:ext uri="{BB962C8B-B14F-4D97-AF65-F5344CB8AC3E}">
-        <p14:creationId xmlns:p14="http://schemas.microsoft.com/office/powerpoint/2010/main" val="4146777580"/>
-      </p:ext>
-    </p:extLst>
-  </p:cSld>
-  <p:clrMapOvr>
-    <a:masterClrMapping/>
-  </p:clrMapOvr>
-  <p:transition xmlns:p14="http://schemas.microsoft.com/office/powerpoint/2010/main">
-    <p:fade/>
-  </p:transition>
-  <p:timing>
-    <p:tnLst>
-      <p:par>
-        <p:cTn xmlns:p14="http://schemas.microsoft.com/office/powerpoint/2010/main" id="1" dur="indefinite" restart="never" nodeType="tmRoot"/>
-      </p:par>
-    </p:tnLst>
-  </p:timing>
-</p:sld>
-</file>
-
-<file path=ppt/slides/slide9.xml><?xml version="1.0" encoding="utf-8"?>
-<p:sld xmlns:a="http://schemas.openxmlformats.org/drawingml/2006/main" xmlns:r="http://schemas.openxmlformats.org/officeDocument/2006/relationships" xmlns:p="http://schemas.openxmlformats.org/presentationml/2006/main">
-  <p:cSld>
-    <p:spTree>
-      <p:nvGrpSpPr>
-        <p:cNvPr id="1" name=""/>
-        <p:cNvGrpSpPr/>
-        <p:nvPr/>
-      </p:nvGrpSpPr>
-      <p:grpSpPr>
-        <a:xfrm>
-          <a:off x="0" y="0"/>
-          <a:ext cx="0" cy="0"/>
-          <a:chOff x="0" y="0"/>
-          <a:chExt cx="0" cy="0"/>
-        </a:xfrm>
-      </p:grpSpPr>
-      <p:sp>
-        <p:nvSpPr>
-          <p:cNvPr id="2" name="Fußzeilenplatzhalter 1"/>
-          <p:cNvSpPr>
-            <a:spLocks noGrp="1"/>
-          </p:cNvSpPr>
-          <p:nvPr>
-            <p:ph type="ftr" sz="quarter" idx="10"/>
-          </p:nvPr>
-        </p:nvSpPr>
-        <p:spPr/>
-        <p:txBody>
-          <a:bodyPr/>
-          <a:lstStyle/>
-          <a:p>
-            <a:pPr algn="l"/>
-            <a:r>
-              <a:rPr lang="de-DE" dirty="0" err="1" smtClean="0"/>
-              <a:t>mbeddr</a:t>
-            </a:r>
-            <a:r>
-              <a:rPr lang="de-DE" dirty="0" smtClean="0"/>
-              <a:t>, 29.10.2013</a:t>
-            </a:r>
-            <a:endParaRPr lang="de-DE" dirty="0"/>
-          </a:p>
-        </p:txBody>
-      </p:sp>
-      <p:sp>
-        <p:nvSpPr>
-          <p:cNvPr id="3" name="Foliennummernplatzhalter 2"/>
-          <p:cNvSpPr>
-            <a:spLocks noGrp="1"/>
-          </p:cNvSpPr>
-          <p:nvPr>
-            <p:ph type="sldNum" sz="quarter" idx="11"/>
-          </p:nvPr>
-        </p:nvSpPr>
-        <p:spPr/>
-        <p:txBody>
-          <a:bodyPr/>
-          <a:lstStyle/>
-          <a:p>
-            <a:r>
-              <a:rPr lang="en-GB" noProof="0" smtClean="0"/>
-              <a:t>Page </a:t>
-            </a:r>
-            <a:fld id="{AA807A42-CF27-4B84-8583-18EBE418342E}" type="slidenum">
-              <a:rPr lang="en-GB" noProof="0" smtClean="0"/>
-              <a:pPr/>
-              <a:t>9</a:t>
-            </a:fld>
-            <a:endParaRPr lang="en-GB" noProof="0" dirty="0"/>
-          </a:p>
-        </p:txBody>
-      </p:sp>
-      <p:sp>
-        <p:nvSpPr>
-          <p:cNvPr id="6" name="Textplatzhalter 3"/>
-          <p:cNvSpPr>
-            <a:spLocks noGrp="1"/>
-          </p:cNvSpPr>
-          <p:nvPr>
-            <p:ph type="body" sz="quarter" idx="13"/>
-          </p:nvPr>
-        </p:nvSpPr>
-        <p:spPr>
-          <a:xfrm>
-            <a:off x="348763" y="403227"/>
-            <a:ext cx="8445285" cy="960437"/>
-          </a:xfrm>
-        </p:spPr>
-        <p:txBody>
-          <a:bodyPr/>
-          <a:lstStyle/>
-          <a:p>
-            <a:r>
-              <a:rPr lang="en-GB" dirty="0" smtClean="0"/>
-              <a:t>Context.</a:t>
-            </a:r>
-          </a:p>
-          <a:p>
-            <a:r>
-              <a:rPr lang="en-GB" dirty="0" smtClean="0"/>
-              <a:t>What is mbeddr?</a:t>
-            </a:r>
-          </a:p>
-        </p:txBody>
-      </p:sp>
-      <p:sp>
-        <p:nvSpPr>
-          <p:cNvPr id="7" name="Textplatzhalter 4"/>
-          <p:cNvSpPr>
-            <a:spLocks noGrp="1"/>
-          </p:cNvSpPr>
-          <p:nvPr>
-            <p:ph type="body" sz="quarter" idx="14"/>
-          </p:nvPr>
-        </p:nvSpPr>
-        <p:spPr>
-          <a:xfrm>
-            <a:off x="348763" y="1628679"/>
-            <a:ext cx="8445285" cy="4861700"/>
-          </a:xfrm>
-        </p:spPr>
-        <p:txBody>
-          <a:bodyPr/>
-          <a:lstStyle/>
-          <a:p>
-            <a:pPr marL="266700" indent="-266700">
-              <a:spcBef>
-                <a:spcPct val="0"/>
-              </a:spcBef>
-            </a:pPr>
-            <a:endParaRPr lang="en-US" dirty="0" smtClean="0">
-              <a:ea typeface="ＭＳ Ｐゴシック" charset="-128"/>
-            </a:endParaRPr>
-          </a:p>
-          <a:p>
-            <a:pPr marL="266700" indent="-266700">
-              <a:spcBef>
-                <a:spcPct val="0"/>
-              </a:spcBef>
-              <a:buFont typeface="Symbol" pitchFamily="18" charset="2"/>
-              <a:buChar char="-"/>
-            </a:pPr>
-            <a:endParaRPr lang="en-US" dirty="0">
-              <a:ea typeface="ＭＳ Ｐゴシック" charset="-128"/>
-            </a:endParaRPr>
-          </a:p>
-          <a:p>
-            <a:pPr>
-              <a:buFontTx/>
-              <a:buChar char="-"/>
-            </a:pPr>
-            <a:endParaRPr lang="en-US" dirty="0" smtClean="0"/>
-          </a:p>
-          <a:p>
-            <a:endParaRPr lang="de-DE" dirty="0"/>
-          </a:p>
-        </p:txBody>
-      </p:sp>
-      <p:sp>
-        <p:nvSpPr>
-          <p:cNvPr id="9" name="Rechteck 8"/>
-          <p:cNvSpPr/>
-          <p:nvPr/>
-        </p:nvSpPr>
-        <p:spPr>
-          <a:xfrm>
-            <a:off x="1373839" y="2476441"/>
-            <a:ext cx="5993105" cy="216024"/>
-          </a:xfrm>
-          <a:prstGeom prst="rect">
-            <a:avLst/>
-          </a:prstGeom>
-          <a:solidFill>
-            <a:schemeClr val="bg1"/>
-          </a:solidFill>
-          <a:ln>
-            <a:noFill/>
-          </a:ln>
-          <a:effectLst/>
-        </p:spPr>
-        <p:style>
-          <a:lnRef idx="1">
-            <a:schemeClr val="accent1"/>
-          </a:lnRef>
-          <a:fillRef idx="3">
-            <a:schemeClr val="accent1"/>
-          </a:fillRef>
-          <a:effectRef idx="2">
-            <a:schemeClr val="accent1"/>
-          </a:effectRef>
-          <a:fontRef idx="minor">
-            <a:schemeClr val="lt1"/>
-          </a:fontRef>
-        </p:style>
-        <p:txBody>
-          <a:bodyPr rtlCol="0" anchor="ctr"/>
-          <a:lstStyle/>
-          <a:p>
-            <a:pPr algn="ctr"/>
-            <a:endParaRPr lang="de-DE" sz="3200">
-              <a:latin typeface="Calibri"/>
-              <a:cs typeface="Calibri"/>
-            </a:endParaRPr>
-          </a:p>
-        </p:txBody>
-      </p:sp>
-      <p:sp>
-        <p:nvSpPr>
-          <p:cNvPr id="10" name="Titel 1"/>
-          <p:cNvSpPr txBox="1">
-            <a:spLocks/>
-          </p:cNvSpPr>
-          <p:nvPr/>
-        </p:nvSpPr>
-        <p:spPr>
-          <a:xfrm>
-            <a:off x="1319847" y="1324313"/>
-            <a:ext cx="8114861" cy="836712"/>
-          </a:xfrm>
-          <a:prstGeom prst="rect">
-            <a:avLst/>
-          </a:prstGeom>
-        </p:spPr>
-        <p:txBody>
-          <a:bodyPr vert="horz" lIns="91440" tIns="45720" rIns="91440" bIns="45720" rtlCol="0" anchor="ctr">
-            <a:noAutofit/>
-          </a:bodyPr>
-          <a:lstStyle>
-            <a:lvl1pPr algn="ctr" defTabSz="914400" rtl="0" eaLnBrk="1" latinLnBrk="0" hangingPunct="1">
-              <a:spcBef>
-                <a:spcPct val="0"/>
-              </a:spcBef>
-              <a:buNone/>
-              <a:defRPr sz="4400" kern="1200">
-                <a:solidFill>
-                  <a:schemeClr val="tx1"/>
-                </a:solidFill>
-                <a:latin typeface="+mj-lt"/>
-                <a:ea typeface="+mj-ea"/>
-                <a:cs typeface="+mj-cs"/>
-              </a:defRPr>
-            </a:lvl1pPr>
-          </a:lstStyle>
-          <a:p>
-            <a:pPr algn="l"/>
-            <a:r>
-              <a:rPr lang="de-DE" sz="3200" b="1" dirty="0">
-                <a:solidFill>
-                  <a:schemeClr val="tx1">
-                    <a:lumMod val="75000"/>
-                    <a:lumOff val="25000"/>
-                  </a:schemeClr>
-                </a:solidFill>
-                <a:latin typeface="Calibri"/>
-                <a:ea typeface="Verdana" pitchFamily="34" charset="0"/>
-                <a:cs typeface="Calibri"/>
-              </a:rPr>
-              <a:t>An extensible set of integrated languages </a:t>
-            </a:r>
-          </a:p>
-        </p:txBody>
-      </p:sp>
-      <p:sp>
-        <p:nvSpPr>
-          <p:cNvPr id="11" name="Titel 1"/>
-          <p:cNvSpPr txBox="1">
-            <a:spLocks/>
-          </p:cNvSpPr>
-          <p:nvPr/>
-        </p:nvSpPr>
-        <p:spPr>
-          <a:xfrm>
-            <a:off x="1332419" y="1900377"/>
-            <a:ext cx="6559640" cy="836712"/>
-          </a:xfrm>
-          <a:prstGeom prst="rect">
-            <a:avLst/>
-          </a:prstGeom>
-        </p:spPr>
-        <p:txBody>
-          <a:bodyPr vert="horz" lIns="91440" tIns="45720" rIns="91440" bIns="45720" rtlCol="0" anchor="ctr">
-            <a:noAutofit/>
-          </a:bodyPr>
-          <a:lstStyle>
-            <a:lvl1pPr algn="ctr" defTabSz="914400" rtl="0" eaLnBrk="1" latinLnBrk="0" hangingPunct="1">
-              <a:spcBef>
-                <a:spcPct val="0"/>
-              </a:spcBef>
-              <a:buNone/>
-              <a:defRPr sz="4400" kern="1200">
-                <a:solidFill>
-                  <a:schemeClr val="tx1"/>
-                </a:solidFill>
-                <a:latin typeface="+mj-lt"/>
-                <a:ea typeface="+mj-ea"/>
-                <a:cs typeface="+mj-cs"/>
-              </a:defRPr>
-            </a:lvl1pPr>
-          </a:lstStyle>
-          <a:p>
-            <a:pPr algn="l"/>
-            <a:r>
-              <a:rPr lang="de-DE" sz="3200" b="1" dirty="0">
-                <a:solidFill>
-                  <a:schemeClr val="tx1">
-                    <a:lumMod val="75000"/>
-                    <a:lumOff val="25000"/>
-                  </a:schemeClr>
-                </a:solidFill>
-                <a:latin typeface="Calibri"/>
-                <a:ea typeface="Verdana" pitchFamily="34" charset="0"/>
-                <a:cs typeface="Calibri"/>
-              </a:rPr>
               <a:t>for embedded software engineering. </a:t>
             </a:r>
           </a:p>
@@ -32976,20 +32976,20 @@
     </p:spTree>
     <p:extLst>
       <p:ext uri="{BB962C8B-B14F-4D97-AF65-F5344CB8AC3E}">
-        <p14:creationId xmlns:p14="http://schemas.microsoft.com/office/powerpoint/2010/main" val="3326573663"/>
+        <p14:creationId xmlns:p14="http://schemas.microsoft.com/office/powerpoint/2010/main" xmlns="" val="3326573663"/>
       </p:ext>
     </p:extLst>
   </p:cSld>
   <p:clrMapOvr>
     <a:masterClrMapping/>
   </p:clrMapOvr>
-  <p:transition xmlns:p14="http://schemas.microsoft.com/office/powerpoint/2010/main">
+  <p:transition>
     <p:fade/>
   </p:transition>
   <p:timing>
     <p:tnLst>
       <p:par>
-        <p:cTn xmlns:p14="http://schemas.microsoft.com/office/powerpoint/2010/main" id="1" dur="indefinite" restart="never" nodeType="tmRoot"/>
+        <p:cTn id="1" dur="indefinite" restart="never" nodeType="tmRoot"/>
       </p:par>
     </p:tnLst>
   </p:timing>

--- a/etc/folienEclipseCon2013/ECE2013-mbeddr-schmierer_voelter.pptx
+++ b/etc/folienEclipseCon2013/ECE2013-mbeddr-schmierer_voelter.pptx
@@ -5,7 +5,7 @@
     <p:sldMasterId id="2147483648" r:id="rId1"/>
   </p:sldMasterIdLst>
   <p:notesMasterIdLst>
-    <p:notesMasterId r:id="rId42"/>
+    <p:notesMasterId r:id="rId43"/>
   </p:notesMasterIdLst>
   <p:sldIdLst>
     <p:sldId id="454" r:id="rId2"/>
@@ -19,35 +19,36 @@
     <p:sldId id="496" r:id="rId10"/>
     <p:sldId id="458" r:id="rId11"/>
     <p:sldId id="471" r:id="rId12"/>
-    <p:sldId id="472" r:id="rId13"/>
-    <p:sldId id="459" r:id="rId14"/>
-    <p:sldId id="460" r:id="rId15"/>
-    <p:sldId id="461" r:id="rId16"/>
-    <p:sldId id="462" r:id="rId17"/>
-    <p:sldId id="463" r:id="rId18"/>
-    <p:sldId id="464" r:id="rId19"/>
-    <p:sldId id="489" r:id="rId20"/>
-    <p:sldId id="465" r:id="rId21"/>
-    <p:sldId id="473" r:id="rId22"/>
-    <p:sldId id="491" r:id="rId23"/>
-    <p:sldId id="466" r:id="rId24"/>
-    <p:sldId id="467" r:id="rId25"/>
-    <p:sldId id="468" r:id="rId26"/>
-    <p:sldId id="469" r:id="rId27"/>
-    <p:sldId id="490" r:id="rId28"/>
-    <p:sldId id="470" r:id="rId29"/>
-    <p:sldId id="474" r:id="rId30"/>
-    <p:sldId id="475" r:id="rId31"/>
-    <p:sldId id="476" r:id="rId32"/>
-    <p:sldId id="477" r:id="rId33"/>
-    <p:sldId id="483" r:id="rId34"/>
-    <p:sldId id="484" r:id="rId35"/>
-    <p:sldId id="478" r:id="rId36"/>
-    <p:sldId id="479" r:id="rId37"/>
-    <p:sldId id="480" r:id="rId38"/>
-    <p:sldId id="488" r:id="rId39"/>
-    <p:sldId id="481" r:id="rId40"/>
-    <p:sldId id="482" r:id="rId41"/>
+    <p:sldId id="498" r:id="rId13"/>
+    <p:sldId id="472" r:id="rId14"/>
+    <p:sldId id="459" r:id="rId15"/>
+    <p:sldId id="460" r:id="rId16"/>
+    <p:sldId id="461" r:id="rId17"/>
+    <p:sldId id="462" r:id="rId18"/>
+    <p:sldId id="463" r:id="rId19"/>
+    <p:sldId id="464" r:id="rId20"/>
+    <p:sldId id="489" r:id="rId21"/>
+    <p:sldId id="465" r:id="rId22"/>
+    <p:sldId id="473" r:id="rId23"/>
+    <p:sldId id="491" r:id="rId24"/>
+    <p:sldId id="466" r:id="rId25"/>
+    <p:sldId id="467" r:id="rId26"/>
+    <p:sldId id="468" r:id="rId27"/>
+    <p:sldId id="469" r:id="rId28"/>
+    <p:sldId id="490" r:id="rId29"/>
+    <p:sldId id="470" r:id="rId30"/>
+    <p:sldId id="474" r:id="rId31"/>
+    <p:sldId id="475" r:id="rId32"/>
+    <p:sldId id="476" r:id="rId33"/>
+    <p:sldId id="477" r:id="rId34"/>
+    <p:sldId id="483" r:id="rId35"/>
+    <p:sldId id="484" r:id="rId36"/>
+    <p:sldId id="478" r:id="rId37"/>
+    <p:sldId id="479" r:id="rId38"/>
+    <p:sldId id="480" r:id="rId39"/>
+    <p:sldId id="488" r:id="rId40"/>
+    <p:sldId id="481" r:id="rId41"/>
+    <p:sldId id="482" r:id="rId42"/>
   </p:sldIdLst>
   <p:sldSz cx="9144000" cy="6858000" type="screen4x3"/>
   <p:notesSz cx="6858000" cy="9144000"/>
@@ -232,7 +233,7 @@
             <a:fld id="{BA23DC7E-545F-4537-850F-CC5C2B410559}" type="datetimeFigureOut">
               <a:rPr lang="de-DE" smtClean="0"/>
               <a:pPr/>
-              <a:t>28.10.2013</a:t>
+              <a:t>29/10/13</a:t>
             </a:fld>
             <a:endParaRPr lang="de-DE"/>
           </a:p>
@@ -392,7 +393,7 @@
             <a:fld id="{F67A725A-9256-4EC5-8CDB-4CC5D97770DD}" type="slidenum">
               <a:rPr lang="de-DE" smtClean="0"/>
               <a:pPr/>
-              <a:t>‹#›</a:t>
+              <a:t>‹Nr.›</a:t>
             </a:fld>
             <a:endParaRPr lang="de-DE"/>
           </a:p>
@@ -401,7 +402,7 @@
     </p:spTree>
     <p:extLst>
       <p:ext uri="{BB962C8B-B14F-4D97-AF65-F5344CB8AC3E}">
-        <p14:creationId xmlns:p14="http://schemas.microsoft.com/office/powerpoint/2010/main" xmlns="" val="2083301213"/>
+        <p14:creationId xmlns:p14="http://schemas.microsoft.com/office/powerpoint/2010/main" val="2083301213"/>
       </p:ext>
     </p:extLst>
   </p:cSld>
@@ -815,7 +816,7 @@
             <a:fld id="{F67A725A-9256-4EC5-8CDB-4CC5D97770DD}" type="slidenum">
               <a:rPr lang="de-DE" smtClean="0"/>
               <a:pPr/>
-              <a:t>21</a:t>
+              <a:t>22</a:t>
             </a:fld>
             <a:endParaRPr lang="de-DE"/>
           </a:p>
@@ -979,7 +980,7 @@
             <a:fld id="{F67A725A-9256-4EC5-8CDB-4CC5D97770DD}" type="slidenum">
               <a:rPr lang="de-DE" smtClean="0"/>
               <a:pPr/>
-              <a:t>22</a:t>
+              <a:t>23</a:t>
             </a:fld>
             <a:endParaRPr lang="de-DE"/>
           </a:p>
@@ -1097,7 +1098,7 @@
             <a:fld id="{F67A725A-9256-4EC5-8CDB-4CC5D97770DD}" type="slidenum">
               <a:rPr lang="de-DE" smtClean="0"/>
               <a:pPr/>
-              <a:t>23</a:t>
+              <a:t>24</a:t>
             </a:fld>
             <a:endParaRPr lang="de-DE"/>
           </a:p>
@@ -1215,7 +1216,7 @@
             <a:fld id="{F67A725A-9256-4EC5-8CDB-4CC5D97770DD}" type="slidenum">
               <a:rPr lang="de-DE" smtClean="0"/>
               <a:pPr/>
-              <a:t>24</a:t>
+              <a:t>25</a:t>
             </a:fld>
             <a:endParaRPr lang="de-DE"/>
           </a:p>
@@ -1421,7 +1422,7 @@
             <a:fld id="{F67A725A-9256-4EC5-8CDB-4CC5D97770DD}" type="slidenum">
               <a:rPr lang="de-DE" smtClean="0"/>
               <a:pPr/>
-              <a:t>25</a:t>
+              <a:t>26</a:t>
             </a:fld>
             <a:endParaRPr lang="de-DE"/>
           </a:p>
@@ -1772,7 +1773,7 @@
             <a:fld id="{F67A725A-9256-4EC5-8CDB-4CC5D97770DD}" type="slidenum">
               <a:rPr lang="de-DE" smtClean="0"/>
               <a:pPr/>
-              <a:t>26</a:t>
+              <a:t>27</a:t>
             </a:fld>
             <a:endParaRPr lang="de-DE"/>
           </a:p>
@@ -2100,7 +2101,7 @@
             <a:fld id="{F67A725A-9256-4EC5-8CDB-4CC5D97770DD}" type="slidenum">
               <a:rPr lang="de-DE" smtClean="0"/>
               <a:pPr/>
-              <a:t>28</a:t>
+              <a:t>29</a:t>
             </a:fld>
             <a:endParaRPr lang="de-DE"/>
           </a:p>
@@ -2230,7 +2231,7 @@
             <a:fld id="{F67A725A-9256-4EC5-8CDB-4CC5D97770DD}" type="slidenum">
               <a:rPr lang="de-DE" smtClean="0"/>
               <a:pPr/>
-              <a:t>29</a:t>
+              <a:t>30</a:t>
             </a:fld>
             <a:endParaRPr lang="de-DE"/>
           </a:p>
@@ -2579,7 +2580,7 @@
             <a:fld id="{F67A725A-9256-4EC5-8CDB-4CC5D97770DD}" type="slidenum">
               <a:rPr lang="de-DE" smtClean="0"/>
               <a:pPr/>
-              <a:t>31</a:t>
+              <a:t>32</a:t>
             </a:fld>
             <a:endParaRPr lang="de-DE"/>
           </a:p>
@@ -2721,7 +2722,7 @@
             <a:fld id="{F67A725A-9256-4EC5-8CDB-4CC5D97770DD}" type="slidenum">
               <a:rPr lang="de-DE" smtClean="0"/>
               <a:pPr/>
-              <a:t>32</a:t>
+              <a:t>33</a:t>
             </a:fld>
             <a:endParaRPr lang="de-DE"/>
           </a:p>
@@ -3022,7 +3023,7 @@
             <a:fld id="{F67A725A-9256-4EC5-8CDB-4CC5D97770DD}" type="slidenum">
               <a:rPr lang="de-DE" smtClean="0"/>
               <a:pPr/>
-              <a:t>34</a:t>
+              <a:t>35</a:t>
             </a:fld>
             <a:endParaRPr lang="de-DE"/>
           </a:p>
@@ -3135,7 +3136,7 @@
             <a:fld id="{F67A725A-9256-4EC5-8CDB-4CC5D97770DD}" type="slidenum">
               <a:rPr lang="de-DE" smtClean="0"/>
               <a:pPr/>
-              <a:t>35</a:t>
+              <a:t>36</a:t>
             </a:fld>
             <a:endParaRPr lang="de-DE"/>
           </a:p>
@@ -3269,7 +3270,7 @@
             <a:fld id="{F67A725A-9256-4EC5-8CDB-4CC5D97770DD}" type="slidenum">
               <a:rPr lang="de-DE" smtClean="0"/>
               <a:pPr/>
-              <a:t>36</a:t>
+              <a:t>37</a:t>
             </a:fld>
             <a:endParaRPr lang="de-DE"/>
           </a:p>
@@ -3503,7 +3504,7 @@
             <a:fld id="{F67A725A-9256-4EC5-8CDB-4CC5D97770DD}" type="slidenum">
               <a:rPr lang="de-DE" smtClean="0"/>
               <a:pPr/>
-              <a:t>37</a:t>
+              <a:t>38</a:t>
             </a:fld>
             <a:endParaRPr lang="de-DE"/>
           </a:p>
@@ -3916,7 +3917,7 @@
             <a:fld id="{F67A725A-9256-4EC5-8CDB-4CC5D97770DD}" type="slidenum">
               <a:rPr lang="de-DE" smtClean="0"/>
               <a:pPr/>
-              <a:t>39</a:t>
+              <a:t>40</a:t>
             </a:fld>
             <a:endParaRPr lang="de-DE"/>
           </a:p>
@@ -5064,7 +5065,7 @@
             <a:fld id="{F67A725A-9256-4EC5-8CDB-4CC5D97770DD}" type="slidenum">
               <a:rPr lang="de-DE" smtClean="0"/>
               <a:pPr/>
-              <a:t>12</a:t>
+              <a:t>13</a:t>
             </a:fld>
             <a:endParaRPr lang="de-DE"/>
           </a:p>
@@ -6196,7 +6197,7 @@
     </p:spTree>
     <p:extLst>
       <p:ext uri="{BB962C8B-B14F-4D97-AF65-F5344CB8AC3E}">
-        <p14:creationId xmlns:p14="http://schemas.microsoft.com/office/powerpoint/2010/main" xmlns="" val="3849503778"/>
+        <p14:creationId xmlns:p14="http://schemas.microsoft.com/office/powerpoint/2010/main" val="3849503778"/>
       </p:ext>
     </p:extLst>
   </p:cSld>
@@ -6206,7 +6207,7 @@
   <p:timing>
     <p:tnLst>
       <p:par>
-        <p:cTn id="1" dur="indefinite" restart="never" nodeType="tmRoot"/>
+        <p:cTn xmlns:p14="http://schemas.microsoft.com/office/powerpoint/2010/main" id="1" dur="indefinite" restart="never" nodeType="tmRoot"/>
       </p:par>
     </p:tnLst>
   </p:timing>
@@ -6331,7 +6332,7 @@
     </p:spTree>
     <p:extLst>
       <p:ext uri="{BB962C8B-B14F-4D97-AF65-F5344CB8AC3E}">
-        <p14:creationId xmlns:p14="http://schemas.microsoft.com/office/powerpoint/2010/main" xmlns="" val="3242060718"/>
+        <p14:creationId xmlns:p14="http://schemas.microsoft.com/office/powerpoint/2010/main" val="3242060718"/>
       </p:ext>
     </p:extLst>
   </p:cSld>
@@ -6404,7 +6405,7 @@
             <a:fld id="{AA807A42-CF27-4B84-8583-18EBE418342E}" type="slidenum">
               <a:rPr lang="en-GB" noProof="0" smtClean="0"/>
               <a:pPr/>
-              <a:t>‹#›</a:t>
+              <a:t>‹Nr.›</a:t>
             </a:fld>
             <a:endParaRPr lang="en-GB" noProof="0" dirty="0"/>
           </a:p>
@@ -6836,7 +6837,7 @@
             <a:fld id="{AA807A42-CF27-4B84-8583-18EBE418342E}" type="slidenum">
               <a:rPr lang="en-GB" noProof="0" smtClean="0"/>
               <a:pPr/>
-              <a:t>‹#›</a:t>
+              <a:t>‹Nr.›</a:t>
             </a:fld>
             <a:endParaRPr lang="en-GB" noProof="0" dirty="0"/>
           </a:p>
@@ -7162,7 +7163,7 @@
             <a:fld id="{AA807A42-CF27-4B84-8583-18EBE418342E}" type="slidenum">
               <a:rPr lang="en-GB" noProof="0" smtClean="0"/>
               <a:pPr/>
-              <a:t>‹#›</a:t>
+              <a:t>‹Nr.›</a:t>
             </a:fld>
             <a:endParaRPr lang="en-GB" noProof="0" dirty="0"/>
           </a:p>
@@ -8570,7 +8571,7 @@
     </p:spTree>
     <p:extLst>
       <p:ext uri="{BB962C8B-B14F-4D97-AF65-F5344CB8AC3E}">
-        <p14:creationId xmlns:p14="http://schemas.microsoft.com/office/powerpoint/2010/main" xmlns="" val="2408415105"/>
+        <p14:creationId xmlns:p14="http://schemas.microsoft.com/office/powerpoint/2010/main" val="2408415105"/>
       </p:ext>
     </p:extLst>
   </p:cSld>
@@ -8580,7 +8581,7 @@
   <p:timing>
     <p:tnLst>
       <p:par>
-        <p:cTn id="1" dur="indefinite" restart="never" nodeType="tmRoot"/>
+        <p:cTn xmlns:p14="http://schemas.microsoft.com/office/powerpoint/2010/main" id="1" dur="indefinite" restart="never" nodeType="tmRoot"/>
       </p:par>
     </p:tnLst>
   </p:timing>
@@ -8817,7 +8818,7 @@
     </p:spTree>
     <p:extLst>
       <p:ext uri="{BB962C8B-B14F-4D97-AF65-F5344CB8AC3E}">
-        <p14:creationId xmlns:p14="http://schemas.microsoft.com/office/powerpoint/2010/main" xmlns="" val="336931444"/>
+        <p14:creationId xmlns:p14="http://schemas.microsoft.com/office/powerpoint/2010/main" val="336931444"/>
       </p:ext>
     </p:extLst>
   </p:cSld>
@@ -8827,7 +8828,7 @@
   <p:timing>
     <p:tnLst>
       <p:par>
-        <p:cTn id="1" dur="indefinite" restart="never" nodeType="tmRoot"/>
+        <p:cTn xmlns:p14="http://schemas.microsoft.com/office/powerpoint/2010/main" id="1" dur="indefinite" restart="never" nodeType="tmRoot"/>
       </p:par>
     </p:tnLst>
   </p:timing>
@@ -9071,7 +9072,7 @@
     </p:spTree>
     <p:extLst>
       <p:ext uri="{BB962C8B-B14F-4D97-AF65-F5344CB8AC3E}">
-        <p14:creationId xmlns:p14="http://schemas.microsoft.com/office/powerpoint/2010/main" xmlns="" val="1974033518"/>
+        <p14:creationId xmlns:p14="http://schemas.microsoft.com/office/powerpoint/2010/main" val="1974033518"/>
       </p:ext>
     </p:extLst>
   </p:cSld>
@@ -9081,7 +9082,7 @@
   <p:timing>
     <p:tnLst>
       <p:par>
-        <p:cTn id="1" dur="indefinite" restart="never" nodeType="tmRoot"/>
+        <p:cTn xmlns:p14="http://schemas.microsoft.com/office/powerpoint/2010/main" id="1" dur="indefinite" restart="never" nodeType="tmRoot"/>
       </p:par>
     </p:tnLst>
   </p:timing>
@@ -9151,7 +9152,7 @@
             <a:fld id="{AA807A42-CF27-4B84-8583-18EBE418342E}" type="slidenum">
               <a:rPr lang="en-GB" noProof="0" smtClean="0"/>
               <a:pPr/>
-              <a:t>‹#›</a:t>
+              <a:t>‹Nr.›</a:t>
             </a:fld>
             <a:endParaRPr lang="en-GB" noProof="0" dirty="0"/>
           </a:p>
@@ -9423,7 +9424,7 @@
             <a:fld id="{AA807A42-CF27-4B84-8583-18EBE418342E}" type="slidenum">
               <a:rPr lang="en-GB" noProof="0" smtClean="0"/>
               <a:pPr/>
-              <a:t>‹#›</a:t>
+              <a:t>‹Nr.›</a:t>
             </a:fld>
             <a:endParaRPr lang="en-GB" noProof="0" dirty="0"/>
           </a:p>
@@ -9696,7 +9697,7 @@
             <a:fld id="{AA807A42-CF27-4B84-8583-18EBE418342E}" type="slidenum">
               <a:rPr lang="en-GB" noProof="0" smtClean="0"/>
               <a:pPr/>
-              <a:t>‹#›</a:t>
+              <a:t>‹Nr.›</a:t>
             </a:fld>
             <a:endParaRPr lang="en-GB" noProof="0" dirty="0"/>
           </a:p>
@@ -9969,7 +9970,7 @@
             <a:fld id="{AA807A42-CF27-4B84-8583-18EBE418342E}" type="slidenum">
               <a:rPr lang="en-GB" noProof="0" smtClean="0"/>
               <a:pPr/>
-              <a:t>‹#›</a:t>
+              <a:t>‹Nr.›</a:t>
             </a:fld>
             <a:endParaRPr lang="en-GB" noProof="0" dirty="0"/>
           </a:p>
@@ -10242,7 +10243,7 @@
             <a:fld id="{AA807A42-CF27-4B84-8583-18EBE418342E}" type="slidenum">
               <a:rPr lang="en-GB" noProof="0" smtClean="0"/>
               <a:pPr/>
-              <a:t>‹#›</a:t>
+              <a:t>‹Nr.›</a:t>
             </a:fld>
             <a:endParaRPr lang="en-GB" noProof="0" dirty="0"/>
           </a:p>
@@ -10454,7 +10455,7 @@
             <a:fld id="{AA807A42-CF27-4B84-8583-18EBE418342E}" type="slidenum">
               <a:rPr lang="en-GB" noProof="0" smtClean="0"/>
               <a:pPr/>
-              <a:t>‹#›</a:t>
+              <a:t>‹Nr.›</a:t>
             </a:fld>
             <a:endParaRPr lang="en-GB" noProof="0" dirty="0"/>
           </a:p>
@@ -10463,7 +10464,7 @@
     </p:spTree>
     <p:extLst>
       <p:ext uri="{BB962C8B-B14F-4D97-AF65-F5344CB8AC3E}">
-        <p14:creationId xmlns:p14="http://schemas.microsoft.com/office/powerpoint/2010/main" xmlns="" val="3829165557"/>
+        <p14:creationId xmlns:p14="http://schemas.microsoft.com/office/powerpoint/2010/main" val="3829165557"/>
       </p:ext>
     </p:extLst>
   </p:cSld>
@@ -10486,7 +10487,7 @@
   <p:timing>
     <p:tnLst>
       <p:par>
-        <p:cTn id="1" dur="indefinite" restart="never" nodeType="tmRoot"/>
+        <p:cTn xmlns:p14="http://schemas.microsoft.com/office/powerpoint/2010/main" id="1" dur="indefinite" restart="never" nodeType="tmRoot"/>
       </p:par>
     </p:tnLst>
   </p:timing>
@@ -10776,7 +10777,7 @@
         </p:nvSpPr>
         <p:spPr>
           <a:xfrm>
-            <a:off x="456082" y="3815179"/>
+            <a:off x="456082" y="3642019"/>
             <a:ext cx="9140698" cy="544645"/>
           </a:xfrm>
         </p:spPr>
@@ -10814,7 +10815,7 @@
         </p:nvSpPr>
         <p:spPr>
           <a:xfrm>
-            <a:off x="510863" y="3489978"/>
+            <a:off x="510863" y="3316818"/>
             <a:ext cx="2508548" cy="319415"/>
           </a:xfrm>
         </p:spPr>
@@ -10884,7 +10885,7 @@
           <a:p>
             <a:r>
               <a:rPr lang="en-GB" sz="1600" dirty="0" smtClean="0"/>
-              <a:t>Markus Völter</a:t>
+              <a:t>Markus Völter, Bernd Kolb</a:t>
             </a:r>
           </a:p>
           <a:p>
@@ -10904,7 +10905,7 @@
           <a:blip r:embed="rId2" cstate="print">
             <a:extLst>
               <a:ext uri="{28A0092B-C50C-407E-A947-70E740481C1C}">
-                <a14:useLocalDpi xmlns:a14="http://schemas.microsoft.com/office/drawing/2010/main" xmlns="" val="0"/>
+                <a14:useLocalDpi xmlns:a14="http://schemas.microsoft.com/office/drawing/2010/main" val="0"/>
               </a:ext>
             </a:extLst>
           </a:blip>
@@ -10926,13 +10927,13 @@
   <p:clrMapOvr>
     <a:masterClrMapping/>
   </p:clrMapOvr>
-  <p:transition>
+  <p:transition xmlns:p14="http://schemas.microsoft.com/office/powerpoint/2010/main">
     <p:fade/>
   </p:transition>
   <p:timing>
     <p:tnLst>
       <p:par>
-        <p:cTn id="1" dur="indefinite" restart="never" nodeType="tmRoot"/>
+        <p:cTn xmlns:p14="http://schemas.microsoft.com/office/powerpoint/2010/main" id="1" dur="indefinite" restart="never" nodeType="tmRoot"/>
       </p:par>
     </p:tnLst>
   </p:timing>
@@ -11203,7 +11204,7 @@
   <p:timing>
     <p:tnLst>
       <p:par>
-        <p:cTn id="1" dur="indefinite" restart="never" nodeType="tmRoot"/>
+        <p:cTn xmlns:p14="http://schemas.microsoft.com/office/powerpoint/2010/main" id="1" dur="indefinite" restart="never" nodeType="tmRoot"/>
       </p:par>
     </p:tnLst>
   </p:timing>
@@ -11746,7 +11747,7 @@
   <p:timing>
     <p:tnLst>
       <p:par>
-        <p:cTn id="1" dur="indefinite" restart="never" nodeType="tmRoot"/>
+        <p:cTn xmlns:p14="http://schemas.microsoft.com/office/powerpoint/2010/main" id="1" dur="indefinite" restart="never" nodeType="tmRoot"/>
       </p:par>
     </p:tnLst>
   </p:timing>
@@ -11772,7 +11773,106 @@
       </p:grpSpPr>
       <p:sp>
         <p:nvSpPr>
-          <p:cNvPr id="7" name="Textplatzhalter 4"/>
+          <p:cNvPr id="6" name="Fußzeilenplatzhalter 1"/>
+          <p:cNvSpPr>
+            <a:spLocks noGrp="1"/>
+          </p:cNvSpPr>
+          <p:nvPr>
+            <p:ph type="ftr" sz="quarter" idx="10"/>
+          </p:nvPr>
+        </p:nvSpPr>
+        <p:spPr>
+          <a:xfrm>
+            <a:off x="465138" y="6508573"/>
+            <a:ext cx="4021247" cy="331787"/>
+          </a:xfrm>
+        </p:spPr>
+        <p:txBody>
+          <a:bodyPr/>
+          <a:lstStyle/>
+          <a:p>
+            <a:pPr algn="l"/>
+            <a:r>
+              <a:rPr lang="de-DE" dirty="0" err="1" smtClean="0"/>
+              <a:t>mbeddr</a:t>
+            </a:r>
+            <a:r>
+              <a:rPr lang="de-DE" dirty="0" smtClean="0"/>
+              <a:t>, 29.10.2013</a:t>
+            </a:r>
+            <a:endParaRPr lang="de-DE" dirty="0"/>
+          </a:p>
+        </p:txBody>
+      </p:sp>
+      <p:sp>
+        <p:nvSpPr>
+          <p:cNvPr id="7" name="Foliennummernplatzhalter 2"/>
+          <p:cNvSpPr>
+            <a:spLocks noGrp="1"/>
+          </p:cNvSpPr>
+          <p:nvPr>
+            <p:ph type="sldNum" sz="quarter" idx="11"/>
+          </p:nvPr>
+        </p:nvSpPr>
+        <p:spPr>
+          <a:xfrm>
+            <a:off x="6048138" y="6528870"/>
+            <a:ext cx="2988574" cy="329130"/>
+          </a:xfrm>
+        </p:spPr>
+        <p:txBody>
+          <a:bodyPr/>
+          <a:lstStyle/>
+          <a:p>
+            <a:r>
+              <a:rPr lang="en-GB" noProof="0" smtClean="0"/>
+              <a:t>Page </a:t>
+            </a:r>
+            <a:fld id="{AA807A42-CF27-4B84-8583-18EBE418342E}" type="slidenum">
+              <a:rPr lang="en-GB" noProof="0" smtClean="0"/>
+              <a:pPr/>
+              <a:t>12</a:t>
+            </a:fld>
+            <a:endParaRPr lang="en-GB" noProof="0" dirty="0"/>
+          </a:p>
+        </p:txBody>
+      </p:sp>
+      <p:sp>
+        <p:nvSpPr>
+          <p:cNvPr id="8" name="Textplatzhalter 3"/>
+          <p:cNvSpPr>
+            <a:spLocks noGrp="1"/>
+          </p:cNvSpPr>
+          <p:nvPr>
+            <p:ph type="body" sz="quarter" idx="13"/>
+          </p:nvPr>
+        </p:nvSpPr>
+        <p:spPr>
+          <a:xfrm>
+            <a:off x="465138" y="403226"/>
+            <a:ext cx="11263312" cy="960437"/>
+          </a:xfrm>
+        </p:spPr>
+        <p:txBody>
+          <a:bodyPr/>
+          <a:lstStyle/>
+          <a:p>
+            <a:r>
+              <a:rPr lang="en-GB" dirty="0" smtClean="0"/>
+              <a:t>Context.</a:t>
+            </a:r>
+          </a:p>
+          <a:p>
+            <a:r>
+              <a:rPr lang="en-GB" dirty="0" smtClean="0"/>
+              <a:t>What is mbeddr?</a:t>
+            </a:r>
+          </a:p>
+        </p:txBody>
+      </p:sp>
+      <p:sp>
+        <p:nvSpPr>
+          <p:cNvPr id="9" name="Textplatzhalter 4"/>
           <p:cNvSpPr>
             <a:spLocks noGrp="1"/>
           </p:cNvSpPr>
@@ -11782,8 +11882,8 @@
         </p:nvSpPr>
         <p:spPr>
           <a:xfrm>
-            <a:off x="348763" y="1628679"/>
-            <a:ext cx="8445285" cy="4861700"/>
+            <a:off x="465138" y="1611038"/>
+            <a:ext cx="11263312" cy="4861700"/>
           </a:xfrm>
         </p:spPr>
         <p:txBody>
@@ -11825,1725 +11925,14 @@
       </p:sp>
       <p:sp>
         <p:nvSpPr>
-          <p:cNvPr id="4" name="Textplatzhalter 3"/>
-          <p:cNvSpPr>
-            <a:spLocks noGrp="1"/>
-          </p:cNvSpPr>
-          <p:nvPr>
-            <p:ph type="body" sz="quarter" idx="13"/>
-          </p:nvPr>
-        </p:nvSpPr>
-        <p:spPr/>
-        <p:txBody>
-          <a:bodyPr/>
-          <a:lstStyle/>
-          <a:p>
-            <a:endParaRPr lang="de-DE"/>
-          </a:p>
-        </p:txBody>
-      </p:sp>
-      <p:sp>
-        <p:nvSpPr>
-          <p:cNvPr id="5" name="Rechteck 4"/>
+          <p:cNvPr id="11" name="Rechteck 10"/>
           <p:cNvSpPr/>
           <p:nvPr/>
         </p:nvSpPr>
         <p:spPr>
           <a:xfrm>
-            <a:off x="-211613" y="-211694"/>
-            <a:ext cx="9549041" cy="7321080"/>
-          </a:xfrm>
-          <a:prstGeom prst="rect">
-            <a:avLst/>
-          </a:prstGeom>
-          <a:solidFill>
-            <a:schemeClr val="tx1"/>
-          </a:solidFill>
-        </p:spPr>
-        <p:style>
-          <a:lnRef idx="1">
-            <a:schemeClr val="accent1"/>
-          </a:lnRef>
-          <a:fillRef idx="3">
-            <a:schemeClr val="accent1"/>
-          </a:fillRef>
-          <a:effectRef idx="2">
-            <a:schemeClr val="accent1"/>
-          </a:effectRef>
-          <a:fontRef idx="minor">
-            <a:schemeClr val="lt1"/>
-          </a:fontRef>
-        </p:style>
-        <p:txBody>
-          <a:bodyPr rtlCol="0" anchor="ctr"/>
-          <a:lstStyle/>
-          <a:p>
-            <a:pPr algn="ctr"/>
-            <a:endParaRPr lang="de-DE"/>
-          </a:p>
-        </p:txBody>
-      </p:sp>
-    </p:spTree>
-    <p:extLst>
-      <p:ext uri="{BB962C8B-B14F-4D97-AF65-F5344CB8AC3E}">
-        <p14:creationId xmlns:p14="http://schemas.microsoft.com/office/powerpoint/2010/main" xmlns="" val="1244883522"/>
-      </p:ext>
-    </p:extLst>
-  </p:cSld>
-  <p:clrMapOvr>
-    <a:masterClrMapping/>
-  </p:clrMapOvr>
-  <p:transition>
-    <p:fade/>
-  </p:transition>
-  <p:timing>
-    <p:tnLst>
-      <p:par>
-        <p:cTn id="1" dur="indefinite" restart="never" nodeType="tmRoot"/>
-      </p:par>
-    </p:tnLst>
-  </p:timing>
-</p:sld>
-</file>
-
-<file path=ppt/slides/slide13.xml><?xml version="1.0" encoding="utf-8"?>
-<p:sld xmlns:a="http://schemas.openxmlformats.org/drawingml/2006/main" xmlns:r="http://schemas.openxmlformats.org/officeDocument/2006/relationships" xmlns:p="http://schemas.openxmlformats.org/presentationml/2006/main">
-  <p:cSld>
-    <p:spTree>
-      <p:nvGrpSpPr>
-        <p:cNvPr id="1" name=""/>
-        <p:cNvGrpSpPr/>
-        <p:nvPr/>
-      </p:nvGrpSpPr>
-      <p:grpSpPr>
-        <a:xfrm>
-          <a:off x="0" y="0"/>
-          <a:ext cx="0" cy="0"/>
-          <a:chOff x="0" y="0"/>
-          <a:chExt cx="0" cy="0"/>
-        </a:xfrm>
-      </p:grpSpPr>
-      <p:sp>
-        <p:nvSpPr>
-          <p:cNvPr id="6" name="Fußzeilenplatzhalter 1"/>
-          <p:cNvSpPr>
-            <a:spLocks noGrp="1"/>
-          </p:cNvSpPr>
-          <p:nvPr>
-            <p:ph type="ftr" sz="quarter" idx="10"/>
-          </p:nvPr>
-        </p:nvSpPr>
-        <p:spPr>
-          <a:xfrm>
-            <a:off x="465138" y="6508573"/>
-            <a:ext cx="4021247" cy="331787"/>
-          </a:xfrm>
-        </p:spPr>
-        <p:txBody>
-          <a:bodyPr/>
-          <a:lstStyle/>
-          <a:p>
-            <a:pPr algn="l"/>
-            <a:r>
-              <a:rPr lang="de-DE" dirty="0" err="1" smtClean="0"/>
-              <a:t>mbeddr</a:t>
-            </a:r>
-            <a:r>
-              <a:rPr lang="de-DE" dirty="0" smtClean="0"/>
-              <a:t>,  29.10.2013</a:t>
-            </a:r>
-            <a:endParaRPr lang="de-DE" dirty="0"/>
-          </a:p>
-        </p:txBody>
-      </p:sp>
-      <p:sp>
-        <p:nvSpPr>
-          <p:cNvPr id="7" name="Foliennummernplatzhalter 2"/>
-          <p:cNvSpPr>
-            <a:spLocks noGrp="1"/>
-          </p:cNvSpPr>
-          <p:nvPr>
-            <p:ph type="sldNum" sz="quarter" idx="11"/>
-          </p:nvPr>
-        </p:nvSpPr>
-        <p:spPr>
-          <a:xfrm>
-            <a:off x="6048138" y="6528870"/>
-            <a:ext cx="2988574" cy="329130"/>
-          </a:xfrm>
-        </p:spPr>
-        <p:txBody>
-          <a:bodyPr/>
-          <a:lstStyle/>
-          <a:p>
-            <a:r>
-              <a:rPr lang="en-GB" noProof="0" smtClean="0"/>
-              <a:t>Page </a:t>
-            </a:r>
-            <a:fld id="{AA807A42-CF27-4B84-8583-18EBE418342E}" type="slidenum">
-              <a:rPr lang="en-GB" noProof="0" smtClean="0"/>
-              <a:pPr/>
-              <a:t>13</a:t>
-            </a:fld>
-            <a:endParaRPr lang="en-GB" noProof="0" dirty="0"/>
-          </a:p>
-        </p:txBody>
-      </p:sp>
-      <p:sp>
-        <p:nvSpPr>
-          <p:cNvPr id="8" name="Textplatzhalter 3"/>
-          <p:cNvSpPr>
-            <a:spLocks noGrp="1"/>
-          </p:cNvSpPr>
-          <p:nvPr>
-            <p:ph type="body" sz="quarter" idx="13"/>
-          </p:nvPr>
-        </p:nvSpPr>
-        <p:spPr>
-          <a:xfrm>
-            <a:off x="465138" y="403226"/>
-            <a:ext cx="11263312" cy="960437"/>
-          </a:xfrm>
-        </p:spPr>
-        <p:txBody>
-          <a:bodyPr/>
-          <a:lstStyle/>
-          <a:p>
-            <a:r>
-              <a:rPr lang="en-GB" dirty="0" smtClean="0"/>
-              <a:t>Context.</a:t>
-            </a:r>
-          </a:p>
-          <a:p>
-            <a:r>
-              <a:rPr lang="en-GB" dirty="0" smtClean="0"/>
-              <a:t>What is </a:t>
-            </a:r>
-            <a:r>
-              <a:rPr lang="en-GB" dirty="0" err="1" smtClean="0"/>
-              <a:t>mPS</a:t>
-            </a:r>
-            <a:r>
-              <a:rPr lang="en-GB" dirty="0" smtClean="0"/>
-              <a:t>?</a:t>
-            </a:r>
-          </a:p>
-        </p:txBody>
-      </p:sp>
-      <p:sp>
-        <p:nvSpPr>
-          <p:cNvPr id="9" name="Textplatzhalter 4"/>
-          <p:cNvSpPr>
-            <a:spLocks noGrp="1"/>
-          </p:cNvSpPr>
-          <p:nvPr>
-            <p:ph type="body" sz="quarter" idx="14"/>
-          </p:nvPr>
-        </p:nvSpPr>
-        <p:spPr>
-          <a:xfrm>
-            <a:off x="465138" y="1611038"/>
-            <a:ext cx="11263312" cy="4861700"/>
-          </a:xfrm>
-        </p:spPr>
-        <p:txBody>
-          <a:bodyPr/>
-          <a:lstStyle/>
-          <a:p>
-            <a:pPr marL="266700" indent="-266700">
-              <a:spcBef>
-                <a:spcPct val="0"/>
-              </a:spcBef>
-            </a:pPr>
-            <a:endParaRPr lang="en-US" dirty="0" smtClean="0">
-              <a:ea typeface="ＭＳ Ｐゴシック" charset="-128"/>
-            </a:endParaRPr>
-          </a:p>
-          <a:p>
-            <a:pPr marL="266700" indent="-266700">
-              <a:spcBef>
-                <a:spcPct val="0"/>
-              </a:spcBef>
-              <a:buFont typeface="Symbol" pitchFamily="18" charset="2"/>
-              <a:buChar char="-"/>
-            </a:pPr>
-            <a:endParaRPr lang="en-US" dirty="0">
-              <a:ea typeface="ＭＳ Ｐゴシック" charset="-128"/>
-            </a:endParaRPr>
-          </a:p>
-          <a:p>
-            <a:pPr>
-              <a:buFontTx/>
-              <a:buChar char="-"/>
-            </a:pPr>
-            <a:endParaRPr lang="en-US" dirty="0" smtClean="0"/>
-          </a:p>
-          <a:p>
-            <a:endParaRPr lang="de-DE" dirty="0"/>
-          </a:p>
-        </p:txBody>
-      </p:sp>
-      <p:sp>
-        <p:nvSpPr>
-          <p:cNvPr id="22" name="Textfeld 28"/>
-          <p:cNvSpPr txBox="1"/>
-          <p:nvPr/>
-        </p:nvSpPr>
-        <p:spPr>
-          <a:xfrm>
-            <a:off x="323528" y="1772816"/>
-            <a:ext cx="8352928" cy="3626634"/>
-          </a:xfrm>
-          <a:prstGeom prst="rect">
-            <a:avLst/>
-          </a:prstGeom>
-          <a:noFill/>
-        </p:spPr>
-        <p:txBody>
-          <a:bodyPr wrap="square" rtlCol="0">
-            <a:spAutoFit/>
-          </a:bodyPr>
-          <a:lstStyle/>
-          <a:p>
-            <a:pPr>
-              <a:lnSpc>
-                <a:spcPts val="3600"/>
-              </a:lnSpc>
-              <a:spcAft>
-                <a:spcPts val="1500"/>
-              </a:spcAft>
-            </a:pPr>
-            <a:r>
-              <a:rPr lang="de-DE" sz="2800" b="1" dirty="0">
-                <a:solidFill>
-                  <a:srgbClr val="000000"/>
-                </a:solidFill>
-                <a:latin typeface="Verdana"/>
-                <a:cs typeface="Verdana"/>
-              </a:rPr>
-              <a:t>Language </a:t>
-            </a:r>
-            <a:r>
-              <a:rPr lang="de-DE" sz="2800" b="1" dirty="0" err="1">
-                <a:solidFill>
-                  <a:srgbClr val="000000"/>
-                </a:solidFill>
-                <a:latin typeface="Verdana"/>
-                <a:cs typeface="Verdana"/>
-              </a:rPr>
-              <a:t>Workbench</a:t>
-            </a:r>
-            <a:r>
-              <a:rPr lang="de-DE" sz="2800" b="1" dirty="0">
-                <a:solidFill>
-                  <a:srgbClr val="000000"/>
-                </a:solidFill>
-                <a:latin typeface="Verdana"/>
-                <a:cs typeface="Verdana"/>
-              </a:rPr>
-              <a:t>.</a:t>
-            </a:r>
-          </a:p>
-          <a:p>
-            <a:pPr>
-              <a:lnSpc>
-                <a:spcPts val="3600"/>
-              </a:lnSpc>
-              <a:spcAft>
-                <a:spcPts val="1500"/>
-              </a:spcAft>
-            </a:pPr>
-            <a:r>
-              <a:rPr lang="de-DE" sz="2800" dirty="0" err="1">
-                <a:solidFill>
-                  <a:srgbClr val="000000"/>
-                </a:solidFill>
-                <a:latin typeface="Verdana"/>
-                <a:cs typeface="Verdana"/>
-              </a:rPr>
-              <a:t>Projectional</a:t>
-            </a:r>
-            <a:r>
-              <a:rPr lang="de-DE" sz="2800" dirty="0">
-                <a:solidFill>
-                  <a:srgbClr val="000000"/>
-                </a:solidFill>
-                <a:latin typeface="Verdana"/>
-                <a:cs typeface="Verdana"/>
-              </a:rPr>
-              <a:t> </a:t>
-            </a:r>
-            <a:r>
-              <a:rPr lang="de-DE" sz="2800" dirty="0" err="1">
-                <a:solidFill>
-                  <a:srgbClr val="000000"/>
-                </a:solidFill>
-                <a:latin typeface="Verdana"/>
-                <a:cs typeface="Verdana"/>
-              </a:rPr>
-              <a:t>Editing</a:t>
-            </a:r>
-            <a:endParaRPr lang="de-DE" sz="2800" dirty="0">
-              <a:solidFill>
-                <a:srgbClr val="000000"/>
-              </a:solidFill>
-              <a:latin typeface="Verdana"/>
-              <a:cs typeface="Verdana"/>
-            </a:endParaRPr>
-          </a:p>
-          <a:p>
-            <a:pPr>
-              <a:lnSpc>
-                <a:spcPts val="3600"/>
-              </a:lnSpc>
-              <a:spcAft>
-                <a:spcPts val="1500"/>
-              </a:spcAft>
-            </a:pPr>
-            <a:r>
-              <a:rPr lang="de-DE" sz="2800" dirty="0" err="1">
-                <a:solidFill>
-                  <a:srgbClr val="000000"/>
-                </a:solidFill>
-                <a:latin typeface="Verdana"/>
-                <a:cs typeface="Verdana"/>
-              </a:rPr>
-              <a:t>Textual</a:t>
-            </a:r>
-            <a:r>
-              <a:rPr lang="de-DE" sz="2800" dirty="0">
-                <a:solidFill>
-                  <a:srgbClr val="000000"/>
-                </a:solidFill>
-                <a:latin typeface="Verdana"/>
-                <a:cs typeface="Verdana"/>
-              </a:rPr>
-              <a:t>/</a:t>
-            </a:r>
-            <a:r>
-              <a:rPr lang="de-DE" sz="2800" dirty="0" err="1">
-                <a:solidFill>
-                  <a:srgbClr val="000000"/>
-                </a:solidFill>
-                <a:latin typeface="Verdana"/>
-                <a:cs typeface="Verdana"/>
-              </a:rPr>
-              <a:t>Symbolic</a:t>
-            </a:r>
-            <a:r>
-              <a:rPr lang="de-DE" sz="2800" dirty="0">
-                <a:solidFill>
-                  <a:srgbClr val="000000"/>
-                </a:solidFill>
-                <a:latin typeface="Verdana"/>
-                <a:cs typeface="Verdana"/>
-              </a:rPr>
-              <a:t>/</a:t>
-            </a:r>
-            <a:r>
-              <a:rPr lang="de-DE" sz="2800" dirty="0" err="1">
-                <a:solidFill>
-                  <a:srgbClr val="000000"/>
-                </a:solidFill>
-                <a:latin typeface="Verdana"/>
-                <a:cs typeface="Verdana"/>
-              </a:rPr>
-              <a:t>Tabular</a:t>
-            </a:r>
-            <a:r>
-              <a:rPr lang="de-DE" sz="2800" dirty="0">
-                <a:solidFill>
-                  <a:srgbClr val="000000"/>
-                </a:solidFill>
-                <a:latin typeface="Verdana"/>
-                <a:cs typeface="Verdana"/>
-              </a:rPr>
-              <a:t>/(</a:t>
-            </a:r>
-            <a:r>
-              <a:rPr lang="de-DE" sz="2800" dirty="0" err="1">
-                <a:solidFill>
-                  <a:srgbClr val="000000"/>
-                </a:solidFill>
-                <a:latin typeface="Verdana"/>
-                <a:cs typeface="Verdana"/>
-              </a:rPr>
-              <a:t>soon</a:t>
-            </a:r>
-            <a:r>
-              <a:rPr lang="de-DE" sz="2800" dirty="0">
-                <a:solidFill>
-                  <a:srgbClr val="000000"/>
-                </a:solidFill>
-                <a:latin typeface="Verdana"/>
-                <a:cs typeface="Verdana"/>
-              </a:rPr>
-              <a:t> </a:t>
-            </a:r>
-            <a:r>
-              <a:rPr lang="de-DE" sz="2800" dirty="0" err="1">
-                <a:solidFill>
-                  <a:srgbClr val="000000"/>
-                </a:solidFill>
-                <a:latin typeface="Verdana"/>
-                <a:cs typeface="Verdana"/>
-              </a:rPr>
-              <a:t>Graphical</a:t>
-            </a:r>
-            <a:r>
-              <a:rPr lang="de-DE" sz="2800" dirty="0">
-                <a:solidFill>
-                  <a:srgbClr val="000000"/>
-                </a:solidFill>
-                <a:latin typeface="Verdana"/>
-                <a:cs typeface="Verdana"/>
-              </a:rPr>
-              <a:t>)</a:t>
-            </a:r>
-          </a:p>
-          <a:p>
-            <a:pPr>
-              <a:lnSpc>
-                <a:spcPts val="3600"/>
-              </a:lnSpc>
-              <a:spcAft>
-                <a:spcPts val="1500"/>
-              </a:spcAft>
-            </a:pPr>
-            <a:r>
-              <a:rPr lang="de-DE" sz="2800" dirty="0">
-                <a:solidFill>
-                  <a:srgbClr val="000000"/>
-                </a:solidFill>
-                <a:latin typeface="Verdana"/>
-                <a:cs typeface="Verdana"/>
-              </a:rPr>
-              <a:t>Multiple </a:t>
-            </a:r>
-            <a:r>
-              <a:rPr lang="de-DE" sz="2800" dirty="0" err="1">
-                <a:solidFill>
-                  <a:srgbClr val="000000"/>
-                </a:solidFill>
-                <a:latin typeface="Verdana"/>
-                <a:cs typeface="Verdana"/>
-              </a:rPr>
-              <a:t>projections</a:t>
-            </a:r>
-            <a:r>
-              <a:rPr lang="de-DE" sz="2800" dirty="0">
-                <a:solidFill>
-                  <a:srgbClr val="000000"/>
-                </a:solidFill>
-                <a:latin typeface="Verdana"/>
-                <a:cs typeface="Verdana"/>
-              </a:rPr>
-              <a:t> </a:t>
-            </a:r>
-            <a:r>
-              <a:rPr lang="de-DE" sz="2800" dirty="0" err="1">
-                <a:solidFill>
-                  <a:srgbClr val="000000"/>
-                </a:solidFill>
-                <a:latin typeface="Verdana"/>
-                <a:cs typeface="Verdana"/>
-              </a:rPr>
-              <a:t>for</a:t>
-            </a:r>
-            <a:r>
-              <a:rPr lang="de-DE" sz="2800" dirty="0">
-                <a:solidFill>
-                  <a:srgbClr val="000000"/>
-                </a:solidFill>
-                <a:latin typeface="Verdana"/>
-                <a:cs typeface="Verdana"/>
-              </a:rPr>
-              <a:t> </a:t>
-            </a:r>
-            <a:r>
-              <a:rPr lang="de-DE" sz="2800" dirty="0" err="1">
-                <a:solidFill>
-                  <a:srgbClr val="000000"/>
-                </a:solidFill>
-                <a:latin typeface="Verdana"/>
-                <a:cs typeface="Verdana"/>
-              </a:rPr>
-              <a:t>the</a:t>
-            </a:r>
-            <a:r>
-              <a:rPr lang="de-DE" sz="2800" dirty="0">
-                <a:solidFill>
-                  <a:srgbClr val="000000"/>
-                </a:solidFill>
-                <a:latin typeface="Verdana"/>
-                <a:cs typeface="Verdana"/>
-              </a:rPr>
-              <a:t> same </a:t>
-            </a:r>
-            <a:r>
-              <a:rPr lang="de-DE" sz="2800" dirty="0" err="1">
-                <a:solidFill>
-                  <a:srgbClr val="000000"/>
-                </a:solidFill>
-                <a:latin typeface="Verdana"/>
-                <a:cs typeface="Verdana"/>
-              </a:rPr>
-              <a:t>language</a:t>
-            </a:r>
-            <a:r>
-              <a:rPr lang="de-DE" sz="2800" dirty="0">
-                <a:solidFill>
-                  <a:srgbClr val="000000"/>
-                </a:solidFill>
-                <a:latin typeface="Verdana"/>
-                <a:cs typeface="Verdana"/>
-              </a:rPr>
-              <a:t> </a:t>
-            </a:r>
-          </a:p>
-          <a:p>
-            <a:pPr>
-              <a:lnSpc>
-                <a:spcPts val="3600"/>
-              </a:lnSpc>
-              <a:spcAft>
-                <a:spcPts val="1500"/>
-              </a:spcAft>
-            </a:pPr>
-            <a:r>
-              <a:rPr lang="de-DE" sz="2800" dirty="0">
-                <a:solidFill>
-                  <a:srgbClr val="000000"/>
-                </a:solidFill>
-                <a:latin typeface="Verdana"/>
-                <a:cs typeface="Verdana"/>
-              </a:rPr>
-              <a:t>Modular </a:t>
-            </a:r>
-            <a:r>
-              <a:rPr lang="de-DE" sz="2800" dirty="0" err="1">
-                <a:solidFill>
-                  <a:srgbClr val="000000"/>
-                </a:solidFill>
-                <a:latin typeface="Verdana"/>
-                <a:cs typeface="Verdana"/>
-              </a:rPr>
-              <a:t>language</a:t>
-            </a:r>
-            <a:r>
-              <a:rPr lang="de-DE" sz="2800" dirty="0">
-                <a:solidFill>
-                  <a:srgbClr val="000000"/>
-                </a:solidFill>
-                <a:latin typeface="Verdana"/>
-                <a:cs typeface="Verdana"/>
-              </a:rPr>
-              <a:t> </a:t>
-            </a:r>
-            <a:r>
-              <a:rPr lang="de-DE" sz="2800" dirty="0" err="1">
-                <a:solidFill>
-                  <a:srgbClr val="000000"/>
-                </a:solidFill>
-                <a:latin typeface="Verdana"/>
-                <a:cs typeface="Verdana"/>
-              </a:rPr>
-              <a:t>development</a:t>
-            </a:r>
-            <a:r>
-              <a:rPr lang="de-DE" sz="2800" dirty="0">
-                <a:solidFill>
-                  <a:srgbClr val="000000"/>
-                </a:solidFill>
-                <a:latin typeface="Verdana"/>
-                <a:cs typeface="Verdana"/>
-              </a:rPr>
-              <a:t>, </a:t>
-            </a:r>
-            <a:r>
-              <a:rPr lang="de-DE" sz="2800" dirty="0" err="1">
-                <a:solidFill>
-                  <a:srgbClr val="000000"/>
-                </a:solidFill>
-                <a:latin typeface="Verdana"/>
-                <a:cs typeface="Verdana"/>
-              </a:rPr>
-              <a:t>extension</a:t>
-            </a:r>
-            <a:r>
-              <a:rPr lang="de-DE" sz="2800" dirty="0">
-                <a:solidFill>
-                  <a:srgbClr val="000000"/>
-                </a:solidFill>
-                <a:latin typeface="Verdana"/>
-                <a:cs typeface="Verdana"/>
-              </a:rPr>
-              <a:t> </a:t>
-            </a:r>
-            <a:r>
-              <a:rPr lang="de-DE" sz="2800" dirty="0" err="1">
-                <a:solidFill>
-                  <a:srgbClr val="000000"/>
-                </a:solidFill>
-                <a:latin typeface="Verdana"/>
-                <a:cs typeface="Verdana"/>
-              </a:rPr>
-              <a:t>and</a:t>
-            </a:r>
-            <a:r>
-              <a:rPr lang="de-DE" sz="2800" dirty="0">
-                <a:solidFill>
-                  <a:srgbClr val="000000"/>
-                </a:solidFill>
-                <a:latin typeface="Verdana"/>
-                <a:cs typeface="Verdana"/>
-              </a:rPr>
-              <a:t> </a:t>
-            </a:r>
-            <a:r>
-              <a:rPr lang="de-DE" sz="2800" dirty="0" err="1">
-                <a:solidFill>
-                  <a:srgbClr val="000000"/>
-                </a:solidFill>
-                <a:latin typeface="Verdana"/>
-                <a:cs typeface="Verdana"/>
-              </a:rPr>
-              <a:t>embedding</a:t>
-            </a:r>
-            <a:endParaRPr lang="de-DE" sz="2800" dirty="0">
-              <a:solidFill>
-                <a:srgbClr val="000000"/>
-              </a:solidFill>
-              <a:latin typeface="Verdana"/>
-              <a:cs typeface="Verdana"/>
-            </a:endParaRPr>
-          </a:p>
-        </p:txBody>
-      </p:sp>
-    </p:spTree>
-  </p:cSld>
-  <p:clrMapOvr>
-    <a:masterClrMapping/>
-  </p:clrMapOvr>
-  <p:timing>
-    <p:tnLst>
-      <p:par>
-        <p:cTn id="1" dur="indefinite" restart="never" nodeType="tmRoot"/>
-      </p:par>
-    </p:tnLst>
-  </p:timing>
-</p:sld>
-</file>
-
-<file path=ppt/slides/slide14.xml><?xml version="1.0" encoding="utf-8"?>
-<p:sld xmlns:a="http://schemas.openxmlformats.org/drawingml/2006/main" xmlns:r="http://schemas.openxmlformats.org/officeDocument/2006/relationships" xmlns:p="http://schemas.openxmlformats.org/presentationml/2006/main">
-  <p:cSld>
-    <p:spTree>
-      <p:nvGrpSpPr>
-        <p:cNvPr id="1" name=""/>
-        <p:cNvGrpSpPr/>
-        <p:nvPr/>
-      </p:nvGrpSpPr>
-      <p:grpSpPr>
-        <a:xfrm>
-          <a:off x="0" y="0"/>
-          <a:ext cx="0" cy="0"/>
-          <a:chOff x="0" y="0"/>
-          <a:chExt cx="0" cy="0"/>
-        </a:xfrm>
-      </p:grpSpPr>
-      <p:sp>
-        <p:nvSpPr>
-          <p:cNvPr id="6" name="Fußzeilenplatzhalter 1"/>
-          <p:cNvSpPr>
-            <a:spLocks noGrp="1"/>
-          </p:cNvSpPr>
-          <p:nvPr>
-            <p:ph type="ftr" sz="quarter" idx="10"/>
-          </p:nvPr>
-        </p:nvSpPr>
-        <p:spPr>
-          <a:xfrm>
-            <a:off x="465138" y="6508573"/>
-            <a:ext cx="4021247" cy="331787"/>
-          </a:xfrm>
-        </p:spPr>
-        <p:txBody>
-          <a:bodyPr/>
-          <a:lstStyle/>
-          <a:p>
-            <a:pPr algn="l"/>
-            <a:r>
-              <a:rPr lang="de-DE" dirty="0" err="1" smtClean="0"/>
-              <a:t>mbeddr</a:t>
-            </a:r>
-            <a:r>
-              <a:rPr lang="de-DE" dirty="0" smtClean="0"/>
-              <a:t>, 29.10.2013</a:t>
-            </a:r>
-            <a:endParaRPr lang="de-DE" dirty="0"/>
-          </a:p>
-        </p:txBody>
-      </p:sp>
-      <p:sp>
-        <p:nvSpPr>
-          <p:cNvPr id="7" name="Foliennummernplatzhalter 2"/>
-          <p:cNvSpPr>
-            <a:spLocks noGrp="1"/>
-          </p:cNvSpPr>
-          <p:nvPr>
-            <p:ph type="sldNum" sz="quarter" idx="11"/>
-          </p:nvPr>
-        </p:nvSpPr>
-        <p:spPr>
-          <a:xfrm>
-            <a:off x="6048138" y="6528870"/>
-            <a:ext cx="2988574" cy="329130"/>
-          </a:xfrm>
-        </p:spPr>
-        <p:txBody>
-          <a:bodyPr/>
-          <a:lstStyle/>
-          <a:p>
-            <a:r>
-              <a:rPr lang="en-GB" noProof="0" smtClean="0"/>
-              <a:t>Page </a:t>
-            </a:r>
-            <a:fld id="{AA807A42-CF27-4B84-8583-18EBE418342E}" type="slidenum">
-              <a:rPr lang="en-GB" noProof="0" smtClean="0"/>
-              <a:pPr/>
-              <a:t>14</a:t>
-            </a:fld>
-            <a:endParaRPr lang="en-GB" noProof="0" dirty="0"/>
-          </a:p>
-        </p:txBody>
-      </p:sp>
-      <p:sp>
-        <p:nvSpPr>
-          <p:cNvPr id="8" name="Textplatzhalter 3"/>
-          <p:cNvSpPr>
-            <a:spLocks noGrp="1"/>
-          </p:cNvSpPr>
-          <p:nvPr>
-            <p:ph type="body" sz="quarter" idx="13"/>
-          </p:nvPr>
-        </p:nvSpPr>
-        <p:spPr>
-          <a:xfrm>
-            <a:off x="465138" y="403226"/>
-            <a:ext cx="11263312" cy="960437"/>
-          </a:xfrm>
-        </p:spPr>
-        <p:txBody>
-          <a:bodyPr/>
-          <a:lstStyle/>
-          <a:p>
-            <a:r>
-              <a:rPr lang="en-GB" dirty="0" smtClean="0"/>
-              <a:t>Context.</a:t>
-            </a:r>
-          </a:p>
-          <a:p>
-            <a:r>
-              <a:rPr lang="en-GB" dirty="0" smtClean="0"/>
-              <a:t>What is </a:t>
-            </a:r>
-            <a:r>
-              <a:rPr lang="en-GB" dirty="0" err="1" smtClean="0"/>
-              <a:t>mPS</a:t>
-            </a:r>
-            <a:r>
-              <a:rPr lang="en-GB" dirty="0" smtClean="0"/>
-              <a:t>?</a:t>
-            </a:r>
-          </a:p>
-        </p:txBody>
-      </p:sp>
-      <p:sp>
-        <p:nvSpPr>
-          <p:cNvPr id="9" name="Textplatzhalter 4"/>
-          <p:cNvSpPr>
-            <a:spLocks noGrp="1"/>
-          </p:cNvSpPr>
-          <p:nvPr>
-            <p:ph type="body" sz="quarter" idx="14"/>
-          </p:nvPr>
-        </p:nvSpPr>
-        <p:spPr>
-          <a:xfrm>
-            <a:off x="465138" y="1611038"/>
-            <a:ext cx="11263312" cy="4861700"/>
-          </a:xfrm>
-        </p:spPr>
-        <p:txBody>
-          <a:bodyPr/>
-          <a:lstStyle/>
-          <a:p>
-            <a:pPr marL="266700" indent="-266700">
-              <a:spcBef>
-                <a:spcPct val="0"/>
-              </a:spcBef>
-            </a:pPr>
-            <a:endParaRPr lang="en-US" dirty="0" smtClean="0">
-              <a:ea typeface="ＭＳ Ｐゴシック" charset="-128"/>
-            </a:endParaRPr>
-          </a:p>
-          <a:p>
-            <a:pPr marL="266700" indent="-266700">
-              <a:spcBef>
-                <a:spcPct val="0"/>
-              </a:spcBef>
-              <a:buFont typeface="Symbol" pitchFamily="18" charset="2"/>
-              <a:buChar char="-"/>
-            </a:pPr>
-            <a:endParaRPr lang="en-US" dirty="0">
-              <a:ea typeface="ＭＳ Ｐゴシック" charset="-128"/>
-            </a:endParaRPr>
-          </a:p>
-          <a:p>
-            <a:pPr>
-              <a:buFontTx/>
-              <a:buChar char="-"/>
-            </a:pPr>
-            <a:endParaRPr lang="en-US" dirty="0" smtClean="0"/>
-          </a:p>
-          <a:p>
-            <a:endParaRPr lang="de-DE" dirty="0"/>
-          </a:p>
-        </p:txBody>
-      </p:sp>
-      <p:sp>
-        <p:nvSpPr>
-          <p:cNvPr id="11" name="Textfeld 6"/>
-          <p:cNvSpPr txBox="1"/>
-          <p:nvPr/>
-        </p:nvSpPr>
-        <p:spPr>
-          <a:xfrm>
-            <a:off x="323528" y="1676400"/>
-            <a:ext cx="8352928" cy="4134465"/>
-          </a:xfrm>
-          <a:prstGeom prst="rect">
-            <a:avLst/>
-          </a:prstGeom>
-          <a:noFill/>
-        </p:spPr>
-        <p:txBody>
-          <a:bodyPr wrap="square" rtlCol="0">
-            <a:spAutoFit/>
-          </a:bodyPr>
-          <a:lstStyle/>
-          <a:p>
-            <a:pPr>
-              <a:lnSpc>
-                <a:spcPts val="3600"/>
-              </a:lnSpc>
-              <a:spcAft>
-                <a:spcPts val="1500"/>
-              </a:spcAft>
-            </a:pPr>
-            <a:r>
-              <a:rPr lang="de-DE" sz="2800" dirty="0">
-                <a:solidFill>
-                  <a:srgbClr val="000000"/>
-                </a:solidFill>
-                <a:latin typeface="Verdana"/>
-                <a:cs typeface="Verdana"/>
-              </a:rPr>
-              <a:t>Support </a:t>
-            </a:r>
-            <a:r>
-              <a:rPr lang="de-DE" sz="2800" dirty="0" err="1">
-                <a:solidFill>
-                  <a:srgbClr val="000000"/>
-                </a:solidFill>
-                <a:latin typeface="Verdana"/>
-                <a:cs typeface="Verdana"/>
-              </a:rPr>
-              <a:t>for</a:t>
-            </a:r>
-            <a:r>
-              <a:rPr lang="de-DE" sz="2800" dirty="0">
-                <a:solidFill>
-                  <a:srgbClr val="000000"/>
-                </a:solidFill>
-                <a:latin typeface="Verdana"/>
-                <a:cs typeface="Verdana"/>
-              </a:rPr>
-              <a:t> </a:t>
-            </a:r>
-            <a:r>
-              <a:rPr lang="de-DE" sz="2800" dirty="0" err="1">
-                <a:solidFill>
-                  <a:srgbClr val="000000"/>
-                </a:solidFill>
-                <a:latin typeface="Verdana"/>
-                <a:cs typeface="Verdana"/>
-              </a:rPr>
-              <a:t>language</a:t>
-            </a:r>
-            <a:r>
-              <a:rPr lang="de-DE" sz="2800" dirty="0">
-                <a:solidFill>
-                  <a:srgbClr val="000000"/>
-                </a:solidFill>
-                <a:latin typeface="Verdana"/>
-                <a:cs typeface="Verdana"/>
-              </a:rPr>
-              <a:t> </a:t>
-            </a:r>
-            <a:r>
-              <a:rPr lang="de-DE" sz="2800" dirty="0" err="1">
-                <a:solidFill>
-                  <a:srgbClr val="000000"/>
-                </a:solidFill>
-                <a:latin typeface="Verdana"/>
-                <a:cs typeface="Verdana"/>
-              </a:rPr>
-              <a:t>aspects</a:t>
-            </a:r>
-            <a:r>
-              <a:rPr lang="de-DE" sz="2800" dirty="0">
-                <a:solidFill>
-                  <a:srgbClr val="000000"/>
-                </a:solidFill>
-                <a:latin typeface="Verdana"/>
-                <a:cs typeface="Verdana"/>
-              </a:rPr>
-              <a:t> such </a:t>
-            </a:r>
-            <a:r>
-              <a:rPr lang="de-DE" sz="2800" dirty="0" err="1">
-                <a:solidFill>
-                  <a:srgbClr val="000000"/>
-                </a:solidFill>
-                <a:latin typeface="Verdana"/>
-                <a:cs typeface="Verdana"/>
-              </a:rPr>
-              <a:t>as</a:t>
-            </a:r>
-            <a:r>
-              <a:rPr lang="de-DE" sz="2800" dirty="0">
-                <a:solidFill>
-                  <a:srgbClr val="000000"/>
-                </a:solidFill>
-                <a:latin typeface="Verdana"/>
-                <a:cs typeface="Verdana"/>
-              </a:rPr>
-              <a:t> type </a:t>
-            </a:r>
-            <a:r>
-              <a:rPr lang="de-DE" sz="2800" dirty="0" err="1">
-                <a:solidFill>
-                  <a:srgbClr val="000000"/>
-                </a:solidFill>
-                <a:latin typeface="Verdana"/>
-                <a:cs typeface="Verdana"/>
-              </a:rPr>
-              <a:t>system</a:t>
-            </a:r>
-            <a:r>
-              <a:rPr lang="de-DE" sz="2800" dirty="0">
-                <a:solidFill>
-                  <a:srgbClr val="000000"/>
-                </a:solidFill>
-                <a:latin typeface="Verdana"/>
-                <a:cs typeface="Verdana"/>
-              </a:rPr>
-              <a:t>, </a:t>
-            </a:r>
-            <a:r>
-              <a:rPr lang="de-DE" sz="2800" dirty="0" err="1">
-                <a:solidFill>
-                  <a:srgbClr val="000000"/>
-                </a:solidFill>
-                <a:latin typeface="Verdana"/>
-                <a:cs typeface="Verdana"/>
-              </a:rPr>
-              <a:t>scopes</a:t>
-            </a:r>
-            <a:r>
-              <a:rPr lang="de-DE" sz="2800" dirty="0">
-                <a:solidFill>
-                  <a:srgbClr val="000000"/>
-                </a:solidFill>
-                <a:latin typeface="Verdana"/>
-                <a:cs typeface="Verdana"/>
-              </a:rPr>
-              <a:t>, </a:t>
-            </a:r>
-            <a:r>
-              <a:rPr lang="de-DE" sz="2800" dirty="0" err="1">
-                <a:solidFill>
-                  <a:srgbClr val="000000"/>
-                </a:solidFill>
-                <a:latin typeface="Verdana"/>
-                <a:cs typeface="Verdana"/>
-              </a:rPr>
-              <a:t>code</a:t>
-            </a:r>
-            <a:r>
-              <a:rPr lang="de-DE" sz="2800" dirty="0">
-                <a:solidFill>
-                  <a:srgbClr val="000000"/>
-                </a:solidFill>
-                <a:latin typeface="Verdana"/>
-                <a:cs typeface="Verdana"/>
-              </a:rPr>
-              <a:t> </a:t>
-            </a:r>
-            <a:r>
-              <a:rPr lang="de-DE" sz="2800" dirty="0" err="1">
-                <a:solidFill>
-                  <a:srgbClr val="000000"/>
-                </a:solidFill>
-                <a:latin typeface="Verdana"/>
-                <a:cs typeface="Verdana"/>
-              </a:rPr>
-              <a:t>completion</a:t>
-            </a:r>
-            <a:r>
-              <a:rPr lang="de-DE" sz="2800" dirty="0">
-                <a:solidFill>
-                  <a:srgbClr val="000000"/>
-                </a:solidFill>
-                <a:latin typeface="Verdana"/>
-                <a:cs typeface="Verdana"/>
-              </a:rPr>
-              <a:t>, find </a:t>
-            </a:r>
-            <a:r>
-              <a:rPr lang="de-DE" sz="2800" dirty="0" err="1">
-                <a:solidFill>
-                  <a:srgbClr val="000000"/>
-                </a:solidFill>
-                <a:latin typeface="Verdana"/>
-                <a:cs typeface="Verdana"/>
-              </a:rPr>
-              <a:t>usages</a:t>
-            </a:r>
-            <a:r>
-              <a:rPr lang="de-DE" sz="2800" dirty="0">
-                <a:solidFill>
-                  <a:srgbClr val="000000"/>
-                </a:solidFill>
-                <a:latin typeface="Verdana"/>
-                <a:cs typeface="Verdana"/>
-              </a:rPr>
-              <a:t>, </a:t>
-            </a:r>
-            <a:r>
-              <a:rPr lang="de-DE" sz="2800" dirty="0" err="1">
-                <a:solidFill>
-                  <a:srgbClr val="000000"/>
-                </a:solidFill>
-                <a:latin typeface="Verdana"/>
-                <a:cs typeface="Verdana"/>
-              </a:rPr>
-              <a:t>dataflow</a:t>
-            </a:r>
-            <a:endParaRPr lang="de-DE" sz="2800" dirty="0">
-              <a:solidFill>
-                <a:srgbClr val="000000"/>
-              </a:solidFill>
-              <a:latin typeface="Verdana"/>
-              <a:cs typeface="Verdana"/>
-            </a:endParaRPr>
-          </a:p>
-          <a:p>
-            <a:pPr>
-              <a:lnSpc>
-                <a:spcPts val="3600"/>
-              </a:lnSpc>
-              <a:spcAft>
-                <a:spcPts val="1500"/>
-              </a:spcAft>
-            </a:pPr>
-            <a:r>
-              <a:rPr lang="de-DE" sz="2800" dirty="0">
-                <a:solidFill>
-                  <a:srgbClr val="000000"/>
-                </a:solidFill>
-                <a:latin typeface="Verdana"/>
-                <a:cs typeface="Verdana"/>
-              </a:rPr>
-              <a:t>Template-</a:t>
-            </a:r>
-            <a:r>
-              <a:rPr lang="de-DE" sz="2800" dirty="0" err="1">
-                <a:solidFill>
-                  <a:srgbClr val="000000"/>
-                </a:solidFill>
-                <a:latin typeface="Verdana"/>
-                <a:cs typeface="Verdana"/>
-              </a:rPr>
-              <a:t>based</a:t>
-            </a:r>
-            <a:r>
-              <a:rPr lang="de-DE" sz="2800" dirty="0">
-                <a:solidFill>
-                  <a:srgbClr val="000000"/>
-                </a:solidFill>
-                <a:latin typeface="Verdana"/>
-                <a:cs typeface="Verdana"/>
-              </a:rPr>
-              <a:t> </a:t>
-            </a:r>
-            <a:r>
-              <a:rPr lang="de-DE" sz="2800" dirty="0" err="1">
-                <a:solidFill>
-                  <a:srgbClr val="000000"/>
-                </a:solidFill>
-                <a:latin typeface="Verdana"/>
-                <a:cs typeface="Verdana"/>
-              </a:rPr>
-              <a:t>approach</a:t>
-            </a:r>
-            <a:r>
-              <a:rPr lang="de-DE" sz="2800" dirty="0">
-                <a:solidFill>
-                  <a:srgbClr val="000000"/>
-                </a:solidFill>
-                <a:latin typeface="Verdana"/>
-                <a:cs typeface="Verdana"/>
-              </a:rPr>
-              <a:t> </a:t>
-            </a:r>
-            <a:r>
-              <a:rPr lang="de-DE" sz="2800" dirty="0" err="1">
-                <a:solidFill>
-                  <a:srgbClr val="000000"/>
-                </a:solidFill>
-                <a:latin typeface="Verdana"/>
-                <a:cs typeface="Verdana"/>
-              </a:rPr>
-              <a:t>for</a:t>
-            </a:r>
-            <a:r>
-              <a:rPr lang="de-DE" sz="2800" dirty="0">
-                <a:solidFill>
-                  <a:srgbClr val="000000"/>
-                </a:solidFill>
-                <a:latin typeface="Verdana"/>
-                <a:cs typeface="Verdana"/>
-              </a:rPr>
-              <a:t> </a:t>
-            </a:r>
-            <a:r>
-              <a:rPr lang="de-DE" sz="2800" dirty="0" err="1">
-                <a:solidFill>
-                  <a:srgbClr val="000000"/>
-                </a:solidFill>
-                <a:latin typeface="Verdana"/>
-                <a:cs typeface="Verdana"/>
-              </a:rPr>
-              <a:t>transformation</a:t>
-            </a:r>
-            <a:r>
-              <a:rPr lang="de-DE" sz="2800" dirty="0">
-                <a:solidFill>
-                  <a:srgbClr val="000000"/>
-                </a:solidFill>
-                <a:latin typeface="Verdana"/>
-                <a:cs typeface="Verdana"/>
-              </a:rPr>
-              <a:t> </a:t>
-            </a:r>
-            <a:r>
-              <a:rPr lang="de-DE" sz="2800" dirty="0" err="1">
-                <a:solidFill>
-                  <a:srgbClr val="000000"/>
-                </a:solidFill>
-                <a:latin typeface="Verdana"/>
-                <a:cs typeface="Verdana"/>
-              </a:rPr>
-              <a:t>and</a:t>
-            </a:r>
-            <a:r>
-              <a:rPr lang="de-DE" sz="2800" dirty="0">
-                <a:solidFill>
-                  <a:srgbClr val="000000"/>
-                </a:solidFill>
-                <a:latin typeface="Verdana"/>
-                <a:cs typeface="Verdana"/>
-              </a:rPr>
-              <a:t> </a:t>
-            </a:r>
-            <a:r>
-              <a:rPr lang="de-DE" sz="2800" dirty="0" err="1">
-                <a:solidFill>
-                  <a:srgbClr val="000000"/>
-                </a:solidFill>
-                <a:latin typeface="Verdana"/>
-                <a:cs typeface="Verdana"/>
-              </a:rPr>
-              <a:t>code</a:t>
-            </a:r>
-            <a:r>
-              <a:rPr lang="de-DE" sz="2800" dirty="0">
-                <a:solidFill>
-                  <a:srgbClr val="000000"/>
-                </a:solidFill>
-                <a:latin typeface="Verdana"/>
-                <a:cs typeface="Verdana"/>
-              </a:rPr>
-              <a:t> </a:t>
-            </a:r>
-            <a:r>
-              <a:rPr lang="de-DE" sz="2800" dirty="0" err="1">
-                <a:solidFill>
-                  <a:srgbClr val="000000"/>
-                </a:solidFill>
-                <a:latin typeface="Verdana"/>
-                <a:cs typeface="Verdana"/>
-              </a:rPr>
-              <a:t>generation</a:t>
-            </a:r>
-            <a:r>
-              <a:rPr lang="de-DE" sz="2800" dirty="0">
-                <a:solidFill>
-                  <a:srgbClr val="000000"/>
-                </a:solidFill>
-                <a:latin typeface="Verdana"/>
-                <a:cs typeface="Verdana"/>
-              </a:rPr>
-              <a:t> </a:t>
-            </a:r>
-            <a:r>
-              <a:rPr lang="de-DE" sz="2800" dirty="0" err="1">
-                <a:solidFill>
-                  <a:srgbClr val="000000"/>
-                </a:solidFill>
-                <a:latin typeface="Verdana"/>
-                <a:cs typeface="Verdana"/>
-              </a:rPr>
-              <a:t>with</a:t>
-            </a:r>
-            <a:r>
-              <a:rPr lang="de-DE" sz="2800" dirty="0">
-                <a:solidFill>
-                  <a:srgbClr val="000000"/>
-                </a:solidFill>
-                <a:latin typeface="Verdana"/>
-                <a:cs typeface="Verdana"/>
-              </a:rPr>
-              <a:t> IDE </a:t>
-            </a:r>
-            <a:r>
-              <a:rPr lang="de-DE" sz="2800" dirty="0" err="1">
-                <a:solidFill>
-                  <a:srgbClr val="000000"/>
-                </a:solidFill>
-                <a:latin typeface="Verdana"/>
-                <a:cs typeface="Verdana"/>
-              </a:rPr>
-              <a:t>support</a:t>
-            </a:r>
-            <a:r>
-              <a:rPr lang="de-DE" sz="2800" dirty="0">
-                <a:solidFill>
-                  <a:srgbClr val="000000"/>
-                </a:solidFill>
-                <a:latin typeface="Verdana"/>
-                <a:cs typeface="Verdana"/>
-              </a:rPr>
-              <a:t> </a:t>
-            </a:r>
-            <a:r>
-              <a:rPr lang="de-DE" sz="2800" dirty="0" err="1">
-                <a:solidFill>
-                  <a:srgbClr val="000000"/>
-                </a:solidFill>
-                <a:latin typeface="Verdana"/>
-                <a:cs typeface="Verdana"/>
-              </a:rPr>
-              <a:t>for</a:t>
-            </a:r>
-            <a:r>
-              <a:rPr lang="de-DE" sz="2800" dirty="0">
-                <a:solidFill>
-                  <a:srgbClr val="000000"/>
-                </a:solidFill>
-                <a:latin typeface="Verdana"/>
-                <a:cs typeface="Verdana"/>
-              </a:rPr>
-              <a:t> </a:t>
-            </a:r>
-            <a:r>
-              <a:rPr lang="de-DE" sz="2800" dirty="0" err="1">
-                <a:solidFill>
-                  <a:srgbClr val="000000"/>
-                </a:solidFill>
-                <a:latin typeface="Verdana"/>
-                <a:cs typeface="Verdana"/>
-              </a:rPr>
-              <a:t>target</a:t>
-            </a:r>
-            <a:r>
-              <a:rPr lang="de-DE" sz="2800" dirty="0">
-                <a:solidFill>
-                  <a:srgbClr val="000000"/>
-                </a:solidFill>
-                <a:latin typeface="Verdana"/>
-                <a:cs typeface="Verdana"/>
-              </a:rPr>
-              <a:t> </a:t>
-            </a:r>
-            <a:r>
-              <a:rPr lang="de-DE" sz="2800" dirty="0" err="1">
-                <a:solidFill>
-                  <a:srgbClr val="000000"/>
-                </a:solidFill>
-                <a:latin typeface="Verdana"/>
-                <a:cs typeface="Verdana"/>
-              </a:rPr>
-              <a:t>language</a:t>
-            </a:r>
-            <a:r>
-              <a:rPr lang="de-DE" sz="2800" dirty="0">
-                <a:solidFill>
-                  <a:srgbClr val="000000"/>
-                </a:solidFill>
-                <a:latin typeface="Verdana"/>
-                <a:cs typeface="Verdana"/>
-              </a:rPr>
-              <a:t> in </a:t>
-            </a:r>
-            <a:r>
-              <a:rPr lang="de-DE" sz="2800" dirty="0" err="1">
-                <a:solidFill>
-                  <a:srgbClr val="000000"/>
-                </a:solidFill>
-                <a:latin typeface="Verdana"/>
-                <a:cs typeface="Verdana"/>
-              </a:rPr>
-              <a:t>templates</a:t>
-            </a:r>
-            <a:endParaRPr lang="de-DE" sz="2800" dirty="0">
-              <a:solidFill>
-                <a:srgbClr val="000000"/>
-              </a:solidFill>
-              <a:latin typeface="Verdana"/>
-              <a:cs typeface="Verdana"/>
-            </a:endParaRPr>
-          </a:p>
-          <a:p>
-            <a:pPr>
-              <a:lnSpc>
-                <a:spcPts val="3600"/>
-              </a:lnSpc>
-              <a:spcAft>
-                <a:spcPts val="1500"/>
-              </a:spcAft>
-            </a:pPr>
-            <a:r>
-              <a:rPr lang="de-DE" sz="2800" dirty="0">
-                <a:solidFill>
-                  <a:srgbClr val="000000"/>
-                </a:solidFill>
-                <a:latin typeface="Verdana"/>
-                <a:cs typeface="Verdana"/>
-              </a:rPr>
-              <a:t>Support </a:t>
-            </a:r>
-            <a:r>
-              <a:rPr lang="de-DE" sz="2800" dirty="0" err="1">
-                <a:solidFill>
-                  <a:srgbClr val="000000"/>
-                </a:solidFill>
-                <a:latin typeface="Verdana"/>
-                <a:cs typeface="Verdana"/>
-              </a:rPr>
-              <a:t>for</a:t>
-            </a:r>
-            <a:r>
-              <a:rPr lang="de-DE" sz="2800" dirty="0">
-                <a:solidFill>
-                  <a:srgbClr val="000000"/>
-                </a:solidFill>
-                <a:latin typeface="Verdana"/>
-                <a:cs typeface="Verdana"/>
-              </a:rPr>
-              <a:t> </a:t>
-            </a:r>
-            <a:r>
-              <a:rPr lang="de-DE" sz="2800" dirty="0" err="1">
-                <a:solidFill>
-                  <a:srgbClr val="000000"/>
-                </a:solidFill>
-                <a:latin typeface="Verdana"/>
-                <a:cs typeface="Verdana"/>
-              </a:rPr>
-              <a:t>building</a:t>
-            </a:r>
-            <a:r>
-              <a:rPr lang="de-DE" sz="2800" dirty="0">
-                <a:solidFill>
-                  <a:srgbClr val="000000"/>
-                </a:solidFill>
-                <a:latin typeface="Verdana"/>
-                <a:cs typeface="Verdana"/>
-              </a:rPr>
-              <a:t> extensible </a:t>
-            </a:r>
-            <a:r>
-              <a:rPr lang="de-DE" sz="2800" dirty="0" err="1">
-                <a:solidFill>
-                  <a:srgbClr val="000000"/>
-                </a:solidFill>
-                <a:latin typeface="Verdana"/>
-                <a:cs typeface="Verdana"/>
-              </a:rPr>
-              <a:t>debuggers</a:t>
-            </a:r>
-            <a:endParaRPr lang="de-DE" sz="2800" dirty="0">
-              <a:solidFill>
-                <a:srgbClr val="000000"/>
-              </a:solidFill>
-              <a:latin typeface="Verdana"/>
-              <a:cs typeface="Verdana"/>
-            </a:endParaRPr>
-          </a:p>
-        </p:txBody>
-      </p:sp>
-    </p:spTree>
-  </p:cSld>
-  <p:clrMapOvr>
-    <a:masterClrMapping/>
-  </p:clrMapOvr>
-  <p:timing>
-    <p:tnLst>
-      <p:par>
-        <p:cTn id="1" dur="indefinite" restart="never" nodeType="tmRoot"/>
-      </p:par>
-    </p:tnLst>
-  </p:timing>
-</p:sld>
-</file>
-
-<file path=ppt/slides/slide15.xml><?xml version="1.0" encoding="utf-8"?>
-<p:sld xmlns:a="http://schemas.openxmlformats.org/drawingml/2006/main" xmlns:r="http://schemas.openxmlformats.org/officeDocument/2006/relationships" xmlns:p="http://schemas.openxmlformats.org/presentationml/2006/main">
-  <p:cSld>
-    <p:spTree>
-      <p:nvGrpSpPr>
-        <p:cNvPr id="1" name=""/>
-        <p:cNvGrpSpPr/>
-        <p:nvPr/>
-      </p:nvGrpSpPr>
-      <p:grpSpPr>
-        <a:xfrm>
-          <a:off x="0" y="0"/>
-          <a:ext cx="0" cy="0"/>
-          <a:chOff x="0" y="0"/>
-          <a:chExt cx="0" cy="0"/>
-        </a:xfrm>
-      </p:grpSpPr>
-      <p:sp>
-        <p:nvSpPr>
-          <p:cNvPr id="6" name="Fußzeilenplatzhalter 1"/>
-          <p:cNvSpPr>
-            <a:spLocks noGrp="1"/>
-          </p:cNvSpPr>
-          <p:nvPr>
-            <p:ph type="ftr" sz="quarter" idx="10"/>
-          </p:nvPr>
-        </p:nvSpPr>
-        <p:spPr>
-          <a:xfrm>
-            <a:off x="465138" y="6508573"/>
-            <a:ext cx="4021247" cy="331787"/>
-          </a:xfrm>
-        </p:spPr>
-        <p:txBody>
-          <a:bodyPr/>
-          <a:lstStyle/>
-          <a:p>
-            <a:pPr algn="l"/>
-            <a:r>
-              <a:rPr lang="de-DE" dirty="0" err="1" smtClean="0"/>
-              <a:t>mbeddr</a:t>
-            </a:r>
-            <a:r>
-              <a:rPr lang="de-DE" dirty="0" smtClean="0"/>
-              <a:t>, 29.10.2013</a:t>
-            </a:r>
-            <a:endParaRPr lang="de-DE" dirty="0"/>
-          </a:p>
-        </p:txBody>
-      </p:sp>
-      <p:sp>
-        <p:nvSpPr>
-          <p:cNvPr id="7" name="Foliennummernplatzhalter 2"/>
-          <p:cNvSpPr>
-            <a:spLocks noGrp="1"/>
-          </p:cNvSpPr>
-          <p:nvPr>
-            <p:ph type="sldNum" sz="quarter" idx="11"/>
-          </p:nvPr>
-        </p:nvSpPr>
-        <p:spPr>
-          <a:xfrm>
-            <a:off x="6048138" y="6528870"/>
-            <a:ext cx="2988574" cy="329130"/>
-          </a:xfrm>
-        </p:spPr>
-        <p:txBody>
-          <a:bodyPr/>
-          <a:lstStyle/>
-          <a:p>
-            <a:r>
-              <a:rPr lang="en-GB" noProof="0" smtClean="0"/>
-              <a:t>Page </a:t>
-            </a:r>
-            <a:fld id="{AA807A42-CF27-4B84-8583-18EBE418342E}" type="slidenum">
-              <a:rPr lang="en-GB" noProof="0" smtClean="0"/>
-              <a:pPr/>
-              <a:t>15</a:t>
-            </a:fld>
-            <a:endParaRPr lang="en-GB" noProof="0" dirty="0"/>
-          </a:p>
-        </p:txBody>
-      </p:sp>
-      <p:sp>
-        <p:nvSpPr>
-          <p:cNvPr id="8" name="Textplatzhalter 3"/>
-          <p:cNvSpPr>
-            <a:spLocks noGrp="1"/>
-          </p:cNvSpPr>
-          <p:nvPr>
-            <p:ph type="body" sz="quarter" idx="13"/>
-          </p:nvPr>
-        </p:nvSpPr>
-        <p:spPr>
-          <a:xfrm>
-            <a:off x="465138" y="403226"/>
-            <a:ext cx="11263312" cy="960437"/>
-          </a:xfrm>
-        </p:spPr>
-        <p:txBody>
-          <a:bodyPr/>
-          <a:lstStyle/>
-          <a:p>
-            <a:r>
-              <a:rPr lang="en-GB" dirty="0" smtClean="0"/>
-              <a:t>Context.</a:t>
-            </a:r>
-          </a:p>
-          <a:p>
-            <a:r>
-              <a:rPr lang="en-GB" dirty="0" smtClean="0"/>
-              <a:t>What is </a:t>
-            </a:r>
-            <a:r>
-              <a:rPr lang="en-GB" dirty="0" err="1" smtClean="0"/>
-              <a:t>mPS</a:t>
-            </a:r>
-            <a:r>
-              <a:rPr lang="en-GB" dirty="0" smtClean="0"/>
-              <a:t>?</a:t>
-            </a:r>
-          </a:p>
-        </p:txBody>
-      </p:sp>
-      <p:sp>
-        <p:nvSpPr>
-          <p:cNvPr id="9" name="Textplatzhalter 4"/>
-          <p:cNvSpPr>
-            <a:spLocks noGrp="1"/>
-          </p:cNvSpPr>
-          <p:nvPr>
-            <p:ph type="body" sz="quarter" idx="14"/>
-          </p:nvPr>
-        </p:nvSpPr>
-        <p:spPr>
-          <a:xfrm>
-            <a:off x="465138" y="1611038"/>
-            <a:ext cx="11263312" cy="4861700"/>
-          </a:xfrm>
-        </p:spPr>
-        <p:txBody>
-          <a:bodyPr/>
-          <a:lstStyle/>
-          <a:p>
-            <a:pPr marL="266700" indent="-266700">
-              <a:spcBef>
-                <a:spcPct val="0"/>
-              </a:spcBef>
-            </a:pPr>
-            <a:endParaRPr lang="en-US" dirty="0" smtClean="0">
-              <a:ea typeface="ＭＳ Ｐゴシック" charset="-128"/>
-            </a:endParaRPr>
-          </a:p>
-          <a:p>
-            <a:pPr marL="266700" indent="-266700">
-              <a:spcBef>
-                <a:spcPct val="0"/>
-              </a:spcBef>
-              <a:buFont typeface="Symbol" pitchFamily="18" charset="2"/>
-              <a:buChar char="-"/>
-            </a:pPr>
-            <a:endParaRPr lang="en-US" dirty="0">
-              <a:ea typeface="ＭＳ Ｐゴシック" charset="-128"/>
-            </a:endParaRPr>
-          </a:p>
-          <a:p>
-            <a:pPr>
-              <a:buFontTx/>
-              <a:buChar char="-"/>
-            </a:pPr>
-            <a:endParaRPr lang="en-US" dirty="0" smtClean="0"/>
-          </a:p>
-          <a:p>
-            <a:endParaRPr lang="de-DE" dirty="0"/>
-          </a:p>
-        </p:txBody>
-      </p:sp>
-      <p:pic>
-        <p:nvPicPr>
-          <p:cNvPr id="11" name="Bild 16"/>
-          <p:cNvPicPr>
-            <a:picLocks noChangeAspect="1"/>
-          </p:cNvPicPr>
-          <p:nvPr/>
-        </p:nvPicPr>
-        <p:blipFill>
-          <a:blip r:embed="rId2" cstate="print">
-            <a:extLst>
-              <a:ext uri="{BEBA8EAE-BF5A-486C-A8C5-ECC9F3942E4B}">
-                <a14:imgProps xmlns:a14="http://schemas.microsoft.com/office/drawing/2010/main" xmlns="">
-                  <a14:imgLayer r:embed="rId3">
-                    <a14:imgEffect>
-                      <a14:saturation sat="0"/>
-                    </a14:imgEffect>
-                  </a14:imgLayer>
-                </a14:imgProps>
-              </a:ext>
-            </a:extLst>
-          </a:blip>
-          <a:stretch>
-            <a:fillRect/>
-          </a:stretch>
-        </p:blipFill>
-        <p:spPr>
-          <a:xfrm>
-            <a:off x="1000200" y="1663824"/>
-            <a:ext cx="4543400" cy="2019289"/>
-          </a:xfrm>
-          <a:prstGeom prst="rect">
-            <a:avLst/>
-          </a:prstGeom>
-        </p:spPr>
-      </p:pic>
-      <p:sp>
-        <p:nvSpPr>
-          <p:cNvPr id="12" name="Rechteck 20"/>
-          <p:cNvSpPr/>
-          <p:nvPr/>
-        </p:nvSpPr>
-        <p:spPr>
-          <a:xfrm>
-            <a:off x="935088" y="3648281"/>
-            <a:ext cx="5616624" cy="183785"/>
+            <a:off x="755576" y="2478832"/>
+            <a:ext cx="7992888" cy="216024"/>
           </a:xfrm>
           <a:prstGeom prst="rect">
             <a:avLst/>
@@ -13581,14 +11970,14 @@
       </p:sp>
       <p:sp>
         <p:nvSpPr>
-          <p:cNvPr id="13" name="Rechteck 21"/>
+          <p:cNvPr id="12" name="Rechteck 11"/>
           <p:cNvSpPr/>
           <p:nvPr/>
         </p:nvSpPr>
         <p:spPr>
           <a:xfrm>
-            <a:off x="5515166" y="3490699"/>
-            <a:ext cx="504056" cy="221974"/>
+            <a:off x="8316416" y="2478832"/>
+            <a:ext cx="504056" cy="2232248"/>
           </a:xfrm>
           <a:prstGeom prst="rect">
             <a:avLst/>
@@ -13626,14 +12015,14 @@
       </p:sp>
       <p:sp>
         <p:nvSpPr>
-          <p:cNvPr id="14" name="Rechteck 22"/>
+          <p:cNvPr id="13" name="Rechteck 12"/>
           <p:cNvSpPr/>
           <p:nvPr/>
         </p:nvSpPr>
         <p:spPr>
           <a:xfrm>
-            <a:off x="575048" y="3481503"/>
-            <a:ext cx="504056" cy="288032"/>
+            <a:off x="467544" y="2550840"/>
+            <a:ext cx="504056" cy="2232248"/>
           </a:xfrm>
           <a:prstGeom prst="rect">
             <a:avLst/>
@@ -13669,44 +12058,2074 @@
           </a:p>
         </p:txBody>
       </p:sp>
+      <p:sp>
+        <p:nvSpPr>
+          <p:cNvPr id="14" name="Titel 1"/>
+          <p:cNvSpPr txBox="1">
+            <a:spLocks/>
+          </p:cNvSpPr>
+          <p:nvPr/>
+        </p:nvSpPr>
+        <p:spPr>
+          <a:xfrm>
+            <a:off x="683568" y="2362200"/>
+            <a:ext cx="8748464" cy="836712"/>
+          </a:xfrm>
+          <a:prstGeom prst="rect">
+            <a:avLst/>
+          </a:prstGeom>
+        </p:spPr>
+        <p:txBody>
+          <a:bodyPr vert="horz" lIns="91440" tIns="45720" rIns="91440" bIns="45720" rtlCol="0" anchor="ctr">
+            <a:noAutofit/>
+          </a:bodyPr>
+          <a:lstStyle>
+            <a:lvl1pPr algn="ctr" defTabSz="914400" rtl="0" eaLnBrk="1" latinLnBrk="0" hangingPunct="1">
+              <a:spcBef>
+                <a:spcPct val="0"/>
+              </a:spcBef>
+              <a:buNone/>
+              <a:defRPr sz="4400" kern="1200">
+                <a:solidFill>
+                  <a:schemeClr val="tx1"/>
+                </a:solidFill>
+                <a:latin typeface="+mj-lt"/>
+                <a:ea typeface="+mj-ea"/>
+                <a:cs typeface="+mj-cs"/>
+              </a:defRPr>
+            </a:lvl1pPr>
+          </a:lstStyle>
+          <a:p>
+            <a:pPr algn="l"/>
+            <a:r>
+              <a:rPr lang="de-DE" sz="3600" b="1" dirty="0">
+                <a:solidFill>
+                  <a:schemeClr val="tx1">
+                    <a:lumMod val="75000"/>
+                    <a:lumOff val="25000"/>
+                  </a:schemeClr>
+                </a:solidFill>
+                <a:latin typeface="Verdana"/>
+                <a:ea typeface="Verdana" pitchFamily="34" charset="0"/>
+                <a:cs typeface="Verdana"/>
+              </a:rPr>
+              <a:t>Open Source</a:t>
+            </a:r>
+          </a:p>
+          <a:p>
+            <a:pPr algn="l"/>
+            <a:r>
+              <a:rPr lang="de-DE" sz="3600" b="1" dirty="0">
+                <a:solidFill>
+                  <a:schemeClr val="tx1">
+                    <a:lumMod val="75000"/>
+                    <a:lumOff val="25000"/>
+                  </a:schemeClr>
+                </a:solidFill>
+                <a:latin typeface="Verdana"/>
+                <a:ea typeface="Verdana" pitchFamily="34" charset="0"/>
+                <a:cs typeface="Verdana"/>
+              </a:rPr>
+              <a:t>Eclipse Public License</a:t>
+            </a:r>
+          </a:p>
+          <a:p>
+            <a:pPr algn="l"/>
+            <a:endParaRPr lang="de-DE" sz="3600" b="1" dirty="0">
+              <a:solidFill>
+                <a:schemeClr val="tx1">
+                  <a:lumMod val="75000"/>
+                  <a:lumOff val="25000"/>
+                </a:schemeClr>
+              </a:solidFill>
+              <a:latin typeface="Verdana"/>
+              <a:ea typeface="Verdana" pitchFamily="34" charset="0"/>
+              <a:cs typeface="Verdana"/>
+            </a:endParaRPr>
+          </a:p>
+          <a:p>
+            <a:pPr algn="l"/>
+            <a:r>
+              <a:rPr lang="de-DE" sz="3600" b="1" dirty="0">
+                <a:solidFill>
+                  <a:schemeClr val="tx1">
+                    <a:lumMod val="75000"/>
+                    <a:lumOff val="25000"/>
+                  </a:schemeClr>
+                </a:solidFill>
+                <a:latin typeface="Verdana"/>
+                <a:ea typeface="Verdana" pitchFamily="34" charset="0"/>
+                <a:cs typeface="Verdana"/>
+              </a:rPr>
+              <a:t>http://mbeddr.com</a:t>
+            </a:r>
+          </a:p>
+        </p:txBody>
+      </p:sp>
+      <p:sp>
+        <p:nvSpPr>
+          <p:cNvPr id="20" name="Titel 1"/>
+          <p:cNvSpPr txBox="1">
+            <a:spLocks/>
+          </p:cNvSpPr>
+          <p:nvPr/>
+        </p:nvSpPr>
+        <p:spPr>
+          <a:xfrm>
+            <a:off x="4386064" y="4876464"/>
+            <a:ext cx="5282882" cy="836712"/>
+          </a:xfrm>
+          <a:prstGeom prst="rect">
+            <a:avLst/>
+          </a:prstGeom>
+        </p:spPr>
+        <p:txBody>
+          <a:bodyPr vert="horz" lIns="91440" tIns="45720" rIns="91440" bIns="45720" rtlCol="0" anchor="ctr">
+            <a:noAutofit/>
+          </a:bodyPr>
+          <a:lstStyle>
+            <a:lvl1pPr algn="ctr" defTabSz="914400" rtl="0" eaLnBrk="1" latinLnBrk="0" hangingPunct="1">
+              <a:spcBef>
+                <a:spcPct val="0"/>
+              </a:spcBef>
+              <a:buNone/>
+              <a:defRPr sz="4400" kern="1200">
+                <a:solidFill>
+                  <a:schemeClr val="tx1"/>
+                </a:solidFill>
+                <a:latin typeface="+mj-lt"/>
+                <a:ea typeface="+mj-ea"/>
+                <a:cs typeface="+mj-cs"/>
+              </a:defRPr>
+            </a:lvl1pPr>
+          </a:lstStyle>
+          <a:p>
+            <a:pPr algn="l"/>
+            <a:r>
+              <a:rPr lang="de-DE" sz="3000" b="1" dirty="0">
+                <a:solidFill>
+                  <a:schemeClr val="tx1">
+                    <a:lumMod val="75000"/>
+                    <a:lumOff val="25000"/>
+                  </a:schemeClr>
+                </a:solidFill>
+                <a:latin typeface="Verdana"/>
+                <a:ea typeface="Verdana" pitchFamily="34" charset="0"/>
+                <a:cs typeface="Verdana"/>
+              </a:rPr>
+              <a:t>Proposal Submitted</a:t>
+            </a:r>
+          </a:p>
+          <a:p>
+            <a:pPr algn="l"/>
+            <a:endParaRPr lang="de-DE" sz="1200" b="1" dirty="0">
+              <a:solidFill>
+                <a:schemeClr val="tx1">
+                  <a:lumMod val="75000"/>
+                  <a:lumOff val="25000"/>
+                </a:schemeClr>
+              </a:solidFill>
+              <a:latin typeface="Verdana"/>
+              <a:ea typeface="Verdana" pitchFamily="34" charset="0"/>
+              <a:cs typeface="Verdana"/>
+            </a:endParaRPr>
+          </a:p>
+          <a:p>
+            <a:pPr algn="l"/>
+            <a:r>
+              <a:rPr lang="de-DE" sz="3000" b="1" dirty="0">
+                <a:solidFill>
+                  <a:schemeClr val="tx1">
+                    <a:lumMod val="75000"/>
+                    <a:lumOff val="25000"/>
+                  </a:schemeClr>
+                </a:solidFill>
+                <a:latin typeface="Verdana"/>
+                <a:ea typeface="Verdana" pitchFamily="34" charset="0"/>
+                <a:cs typeface="Verdana"/>
+              </a:rPr>
+              <a:t>Online any day now!</a:t>
+            </a:r>
+          </a:p>
+          <a:p>
+            <a:pPr algn="l"/>
+            <a:endParaRPr lang="de-DE" sz="1200" b="1" dirty="0">
+              <a:solidFill>
+                <a:schemeClr val="tx1">
+                  <a:lumMod val="75000"/>
+                  <a:lumOff val="25000"/>
+                </a:schemeClr>
+              </a:solidFill>
+              <a:latin typeface="Verdana"/>
+              <a:ea typeface="Verdana" pitchFamily="34" charset="0"/>
+              <a:cs typeface="Verdana"/>
+            </a:endParaRPr>
+          </a:p>
+          <a:p>
+            <a:pPr algn="l"/>
+            <a:r>
+              <a:rPr lang="de-DE" sz="3000" b="1" dirty="0">
+                <a:solidFill>
+                  <a:schemeClr val="tx1">
+                    <a:lumMod val="75000"/>
+                    <a:lumOff val="25000"/>
+                  </a:schemeClr>
+                </a:solidFill>
+                <a:latin typeface="Verdana"/>
+                <a:ea typeface="Verdana" pitchFamily="34" charset="0"/>
+                <a:cs typeface="Verdana"/>
+              </a:rPr>
+              <a:t>Interested Party?</a:t>
+            </a:r>
+            <a:endParaRPr lang="de-DE" sz="3000" b="1" dirty="0">
+              <a:solidFill>
+                <a:schemeClr val="tx1">
+                  <a:lumMod val="75000"/>
+                  <a:lumOff val="25000"/>
+                </a:schemeClr>
+              </a:solidFill>
+              <a:latin typeface="Verdana"/>
+              <a:ea typeface="Verdana" pitchFamily="34" charset="0"/>
+              <a:cs typeface="Verdana"/>
+            </a:endParaRPr>
+          </a:p>
+        </p:txBody>
+      </p:sp>
       <p:pic>
         <p:nvPicPr>
-          <p:cNvPr id="15" name="Picture 2" descr="http://www.jetbrains.com/img/logos/logo_jetbrains.gif"/>
+          <p:cNvPr id="3" name="Bild 2"/>
           <p:cNvPicPr>
-            <a:picLocks noChangeAspect="1" noChangeArrowheads="1"/>
+            <a:picLocks noChangeAspect="1"/>
           </p:cNvPicPr>
           <p:nvPr/>
         </p:nvPicPr>
         <p:blipFill>
-          <a:blip r:embed="rId4" cstate="print">
-            <a:grayscl/>
-          </a:blip>
-          <a:srcRect/>
+          <a:blip r:embed="rId2"/>
           <a:stretch>
             <a:fillRect/>
           </a:stretch>
         </p:blipFill>
-        <p:spPr bwMode="auto">
+        <p:spPr>
           <a:xfrm>
-            <a:off x="1007096" y="3512435"/>
-            <a:ext cx="2520280" cy="967703"/>
+            <a:off x="683568" y="4227211"/>
+            <a:ext cx="3515925" cy="2331742"/>
+          </a:xfrm>
+          <a:prstGeom prst="rect">
+            <a:avLst/>
+          </a:prstGeom>
+        </p:spPr>
+      </p:pic>
+    </p:spTree>
+    <p:extLst>
+      <p:ext uri="{BB962C8B-B14F-4D97-AF65-F5344CB8AC3E}">
+        <p14:creationId xmlns:p14="http://schemas.microsoft.com/office/powerpoint/2010/main" val="1092887984"/>
+      </p:ext>
+    </p:extLst>
+  </p:cSld>
+  <p:clrMapOvr>
+    <a:masterClrMapping/>
+  </p:clrMapOvr>
+  <p:timing>
+    <p:tnLst>
+      <p:par>
+        <p:cTn xmlns:p14="http://schemas.microsoft.com/office/powerpoint/2010/main" id="1" dur="indefinite" restart="never" nodeType="tmRoot"/>
+      </p:par>
+    </p:tnLst>
+  </p:timing>
+</p:sld>
+</file>
+
+<file path=ppt/slides/slide13.xml><?xml version="1.0" encoding="utf-8"?>
+<p:sld xmlns:a="http://schemas.openxmlformats.org/drawingml/2006/main" xmlns:r="http://schemas.openxmlformats.org/officeDocument/2006/relationships" xmlns:p="http://schemas.openxmlformats.org/presentationml/2006/main">
+  <p:cSld>
+    <p:spTree>
+      <p:nvGrpSpPr>
+        <p:cNvPr id="1" name=""/>
+        <p:cNvGrpSpPr/>
+        <p:nvPr/>
+      </p:nvGrpSpPr>
+      <p:grpSpPr>
+        <a:xfrm>
+          <a:off x="0" y="0"/>
+          <a:ext cx="0" cy="0"/>
+          <a:chOff x="0" y="0"/>
+          <a:chExt cx="0" cy="0"/>
+        </a:xfrm>
+      </p:grpSpPr>
+      <p:sp>
+        <p:nvSpPr>
+          <p:cNvPr id="7" name="Textplatzhalter 4"/>
+          <p:cNvSpPr>
+            <a:spLocks noGrp="1"/>
+          </p:cNvSpPr>
+          <p:nvPr>
+            <p:ph type="body" sz="quarter" idx="14"/>
+          </p:nvPr>
+        </p:nvSpPr>
+        <p:spPr>
+          <a:xfrm>
+            <a:off x="348763" y="1628679"/>
+            <a:ext cx="8445285" cy="4861700"/>
+          </a:xfrm>
+        </p:spPr>
+        <p:txBody>
+          <a:bodyPr/>
+          <a:lstStyle/>
+          <a:p>
+            <a:pPr marL="266700" indent="-266700">
+              <a:spcBef>
+                <a:spcPct val="0"/>
+              </a:spcBef>
+            </a:pPr>
+            <a:endParaRPr lang="en-US" dirty="0" smtClean="0">
+              <a:ea typeface="ＭＳ Ｐゴシック" charset="-128"/>
+            </a:endParaRPr>
+          </a:p>
+          <a:p>
+            <a:pPr marL="266700" indent="-266700">
+              <a:spcBef>
+                <a:spcPct val="0"/>
+              </a:spcBef>
+              <a:buFont typeface="Symbol" pitchFamily="18" charset="2"/>
+              <a:buChar char="-"/>
+            </a:pPr>
+            <a:endParaRPr lang="en-US" dirty="0">
+              <a:ea typeface="ＭＳ Ｐゴシック" charset="-128"/>
+            </a:endParaRPr>
+          </a:p>
+          <a:p>
+            <a:pPr>
+              <a:buFontTx/>
+              <a:buChar char="-"/>
+            </a:pPr>
+            <a:endParaRPr lang="en-US" dirty="0" smtClean="0"/>
+          </a:p>
+          <a:p>
+            <a:endParaRPr lang="de-DE" dirty="0"/>
+          </a:p>
+        </p:txBody>
+      </p:sp>
+      <p:sp>
+        <p:nvSpPr>
+          <p:cNvPr id="4" name="Textplatzhalter 3"/>
+          <p:cNvSpPr>
+            <a:spLocks noGrp="1"/>
+          </p:cNvSpPr>
+          <p:nvPr>
+            <p:ph type="body" sz="quarter" idx="13"/>
+          </p:nvPr>
+        </p:nvSpPr>
+        <p:spPr/>
+        <p:txBody>
+          <a:bodyPr/>
+          <a:lstStyle/>
+          <a:p>
+            <a:endParaRPr lang="de-DE"/>
+          </a:p>
+        </p:txBody>
+      </p:sp>
+      <p:sp>
+        <p:nvSpPr>
+          <p:cNvPr id="5" name="Rechteck 4"/>
+          <p:cNvSpPr/>
+          <p:nvPr/>
+        </p:nvSpPr>
+        <p:spPr>
+          <a:xfrm>
+            <a:off x="-211613" y="-211694"/>
+            <a:ext cx="9549041" cy="7321080"/>
+          </a:xfrm>
+          <a:prstGeom prst="rect">
+            <a:avLst/>
+          </a:prstGeom>
+          <a:solidFill>
+            <a:schemeClr val="tx1"/>
+          </a:solidFill>
+        </p:spPr>
+        <p:style>
+          <a:lnRef idx="1">
+            <a:schemeClr val="accent1"/>
+          </a:lnRef>
+          <a:fillRef idx="3">
+            <a:schemeClr val="accent1"/>
+          </a:fillRef>
+          <a:effectRef idx="2">
+            <a:schemeClr val="accent1"/>
+          </a:effectRef>
+          <a:fontRef idx="minor">
+            <a:schemeClr val="lt1"/>
+          </a:fontRef>
+        </p:style>
+        <p:txBody>
+          <a:bodyPr rtlCol="0" anchor="ctr"/>
+          <a:lstStyle/>
+          <a:p>
+            <a:pPr algn="ctr"/>
+            <a:endParaRPr lang="de-DE"/>
+          </a:p>
+        </p:txBody>
+      </p:sp>
+    </p:spTree>
+    <p:extLst>
+      <p:ext uri="{BB962C8B-B14F-4D97-AF65-F5344CB8AC3E}">
+        <p14:creationId xmlns:p14="http://schemas.microsoft.com/office/powerpoint/2010/main" val="1244883522"/>
+      </p:ext>
+    </p:extLst>
+  </p:cSld>
+  <p:clrMapOvr>
+    <a:masterClrMapping/>
+  </p:clrMapOvr>
+  <p:transition xmlns:p14="http://schemas.microsoft.com/office/powerpoint/2010/main">
+    <p:fade/>
+  </p:transition>
+  <p:timing>
+    <p:tnLst>
+      <p:par>
+        <p:cTn xmlns:p14="http://schemas.microsoft.com/office/powerpoint/2010/main" id="1" dur="indefinite" restart="never" nodeType="tmRoot"/>
+      </p:par>
+    </p:tnLst>
+  </p:timing>
+</p:sld>
+</file>
+
+<file path=ppt/slides/slide14.xml><?xml version="1.0" encoding="utf-8"?>
+<p:sld xmlns:a="http://schemas.openxmlformats.org/drawingml/2006/main" xmlns:r="http://schemas.openxmlformats.org/officeDocument/2006/relationships" xmlns:p="http://schemas.openxmlformats.org/presentationml/2006/main">
+  <p:cSld>
+    <p:spTree>
+      <p:nvGrpSpPr>
+        <p:cNvPr id="1" name=""/>
+        <p:cNvGrpSpPr/>
+        <p:nvPr/>
+      </p:nvGrpSpPr>
+      <p:grpSpPr>
+        <a:xfrm>
+          <a:off x="0" y="0"/>
+          <a:ext cx="0" cy="0"/>
+          <a:chOff x="0" y="0"/>
+          <a:chExt cx="0" cy="0"/>
+        </a:xfrm>
+      </p:grpSpPr>
+      <p:sp>
+        <p:nvSpPr>
+          <p:cNvPr id="6" name="Fußzeilenplatzhalter 1"/>
+          <p:cNvSpPr>
+            <a:spLocks noGrp="1"/>
+          </p:cNvSpPr>
+          <p:nvPr>
+            <p:ph type="ftr" sz="quarter" idx="10"/>
+          </p:nvPr>
+        </p:nvSpPr>
+        <p:spPr>
+          <a:xfrm>
+            <a:off x="465138" y="6508573"/>
+            <a:ext cx="4021247" cy="331787"/>
+          </a:xfrm>
+        </p:spPr>
+        <p:txBody>
+          <a:bodyPr/>
+          <a:lstStyle/>
+          <a:p>
+            <a:pPr algn="l"/>
+            <a:r>
+              <a:rPr lang="de-DE" dirty="0" err="1" smtClean="0"/>
+              <a:t>mbeddr</a:t>
+            </a:r>
+            <a:r>
+              <a:rPr lang="de-DE" dirty="0" smtClean="0"/>
+              <a:t>,  29.10.2013</a:t>
+            </a:r>
+            <a:endParaRPr lang="de-DE" dirty="0"/>
+          </a:p>
+        </p:txBody>
+      </p:sp>
+      <p:sp>
+        <p:nvSpPr>
+          <p:cNvPr id="7" name="Foliennummernplatzhalter 2"/>
+          <p:cNvSpPr>
+            <a:spLocks noGrp="1"/>
+          </p:cNvSpPr>
+          <p:nvPr>
+            <p:ph type="sldNum" sz="quarter" idx="11"/>
+          </p:nvPr>
+        </p:nvSpPr>
+        <p:spPr>
+          <a:xfrm>
+            <a:off x="6048138" y="6528870"/>
+            <a:ext cx="2988574" cy="329130"/>
+          </a:xfrm>
+        </p:spPr>
+        <p:txBody>
+          <a:bodyPr/>
+          <a:lstStyle/>
+          <a:p>
+            <a:r>
+              <a:rPr lang="en-GB" noProof="0" smtClean="0"/>
+              <a:t>Page </a:t>
+            </a:r>
+            <a:fld id="{AA807A42-CF27-4B84-8583-18EBE418342E}" type="slidenum">
+              <a:rPr lang="en-GB" noProof="0" smtClean="0"/>
+              <a:pPr/>
+              <a:t>14</a:t>
+            </a:fld>
+            <a:endParaRPr lang="en-GB" noProof="0" dirty="0"/>
+          </a:p>
+        </p:txBody>
+      </p:sp>
+      <p:sp>
+        <p:nvSpPr>
+          <p:cNvPr id="8" name="Textplatzhalter 3"/>
+          <p:cNvSpPr>
+            <a:spLocks noGrp="1"/>
+          </p:cNvSpPr>
+          <p:nvPr>
+            <p:ph type="body" sz="quarter" idx="13"/>
+          </p:nvPr>
+        </p:nvSpPr>
+        <p:spPr>
+          <a:xfrm>
+            <a:off x="465138" y="403226"/>
+            <a:ext cx="11263312" cy="960437"/>
+          </a:xfrm>
+        </p:spPr>
+        <p:txBody>
+          <a:bodyPr/>
+          <a:lstStyle/>
+          <a:p>
+            <a:r>
+              <a:rPr lang="en-GB" dirty="0" smtClean="0"/>
+              <a:t>Context.</a:t>
+            </a:r>
+          </a:p>
+          <a:p>
+            <a:r>
+              <a:rPr lang="en-GB" dirty="0" smtClean="0"/>
+              <a:t>What is </a:t>
+            </a:r>
+            <a:r>
+              <a:rPr lang="en-GB" dirty="0" err="1" smtClean="0"/>
+              <a:t>mPS</a:t>
+            </a:r>
+            <a:r>
+              <a:rPr lang="en-GB" dirty="0" smtClean="0"/>
+              <a:t>?</a:t>
+            </a:r>
+          </a:p>
+        </p:txBody>
+      </p:sp>
+      <p:sp>
+        <p:nvSpPr>
+          <p:cNvPr id="9" name="Textplatzhalter 4"/>
+          <p:cNvSpPr>
+            <a:spLocks noGrp="1"/>
+          </p:cNvSpPr>
+          <p:nvPr>
+            <p:ph type="body" sz="quarter" idx="14"/>
+          </p:nvPr>
+        </p:nvSpPr>
+        <p:spPr>
+          <a:xfrm>
+            <a:off x="465138" y="1611038"/>
+            <a:ext cx="11263312" cy="4861700"/>
+          </a:xfrm>
+        </p:spPr>
+        <p:txBody>
+          <a:bodyPr/>
+          <a:lstStyle/>
+          <a:p>
+            <a:pPr marL="266700" indent="-266700">
+              <a:spcBef>
+                <a:spcPct val="0"/>
+              </a:spcBef>
+            </a:pPr>
+            <a:endParaRPr lang="en-US" dirty="0" smtClean="0">
+              <a:ea typeface="ＭＳ Ｐゴシック" charset="-128"/>
+            </a:endParaRPr>
+          </a:p>
+          <a:p>
+            <a:pPr marL="266700" indent="-266700">
+              <a:spcBef>
+                <a:spcPct val="0"/>
+              </a:spcBef>
+              <a:buFont typeface="Symbol" pitchFamily="18" charset="2"/>
+              <a:buChar char="-"/>
+            </a:pPr>
+            <a:endParaRPr lang="en-US" dirty="0">
+              <a:ea typeface="ＭＳ Ｐゴシック" charset="-128"/>
+            </a:endParaRPr>
+          </a:p>
+          <a:p>
+            <a:pPr>
+              <a:buFontTx/>
+              <a:buChar char="-"/>
+            </a:pPr>
+            <a:endParaRPr lang="en-US" dirty="0" smtClean="0"/>
+          </a:p>
+          <a:p>
+            <a:endParaRPr lang="de-DE" dirty="0"/>
+          </a:p>
+        </p:txBody>
+      </p:sp>
+      <p:sp>
+        <p:nvSpPr>
+          <p:cNvPr id="22" name="Textfeld 28"/>
+          <p:cNvSpPr txBox="1"/>
+          <p:nvPr/>
+        </p:nvSpPr>
+        <p:spPr>
+          <a:xfrm>
+            <a:off x="323528" y="1772816"/>
+            <a:ext cx="8352928" cy="3626634"/>
           </a:xfrm>
           <a:prstGeom prst="rect">
             <a:avLst/>
           </a:prstGeom>
           <a:noFill/>
         </p:spPr>
+        <p:txBody>
+          <a:bodyPr wrap="square" rtlCol="0">
+            <a:spAutoFit/>
+          </a:bodyPr>
+          <a:lstStyle/>
+          <a:p>
+            <a:pPr>
+              <a:lnSpc>
+                <a:spcPts val="3600"/>
+              </a:lnSpc>
+              <a:spcAft>
+                <a:spcPts val="1500"/>
+              </a:spcAft>
+            </a:pPr>
+            <a:r>
+              <a:rPr lang="de-DE" sz="2800" b="1" dirty="0">
+                <a:solidFill>
+                  <a:srgbClr val="000000"/>
+                </a:solidFill>
+                <a:latin typeface="Verdana"/>
+                <a:cs typeface="Verdana"/>
+              </a:rPr>
+              <a:t>Language </a:t>
+            </a:r>
+            <a:r>
+              <a:rPr lang="de-DE" sz="2800" b="1" dirty="0" err="1">
+                <a:solidFill>
+                  <a:srgbClr val="000000"/>
+                </a:solidFill>
+                <a:latin typeface="Verdana"/>
+                <a:cs typeface="Verdana"/>
+              </a:rPr>
+              <a:t>Workbench</a:t>
+            </a:r>
+            <a:r>
+              <a:rPr lang="de-DE" sz="2800" b="1" dirty="0">
+                <a:solidFill>
+                  <a:srgbClr val="000000"/>
+                </a:solidFill>
+                <a:latin typeface="Verdana"/>
+                <a:cs typeface="Verdana"/>
+              </a:rPr>
+              <a:t>.</a:t>
+            </a:r>
+          </a:p>
+          <a:p>
+            <a:pPr>
+              <a:lnSpc>
+                <a:spcPts val="3600"/>
+              </a:lnSpc>
+              <a:spcAft>
+                <a:spcPts val="1500"/>
+              </a:spcAft>
+            </a:pPr>
+            <a:r>
+              <a:rPr lang="de-DE" sz="2800" dirty="0" err="1">
+                <a:solidFill>
+                  <a:srgbClr val="000000"/>
+                </a:solidFill>
+                <a:latin typeface="Verdana"/>
+                <a:cs typeface="Verdana"/>
+              </a:rPr>
+              <a:t>Projectional</a:t>
+            </a:r>
+            <a:r>
+              <a:rPr lang="de-DE" sz="2800" dirty="0">
+                <a:solidFill>
+                  <a:srgbClr val="000000"/>
+                </a:solidFill>
+                <a:latin typeface="Verdana"/>
+                <a:cs typeface="Verdana"/>
+              </a:rPr>
+              <a:t> </a:t>
+            </a:r>
+            <a:r>
+              <a:rPr lang="de-DE" sz="2800" dirty="0" err="1">
+                <a:solidFill>
+                  <a:srgbClr val="000000"/>
+                </a:solidFill>
+                <a:latin typeface="Verdana"/>
+                <a:cs typeface="Verdana"/>
+              </a:rPr>
+              <a:t>Editing</a:t>
+            </a:r>
+            <a:endParaRPr lang="de-DE" sz="2800" dirty="0">
+              <a:solidFill>
+                <a:srgbClr val="000000"/>
+              </a:solidFill>
+              <a:latin typeface="Verdana"/>
+              <a:cs typeface="Verdana"/>
+            </a:endParaRPr>
+          </a:p>
+          <a:p>
+            <a:pPr>
+              <a:lnSpc>
+                <a:spcPts val="3600"/>
+              </a:lnSpc>
+              <a:spcAft>
+                <a:spcPts val="1500"/>
+              </a:spcAft>
+            </a:pPr>
+            <a:r>
+              <a:rPr lang="de-DE" sz="2800" dirty="0" err="1">
+                <a:solidFill>
+                  <a:srgbClr val="000000"/>
+                </a:solidFill>
+                <a:latin typeface="Verdana"/>
+                <a:cs typeface="Verdana"/>
+              </a:rPr>
+              <a:t>Textual</a:t>
+            </a:r>
+            <a:r>
+              <a:rPr lang="de-DE" sz="2800" dirty="0">
+                <a:solidFill>
+                  <a:srgbClr val="000000"/>
+                </a:solidFill>
+                <a:latin typeface="Verdana"/>
+                <a:cs typeface="Verdana"/>
+              </a:rPr>
+              <a:t>/</a:t>
+            </a:r>
+            <a:r>
+              <a:rPr lang="de-DE" sz="2800" dirty="0" err="1">
+                <a:solidFill>
+                  <a:srgbClr val="000000"/>
+                </a:solidFill>
+                <a:latin typeface="Verdana"/>
+                <a:cs typeface="Verdana"/>
+              </a:rPr>
+              <a:t>Symbolic</a:t>
+            </a:r>
+            <a:r>
+              <a:rPr lang="de-DE" sz="2800" dirty="0">
+                <a:solidFill>
+                  <a:srgbClr val="000000"/>
+                </a:solidFill>
+                <a:latin typeface="Verdana"/>
+                <a:cs typeface="Verdana"/>
+              </a:rPr>
+              <a:t>/</a:t>
+            </a:r>
+            <a:r>
+              <a:rPr lang="de-DE" sz="2800" dirty="0" err="1">
+                <a:solidFill>
+                  <a:srgbClr val="000000"/>
+                </a:solidFill>
+                <a:latin typeface="Verdana"/>
+                <a:cs typeface="Verdana"/>
+              </a:rPr>
+              <a:t>Tabular</a:t>
+            </a:r>
+            <a:r>
+              <a:rPr lang="de-DE" sz="2800" dirty="0">
+                <a:solidFill>
+                  <a:srgbClr val="000000"/>
+                </a:solidFill>
+                <a:latin typeface="Verdana"/>
+                <a:cs typeface="Verdana"/>
+              </a:rPr>
+              <a:t>/(</a:t>
+            </a:r>
+            <a:r>
+              <a:rPr lang="de-DE" sz="2800" dirty="0" err="1">
+                <a:solidFill>
+                  <a:srgbClr val="000000"/>
+                </a:solidFill>
+                <a:latin typeface="Verdana"/>
+                <a:cs typeface="Verdana"/>
+              </a:rPr>
+              <a:t>soon</a:t>
+            </a:r>
+            <a:r>
+              <a:rPr lang="de-DE" sz="2800" dirty="0">
+                <a:solidFill>
+                  <a:srgbClr val="000000"/>
+                </a:solidFill>
+                <a:latin typeface="Verdana"/>
+                <a:cs typeface="Verdana"/>
+              </a:rPr>
+              <a:t> </a:t>
+            </a:r>
+            <a:r>
+              <a:rPr lang="de-DE" sz="2800" dirty="0" err="1">
+                <a:solidFill>
+                  <a:srgbClr val="000000"/>
+                </a:solidFill>
+                <a:latin typeface="Verdana"/>
+                <a:cs typeface="Verdana"/>
+              </a:rPr>
+              <a:t>Graphical</a:t>
+            </a:r>
+            <a:r>
+              <a:rPr lang="de-DE" sz="2800" dirty="0">
+                <a:solidFill>
+                  <a:srgbClr val="000000"/>
+                </a:solidFill>
+                <a:latin typeface="Verdana"/>
+                <a:cs typeface="Verdana"/>
+              </a:rPr>
+              <a:t>)</a:t>
+            </a:r>
+          </a:p>
+          <a:p>
+            <a:pPr>
+              <a:lnSpc>
+                <a:spcPts val="3600"/>
+              </a:lnSpc>
+              <a:spcAft>
+                <a:spcPts val="1500"/>
+              </a:spcAft>
+            </a:pPr>
+            <a:r>
+              <a:rPr lang="de-DE" sz="2800" dirty="0">
+                <a:solidFill>
+                  <a:srgbClr val="000000"/>
+                </a:solidFill>
+                <a:latin typeface="Verdana"/>
+                <a:cs typeface="Verdana"/>
+              </a:rPr>
+              <a:t>Multiple </a:t>
+            </a:r>
+            <a:r>
+              <a:rPr lang="de-DE" sz="2800" dirty="0" err="1">
+                <a:solidFill>
+                  <a:srgbClr val="000000"/>
+                </a:solidFill>
+                <a:latin typeface="Verdana"/>
+                <a:cs typeface="Verdana"/>
+              </a:rPr>
+              <a:t>projections</a:t>
+            </a:r>
+            <a:r>
+              <a:rPr lang="de-DE" sz="2800" dirty="0">
+                <a:solidFill>
+                  <a:srgbClr val="000000"/>
+                </a:solidFill>
+                <a:latin typeface="Verdana"/>
+                <a:cs typeface="Verdana"/>
+              </a:rPr>
+              <a:t> </a:t>
+            </a:r>
+            <a:r>
+              <a:rPr lang="de-DE" sz="2800" dirty="0" err="1">
+                <a:solidFill>
+                  <a:srgbClr val="000000"/>
+                </a:solidFill>
+                <a:latin typeface="Verdana"/>
+                <a:cs typeface="Verdana"/>
+              </a:rPr>
+              <a:t>for</a:t>
+            </a:r>
+            <a:r>
+              <a:rPr lang="de-DE" sz="2800" dirty="0">
+                <a:solidFill>
+                  <a:srgbClr val="000000"/>
+                </a:solidFill>
+                <a:latin typeface="Verdana"/>
+                <a:cs typeface="Verdana"/>
+              </a:rPr>
+              <a:t> </a:t>
+            </a:r>
+            <a:r>
+              <a:rPr lang="de-DE" sz="2800" dirty="0" err="1">
+                <a:solidFill>
+                  <a:srgbClr val="000000"/>
+                </a:solidFill>
+                <a:latin typeface="Verdana"/>
+                <a:cs typeface="Verdana"/>
+              </a:rPr>
+              <a:t>the</a:t>
+            </a:r>
+            <a:r>
+              <a:rPr lang="de-DE" sz="2800" dirty="0">
+                <a:solidFill>
+                  <a:srgbClr val="000000"/>
+                </a:solidFill>
+                <a:latin typeface="Verdana"/>
+                <a:cs typeface="Verdana"/>
+              </a:rPr>
+              <a:t> same </a:t>
+            </a:r>
+            <a:r>
+              <a:rPr lang="de-DE" sz="2800" dirty="0" err="1">
+                <a:solidFill>
+                  <a:srgbClr val="000000"/>
+                </a:solidFill>
+                <a:latin typeface="Verdana"/>
+                <a:cs typeface="Verdana"/>
+              </a:rPr>
+              <a:t>language</a:t>
+            </a:r>
+            <a:r>
+              <a:rPr lang="de-DE" sz="2800" dirty="0">
+                <a:solidFill>
+                  <a:srgbClr val="000000"/>
+                </a:solidFill>
+                <a:latin typeface="Verdana"/>
+                <a:cs typeface="Verdana"/>
+              </a:rPr>
+              <a:t> </a:t>
+            </a:r>
+          </a:p>
+          <a:p>
+            <a:pPr>
+              <a:lnSpc>
+                <a:spcPts val="3600"/>
+              </a:lnSpc>
+              <a:spcAft>
+                <a:spcPts val="1500"/>
+              </a:spcAft>
+            </a:pPr>
+            <a:r>
+              <a:rPr lang="de-DE" sz="2800" dirty="0">
+                <a:solidFill>
+                  <a:srgbClr val="000000"/>
+                </a:solidFill>
+                <a:latin typeface="Verdana"/>
+                <a:cs typeface="Verdana"/>
+              </a:rPr>
+              <a:t>Modular </a:t>
+            </a:r>
+            <a:r>
+              <a:rPr lang="de-DE" sz="2800" dirty="0" err="1">
+                <a:solidFill>
+                  <a:srgbClr val="000000"/>
+                </a:solidFill>
+                <a:latin typeface="Verdana"/>
+                <a:cs typeface="Verdana"/>
+              </a:rPr>
+              <a:t>language</a:t>
+            </a:r>
+            <a:r>
+              <a:rPr lang="de-DE" sz="2800" dirty="0">
+                <a:solidFill>
+                  <a:srgbClr val="000000"/>
+                </a:solidFill>
+                <a:latin typeface="Verdana"/>
+                <a:cs typeface="Verdana"/>
+              </a:rPr>
+              <a:t> </a:t>
+            </a:r>
+            <a:r>
+              <a:rPr lang="de-DE" sz="2800" dirty="0" err="1">
+                <a:solidFill>
+                  <a:srgbClr val="000000"/>
+                </a:solidFill>
+                <a:latin typeface="Verdana"/>
+                <a:cs typeface="Verdana"/>
+              </a:rPr>
+              <a:t>development</a:t>
+            </a:r>
+            <a:r>
+              <a:rPr lang="de-DE" sz="2800" dirty="0">
+                <a:solidFill>
+                  <a:srgbClr val="000000"/>
+                </a:solidFill>
+                <a:latin typeface="Verdana"/>
+                <a:cs typeface="Verdana"/>
+              </a:rPr>
+              <a:t>, </a:t>
+            </a:r>
+            <a:r>
+              <a:rPr lang="de-DE" sz="2800" dirty="0" err="1">
+                <a:solidFill>
+                  <a:srgbClr val="000000"/>
+                </a:solidFill>
+                <a:latin typeface="Verdana"/>
+                <a:cs typeface="Verdana"/>
+              </a:rPr>
+              <a:t>extension</a:t>
+            </a:r>
+            <a:r>
+              <a:rPr lang="de-DE" sz="2800" dirty="0">
+                <a:solidFill>
+                  <a:srgbClr val="000000"/>
+                </a:solidFill>
+                <a:latin typeface="Verdana"/>
+                <a:cs typeface="Verdana"/>
+              </a:rPr>
+              <a:t> </a:t>
+            </a:r>
+            <a:r>
+              <a:rPr lang="de-DE" sz="2800" dirty="0" err="1">
+                <a:solidFill>
+                  <a:srgbClr val="000000"/>
+                </a:solidFill>
+                <a:latin typeface="Verdana"/>
+                <a:cs typeface="Verdana"/>
+              </a:rPr>
+              <a:t>and</a:t>
+            </a:r>
+            <a:r>
+              <a:rPr lang="de-DE" sz="2800" dirty="0">
+                <a:solidFill>
+                  <a:srgbClr val="000000"/>
+                </a:solidFill>
+                <a:latin typeface="Verdana"/>
+                <a:cs typeface="Verdana"/>
+              </a:rPr>
+              <a:t> </a:t>
+            </a:r>
+            <a:r>
+              <a:rPr lang="de-DE" sz="2800" dirty="0" err="1">
+                <a:solidFill>
+                  <a:srgbClr val="000000"/>
+                </a:solidFill>
+                <a:latin typeface="Verdana"/>
+                <a:cs typeface="Verdana"/>
+              </a:rPr>
+              <a:t>embedding</a:t>
+            </a:r>
+            <a:endParaRPr lang="de-DE" sz="2800" dirty="0">
+              <a:solidFill>
+                <a:srgbClr val="000000"/>
+              </a:solidFill>
+              <a:latin typeface="Verdana"/>
+              <a:cs typeface="Verdana"/>
+            </a:endParaRPr>
+          </a:p>
+        </p:txBody>
+      </p:sp>
+    </p:spTree>
+  </p:cSld>
+  <p:clrMapOvr>
+    <a:masterClrMapping/>
+  </p:clrMapOvr>
+  <p:timing>
+    <p:tnLst>
+      <p:par>
+        <p:cTn xmlns:p14="http://schemas.microsoft.com/office/powerpoint/2010/main" id="1" dur="indefinite" restart="never" nodeType="tmRoot"/>
+      </p:par>
+    </p:tnLst>
+  </p:timing>
+</p:sld>
+</file>
+
+<file path=ppt/slides/slide15.xml><?xml version="1.0" encoding="utf-8"?>
+<p:sld xmlns:a="http://schemas.openxmlformats.org/drawingml/2006/main" xmlns:r="http://schemas.openxmlformats.org/officeDocument/2006/relationships" xmlns:p="http://schemas.openxmlformats.org/presentationml/2006/main">
+  <p:cSld>
+    <p:spTree>
+      <p:nvGrpSpPr>
+        <p:cNvPr id="1" name=""/>
+        <p:cNvGrpSpPr/>
+        <p:nvPr/>
+      </p:nvGrpSpPr>
+      <p:grpSpPr>
+        <a:xfrm>
+          <a:off x="0" y="0"/>
+          <a:ext cx="0" cy="0"/>
+          <a:chOff x="0" y="0"/>
+          <a:chExt cx="0" cy="0"/>
+        </a:xfrm>
+      </p:grpSpPr>
+      <p:sp>
+        <p:nvSpPr>
+          <p:cNvPr id="6" name="Fußzeilenplatzhalter 1"/>
+          <p:cNvSpPr>
+            <a:spLocks noGrp="1"/>
+          </p:cNvSpPr>
+          <p:nvPr>
+            <p:ph type="ftr" sz="quarter" idx="10"/>
+          </p:nvPr>
+        </p:nvSpPr>
+        <p:spPr>
+          <a:xfrm>
+            <a:off x="465138" y="6508573"/>
+            <a:ext cx="4021247" cy="331787"/>
+          </a:xfrm>
+        </p:spPr>
+        <p:txBody>
+          <a:bodyPr/>
+          <a:lstStyle/>
+          <a:p>
+            <a:pPr algn="l"/>
+            <a:r>
+              <a:rPr lang="de-DE" dirty="0" err="1" smtClean="0"/>
+              <a:t>mbeddr</a:t>
+            </a:r>
+            <a:r>
+              <a:rPr lang="de-DE" dirty="0" smtClean="0"/>
+              <a:t>, 29.10.2013</a:t>
+            </a:r>
+            <a:endParaRPr lang="de-DE" dirty="0"/>
+          </a:p>
+        </p:txBody>
+      </p:sp>
+      <p:sp>
+        <p:nvSpPr>
+          <p:cNvPr id="7" name="Foliennummernplatzhalter 2"/>
+          <p:cNvSpPr>
+            <a:spLocks noGrp="1"/>
+          </p:cNvSpPr>
+          <p:nvPr>
+            <p:ph type="sldNum" sz="quarter" idx="11"/>
+          </p:nvPr>
+        </p:nvSpPr>
+        <p:spPr>
+          <a:xfrm>
+            <a:off x="6048138" y="6528870"/>
+            <a:ext cx="2988574" cy="329130"/>
+          </a:xfrm>
+        </p:spPr>
+        <p:txBody>
+          <a:bodyPr/>
+          <a:lstStyle/>
+          <a:p>
+            <a:r>
+              <a:rPr lang="en-GB" noProof="0" smtClean="0"/>
+              <a:t>Page </a:t>
+            </a:r>
+            <a:fld id="{AA807A42-CF27-4B84-8583-18EBE418342E}" type="slidenum">
+              <a:rPr lang="en-GB" noProof="0" smtClean="0"/>
+              <a:pPr/>
+              <a:t>15</a:t>
+            </a:fld>
+            <a:endParaRPr lang="en-GB" noProof="0" dirty="0"/>
+          </a:p>
+        </p:txBody>
+      </p:sp>
+      <p:sp>
+        <p:nvSpPr>
+          <p:cNvPr id="8" name="Textplatzhalter 3"/>
+          <p:cNvSpPr>
+            <a:spLocks noGrp="1"/>
+          </p:cNvSpPr>
+          <p:nvPr>
+            <p:ph type="body" sz="quarter" idx="13"/>
+          </p:nvPr>
+        </p:nvSpPr>
+        <p:spPr>
+          <a:xfrm>
+            <a:off x="465138" y="403226"/>
+            <a:ext cx="11263312" cy="960437"/>
+          </a:xfrm>
+        </p:spPr>
+        <p:txBody>
+          <a:bodyPr/>
+          <a:lstStyle/>
+          <a:p>
+            <a:r>
+              <a:rPr lang="en-GB" dirty="0" smtClean="0"/>
+              <a:t>Context.</a:t>
+            </a:r>
+          </a:p>
+          <a:p>
+            <a:r>
+              <a:rPr lang="en-GB" dirty="0" smtClean="0"/>
+              <a:t>What is </a:t>
+            </a:r>
+            <a:r>
+              <a:rPr lang="en-GB" dirty="0" err="1" smtClean="0"/>
+              <a:t>mPS</a:t>
+            </a:r>
+            <a:r>
+              <a:rPr lang="en-GB" dirty="0" smtClean="0"/>
+              <a:t>?</a:t>
+            </a:r>
+          </a:p>
+        </p:txBody>
+      </p:sp>
+      <p:sp>
+        <p:nvSpPr>
+          <p:cNvPr id="9" name="Textplatzhalter 4"/>
+          <p:cNvSpPr>
+            <a:spLocks noGrp="1"/>
+          </p:cNvSpPr>
+          <p:nvPr>
+            <p:ph type="body" sz="quarter" idx="14"/>
+          </p:nvPr>
+        </p:nvSpPr>
+        <p:spPr>
+          <a:xfrm>
+            <a:off x="465138" y="1611038"/>
+            <a:ext cx="11263312" cy="4861700"/>
+          </a:xfrm>
+        </p:spPr>
+        <p:txBody>
+          <a:bodyPr/>
+          <a:lstStyle/>
+          <a:p>
+            <a:pPr marL="266700" indent="-266700">
+              <a:spcBef>
+                <a:spcPct val="0"/>
+              </a:spcBef>
+            </a:pPr>
+            <a:endParaRPr lang="en-US" dirty="0" smtClean="0">
+              <a:ea typeface="ＭＳ Ｐゴシック" charset="-128"/>
+            </a:endParaRPr>
+          </a:p>
+          <a:p>
+            <a:pPr marL="266700" indent="-266700">
+              <a:spcBef>
+                <a:spcPct val="0"/>
+              </a:spcBef>
+              <a:buFont typeface="Symbol" pitchFamily="18" charset="2"/>
+              <a:buChar char="-"/>
+            </a:pPr>
+            <a:endParaRPr lang="en-US" dirty="0">
+              <a:ea typeface="ＭＳ Ｐゴシック" charset="-128"/>
+            </a:endParaRPr>
+          </a:p>
+          <a:p>
+            <a:pPr>
+              <a:buFontTx/>
+              <a:buChar char="-"/>
+            </a:pPr>
+            <a:endParaRPr lang="en-US" dirty="0" smtClean="0"/>
+          </a:p>
+          <a:p>
+            <a:endParaRPr lang="de-DE" dirty="0"/>
+          </a:p>
+        </p:txBody>
+      </p:sp>
+      <p:sp>
+        <p:nvSpPr>
+          <p:cNvPr id="11" name="Textfeld 6"/>
+          <p:cNvSpPr txBox="1"/>
+          <p:nvPr/>
+        </p:nvSpPr>
+        <p:spPr>
+          <a:xfrm>
+            <a:off x="323528" y="1676400"/>
+            <a:ext cx="8352928" cy="4134465"/>
+          </a:xfrm>
+          <a:prstGeom prst="rect">
+            <a:avLst/>
+          </a:prstGeom>
+          <a:noFill/>
+        </p:spPr>
+        <p:txBody>
+          <a:bodyPr wrap="square" rtlCol="0">
+            <a:spAutoFit/>
+          </a:bodyPr>
+          <a:lstStyle/>
+          <a:p>
+            <a:pPr>
+              <a:lnSpc>
+                <a:spcPts val="3600"/>
+              </a:lnSpc>
+              <a:spcAft>
+                <a:spcPts val="1500"/>
+              </a:spcAft>
+            </a:pPr>
+            <a:r>
+              <a:rPr lang="de-DE" sz="2800" dirty="0">
+                <a:solidFill>
+                  <a:srgbClr val="000000"/>
+                </a:solidFill>
+                <a:latin typeface="Verdana"/>
+                <a:cs typeface="Verdana"/>
+              </a:rPr>
+              <a:t>Support </a:t>
+            </a:r>
+            <a:r>
+              <a:rPr lang="de-DE" sz="2800" dirty="0" err="1">
+                <a:solidFill>
+                  <a:srgbClr val="000000"/>
+                </a:solidFill>
+                <a:latin typeface="Verdana"/>
+                <a:cs typeface="Verdana"/>
+              </a:rPr>
+              <a:t>for</a:t>
+            </a:r>
+            <a:r>
+              <a:rPr lang="de-DE" sz="2800" dirty="0">
+                <a:solidFill>
+                  <a:srgbClr val="000000"/>
+                </a:solidFill>
+                <a:latin typeface="Verdana"/>
+                <a:cs typeface="Verdana"/>
+              </a:rPr>
+              <a:t> </a:t>
+            </a:r>
+            <a:r>
+              <a:rPr lang="de-DE" sz="2800" dirty="0" err="1">
+                <a:solidFill>
+                  <a:srgbClr val="000000"/>
+                </a:solidFill>
+                <a:latin typeface="Verdana"/>
+                <a:cs typeface="Verdana"/>
+              </a:rPr>
+              <a:t>language</a:t>
+            </a:r>
+            <a:r>
+              <a:rPr lang="de-DE" sz="2800" dirty="0">
+                <a:solidFill>
+                  <a:srgbClr val="000000"/>
+                </a:solidFill>
+                <a:latin typeface="Verdana"/>
+                <a:cs typeface="Verdana"/>
+              </a:rPr>
+              <a:t> </a:t>
+            </a:r>
+            <a:r>
+              <a:rPr lang="de-DE" sz="2800" dirty="0" err="1">
+                <a:solidFill>
+                  <a:srgbClr val="000000"/>
+                </a:solidFill>
+                <a:latin typeface="Verdana"/>
+                <a:cs typeface="Verdana"/>
+              </a:rPr>
+              <a:t>aspects</a:t>
+            </a:r>
+            <a:r>
+              <a:rPr lang="de-DE" sz="2800" dirty="0">
+                <a:solidFill>
+                  <a:srgbClr val="000000"/>
+                </a:solidFill>
+                <a:latin typeface="Verdana"/>
+                <a:cs typeface="Verdana"/>
+              </a:rPr>
+              <a:t> such </a:t>
+            </a:r>
+            <a:r>
+              <a:rPr lang="de-DE" sz="2800" dirty="0" err="1">
+                <a:solidFill>
+                  <a:srgbClr val="000000"/>
+                </a:solidFill>
+                <a:latin typeface="Verdana"/>
+                <a:cs typeface="Verdana"/>
+              </a:rPr>
+              <a:t>as</a:t>
+            </a:r>
+            <a:r>
+              <a:rPr lang="de-DE" sz="2800" dirty="0">
+                <a:solidFill>
+                  <a:srgbClr val="000000"/>
+                </a:solidFill>
+                <a:latin typeface="Verdana"/>
+                <a:cs typeface="Verdana"/>
+              </a:rPr>
+              <a:t> type </a:t>
+            </a:r>
+            <a:r>
+              <a:rPr lang="de-DE" sz="2800" dirty="0" err="1">
+                <a:solidFill>
+                  <a:srgbClr val="000000"/>
+                </a:solidFill>
+                <a:latin typeface="Verdana"/>
+                <a:cs typeface="Verdana"/>
+              </a:rPr>
+              <a:t>system</a:t>
+            </a:r>
+            <a:r>
+              <a:rPr lang="de-DE" sz="2800" dirty="0">
+                <a:solidFill>
+                  <a:srgbClr val="000000"/>
+                </a:solidFill>
+                <a:latin typeface="Verdana"/>
+                <a:cs typeface="Verdana"/>
+              </a:rPr>
+              <a:t>, </a:t>
+            </a:r>
+            <a:r>
+              <a:rPr lang="de-DE" sz="2800" dirty="0" err="1">
+                <a:solidFill>
+                  <a:srgbClr val="000000"/>
+                </a:solidFill>
+                <a:latin typeface="Verdana"/>
+                <a:cs typeface="Verdana"/>
+              </a:rPr>
+              <a:t>scopes</a:t>
+            </a:r>
+            <a:r>
+              <a:rPr lang="de-DE" sz="2800" dirty="0">
+                <a:solidFill>
+                  <a:srgbClr val="000000"/>
+                </a:solidFill>
+                <a:latin typeface="Verdana"/>
+                <a:cs typeface="Verdana"/>
+              </a:rPr>
+              <a:t>, </a:t>
+            </a:r>
+            <a:r>
+              <a:rPr lang="de-DE" sz="2800" dirty="0" err="1">
+                <a:solidFill>
+                  <a:srgbClr val="000000"/>
+                </a:solidFill>
+                <a:latin typeface="Verdana"/>
+                <a:cs typeface="Verdana"/>
+              </a:rPr>
+              <a:t>code</a:t>
+            </a:r>
+            <a:r>
+              <a:rPr lang="de-DE" sz="2800" dirty="0">
+                <a:solidFill>
+                  <a:srgbClr val="000000"/>
+                </a:solidFill>
+                <a:latin typeface="Verdana"/>
+                <a:cs typeface="Verdana"/>
+              </a:rPr>
+              <a:t> </a:t>
+            </a:r>
+            <a:r>
+              <a:rPr lang="de-DE" sz="2800" dirty="0" err="1">
+                <a:solidFill>
+                  <a:srgbClr val="000000"/>
+                </a:solidFill>
+                <a:latin typeface="Verdana"/>
+                <a:cs typeface="Verdana"/>
+              </a:rPr>
+              <a:t>completion</a:t>
+            </a:r>
+            <a:r>
+              <a:rPr lang="de-DE" sz="2800" dirty="0">
+                <a:solidFill>
+                  <a:srgbClr val="000000"/>
+                </a:solidFill>
+                <a:latin typeface="Verdana"/>
+                <a:cs typeface="Verdana"/>
+              </a:rPr>
+              <a:t>, find </a:t>
+            </a:r>
+            <a:r>
+              <a:rPr lang="de-DE" sz="2800" dirty="0" err="1">
+                <a:solidFill>
+                  <a:srgbClr val="000000"/>
+                </a:solidFill>
+                <a:latin typeface="Verdana"/>
+                <a:cs typeface="Verdana"/>
+              </a:rPr>
+              <a:t>usages</a:t>
+            </a:r>
+            <a:r>
+              <a:rPr lang="de-DE" sz="2800" dirty="0">
+                <a:solidFill>
+                  <a:srgbClr val="000000"/>
+                </a:solidFill>
+                <a:latin typeface="Verdana"/>
+                <a:cs typeface="Verdana"/>
+              </a:rPr>
+              <a:t>, </a:t>
+            </a:r>
+            <a:r>
+              <a:rPr lang="de-DE" sz="2800" dirty="0" err="1">
+                <a:solidFill>
+                  <a:srgbClr val="000000"/>
+                </a:solidFill>
+                <a:latin typeface="Verdana"/>
+                <a:cs typeface="Verdana"/>
+              </a:rPr>
+              <a:t>dataflow</a:t>
+            </a:r>
+            <a:endParaRPr lang="de-DE" sz="2800" dirty="0">
+              <a:solidFill>
+                <a:srgbClr val="000000"/>
+              </a:solidFill>
+              <a:latin typeface="Verdana"/>
+              <a:cs typeface="Verdana"/>
+            </a:endParaRPr>
+          </a:p>
+          <a:p>
+            <a:pPr>
+              <a:lnSpc>
+                <a:spcPts val="3600"/>
+              </a:lnSpc>
+              <a:spcAft>
+                <a:spcPts val="1500"/>
+              </a:spcAft>
+            </a:pPr>
+            <a:r>
+              <a:rPr lang="de-DE" sz="2800" dirty="0">
+                <a:solidFill>
+                  <a:srgbClr val="000000"/>
+                </a:solidFill>
+                <a:latin typeface="Verdana"/>
+                <a:cs typeface="Verdana"/>
+              </a:rPr>
+              <a:t>Template-</a:t>
+            </a:r>
+            <a:r>
+              <a:rPr lang="de-DE" sz="2800" dirty="0" err="1">
+                <a:solidFill>
+                  <a:srgbClr val="000000"/>
+                </a:solidFill>
+                <a:latin typeface="Verdana"/>
+                <a:cs typeface="Verdana"/>
+              </a:rPr>
+              <a:t>based</a:t>
+            </a:r>
+            <a:r>
+              <a:rPr lang="de-DE" sz="2800" dirty="0">
+                <a:solidFill>
+                  <a:srgbClr val="000000"/>
+                </a:solidFill>
+                <a:latin typeface="Verdana"/>
+                <a:cs typeface="Verdana"/>
+              </a:rPr>
+              <a:t> </a:t>
+            </a:r>
+            <a:r>
+              <a:rPr lang="de-DE" sz="2800" dirty="0" err="1">
+                <a:solidFill>
+                  <a:srgbClr val="000000"/>
+                </a:solidFill>
+                <a:latin typeface="Verdana"/>
+                <a:cs typeface="Verdana"/>
+              </a:rPr>
+              <a:t>approach</a:t>
+            </a:r>
+            <a:r>
+              <a:rPr lang="de-DE" sz="2800" dirty="0">
+                <a:solidFill>
+                  <a:srgbClr val="000000"/>
+                </a:solidFill>
+                <a:latin typeface="Verdana"/>
+                <a:cs typeface="Verdana"/>
+              </a:rPr>
+              <a:t> </a:t>
+            </a:r>
+            <a:r>
+              <a:rPr lang="de-DE" sz="2800" dirty="0" err="1">
+                <a:solidFill>
+                  <a:srgbClr val="000000"/>
+                </a:solidFill>
+                <a:latin typeface="Verdana"/>
+                <a:cs typeface="Verdana"/>
+              </a:rPr>
+              <a:t>for</a:t>
+            </a:r>
+            <a:r>
+              <a:rPr lang="de-DE" sz="2800" dirty="0">
+                <a:solidFill>
+                  <a:srgbClr val="000000"/>
+                </a:solidFill>
+                <a:latin typeface="Verdana"/>
+                <a:cs typeface="Verdana"/>
+              </a:rPr>
+              <a:t> </a:t>
+            </a:r>
+            <a:r>
+              <a:rPr lang="de-DE" sz="2800" dirty="0" err="1">
+                <a:solidFill>
+                  <a:srgbClr val="000000"/>
+                </a:solidFill>
+                <a:latin typeface="Verdana"/>
+                <a:cs typeface="Verdana"/>
+              </a:rPr>
+              <a:t>transformation</a:t>
+            </a:r>
+            <a:r>
+              <a:rPr lang="de-DE" sz="2800" dirty="0">
+                <a:solidFill>
+                  <a:srgbClr val="000000"/>
+                </a:solidFill>
+                <a:latin typeface="Verdana"/>
+                <a:cs typeface="Verdana"/>
+              </a:rPr>
+              <a:t> </a:t>
+            </a:r>
+            <a:r>
+              <a:rPr lang="de-DE" sz="2800" dirty="0" err="1">
+                <a:solidFill>
+                  <a:srgbClr val="000000"/>
+                </a:solidFill>
+                <a:latin typeface="Verdana"/>
+                <a:cs typeface="Verdana"/>
+              </a:rPr>
+              <a:t>and</a:t>
+            </a:r>
+            <a:r>
+              <a:rPr lang="de-DE" sz="2800" dirty="0">
+                <a:solidFill>
+                  <a:srgbClr val="000000"/>
+                </a:solidFill>
+                <a:latin typeface="Verdana"/>
+                <a:cs typeface="Verdana"/>
+              </a:rPr>
+              <a:t> </a:t>
+            </a:r>
+            <a:r>
+              <a:rPr lang="de-DE" sz="2800" dirty="0" err="1">
+                <a:solidFill>
+                  <a:srgbClr val="000000"/>
+                </a:solidFill>
+                <a:latin typeface="Verdana"/>
+                <a:cs typeface="Verdana"/>
+              </a:rPr>
+              <a:t>code</a:t>
+            </a:r>
+            <a:r>
+              <a:rPr lang="de-DE" sz="2800" dirty="0">
+                <a:solidFill>
+                  <a:srgbClr val="000000"/>
+                </a:solidFill>
+                <a:latin typeface="Verdana"/>
+                <a:cs typeface="Verdana"/>
+              </a:rPr>
+              <a:t> </a:t>
+            </a:r>
+            <a:r>
+              <a:rPr lang="de-DE" sz="2800" dirty="0" err="1">
+                <a:solidFill>
+                  <a:srgbClr val="000000"/>
+                </a:solidFill>
+                <a:latin typeface="Verdana"/>
+                <a:cs typeface="Verdana"/>
+              </a:rPr>
+              <a:t>generation</a:t>
+            </a:r>
+            <a:r>
+              <a:rPr lang="de-DE" sz="2800" dirty="0">
+                <a:solidFill>
+                  <a:srgbClr val="000000"/>
+                </a:solidFill>
+                <a:latin typeface="Verdana"/>
+                <a:cs typeface="Verdana"/>
+              </a:rPr>
+              <a:t> </a:t>
+            </a:r>
+            <a:r>
+              <a:rPr lang="de-DE" sz="2800" dirty="0" err="1">
+                <a:solidFill>
+                  <a:srgbClr val="000000"/>
+                </a:solidFill>
+                <a:latin typeface="Verdana"/>
+                <a:cs typeface="Verdana"/>
+              </a:rPr>
+              <a:t>with</a:t>
+            </a:r>
+            <a:r>
+              <a:rPr lang="de-DE" sz="2800" dirty="0">
+                <a:solidFill>
+                  <a:srgbClr val="000000"/>
+                </a:solidFill>
+                <a:latin typeface="Verdana"/>
+                <a:cs typeface="Verdana"/>
+              </a:rPr>
+              <a:t> IDE </a:t>
+            </a:r>
+            <a:r>
+              <a:rPr lang="de-DE" sz="2800" dirty="0" err="1">
+                <a:solidFill>
+                  <a:srgbClr val="000000"/>
+                </a:solidFill>
+                <a:latin typeface="Verdana"/>
+                <a:cs typeface="Verdana"/>
+              </a:rPr>
+              <a:t>support</a:t>
+            </a:r>
+            <a:r>
+              <a:rPr lang="de-DE" sz="2800" dirty="0">
+                <a:solidFill>
+                  <a:srgbClr val="000000"/>
+                </a:solidFill>
+                <a:latin typeface="Verdana"/>
+                <a:cs typeface="Verdana"/>
+              </a:rPr>
+              <a:t> </a:t>
+            </a:r>
+            <a:r>
+              <a:rPr lang="de-DE" sz="2800" dirty="0" err="1">
+                <a:solidFill>
+                  <a:srgbClr val="000000"/>
+                </a:solidFill>
+                <a:latin typeface="Verdana"/>
+                <a:cs typeface="Verdana"/>
+              </a:rPr>
+              <a:t>for</a:t>
+            </a:r>
+            <a:r>
+              <a:rPr lang="de-DE" sz="2800" dirty="0">
+                <a:solidFill>
+                  <a:srgbClr val="000000"/>
+                </a:solidFill>
+                <a:latin typeface="Verdana"/>
+                <a:cs typeface="Verdana"/>
+              </a:rPr>
+              <a:t> </a:t>
+            </a:r>
+            <a:r>
+              <a:rPr lang="de-DE" sz="2800" dirty="0" err="1">
+                <a:solidFill>
+                  <a:srgbClr val="000000"/>
+                </a:solidFill>
+                <a:latin typeface="Verdana"/>
+                <a:cs typeface="Verdana"/>
+              </a:rPr>
+              <a:t>target</a:t>
+            </a:r>
+            <a:r>
+              <a:rPr lang="de-DE" sz="2800" dirty="0">
+                <a:solidFill>
+                  <a:srgbClr val="000000"/>
+                </a:solidFill>
+                <a:latin typeface="Verdana"/>
+                <a:cs typeface="Verdana"/>
+              </a:rPr>
+              <a:t> </a:t>
+            </a:r>
+            <a:r>
+              <a:rPr lang="de-DE" sz="2800" dirty="0" err="1">
+                <a:solidFill>
+                  <a:srgbClr val="000000"/>
+                </a:solidFill>
+                <a:latin typeface="Verdana"/>
+                <a:cs typeface="Verdana"/>
+              </a:rPr>
+              <a:t>language</a:t>
+            </a:r>
+            <a:r>
+              <a:rPr lang="de-DE" sz="2800" dirty="0">
+                <a:solidFill>
+                  <a:srgbClr val="000000"/>
+                </a:solidFill>
+                <a:latin typeface="Verdana"/>
+                <a:cs typeface="Verdana"/>
+              </a:rPr>
+              <a:t> in </a:t>
+            </a:r>
+            <a:r>
+              <a:rPr lang="de-DE" sz="2800" dirty="0" err="1">
+                <a:solidFill>
+                  <a:srgbClr val="000000"/>
+                </a:solidFill>
+                <a:latin typeface="Verdana"/>
+                <a:cs typeface="Verdana"/>
+              </a:rPr>
+              <a:t>templates</a:t>
+            </a:r>
+            <a:endParaRPr lang="de-DE" sz="2800" dirty="0">
+              <a:solidFill>
+                <a:srgbClr val="000000"/>
+              </a:solidFill>
+              <a:latin typeface="Verdana"/>
+              <a:cs typeface="Verdana"/>
+            </a:endParaRPr>
+          </a:p>
+          <a:p>
+            <a:pPr>
+              <a:lnSpc>
+                <a:spcPts val="3600"/>
+              </a:lnSpc>
+              <a:spcAft>
+                <a:spcPts val="1500"/>
+              </a:spcAft>
+            </a:pPr>
+            <a:r>
+              <a:rPr lang="de-DE" sz="2800" dirty="0">
+                <a:solidFill>
+                  <a:srgbClr val="000000"/>
+                </a:solidFill>
+                <a:latin typeface="Verdana"/>
+                <a:cs typeface="Verdana"/>
+              </a:rPr>
+              <a:t>Support </a:t>
+            </a:r>
+            <a:r>
+              <a:rPr lang="de-DE" sz="2800" dirty="0" err="1">
+                <a:solidFill>
+                  <a:srgbClr val="000000"/>
+                </a:solidFill>
+                <a:latin typeface="Verdana"/>
+                <a:cs typeface="Verdana"/>
+              </a:rPr>
+              <a:t>for</a:t>
+            </a:r>
+            <a:r>
+              <a:rPr lang="de-DE" sz="2800" dirty="0">
+                <a:solidFill>
+                  <a:srgbClr val="000000"/>
+                </a:solidFill>
+                <a:latin typeface="Verdana"/>
+                <a:cs typeface="Verdana"/>
+              </a:rPr>
+              <a:t> </a:t>
+            </a:r>
+            <a:r>
+              <a:rPr lang="de-DE" sz="2800" dirty="0" err="1">
+                <a:solidFill>
+                  <a:srgbClr val="000000"/>
+                </a:solidFill>
+                <a:latin typeface="Verdana"/>
+                <a:cs typeface="Verdana"/>
+              </a:rPr>
+              <a:t>building</a:t>
+            </a:r>
+            <a:r>
+              <a:rPr lang="de-DE" sz="2800" dirty="0">
+                <a:solidFill>
+                  <a:srgbClr val="000000"/>
+                </a:solidFill>
+                <a:latin typeface="Verdana"/>
+                <a:cs typeface="Verdana"/>
+              </a:rPr>
+              <a:t> extensible </a:t>
+            </a:r>
+            <a:r>
+              <a:rPr lang="de-DE" sz="2800" dirty="0" err="1">
+                <a:solidFill>
+                  <a:srgbClr val="000000"/>
+                </a:solidFill>
+                <a:latin typeface="Verdana"/>
+                <a:cs typeface="Verdana"/>
+              </a:rPr>
+              <a:t>debuggers</a:t>
+            </a:r>
+            <a:endParaRPr lang="de-DE" sz="2800" dirty="0">
+              <a:solidFill>
+                <a:srgbClr val="000000"/>
+              </a:solidFill>
+              <a:latin typeface="Verdana"/>
+              <a:cs typeface="Verdana"/>
+            </a:endParaRPr>
+          </a:p>
+        </p:txBody>
+      </p:sp>
+    </p:spTree>
+  </p:cSld>
+  <p:clrMapOvr>
+    <a:masterClrMapping/>
+  </p:clrMapOvr>
+  <p:timing>
+    <p:tnLst>
+      <p:par>
+        <p:cTn xmlns:p14="http://schemas.microsoft.com/office/powerpoint/2010/main" id="1" dur="indefinite" restart="never" nodeType="tmRoot"/>
+      </p:par>
+    </p:tnLst>
+  </p:timing>
+</p:sld>
+</file>
+
+<file path=ppt/slides/slide16.xml><?xml version="1.0" encoding="utf-8"?>
+<p:sld xmlns:a="http://schemas.openxmlformats.org/drawingml/2006/main" xmlns:r="http://schemas.openxmlformats.org/officeDocument/2006/relationships" xmlns:p="http://schemas.openxmlformats.org/presentationml/2006/main">
+  <p:cSld>
+    <p:spTree>
+      <p:nvGrpSpPr>
+        <p:cNvPr id="1" name=""/>
+        <p:cNvGrpSpPr/>
+        <p:nvPr/>
+      </p:nvGrpSpPr>
+      <p:grpSpPr>
+        <a:xfrm>
+          <a:off x="0" y="0"/>
+          <a:ext cx="0" cy="0"/>
+          <a:chOff x="0" y="0"/>
+          <a:chExt cx="0" cy="0"/>
+        </a:xfrm>
+      </p:grpSpPr>
+      <p:sp>
+        <p:nvSpPr>
+          <p:cNvPr id="6" name="Fußzeilenplatzhalter 1"/>
+          <p:cNvSpPr>
+            <a:spLocks noGrp="1"/>
+          </p:cNvSpPr>
+          <p:nvPr>
+            <p:ph type="ftr" sz="quarter" idx="10"/>
+          </p:nvPr>
+        </p:nvSpPr>
+        <p:spPr>
+          <a:xfrm>
+            <a:off x="465138" y="6508573"/>
+            <a:ext cx="4021247" cy="331787"/>
+          </a:xfrm>
+        </p:spPr>
+        <p:txBody>
+          <a:bodyPr/>
+          <a:lstStyle/>
+          <a:p>
+            <a:pPr algn="l"/>
+            <a:r>
+              <a:rPr lang="de-DE" dirty="0" err="1" smtClean="0"/>
+              <a:t>mbeddr</a:t>
+            </a:r>
+            <a:r>
+              <a:rPr lang="de-DE" dirty="0" smtClean="0"/>
+              <a:t>, 29.10.2013</a:t>
+            </a:r>
+            <a:endParaRPr lang="de-DE" dirty="0"/>
+          </a:p>
+        </p:txBody>
+      </p:sp>
+      <p:sp>
+        <p:nvSpPr>
+          <p:cNvPr id="7" name="Foliennummernplatzhalter 2"/>
+          <p:cNvSpPr>
+            <a:spLocks noGrp="1"/>
+          </p:cNvSpPr>
+          <p:nvPr>
+            <p:ph type="sldNum" sz="quarter" idx="11"/>
+          </p:nvPr>
+        </p:nvSpPr>
+        <p:spPr>
+          <a:xfrm>
+            <a:off x="6048138" y="6528870"/>
+            <a:ext cx="2988574" cy="329130"/>
+          </a:xfrm>
+        </p:spPr>
+        <p:txBody>
+          <a:bodyPr/>
+          <a:lstStyle/>
+          <a:p>
+            <a:r>
+              <a:rPr lang="en-GB" noProof="0" smtClean="0"/>
+              <a:t>Page </a:t>
+            </a:r>
+            <a:fld id="{AA807A42-CF27-4B84-8583-18EBE418342E}" type="slidenum">
+              <a:rPr lang="en-GB" noProof="0" smtClean="0"/>
+              <a:pPr/>
+              <a:t>16</a:t>
+            </a:fld>
+            <a:endParaRPr lang="en-GB" noProof="0" dirty="0"/>
+          </a:p>
+        </p:txBody>
+      </p:sp>
+      <p:sp>
+        <p:nvSpPr>
+          <p:cNvPr id="8" name="Textplatzhalter 3"/>
+          <p:cNvSpPr>
+            <a:spLocks noGrp="1"/>
+          </p:cNvSpPr>
+          <p:nvPr>
+            <p:ph type="body" sz="quarter" idx="13"/>
+          </p:nvPr>
+        </p:nvSpPr>
+        <p:spPr>
+          <a:xfrm>
+            <a:off x="465138" y="403226"/>
+            <a:ext cx="11263312" cy="960437"/>
+          </a:xfrm>
+        </p:spPr>
+        <p:txBody>
+          <a:bodyPr/>
+          <a:lstStyle/>
+          <a:p>
+            <a:r>
+              <a:rPr lang="en-GB" dirty="0" smtClean="0"/>
+              <a:t>Context.</a:t>
+            </a:r>
+          </a:p>
+          <a:p>
+            <a:r>
+              <a:rPr lang="en-GB" dirty="0" smtClean="0"/>
+              <a:t>What is </a:t>
+            </a:r>
+            <a:r>
+              <a:rPr lang="en-GB" dirty="0" err="1" smtClean="0"/>
+              <a:t>mPS</a:t>
+            </a:r>
+            <a:r>
+              <a:rPr lang="en-GB" dirty="0" smtClean="0"/>
+              <a:t>?</a:t>
+            </a:r>
+          </a:p>
+        </p:txBody>
+      </p:sp>
+      <p:sp>
+        <p:nvSpPr>
+          <p:cNvPr id="9" name="Textplatzhalter 4"/>
+          <p:cNvSpPr>
+            <a:spLocks noGrp="1"/>
+          </p:cNvSpPr>
+          <p:nvPr>
+            <p:ph type="body" sz="quarter" idx="14"/>
+          </p:nvPr>
+        </p:nvSpPr>
+        <p:spPr>
+          <a:xfrm>
+            <a:off x="465138" y="1611038"/>
+            <a:ext cx="11263312" cy="4861700"/>
+          </a:xfrm>
+        </p:spPr>
+        <p:txBody>
+          <a:bodyPr/>
+          <a:lstStyle/>
+          <a:p>
+            <a:pPr marL="266700" indent="-266700">
+              <a:spcBef>
+                <a:spcPct val="0"/>
+              </a:spcBef>
+            </a:pPr>
+            <a:endParaRPr lang="en-US" dirty="0" smtClean="0">
+              <a:ea typeface="ＭＳ Ｐゴシック" charset="-128"/>
+            </a:endParaRPr>
+          </a:p>
+          <a:p>
+            <a:pPr marL="266700" indent="-266700">
+              <a:spcBef>
+                <a:spcPct val="0"/>
+              </a:spcBef>
+              <a:buFont typeface="Symbol" pitchFamily="18" charset="2"/>
+              <a:buChar char="-"/>
+            </a:pPr>
+            <a:endParaRPr lang="en-US" dirty="0">
+              <a:ea typeface="ＭＳ Ｐゴシック" charset="-128"/>
+            </a:endParaRPr>
+          </a:p>
+          <a:p>
+            <a:pPr>
+              <a:buFontTx/>
+              <a:buChar char="-"/>
+            </a:pPr>
+            <a:endParaRPr lang="en-US" dirty="0" smtClean="0"/>
+          </a:p>
+          <a:p>
+            <a:endParaRPr lang="de-DE" dirty="0"/>
+          </a:p>
+        </p:txBody>
+      </p:sp>
+      <p:pic>
+        <p:nvPicPr>
+          <p:cNvPr id="11" name="Bild 16"/>
+          <p:cNvPicPr>
+            <a:picLocks noChangeAspect="1"/>
+          </p:cNvPicPr>
+          <p:nvPr/>
+        </p:nvPicPr>
+        <p:blipFill>
+          <a:blip r:embed="rId2" cstate="print">
+            <a:extLst>
+              <a:ext uri="{BEBA8EAE-BF5A-486C-A8C5-ECC9F3942E4B}">
+                <a14:imgProps xmlns:a14="http://schemas.microsoft.com/office/drawing/2010/main">
+                  <a14:imgLayer r:embed="rId3">
+                    <a14:imgEffect>
+                      <a14:saturation sat="0"/>
+                    </a14:imgEffect>
+                  </a14:imgLayer>
+                </a14:imgProps>
+              </a:ext>
+            </a:extLst>
+          </a:blip>
+          <a:stretch>
+            <a:fillRect/>
+          </a:stretch>
+        </p:blipFill>
+        <p:spPr>
+          <a:xfrm>
+            <a:off x="1000200" y="1663824"/>
+            <a:ext cx="4543400" cy="2019289"/>
+          </a:xfrm>
+          <a:prstGeom prst="rect">
+            <a:avLst/>
+          </a:prstGeom>
+        </p:spPr>
       </p:pic>
       <p:sp>
         <p:nvSpPr>
-          <p:cNvPr id="16" name="Rechteck 25"/>
+          <p:cNvPr id="12" name="Rechteck 20"/>
           <p:cNvSpPr/>
           <p:nvPr/>
         </p:nvSpPr>
         <p:spPr>
           <a:xfrm>
-            <a:off x="5515166" y="4202777"/>
-            <a:ext cx="504056" cy="221974"/>
+            <a:off x="935088" y="3648281"/>
+            <a:ext cx="5616624" cy="183785"/>
           </a:xfrm>
           <a:prstGeom prst="rect">
             <a:avLst/>
@@ -13744,6 +14163,169 @@
       </p:sp>
       <p:sp>
         <p:nvSpPr>
+          <p:cNvPr id="13" name="Rechteck 21"/>
+          <p:cNvSpPr/>
+          <p:nvPr/>
+        </p:nvSpPr>
+        <p:spPr>
+          <a:xfrm>
+            <a:off x="5515166" y="3490699"/>
+            <a:ext cx="504056" cy="221974"/>
+          </a:xfrm>
+          <a:prstGeom prst="rect">
+            <a:avLst/>
+          </a:prstGeom>
+          <a:solidFill>
+            <a:schemeClr val="bg1"/>
+          </a:solidFill>
+          <a:ln>
+            <a:noFill/>
+          </a:ln>
+          <a:effectLst/>
+        </p:spPr>
+        <p:style>
+          <a:lnRef idx="1">
+            <a:schemeClr val="accent1"/>
+          </a:lnRef>
+          <a:fillRef idx="3">
+            <a:schemeClr val="accent1"/>
+          </a:fillRef>
+          <a:effectRef idx="2">
+            <a:schemeClr val="accent1"/>
+          </a:effectRef>
+          <a:fontRef idx="minor">
+            <a:schemeClr val="lt1"/>
+          </a:fontRef>
+        </p:style>
+        <p:txBody>
+          <a:bodyPr rtlCol="0" anchor="ctr"/>
+          <a:lstStyle/>
+          <a:p>
+            <a:pPr algn="ctr"/>
+            <a:endParaRPr lang="de-DE"/>
+          </a:p>
+        </p:txBody>
+      </p:sp>
+      <p:sp>
+        <p:nvSpPr>
+          <p:cNvPr id="14" name="Rechteck 22"/>
+          <p:cNvSpPr/>
+          <p:nvPr/>
+        </p:nvSpPr>
+        <p:spPr>
+          <a:xfrm>
+            <a:off x="575048" y="3481503"/>
+            <a:ext cx="504056" cy="288032"/>
+          </a:xfrm>
+          <a:prstGeom prst="rect">
+            <a:avLst/>
+          </a:prstGeom>
+          <a:solidFill>
+            <a:schemeClr val="bg1"/>
+          </a:solidFill>
+          <a:ln>
+            <a:noFill/>
+          </a:ln>
+          <a:effectLst/>
+        </p:spPr>
+        <p:style>
+          <a:lnRef idx="1">
+            <a:schemeClr val="accent1"/>
+          </a:lnRef>
+          <a:fillRef idx="3">
+            <a:schemeClr val="accent1"/>
+          </a:fillRef>
+          <a:effectRef idx="2">
+            <a:schemeClr val="accent1"/>
+          </a:effectRef>
+          <a:fontRef idx="minor">
+            <a:schemeClr val="lt1"/>
+          </a:fontRef>
+        </p:style>
+        <p:txBody>
+          <a:bodyPr rtlCol="0" anchor="ctr"/>
+          <a:lstStyle/>
+          <a:p>
+            <a:pPr algn="ctr"/>
+            <a:endParaRPr lang="de-DE"/>
+          </a:p>
+        </p:txBody>
+      </p:sp>
+      <p:pic>
+        <p:nvPicPr>
+          <p:cNvPr id="15" name="Picture 2" descr="http://www.jetbrains.com/img/logos/logo_jetbrains.gif"/>
+          <p:cNvPicPr>
+            <a:picLocks noChangeAspect="1" noChangeArrowheads="1"/>
+          </p:cNvPicPr>
+          <p:nvPr/>
+        </p:nvPicPr>
+        <p:blipFill>
+          <a:blip r:embed="rId4" cstate="print">
+            <a:grayscl/>
+          </a:blip>
+          <a:srcRect/>
+          <a:stretch>
+            <a:fillRect/>
+          </a:stretch>
+        </p:blipFill>
+        <p:spPr bwMode="auto">
+          <a:xfrm>
+            <a:off x="1007096" y="3512435"/>
+            <a:ext cx="2520280" cy="967703"/>
+          </a:xfrm>
+          <a:prstGeom prst="rect">
+            <a:avLst/>
+          </a:prstGeom>
+          <a:noFill/>
+        </p:spPr>
+      </p:pic>
+      <p:sp>
+        <p:nvSpPr>
+          <p:cNvPr id="16" name="Rechteck 25"/>
+          <p:cNvSpPr/>
+          <p:nvPr/>
+        </p:nvSpPr>
+        <p:spPr>
+          <a:xfrm>
+            <a:off x="5515166" y="4202777"/>
+            <a:ext cx="504056" cy="221974"/>
+          </a:xfrm>
+          <a:prstGeom prst="rect">
+            <a:avLst/>
+          </a:prstGeom>
+          <a:solidFill>
+            <a:schemeClr val="bg1"/>
+          </a:solidFill>
+          <a:ln>
+            <a:noFill/>
+          </a:ln>
+          <a:effectLst/>
+        </p:spPr>
+        <p:style>
+          <a:lnRef idx="1">
+            <a:schemeClr val="accent1"/>
+          </a:lnRef>
+          <a:fillRef idx="3">
+            <a:schemeClr val="accent1"/>
+          </a:fillRef>
+          <a:effectRef idx="2">
+            <a:schemeClr val="accent1"/>
+          </a:effectRef>
+          <a:fontRef idx="minor">
+            <a:schemeClr val="lt1"/>
+          </a:fontRef>
+        </p:style>
+        <p:txBody>
+          <a:bodyPr rtlCol="0" anchor="ctr"/>
+          <a:lstStyle/>
+          <a:p>
+            <a:pPr algn="ctr"/>
+            <a:endParaRPr lang="de-DE"/>
+          </a:p>
+        </p:txBody>
+      </p:sp>
+      <p:sp>
+        <p:nvSpPr>
           <p:cNvPr id="17" name="Titel 1"/>
           <p:cNvSpPr txBox="1">
             <a:spLocks/>
@@ -13840,215 +14422,7 @@
   <p:timing>
     <p:tnLst>
       <p:par>
-        <p:cTn id="1" dur="indefinite" restart="never" nodeType="tmRoot"/>
-      </p:par>
-    </p:tnLst>
-  </p:timing>
-</p:sld>
-</file>
-
-<file path=ppt/slides/slide16.xml><?xml version="1.0" encoding="utf-8"?>
-<p:sld xmlns:a="http://schemas.openxmlformats.org/drawingml/2006/main" xmlns:r="http://schemas.openxmlformats.org/officeDocument/2006/relationships" xmlns:p="http://schemas.openxmlformats.org/presentationml/2006/main">
-  <p:cSld>
-    <p:spTree>
-      <p:nvGrpSpPr>
-        <p:cNvPr id="1" name=""/>
-        <p:cNvGrpSpPr/>
-        <p:nvPr/>
-      </p:nvGrpSpPr>
-      <p:grpSpPr>
-        <a:xfrm>
-          <a:off x="0" y="0"/>
-          <a:ext cx="0" cy="0"/>
-          <a:chOff x="0" y="0"/>
-          <a:chExt cx="0" cy="0"/>
-        </a:xfrm>
-      </p:grpSpPr>
-      <p:sp>
-        <p:nvSpPr>
-          <p:cNvPr id="6" name="Fußzeilenplatzhalter 1"/>
-          <p:cNvSpPr>
-            <a:spLocks noGrp="1"/>
-          </p:cNvSpPr>
-          <p:nvPr>
-            <p:ph type="ftr" sz="quarter" idx="10"/>
-          </p:nvPr>
-        </p:nvSpPr>
-        <p:spPr>
-          <a:xfrm>
-            <a:off x="465138" y="6508573"/>
-            <a:ext cx="4021247" cy="331787"/>
-          </a:xfrm>
-        </p:spPr>
-        <p:txBody>
-          <a:bodyPr/>
-          <a:lstStyle/>
-          <a:p>
-            <a:pPr algn="l"/>
-            <a:r>
-              <a:rPr lang="de-DE" dirty="0" err="1" smtClean="0"/>
-              <a:t>mbeddr</a:t>
-            </a:r>
-            <a:r>
-              <a:rPr lang="de-DE" dirty="0" smtClean="0"/>
-              <a:t>, 29.10.2013</a:t>
-            </a:r>
-            <a:endParaRPr lang="de-DE" dirty="0"/>
-          </a:p>
-        </p:txBody>
-      </p:sp>
-      <p:sp>
-        <p:nvSpPr>
-          <p:cNvPr id="7" name="Foliennummernplatzhalter 2"/>
-          <p:cNvSpPr>
-            <a:spLocks noGrp="1"/>
-          </p:cNvSpPr>
-          <p:nvPr>
-            <p:ph type="sldNum" sz="quarter" idx="11"/>
-          </p:nvPr>
-        </p:nvSpPr>
-        <p:spPr>
-          <a:xfrm>
-            <a:off x="6048138" y="6528870"/>
-            <a:ext cx="2988574" cy="329130"/>
-          </a:xfrm>
-        </p:spPr>
-        <p:txBody>
-          <a:bodyPr/>
-          <a:lstStyle/>
-          <a:p>
-            <a:r>
-              <a:rPr lang="en-GB" noProof="0" smtClean="0"/>
-              <a:t>Page </a:t>
-            </a:r>
-            <a:fld id="{AA807A42-CF27-4B84-8583-18EBE418342E}" type="slidenum">
-              <a:rPr lang="en-GB" noProof="0" smtClean="0"/>
-              <a:pPr/>
-              <a:t>16</a:t>
-            </a:fld>
-            <a:endParaRPr lang="en-GB" noProof="0" dirty="0"/>
-          </a:p>
-        </p:txBody>
-      </p:sp>
-      <p:sp>
-        <p:nvSpPr>
-          <p:cNvPr id="8" name="Textplatzhalter 3"/>
-          <p:cNvSpPr>
-            <a:spLocks noGrp="1"/>
-          </p:cNvSpPr>
-          <p:nvPr>
-            <p:ph type="body" sz="quarter" idx="13"/>
-          </p:nvPr>
-        </p:nvSpPr>
-        <p:spPr>
-          <a:xfrm>
-            <a:off x="465138" y="403226"/>
-            <a:ext cx="11263312" cy="960437"/>
-          </a:xfrm>
-        </p:spPr>
-        <p:txBody>
-          <a:bodyPr/>
-          <a:lstStyle/>
-          <a:p>
-            <a:r>
-              <a:rPr lang="en-GB" dirty="0" smtClean="0"/>
-              <a:t>MPS.</a:t>
-            </a:r>
-          </a:p>
-          <a:p>
-            <a:r>
-              <a:rPr lang="en-GB" dirty="0" smtClean="0"/>
-              <a:t>Supported notations: text</a:t>
-            </a:r>
-          </a:p>
-        </p:txBody>
-      </p:sp>
-      <p:sp>
-        <p:nvSpPr>
-          <p:cNvPr id="9" name="Textplatzhalter 4"/>
-          <p:cNvSpPr>
-            <a:spLocks noGrp="1"/>
-          </p:cNvSpPr>
-          <p:nvPr>
-            <p:ph type="body" sz="quarter" idx="14"/>
-          </p:nvPr>
-        </p:nvSpPr>
-        <p:spPr>
-          <a:xfrm>
-            <a:off x="465138" y="1611038"/>
-            <a:ext cx="11263312" cy="4861700"/>
-          </a:xfrm>
-        </p:spPr>
-        <p:txBody>
-          <a:bodyPr/>
-          <a:lstStyle/>
-          <a:p>
-            <a:pPr marL="266700" indent="-266700">
-              <a:spcBef>
-                <a:spcPct val="0"/>
-              </a:spcBef>
-            </a:pPr>
-            <a:endParaRPr lang="en-US" dirty="0" smtClean="0">
-              <a:ea typeface="ＭＳ Ｐゴシック" charset="-128"/>
-            </a:endParaRPr>
-          </a:p>
-          <a:p>
-            <a:pPr marL="266700" indent="-266700">
-              <a:spcBef>
-                <a:spcPct val="0"/>
-              </a:spcBef>
-              <a:buFont typeface="Symbol" pitchFamily="18" charset="2"/>
-              <a:buChar char="-"/>
-            </a:pPr>
-            <a:endParaRPr lang="en-US" dirty="0">
-              <a:ea typeface="ＭＳ Ｐゴシック" charset="-128"/>
-            </a:endParaRPr>
-          </a:p>
-          <a:p>
-            <a:pPr>
-              <a:buFontTx/>
-              <a:buChar char="-"/>
-            </a:pPr>
-            <a:endParaRPr lang="en-US" dirty="0" smtClean="0"/>
-          </a:p>
-          <a:p>
-            <a:endParaRPr lang="de-DE" dirty="0"/>
-          </a:p>
-        </p:txBody>
-      </p:sp>
-      <p:pic>
-        <p:nvPicPr>
-          <p:cNvPr id="11" name="Bild 11"/>
-          <p:cNvPicPr>
-            <a:picLocks noChangeAspect="1"/>
-          </p:cNvPicPr>
-          <p:nvPr/>
-        </p:nvPicPr>
-        <p:blipFill>
-          <a:blip r:embed="rId2" cstate="print"/>
-          <a:stretch>
-            <a:fillRect/>
-          </a:stretch>
-        </p:blipFill>
-        <p:spPr>
-          <a:xfrm>
-            <a:off x="412579" y="1524001"/>
-            <a:ext cx="7512221" cy="4724400"/>
-          </a:xfrm>
-          <a:prstGeom prst="rect">
-            <a:avLst/>
-          </a:prstGeom>
-        </p:spPr>
-      </p:pic>
-    </p:spTree>
-  </p:cSld>
-  <p:clrMapOvr>
-    <a:masterClrMapping/>
-  </p:clrMapOvr>
-  <p:timing>
-    <p:tnLst>
-      <p:par>
-        <p:cTn id="1" dur="indefinite" restart="never" nodeType="tmRoot"/>
+        <p:cTn xmlns:p14="http://schemas.microsoft.com/office/powerpoint/2010/main" id="1" dur="indefinite" restart="never" nodeType="tmRoot"/>
       </p:par>
     </p:tnLst>
   </p:timing>
@@ -14165,12 +14539,8 @@
           </a:p>
           <a:p>
             <a:r>
-              <a:rPr lang="en-GB" dirty="0" err="1" smtClean="0"/>
-              <a:t>SUPported</a:t>
-            </a:r>
-            <a:r>
               <a:rPr lang="en-GB" dirty="0" smtClean="0"/>
-              <a:t> notations: tables</a:t>
+              <a:t>Supported notations: text</a:t>
             </a:r>
           </a:p>
         </p:txBody>
@@ -14230,7 +14600,7 @@
       </p:sp>
       <p:pic>
         <p:nvPicPr>
-          <p:cNvPr id="11" name="Bild 6"/>
+          <p:cNvPr id="11" name="Bild 11"/>
           <p:cNvPicPr>
             <a:picLocks noChangeAspect="1"/>
           </p:cNvPicPr>
@@ -14244,8 +14614,8 @@
         </p:blipFill>
         <p:spPr>
           <a:xfrm>
-            <a:off x="299155" y="2319424"/>
-            <a:ext cx="8627869" cy="2579363"/>
+            <a:off x="412579" y="1524001"/>
+            <a:ext cx="7512221" cy="4724400"/>
           </a:xfrm>
           <a:prstGeom prst="rect">
             <a:avLst/>
@@ -14260,7 +14630,7 @@
   <p:timing>
     <p:tnLst>
       <p:par>
-        <p:cTn id="1" dur="indefinite" restart="never" nodeType="tmRoot"/>
+        <p:cTn xmlns:p14="http://schemas.microsoft.com/office/powerpoint/2010/main" id="1" dur="indefinite" restart="never" nodeType="tmRoot"/>
       </p:par>
     </p:tnLst>
   </p:timing>
@@ -14345,6 +14715,218 @@
               <a:rPr lang="en-GB" noProof="0" smtClean="0"/>
               <a:pPr/>
               <a:t>18</a:t>
+            </a:fld>
+            <a:endParaRPr lang="en-GB" noProof="0" dirty="0"/>
+          </a:p>
+        </p:txBody>
+      </p:sp>
+      <p:sp>
+        <p:nvSpPr>
+          <p:cNvPr id="8" name="Textplatzhalter 3"/>
+          <p:cNvSpPr>
+            <a:spLocks noGrp="1"/>
+          </p:cNvSpPr>
+          <p:nvPr>
+            <p:ph type="body" sz="quarter" idx="13"/>
+          </p:nvPr>
+        </p:nvSpPr>
+        <p:spPr>
+          <a:xfrm>
+            <a:off x="465138" y="403226"/>
+            <a:ext cx="11263312" cy="960437"/>
+          </a:xfrm>
+        </p:spPr>
+        <p:txBody>
+          <a:bodyPr/>
+          <a:lstStyle/>
+          <a:p>
+            <a:r>
+              <a:rPr lang="en-GB" dirty="0" smtClean="0"/>
+              <a:t>MPS.</a:t>
+            </a:r>
+          </a:p>
+          <a:p>
+            <a:r>
+              <a:rPr lang="en-GB" dirty="0" err="1" smtClean="0"/>
+              <a:t>SUPported</a:t>
+            </a:r>
+            <a:r>
+              <a:rPr lang="en-GB" dirty="0" smtClean="0"/>
+              <a:t> notations: tables</a:t>
+            </a:r>
+          </a:p>
+        </p:txBody>
+      </p:sp>
+      <p:sp>
+        <p:nvSpPr>
+          <p:cNvPr id="9" name="Textplatzhalter 4"/>
+          <p:cNvSpPr>
+            <a:spLocks noGrp="1"/>
+          </p:cNvSpPr>
+          <p:nvPr>
+            <p:ph type="body" sz="quarter" idx="14"/>
+          </p:nvPr>
+        </p:nvSpPr>
+        <p:spPr>
+          <a:xfrm>
+            <a:off x="465138" y="1611038"/>
+            <a:ext cx="11263312" cy="4861700"/>
+          </a:xfrm>
+        </p:spPr>
+        <p:txBody>
+          <a:bodyPr/>
+          <a:lstStyle/>
+          <a:p>
+            <a:pPr marL="266700" indent="-266700">
+              <a:spcBef>
+                <a:spcPct val="0"/>
+              </a:spcBef>
+            </a:pPr>
+            <a:endParaRPr lang="en-US" dirty="0" smtClean="0">
+              <a:ea typeface="ＭＳ Ｐゴシック" charset="-128"/>
+            </a:endParaRPr>
+          </a:p>
+          <a:p>
+            <a:pPr marL="266700" indent="-266700">
+              <a:spcBef>
+                <a:spcPct val="0"/>
+              </a:spcBef>
+              <a:buFont typeface="Symbol" pitchFamily="18" charset="2"/>
+              <a:buChar char="-"/>
+            </a:pPr>
+            <a:endParaRPr lang="en-US" dirty="0">
+              <a:ea typeface="ＭＳ Ｐゴシック" charset="-128"/>
+            </a:endParaRPr>
+          </a:p>
+          <a:p>
+            <a:pPr>
+              <a:buFontTx/>
+              <a:buChar char="-"/>
+            </a:pPr>
+            <a:endParaRPr lang="en-US" dirty="0" smtClean="0"/>
+          </a:p>
+          <a:p>
+            <a:endParaRPr lang="de-DE" dirty="0"/>
+          </a:p>
+        </p:txBody>
+      </p:sp>
+      <p:pic>
+        <p:nvPicPr>
+          <p:cNvPr id="11" name="Bild 6"/>
+          <p:cNvPicPr>
+            <a:picLocks noChangeAspect="1"/>
+          </p:cNvPicPr>
+          <p:nvPr/>
+        </p:nvPicPr>
+        <p:blipFill>
+          <a:blip r:embed="rId2" cstate="print"/>
+          <a:stretch>
+            <a:fillRect/>
+          </a:stretch>
+        </p:blipFill>
+        <p:spPr>
+          <a:xfrm>
+            <a:off x="299155" y="2319424"/>
+            <a:ext cx="8627869" cy="2579363"/>
+          </a:xfrm>
+          <a:prstGeom prst="rect">
+            <a:avLst/>
+          </a:prstGeom>
+        </p:spPr>
+      </p:pic>
+    </p:spTree>
+  </p:cSld>
+  <p:clrMapOvr>
+    <a:masterClrMapping/>
+  </p:clrMapOvr>
+  <p:timing>
+    <p:tnLst>
+      <p:par>
+        <p:cTn xmlns:p14="http://schemas.microsoft.com/office/powerpoint/2010/main" id="1" dur="indefinite" restart="never" nodeType="tmRoot"/>
+      </p:par>
+    </p:tnLst>
+  </p:timing>
+</p:sld>
+</file>
+
+<file path=ppt/slides/slide19.xml><?xml version="1.0" encoding="utf-8"?>
+<p:sld xmlns:a="http://schemas.openxmlformats.org/drawingml/2006/main" xmlns:r="http://schemas.openxmlformats.org/officeDocument/2006/relationships" xmlns:p="http://schemas.openxmlformats.org/presentationml/2006/main">
+  <p:cSld>
+    <p:spTree>
+      <p:nvGrpSpPr>
+        <p:cNvPr id="1" name=""/>
+        <p:cNvGrpSpPr/>
+        <p:nvPr/>
+      </p:nvGrpSpPr>
+      <p:grpSpPr>
+        <a:xfrm>
+          <a:off x="0" y="0"/>
+          <a:ext cx="0" cy="0"/>
+          <a:chOff x="0" y="0"/>
+          <a:chExt cx="0" cy="0"/>
+        </a:xfrm>
+      </p:grpSpPr>
+      <p:sp>
+        <p:nvSpPr>
+          <p:cNvPr id="6" name="Fußzeilenplatzhalter 1"/>
+          <p:cNvSpPr>
+            <a:spLocks noGrp="1"/>
+          </p:cNvSpPr>
+          <p:nvPr>
+            <p:ph type="ftr" sz="quarter" idx="10"/>
+          </p:nvPr>
+        </p:nvSpPr>
+        <p:spPr>
+          <a:xfrm>
+            <a:off x="465138" y="6508573"/>
+            <a:ext cx="4021247" cy="331787"/>
+          </a:xfrm>
+        </p:spPr>
+        <p:txBody>
+          <a:bodyPr/>
+          <a:lstStyle/>
+          <a:p>
+            <a:pPr algn="l"/>
+            <a:r>
+              <a:rPr lang="de-DE" dirty="0" err="1" smtClean="0"/>
+              <a:t>mbeddr</a:t>
+            </a:r>
+            <a:r>
+              <a:rPr lang="de-DE" dirty="0" smtClean="0"/>
+              <a:t>, 29.10.2013</a:t>
+            </a:r>
+            <a:endParaRPr lang="de-DE" dirty="0"/>
+          </a:p>
+        </p:txBody>
+      </p:sp>
+      <p:sp>
+        <p:nvSpPr>
+          <p:cNvPr id="7" name="Foliennummernplatzhalter 2"/>
+          <p:cNvSpPr>
+            <a:spLocks noGrp="1"/>
+          </p:cNvSpPr>
+          <p:nvPr>
+            <p:ph type="sldNum" sz="quarter" idx="11"/>
+          </p:nvPr>
+        </p:nvSpPr>
+        <p:spPr>
+          <a:xfrm>
+            <a:off x="6048138" y="6528870"/>
+            <a:ext cx="2988574" cy="329130"/>
+          </a:xfrm>
+        </p:spPr>
+        <p:txBody>
+          <a:bodyPr/>
+          <a:lstStyle/>
+          <a:p>
+            <a:r>
+              <a:rPr lang="en-GB" noProof="0" smtClean="0"/>
+              <a:t>Page </a:t>
+            </a:r>
+            <a:fld id="{AA807A42-CF27-4B84-8583-18EBE418342E}" type="slidenum">
+              <a:rPr lang="en-GB" noProof="0" smtClean="0"/>
+              <a:pPr/>
+              <a:t>19</a:t>
             </a:fld>
             <a:endParaRPr lang="en-GB" noProof="0" dirty="0"/>
           </a:p>
@@ -14640,219 +15222,7 @@
   <p:timing>
     <p:tnLst>
       <p:par>
-        <p:cTn id="1" dur="indefinite" restart="never" nodeType="tmRoot"/>
-      </p:par>
-    </p:tnLst>
-  </p:timing>
-</p:sld>
-</file>
-
-<file path=ppt/slides/slide19.xml><?xml version="1.0" encoding="utf-8"?>
-<p:sld xmlns:a="http://schemas.openxmlformats.org/drawingml/2006/main" xmlns:r="http://schemas.openxmlformats.org/officeDocument/2006/relationships" xmlns:p="http://schemas.openxmlformats.org/presentationml/2006/main">
-  <p:cSld>
-    <p:spTree>
-      <p:nvGrpSpPr>
-        <p:cNvPr id="1" name=""/>
-        <p:cNvGrpSpPr/>
-        <p:nvPr/>
-      </p:nvGrpSpPr>
-      <p:grpSpPr>
-        <a:xfrm>
-          <a:off x="0" y="0"/>
-          <a:ext cx="0" cy="0"/>
-          <a:chOff x="0" y="0"/>
-          <a:chExt cx="0" cy="0"/>
-        </a:xfrm>
-      </p:grpSpPr>
-      <p:sp>
-        <p:nvSpPr>
-          <p:cNvPr id="6" name="Fußzeilenplatzhalter 1"/>
-          <p:cNvSpPr>
-            <a:spLocks noGrp="1"/>
-          </p:cNvSpPr>
-          <p:nvPr>
-            <p:ph type="ftr" sz="quarter" idx="10"/>
-          </p:nvPr>
-        </p:nvSpPr>
-        <p:spPr>
-          <a:xfrm>
-            <a:off x="465138" y="6508573"/>
-            <a:ext cx="4021247" cy="331787"/>
-          </a:xfrm>
-        </p:spPr>
-        <p:txBody>
-          <a:bodyPr/>
-          <a:lstStyle/>
-          <a:p>
-            <a:pPr algn="l"/>
-            <a:r>
-              <a:rPr lang="de-DE" dirty="0" err="1" smtClean="0"/>
-              <a:t>mbeddr</a:t>
-            </a:r>
-            <a:r>
-              <a:rPr lang="de-DE" dirty="0" smtClean="0"/>
-              <a:t>, 29.10.2013</a:t>
-            </a:r>
-            <a:endParaRPr lang="de-DE" dirty="0"/>
-          </a:p>
-        </p:txBody>
-      </p:sp>
-      <p:sp>
-        <p:nvSpPr>
-          <p:cNvPr id="7" name="Foliennummernplatzhalter 2"/>
-          <p:cNvSpPr>
-            <a:spLocks noGrp="1"/>
-          </p:cNvSpPr>
-          <p:nvPr>
-            <p:ph type="sldNum" sz="quarter" idx="11"/>
-          </p:nvPr>
-        </p:nvSpPr>
-        <p:spPr>
-          <a:xfrm>
-            <a:off x="6048138" y="6528870"/>
-            <a:ext cx="2988574" cy="329130"/>
-          </a:xfrm>
-        </p:spPr>
-        <p:txBody>
-          <a:bodyPr/>
-          <a:lstStyle/>
-          <a:p>
-            <a:r>
-              <a:rPr lang="en-GB" noProof="0" smtClean="0"/>
-              <a:t>Page </a:t>
-            </a:r>
-            <a:fld id="{AA807A42-CF27-4B84-8583-18EBE418342E}" type="slidenum">
-              <a:rPr lang="en-GB" noProof="0" smtClean="0"/>
-              <a:pPr/>
-              <a:t>19</a:t>
-            </a:fld>
-            <a:endParaRPr lang="en-GB" noProof="0" dirty="0"/>
-          </a:p>
-        </p:txBody>
-      </p:sp>
-      <p:sp>
-        <p:nvSpPr>
-          <p:cNvPr id="8" name="Textplatzhalter 3"/>
-          <p:cNvSpPr>
-            <a:spLocks noGrp="1"/>
-          </p:cNvSpPr>
-          <p:nvPr>
-            <p:ph type="body" sz="quarter" idx="13"/>
-          </p:nvPr>
-        </p:nvSpPr>
-        <p:spPr>
-          <a:xfrm>
-            <a:off x="465138" y="403226"/>
-            <a:ext cx="11263312" cy="960437"/>
-          </a:xfrm>
-        </p:spPr>
-        <p:txBody>
-          <a:bodyPr/>
-          <a:lstStyle/>
-          <a:p>
-            <a:r>
-              <a:rPr lang="en-GB" dirty="0" smtClean="0"/>
-              <a:t>MPS.</a:t>
-            </a:r>
-          </a:p>
-          <a:p>
-            <a:r>
-              <a:rPr lang="en-GB" dirty="0" err="1" smtClean="0"/>
-              <a:t>SUPported</a:t>
-            </a:r>
-            <a:r>
-              <a:rPr lang="en-GB" dirty="0" smtClean="0"/>
-              <a:t> notations: diagrams</a:t>
-            </a:r>
-          </a:p>
-        </p:txBody>
-      </p:sp>
-      <p:sp>
-        <p:nvSpPr>
-          <p:cNvPr id="9" name="Textplatzhalter 4"/>
-          <p:cNvSpPr>
-            <a:spLocks noGrp="1"/>
-          </p:cNvSpPr>
-          <p:nvPr>
-            <p:ph type="body" sz="quarter" idx="14"/>
-          </p:nvPr>
-        </p:nvSpPr>
-        <p:spPr>
-          <a:xfrm>
-            <a:off x="465138" y="1611038"/>
-            <a:ext cx="11263312" cy="4861700"/>
-          </a:xfrm>
-        </p:spPr>
-        <p:txBody>
-          <a:bodyPr/>
-          <a:lstStyle/>
-          <a:p>
-            <a:pPr marL="266700" indent="-266700">
-              <a:spcBef>
-                <a:spcPct val="0"/>
-              </a:spcBef>
-            </a:pPr>
-            <a:endParaRPr lang="en-US" dirty="0" smtClean="0">
-              <a:ea typeface="ＭＳ Ｐゴシック" charset="-128"/>
-            </a:endParaRPr>
-          </a:p>
-          <a:p>
-            <a:pPr marL="266700" indent="-266700">
-              <a:spcBef>
-                <a:spcPct val="0"/>
-              </a:spcBef>
-              <a:buFont typeface="Symbol" pitchFamily="18" charset="2"/>
-              <a:buChar char="-"/>
-            </a:pPr>
-            <a:endParaRPr lang="en-US" dirty="0">
-              <a:ea typeface="ＭＳ Ｐゴシック" charset="-128"/>
-            </a:endParaRPr>
-          </a:p>
-          <a:p>
-            <a:pPr>
-              <a:buFontTx/>
-              <a:buChar char="-"/>
-            </a:pPr>
-            <a:endParaRPr lang="en-US" dirty="0" smtClean="0"/>
-          </a:p>
-          <a:p>
-            <a:endParaRPr lang="de-DE" dirty="0"/>
-          </a:p>
-        </p:txBody>
-      </p:sp>
-      <p:pic>
-        <p:nvPicPr>
-          <p:cNvPr id="11" name="Bild 14"/>
-          <p:cNvPicPr>
-            <a:picLocks noChangeAspect="1"/>
-          </p:cNvPicPr>
-          <p:nvPr/>
-        </p:nvPicPr>
-        <p:blipFill>
-          <a:blip r:embed="rId2" cstate="print"/>
-          <a:stretch>
-            <a:fillRect/>
-          </a:stretch>
-        </p:blipFill>
-        <p:spPr>
-          <a:xfrm>
-            <a:off x="1702055" y="1490958"/>
-            <a:ext cx="5846204" cy="4538076"/>
-          </a:xfrm>
-          <a:prstGeom prst="rect">
-            <a:avLst/>
-          </a:prstGeom>
-        </p:spPr>
-      </p:pic>
-    </p:spTree>
-  </p:cSld>
-  <p:clrMapOvr>
-    <a:masterClrMapping/>
-  </p:clrMapOvr>
-  <p:timing>
-    <p:tnLst>
-      <p:par>
-        <p:cTn id="1" dur="indefinite" restart="never" nodeType="tmRoot"/>
+        <p:cTn xmlns:p14="http://schemas.microsoft.com/office/powerpoint/2010/main" id="1" dur="indefinite" restart="never" nodeType="tmRoot"/>
       </p:par>
     </p:tnLst>
   </p:timing>
@@ -14992,20 +15362,20 @@
     </p:spTree>
     <p:extLst>
       <p:ext uri="{BB962C8B-B14F-4D97-AF65-F5344CB8AC3E}">
-        <p14:creationId xmlns:p14="http://schemas.microsoft.com/office/powerpoint/2010/main" xmlns="" val="1244883522"/>
+        <p14:creationId xmlns:p14="http://schemas.microsoft.com/office/powerpoint/2010/main" val="1244883522"/>
       </p:ext>
     </p:extLst>
   </p:cSld>
   <p:clrMapOvr>
     <a:masterClrMapping/>
   </p:clrMapOvr>
-  <p:transition>
+  <p:transition xmlns:p14="http://schemas.microsoft.com/office/powerpoint/2010/main">
     <p:fade/>
   </p:transition>
   <p:timing>
     <p:tnLst>
       <p:par>
-        <p:cTn id="1" dur="indefinite" restart="never" nodeType="tmRoot"/>
+        <p:cTn xmlns:p14="http://schemas.microsoft.com/office/powerpoint/2010/main" id="1" dur="indefinite" restart="never" nodeType="tmRoot"/>
       </p:par>
     </p:tnLst>
   </p:timing>
@@ -15122,8 +15492,12 @@
           </a:p>
           <a:p>
             <a:r>
+              <a:rPr lang="en-GB" dirty="0" err="1" smtClean="0"/>
+              <a:t>SUPported</a:t>
+            </a:r>
+            <a:r>
               <a:rPr lang="en-GB" dirty="0" smtClean="0"/>
-              <a:t>Let’s see how it works.</a:t>
+              <a:t> notations: diagrams</a:t>
             </a:r>
           </a:p>
         </p:txBody>
@@ -15181,80 +15555,30 @@
           </a:p>
         </p:txBody>
       </p:sp>
-      <p:sp>
-        <p:nvSpPr>
-          <p:cNvPr id="12" name="Textplatzhalter 3"/>
-          <p:cNvSpPr txBox="1">
-            <a:spLocks/>
-          </p:cNvSpPr>
+      <p:pic>
+        <p:nvPicPr>
+          <p:cNvPr id="11" name="Bild 14"/>
+          <p:cNvPicPr>
+            <a:picLocks noChangeAspect="1"/>
+          </p:cNvPicPr>
           <p:nvPr/>
-        </p:nvSpPr>
+        </p:nvPicPr>
+        <p:blipFill>
+          <a:blip r:embed="rId2" cstate="print"/>
+          <a:stretch>
+            <a:fillRect/>
+          </a:stretch>
+        </p:blipFill>
         <p:spPr>
           <a:xfrm>
-            <a:off x="2865360" y="3378210"/>
-            <a:ext cx="7161268" cy="960437"/>
+            <a:off x="1702055" y="1490958"/>
+            <a:ext cx="5846204" cy="4538076"/>
           </a:xfrm>
           <a:prstGeom prst="rect">
             <a:avLst/>
           </a:prstGeom>
         </p:spPr>
-        <p:txBody>
-          <a:bodyPr lIns="0" tIns="0" rIns="0" bIns="0">
-            <a:noAutofit/>
-          </a:bodyPr>
-          <a:lstStyle/>
-          <a:p>
-            <a:pPr marL="0" marR="0" lvl="0" indent="0" algn="l" defTabSz="914400" rtl="0" eaLnBrk="1" fontAlgn="auto" latinLnBrk="0" hangingPunct="1">
-              <a:lnSpc>
-                <a:spcPts val="2800"/>
-              </a:lnSpc>
-              <a:spcBef>
-                <a:spcPts val="0"/>
-              </a:spcBef>
-              <a:spcAft>
-                <a:spcPts val="0"/>
-              </a:spcAft>
-              <a:buClrTx/>
-              <a:buSzTx/>
-              <a:buFont typeface="Arial" pitchFamily="34" charset="0"/>
-              <a:buNone/>
-              <a:tabLst/>
-              <a:defRPr/>
-            </a:pPr>
-            <a:r>
-              <a:rPr kumimoji="0" lang="en-GB" sz="8800" b="1" i="0" u="none" strike="noStrike" kern="1200" cap="all" spc="0" normalizeH="0" baseline="0" noProof="0" smtClean="0">
-                <a:ln>
-                  <a:noFill/>
-                </a:ln>
-                <a:solidFill>
-                  <a:schemeClr val="bg2"/>
-                </a:solidFill>
-                <a:effectLst/>
-                <a:uLnTx/>
-                <a:uFillTx/>
-                <a:latin typeface="+mn-lt"/>
-                <a:ea typeface="+mn-ea"/>
-                <a:cs typeface="+mn-cs"/>
-              </a:rPr>
-              <a:t>DEMO</a:t>
-            </a:r>
-            <a:endParaRPr kumimoji="0" lang="en-GB" sz="8800" b="1" i="0" u="none" strike="noStrike" kern="1200" cap="all" spc="0" normalizeH="0" baseline="0" noProof="0" dirty="0" smtClean="0">
-              <a:ln>
-                <a:noFill/>
-              </a:ln>
-              <a:solidFill>
-                <a:schemeClr val="bg2"/>
-              </a:solidFill>
-              <a:effectLst/>
-              <a:uLnTx/>
-              <a:uFillTx/>
-              <a:latin typeface="+mn-lt"/>
-              <a:ea typeface="+mn-ea"/>
-              <a:cs typeface="+mn-cs"/>
-            </a:endParaRPr>
-          </a:p>
-        </p:txBody>
-      </p:sp>
+      </p:pic>
     </p:spTree>
   </p:cSld>
   <p:clrMapOvr>
@@ -15263,7 +15587,7 @@
   <p:timing>
     <p:tnLst>
       <p:par>
-        <p:cTn id="1" dur="indefinite" restart="never" nodeType="tmRoot"/>
+        <p:cTn xmlns:p14="http://schemas.microsoft.com/office/powerpoint/2010/main" id="1" dur="indefinite" restart="never" nodeType="tmRoot"/>
       </p:par>
     </p:tnLst>
   </p:timing>
@@ -15289,7 +15613,106 @@
       </p:grpSpPr>
       <p:sp>
         <p:nvSpPr>
-          <p:cNvPr id="7" name="Textplatzhalter 4"/>
+          <p:cNvPr id="6" name="Fußzeilenplatzhalter 1"/>
+          <p:cNvSpPr>
+            <a:spLocks noGrp="1"/>
+          </p:cNvSpPr>
+          <p:nvPr>
+            <p:ph type="ftr" sz="quarter" idx="10"/>
+          </p:nvPr>
+        </p:nvSpPr>
+        <p:spPr>
+          <a:xfrm>
+            <a:off x="465138" y="6508573"/>
+            <a:ext cx="4021247" cy="331787"/>
+          </a:xfrm>
+        </p:spPr>
+        <p:txBody>
+          <a:bodyPr/>
+          <a:lstStyle/>
+          <a:p>
+            <a:pPr algn="l"/>
+            <a:r>
+              <a:rPr lang="de-DE" dirty="0" err="1" smtClean="0"/>
+              <a:t>mbeddr</a:t>
+            </a:r>
+            <a:r>
+              <a:rPr lang="de-DE" dirty="0" smtClean="0"/>
+              <a:t>, 29.10.2013</a:t>
+            </a:r>
+            <a:endParaRPr lang="de-DE" dirty="0"/>
+          </a:p>
+        </p:txBody>
+      </p:sp>
+      <p:sp>
+        <p:nvSpPr>
+          <p:cNvPr id="7" name="Foliennummernplatzhalter 2"/>
+          <p:cNvSpPr>
+            <a:spLocks noGrp="1"/>
+          </p:cNvSpPr>
+          <p:nvPr>
+            <p:ph type="sldNum" sz="quarter" idx="11"/>
+          </p:nvPr>
+        </p:nvSpPr>
+        <p:spPr>
+          <a:xfrm>
+            <a:off x="6048138" y="6528870"/>
+            <a:ext cx="2988574" cy="329130"/>
+          </a:xfrm>
+        </p:spPr>
+        <p:txBody>
+          <a:bodyPr/>
+          <a:lstStyle/>
+          <a:p>
+            <a:r>
+              <a:rPr lang="en-GB" noProof="0" smtClean="0"/>
+              <a:t>Page </a:t>
+            </a:r>
+            <a:fld id="{AA807A42-CF27-4B84-8583-18EBE418342E}" type="slidenum">
+              <a:rPr lang="en-GB" noProof="0" smtClean="0"/>
+              <a:pPr/>
+              <a:t>21</a:t>
+            </a:fld>
+            <a:endParaRPr lang="en-GB" noProof="0" dirty="0"/>
+          </a:p>
+        </p:txBody>
+      </p:sp>
+      <p:sp>
+        <p:nvSpPr>
+          <p:cNvPr id="8" name="Textplatzhalter 3"/>
+          <p:cNvSpPr>
+            <a:spLocks noGrp="1"/>
+          </p:cNvSpPr>
+          <p:nvPr>
+            <p:ph type="body" sz="quarter" idx="13"/>
+          </p:nvPr>
+        </p:nvSpPr>
+        <p:spPr>
+          <a:xfrm>
+            <a:off x="465138" y="403226"/>
+            <a:ext cx="11263312" cy="960437"/>
+          </a:xfrm>
+        </p:spPr>
+        <p:txBody>
+          <a:bodyPr/>
+          <a:lstStyle/>
+          <a:p>
+            <a:r>
+              <a:rPr lang="en-GB" dirty="0" smtClean="0"/>
+              <a:t>MPS.</a:t>
+            </a:r>
+          </a:p>
+          <a:p>
+            <a:r>
+              <a:rPr lang="en-GB" dirty="0" smtClean="0"/>
+              <a:t>Let’s see how it works.</a:t>
+            </a:r>
+          </a:p>
+        </p:txBody>
+      </p:sp>
+      <p:sp>
+        <p:nvSpPr>
+          <p:cNvPr id="9" name="Textplatzhalter 4"/>
           <p:cNvSpPr>
             <a:spLocks noGrp="1"/>
           </p:cNvSpPr>
@@ -15299,8 +15722,8 @@
         </p:nvSpPr>
         <p:spPr>
           <a:xfrm>
-            <a:off x="348763" y="1628679"/>
-            <a:ext cx="8445285" cy="4861700"/>
+            <a:off x="465138" y="1611038"/>
+            <a:ext cx="11263312" cy="4861700"/>
           </a:xfrm>
         </p:spPr>
         <p:txBody>
@@ -15342,81 +15765,87 @@
       </p:sp>
       <p:sp>
         <p:nvSpPr>
-          <p:cNvPr id="4" name="Textplatzhalter 3"/>
-          <p:cNvSpPr>
-            <a:spLocks noGrp="1"/>
+          <p:cNvPr id="12" name="Textplatzhalter 3"/>
+          <p:cNvSpPr txBox="1">
+            <a:spLocks/>
           </p:cNvSpPr>
-          <p:nvPr>
-            <p:ph type="body" sz="quarter" idx="13"/>
-          </p:nvPr>
-        </p:nvSpPr>
-        <p:spPr/>
-        <p:txBody>
-          <a:bodyPr/>
-          <a:lstStyle/>
-          <a:p>
-            <a:endParaRPr lang="de-DE"/>
-          </a:p>
-        </p:txBody>
-      </p:sp>
-      <p:sp>
-        <p:nvSpPr>
-          <p:cNvPr id="5" name="Rechteck 4"/>
-          <p:cNvSpPr/>
           <p:nvPr/>
         </p:nvSpPr>
         <p:spPr>
           <a:xfrm>
-            <a:off x="-211613" y="-211694"/>
-            <a:ext cx="9549041" cy="7321080"/>
+            <a:off x="2865360" y="3378210"/>
+            <a:ext cx="7161268" cy="960437"/>
           </a:xfrm>
           <a:prstGeom prst="rect">
             <a:avLst/>
           </a:prstGeom>
-          <a:solidFill>
-            <a:schemeClr val="tx1"/>
-          </a:solidFill>
         </p:spPr>
-        <p:style>
-          <a:lnRef idx="1">
-            <a:schemeClr val="accent1"/>
-          </a:lnRef>
-          <a:fillRef idx="3">
-            <a:schemeClr val="accent1"/>
-          </a:fillRef>
-          <a:effectRef idx="2">
-            <a:schemeClr val="accent1"/>
-          </a:effectRef>
-          <a:fontRef idx="minor">
-            <a:schemeClr val="lt1"/>
-          </a:fontRef>
-        </p:style>
-        <p:txBody>
-          <a:bodyPr rtlCol="0" anchor="ctr"/>
+        <p:txBody>
+          <a:bodyPr lIns="0" tIns="0" rIns="0" bIns="0">
+            <a:noAutofit/>
+          </a:bodyPr>
           <a:lstStyle/>
           <a:p>
-            <a:pPr algn="ctr"/>
-            <a:endParaRPr lang="de-DE"/>
+            <a:pPr marL="0" marR="0" lvl="0" indent="0" algn="l" defTabSz="914400" rtl="0" eaLnBrk="1" fontAlgn="auto" latinLnBrk="0" hangingPunct="1">
+              <a:lnSpc>
+                <a:spcPts val="2800"/>
+              </a:lnSpc>
+              <a:spcBef>
+                <a:spcPts val="0"/>
+              </a:spcBef>
+              <a:spcAft>
+                <a:spcPts val="0"/>
+              </a:spcAft>
+              <a:buClrTx/>
+              <a:buSzTx/>
+              <a:buFont typeface="Arial" pitchFamily="34" charset="0"/>
+              <a:buNone/>
+              <a:tabLst/>
+              <a:defRPr/>
+            </a:pPr>
+            <a:r>
+              <a:rPr kumimoji="0" lang="en-GB" sz="8800" b="1" i="0" u="none" strike="noStrike" kern="1200" cap="all" spc="0" normalizeH="0" baseline="0" noProof="0" smtClean="0">
+                <a:ln>
+                  <a:noFill/>
+                </a:ln>
+                <a:solidFill>
+                  <a:schemeClr val="bg2"/>
+                </a:solidFill>
+                <a:effectLst/>
+                <a:uLnTx/>
+                <a:uFillTx/>
+                <a:latin typeface="+mn-lt"/>
+                <a:ea typeface="+mn-ea"/>
+                <a:cs typeface="+mn-cs"/>
+              </a:rPr>
+              <a:t>DEMO</a:t>
+            </a:r>
+            <a:endParaRPr kumimoji="0" lang="en-GB" sz="8800" b="1" i="0" u="none" strike="noStrike" kern="1200" cap="all" spc="0" normalizeH="0" baseline="0" noProof="0" dirty="0" smtClean="0">
+              <a:ln>
+                <a:noFill/>
+              </a:ln>
+              <a:solidFill>
+                <a:schemeClr val="bg2"/>
+              </a:solidFill>
+              <a:effectLst/>
+              <a:uLnTx/>
+              <a:uFillTx/>
+              <a:latin typeface="+mn-lt"/>
+              <a:ea typeface="+mn-ea"/>
+              <a:cs typeface="+mn-cs"/>
+            </a:endParaRPr>
           </a:p>
         </p:txBody>
       </p:sp>
     </p:spTree>
-    <p:extLst>
-      <p:ext uri="{BB962C8B-B14F-4D97-AF65-F5344CB8AC3E}">
-        <p14:creationId xmlns:p14="http://schemas.microsoft.com/office/powerpoint/2010/main" xmlns="" val="1244883522"/>
-      </p:ext>
-    </p:extLst>
   </p:cSld>
   <p:clrMapOvr>
     <a:masterClrMapping/>
   </p:clrMapOvr>
-  <p:transition>
-    <p:fade/>
-  </p:transition>
   <p:timing>
     <p:tnLst>
       <p:par>
-        <p:cTn id="1" dur="indefinite" restart="never" nodeType="tmRoot"/>
+        <p:cTn xmlns:p14="http://schemas.microsoft.com/office/powerpoint/2010/main" id="1" dur="indefinite" restart="never" nodeType="tmRoot"/>
       </p:par>
     </p:tnLst>
   </p:timing>
@@ -15442,95 +15871,6 @@
       </p:grpSpPr>
       <p:sp>
         <p:nvSpPr>
-          <p:cNvPr id="2" name="Fußzeilenplatzhalter 1"/>
-          <p:cNvSpPr>
-            <a:spLocks noGrp="1"/>
-          </p:cNvSpPr>
-          <p:nvPr>
-            <p:ph type="ftr" sz="quarter" idx="10"/>
-          </p:nvPr>
-        </p:nvSpPr>
-        <p:spPr/>
-        <p:txBody>
-          <a:bodyPr/>
-          <a:lstStyle/>
-          <a:p>
-            <a:pPr algn="l"/>
-            <a:r>
-              <a:rPr lang="de-DE" dirty="0" err="1" smtClean="0"/>
-              <a:t>mbeddr</a:t>
-            </a:r>
-            <a:r>
-              <a:rPr lang="de-DE" dirty="0" smtClean="0"/>
-              <a:t>, 29.10.2013</a:t>
-            </a:r>
-            <a:endParaRPr lang="de-DE" dirty="0"/>
-          </a:p>
-        </p:txBody>
-      </p:sp>
-      <p:sp>
-        <p:nvSpPr>
-          <p:cNvPr id="3" name="Foliennummernplatzhalter 2"/>
-          <p:cNvSpPr>
-            <a:spLocks noGrp="1"/>
-          </p:cNvSpPr>
-          <p:nvPr>
-            <p:ph type="sldNum" sz="quarter" idx="11"/>
-          </p:nvPr>
-        </p:nvSpPr>
-        <p:spPr/>
-        <p:txBody>
-          <a:bodyPr/>
-          <a:lstStyle/>
-          <a:p>
-            <a:r>
-              <a:rPr lang="en-GB" noProof="0" smtClean="0"/>
-              <a:t>Page </a:t>
-            </a:r>
-            <a:fld id="{AA807A42-CF27-4B84-8583-18EBE418342E}" type="slidenum">
-              <a:rPr lang="en-GB" noProof="0" smtClean="0"/>
-              <a:pPr/>
-              <a:t>22</a:t>
-            </a:fld>
-            <a:endParaRPr lang="en-GB" noProof="0" dirty="0"/>
-          </a:p>
-        </p:txBody>
-      </p:sp>
-      <p:sp>
-        <p:nvSpPr>
-          <p:cNvPr id="6" name="Textplatzhalter 3"/>
-          <p:cNvSpPr>
-            <a:spLocks noGrp="1"/>
-          </p:cNvSpPr>
-          <p:nvPr>
-            <p:ph type="body" sz="quarter" idx="13"/>
-          </p:nvPr>
-        </p:nvSpPr>
-        <p:spPr>
-          <a:xfrm>
-            <a:off x="348763" y="403227"/>
-            <a:ext cx="8445285" cy="960437"/>
-          </a:xfrm>
-        </p:spPr>
-        <p:txBody>
-          <a:bodyPr/>
-          <a:lstStyle/>
-          <a:p>
-            <a:r>
-              <a:rPr lang="en-GB" dirty="0" smtClean="0"/>
-              <a:t>Motivation.</a:t>
-            </a:r>
-          </a:p>
-          <a:p>
-            <a:r>
-              <a:rPr lang="en-GB" dirty="0" smtClean="0"/>
-              <a:t>Automotive specific extensions.</a:t>
-            </a:r>
-          </a:p>
-        </p:txBody>
-      </p:sp>
-      <p:sp>
-        <p:nvSpPr>
           <p:cNvPr id="7" name="Textplatzhalter 4"/>
           <p:cNvSpPr>
             <a:spLocks noGrp="1"/>
@@ -15582,42 +15922,83 @@
           </a:p>
         </p:txBody>
       </p:sp>
-      <p:pic>
-        <p:nvPicPr>
-          <p:cNvPr id="9" name="Picture 8" descr="A0131001.JPG"/>
-          <p:cNvPicPr>
-            <a:picLocks noChangeAspect="1"/>
-          </p:cNvPicPr>
+      <p:sp>
+        <p:nvSpPr>
+          <p:cNvPr id="4" name="Textplatzhalter 3"/>
+          <p:cNvSpPr>
+            <a:spLocks noGrp="1"/>
+          </p:cNvSpPr>
+          <p:nvPr>
+            <p:ph type="body" sz="quarter" idx="13"/>
+          </p:nvPr>
+        </p:nvSpPr>
+        <p:spPr/>
+        <p:txBody>
+          <a:bodyPr/>
+          <a:lstStyle/>
+          <a:p>
+            <a:endParaRPr lang="de-DE"/>
+          </a:p>
+        </p:txBody>
+      </p:sp>
+      <p:sp>
+        <p:nvSpPr>
+          <p:cNvPr id="5" name="Rechteck 4"/>
+          <p:cNvSpPr/>
           <p:nvPr/>
-        </p:nvPicPr>
-        <p:blipFill>
-          <a:blip r:embed="rId3" cstate="print"/>
-          <a:stretch>
-            <a:fillRect/>
-          </a:stretch>
-        </p:blipFill>
+        </p:nvSpPr>
         <p:spPr>
           <a:xfrm>
-            <a:off x="239564" y="2580467"/>
-            <a:ext cx="8451486" cy="2053447"/>
+            <a:off x="-211613" y="-211694"/>
+            <a:ext cx="9549041" cy="7321080"/>
           </a:xfrm>
           <a:prstGeom prst="rect">
             <a:avLst/>
           </a:prstGeom>
+          <a:solidFill>
+            <a:schemeClr val="tx1"/>
+          </a:solidFill>
         </p:spPr>
-      </p:pic>
+        <p:style>
+          <a:lnRef idx="1">
+            <a:schemeClr val="accent1"/>
+          </a:lnRef>
+          <a:fillRef idx="3">
+            <a:schemeClr val="accent1"/>
+          </a:fillRef>
+          <a:effectRef idx="2">
+            <a:schemeClr val="accent1"/>
+          </a:effectRef>
+          <a:fontRef idx="minor">
+            <a:schemeClr val="lt1"/>
+          </a:fontRef>
+        </p:style>
+        <p:txBody>
+          <a:bodyPr rtlCol="0" anchor="ctr"/>
+          <a:lstStyle/>
+          <a:p>
+            <a:pPr algn="ctr"/>
+            <a:endParaRPr lang="de-DE"/>
+          </a:p>
+        </p:txBody>
+      </p:sp>
     </p:spTree>
+    <p:extLst>
+      <p:ext uri="{BB962C8B-B14F-4D97-AF65-F5344CB8AC3E}">
+        <p14:creationId xmlns:p14="http://schemas.microsoft.com/office/powerpoint/2010/main" val="1244883522"/>
+      </p:ext>
+    </p:extLst>
   </p:cSld>
   <p:clrMapOvr>
     <a:masterClrMapping/>
   </p:clrMapOvr>
-  <p:transition>
+  <p:transition xmlns:p14="http://schemas.microsoft.com/office/powerpoint/2010/main">
     <p:fade/>
   </p:transition>
   <p:timing>
     <p:tnLst>
       <p:par>
-        <p:cTn id="1" dur="indefinite" restart="never" nodeType="tmRoot"/>
+        <p:cTn xmlns:p14="http://schemas.microsoft.com/office/powerpoint/2010/main" id="1" dur="indefinite" restart="never" nodeType="tmRoot"/>
       </p:par>
     </p:tnLst>
   </p:timing>
@@ -15643,6 +16024,207 @@
       </p:grpSpPr>
       <p:sp>
         <p:nvSpPr>
+          <p:cNvPr id="2" name="Fußzeilenplatzhalter 1"/>
+          <p:cNvSpPr>
+            <a:spLocks noGrp="1"/>
+          </p:cNvSpPr>
+          <p:nvPr>
+            <p:ph type="ftr" sz="quarter" idx="10"/>
+          </p:nvPr>
+        </p:nvSpPr>
+        <p:spPr/>
+        <p:txBody>
+          <a:bodyPr/>
+          <a:lstStyle/>
+          <a:p>
+            <a:pPr algn="l"/>
+            <a:r>
+              <a:rPr lang="de-DE" dirty="0" err="1" smtClean="0"/>
+              <a:t>mbeddr</a:t>
+            </a:r>
+            <a:r>
+              <a:rPr lang="de-DE" dirty="0" smtClean="0"/>
+              <a:t>, 29.10.2013</a:t>
+            </a:r>
+            <a:endParaRPr lang="de-DE" dirty="0"/>
+          </a:p>
+        </p:txBody>
+      </p:sp>
+      <p:sp>
+        <p:nvSpPr>
+          <p:cNvPr id="3" name="Foliennummernplatzhalter 2"/>
+          <p:cNvSpPr>
+            <a:spLocks noGrp="1"/>
+          </p:cNvSpPr>
+          <p:nvPr>
+            <p:ph type="sldNum" sz="quarter" idx="11"/>
+          </p:nvPr>
+        </p:nvSpPr>
+        <p:spPr/>
+        <p:txBody>
+          <a:bodyPr/>
+          <a:lstStyle/>
+          <a:p>
+            <a:r>
+              <a:rPr lang="en-GB" noProof="0" smtClean="0"/>
+              <a:t>Page </a:t>
+            </a:r>
+            <a:fld id="{AA807A42-CF27-4B84-8583-18EBE418342E}" type="slidenum">
+              <a:rPr lang="en-GB" noProof="0" smtClean="0"/>
+              <a:pPr/>
+              <a:t>23</a:t>
+            </a:fld>
+            <a:endParaRPr lang="en-GB" noProof="0" dirty="0"/>
+          </a:p>
+        </p:txBody>
+      </p:sp>
+      <p:sp>
+        <p:nvSpPr>
+          <p:cNvPr id="6" name="Textplatzhalter 3"/>
+          <p:cNvSpPr>
+            <a:spLocks noGrp="1"/>
+          </p:cNvSpPr>
+          <p:nvPr>
+            <p:ph type="body" sz="quarter" idx="13"/>
+          </p:nvPr>
+        </p:nvSpPr>
+        <p:spPr>
+          <a:xfrm>
+            <a:off x="348763" y="403227"/>
+            <a:ext cx="8445285" cy="960437"/>
+          </a:xfrm>
+        </p:spPr>
+        <p:txBody>
+          <a:bodyPr/>
+          <a:lstStyle/>
+          <a:p>
+            <a:r>
+              <a:rPr lang="en-GB" dirty="0" smtClean="0"/>
+              <a:t>Motivation.</a:t>
+            </a:r>
+          </a:p>
+          <a:p>
+            <a:r>
+              <a:rPr lang="en-GB" dirty="0" smtClean="0"/>
+              <a:t>Automotive specific extensions.</a:t>
+            </a:r>
+          </a:p>
+        </p:txBody>
+      </p:sp>
+      <p:sp>
+        <p:nvSpPr>
+          <p:cNvPr id="7" name="Textplatzhalter 4"/>
+          <p:cNvSpPr>
+            <a:spLocks noGrp="1"/>
+          </p:cNvSpPr>
+          <p:nvPr>
+            <p:ph type="body" sz="quarter" idx="14"/>
+          </p:nvPr>
+        </p:nvSpPr>
+        <p:spPr>
+          <a:xfrm>
+            <a:off x="348763" y="1628679"/>
+            <a:ext cx="8445285" cy="4861700"/>
+          </a:xfrm>
+        </p:spPr>
+        <p:txBody>
+          <a:bodyPr/>
+          <a:lstStyle/>
+          <a:p>
+            <a:pPr marL="266700" indent="-266700">
+              <a:spcBef>
+                <a:spcPct val="0"/>
+              </a:spcBef>
+            </a:pPr>
+            <a:endParaRPr lang="en-US" dirty="0" smtClean="0">
+              <a:ea typeface="ＭＳ Ｐゴシック" charset="-128"/>
+            </a:endParaRPr>
+          </a:p>
+          <a:p>
+            <a:pPr marL="266700" indent="-266700">
+              <a:spcBef>
+                <a:spcPct val="0"/>
+              </a:spcBef>
+              <a:buFont typeface="Symbol" pitchFamily="18" charset="2"/>
+              <a:buChar char="-"/>
+            </a:pPr>
+            <a:endParaRPr lang="en-US" dirty="0">
+              <a:ea typeface="ＭＳ Ｐゴシック" charset="-128"/>
+            </a:endParaRPr>
+          </a:p>
+          <a:p>
+            <a:pPr>
+              <a:buFontTx/>
+              <a:buChar char="-"/>
+            </a:pPr>
+            <a:endParaRPr lang="en-US" dirty="0" smtClean="0"/>
+          </a:p>
+          <a:p>
+            <a:endParaRPr lang="de-DE" dirty="0"/>
+          </a:p>
+        </p:txBody>
+      </p:sp>
+      <p:pic>
+        <p:nvPicPr>
+          <p:cNvPr id="9" name="Picture 8" descr="A0131001.JPG"/>
+          <p:cNvPicPr>
+            <a:picLocks noChangeAspect="1"/>
+          </p:cNvPicPr>
+          <p:nvPr/>
+        </p:nvPicPr>
+        <p:blipFill>
+          <a:blip r:embed="rId3" cstate="print"/>
+          <a:stretch>
+            <a:fillRect/>
+          </a:stretch>
+        </p:blipFill>
+        <p:spPr>
+          <a:xfrm>
+            <a:off x="239564" y="2580467"/>
+            <a:ext cx="8451486" cy="2053447"/>
+          </a:xfrm>
+          <a:prstGeom prst="rect">
+            <a:avLst/>
+          </a:prstGeom>
+        </p:spPr>
+      </p:pic>
+    </p:spTree>
+  </p:cSld>
+  <p:clrMapOvr>
+    <a:masterClrMapping/>
+  </p:clrMapOvr>
+  <p:transition xmlns:p14="http://schemas.microsoft.com/office/powerpoint/2010/main">
+    <p:fade/>
+  </p:transition>
+  <p:timing>
+    <p:tnLst>
+      <p:par>
+        <p:cTn xmlns:p14="http://schemas.microsoft.com/office/powerpoint/2010/main" id="1" dur="indefinite" restart="never" nodeType="tmRoot"/>
+      </p:par>
+    </p:tnLst>
+  </p:timing>
+</p:sld>
+</file>
+
+<file path=ppt/slides/slide24.xml><?xml version="1.0" encoding="utf-8"?>
+<p:sld xmlns:a="http://schemas.openxmlformats.org/drawingml/2006/main" xmlns:r="http://schemas.openxmlformats.org/officeDocument/2006/relationships" xmlns:p="http://schemas.openxmlformats.org/presentationml/2006/main">
+  <p:cSld>
+    <p:spTree>
+      <p:nvGrpSpPr>
+        <p:cNvPr id="1" name=""/>
+        <p:cNvGrpSpPr/>
+        <p:nvPr/>
+      </p:nvGrpSpPr>
+      <p:grpSpPr>
+        <a:xfrm>
+          <a:off x="0" y="0"/>
+          <a:ext cx="0" cy="0"/>
+          <a:chOff x="0" y="0"/>
+          <a:chExt cx="0" cy="0"/>
+        </a:xfrm>
+      </p:grpSpPr>
+      <p:sp>
+        <p:nvSpPr>
           <p:cNvPr id="6" name="Fußzeilenplatzhalter 1"/>
           <p:cNvSpPr>
             <a:spLocks noGrp="1"/>
@@ -15701,7 +16283,7 @@
             <a:fld id="{AA807A42-CF27-4B84-8583-18EBE418342E}" type="slidenum">
               <a:rPr lang="en-GB" noProof="0" smtClean="0"/>
               <a:pPr/>
-              <a:t>23</a:t>
+              <a:t>24</a:t>
             </a:fld>
             <a:endParaRPr lang="en-GB" noProof="0" dirty="0"/>
           </a:p>
@@ -16993,7 +17575,7 @@
   <p:timing>
     <p:tnLst>
       <p:par>
-        <p:cTn id="1" dur="indefinite" restart="never" nodeType="tmRoot">
+        <p:cTn xmlns:p14="http://schemas.microsoft.com/office/powerpoint/2010/main" id="1" dur="indefinite" restart="never" nodeType="tmRoot">
           <p:childTnLst>
             <p:seq concurrent="1" nextAc="seek">
               <p:cTn id="2" dur="indefinite" nodeType="mainSeq">
@@ -17076,7 +17658,7 @@
 </p:sld>
 </file>
 
-<file path=ppt/slides/slide24.xml><?xml version="1.0" encoding="utf-8"?>
+<file path=ppt/slides/slide25.xml><?xml version="1.0" encoding="utf-8"?>
 <p:sld xmlns:a="http://schemas.openxmlformats.org/drawingml/2006/main" xmlns:r="http://schemas.openxmlformats.org/officeDocument/2006/relationships" xmlns:p="http://schemas.openxmlformats.org/presentationml/2006/main">
   <p:cSld>
     <p:spTree>
@@ -17153,7 +17735,7 @@
             <a:fld id="{AA807A42-CF27-4B84-8583-18EBE418342E}" type="slidenum">
               <a:rPr lang="en-GB" noProof="0" smtClean="0"/>
               <a:pPr/>
-              <a:t>24</a:t>
+              <a:t>25</a:t>
             </a:fld>
             <a:endParaRPr lang="en-GB" noProof="0" dirty="0"/>
           </a:p>
@@ -18146,14 +18728,14 @@
   <p:timing>
     <p:tnLst>
       <p:par>
-        <p:cTn id="1" dur="indefinite" restart="never" nodeType="tmRoot"/>
+        <p:cTn xmlns:p14="http://schemas.microsoft.com/office/powerpoint/2010/main" id="1" dur="indefinite" restart="never" nodeType="tmRoot"/>
       </p:par>
     </p:tnLst>
   </p:timing>
 </p:sld>
 </file>
 
-<file path=ppt/slides/slide25.xml><?xml version="1.0" encoding="utf-8"?>
+<file path=ppt/slides/slide26.xml><?xml version="1.0" encoding="utf-8"?>
 <p:sld xmlns:a="http://schemas.openxmlformats.org/drawingml/2006/main" xmlns:r="http://schemas.openxmlformats.org/officeDocument/2006/relationships" xmlns:p="http://schemas.openxmlformats.org/presentationml/2006/main">
   <p:cSld>
     <p:spTree>
@@ -18230,7 +18812,7 @@
             <a:fld id="{AA807A42-CF27-4B84-8583-18EBE418342E}" type="slidenum">
               <a:rPr lang="en-GB" noProof="0" smtClean="0"/>
               <a:pPr/>
-              <a:t>25</a:t>
+              <a:t>26</a:t>
             </a:fld>
             <a:endParaRPr lang="en-GB" noProof="0" dirty="0"/>
           </a:p>
@@ -19567,7 +20149,7 @@
   <p:timing>
     <p:tnLst>
       <p:par>
-        <p:cTn id="1" dur="indefinite" restart="never" nodeType="tmRoot">
+        <p:cTn xmlns:p14="http://schemas.microsoft.com/office/powerpoint/2010/main" id="1" dur="indefinite" restart="never" nodeType="tmRoot">
           <p:childTnLst>
             <p:seq concurrent="1" nextAc="seek">
               <p:cTn id="2" dur="indefinite" nodeType="mainSeq">
@@ -20000,7 +20582,7 @@
 </p:sld>
 </file>
 
-<file path=ppt/slides/slide26.xml><?xml version="1.0" encoding="utf-8"?>
+<file path=ppt/slides/slide27.xml><?xml version="1.0" encoding="utf-8"?>
 <p:sld xmlns:a="http://schemas.openxmlformats.org/drawingml/2006/main" xmlns:r="http://schemas.openxmlformats.org/officeDocument/2006/relationships" xmlns:p="http://schemas.openxmlformats.org/presentationml/2006/main">
   <p:cSld>
     <p:spTree>
@@ -20077,7 +20659,7 @@
             <a:fld id="{AA807A42-CF27-4B84-8583-18EBE418342E}" type="slidenum">
               <a:rPr lang="en-GB" noProof="0" smtClean="0"/>
               <a:pPr/>
-              <a:t>26</a:t>
+              <a:t>27</a:t>
             </a:fld>
             <a:endParaRPr lang="en-GB" noProof="0" dirty="0"/>
           </a:p>
@@ -20551,7 +21133,7 @@
   <p:timing>
     <p:tnLst>
       <p:par>
-        <p:cTn id="1" dur="indefinite" restart="never" nodeType="tmRoot">
+        <p:cTn xmlns:p14="http://schemas.microsoft.com/office/powerpoint/2010/main" id="1" dur="indefinite" restart="never" nodeType="tmRoot">
           <p:childTnLst>
             <p:seq concurrent="1" nextAc="seek">
               <p:cTn id="2" dur="indefinite" nodeType="mainSeq">
@@ -20777,7 +21359,7 @@
 </p:sld>
 </file>
 
-<file path=ppt/slides/slide27.xml><?xml version="1.0" encoding="utf-8"?>
+<file path=ppt/slides/slide28.xml><?xml version="1.0" encoding="utf-8"?>
 <p:sld xmlns:a="http://schemas.openxmlformats.org/drawingml/2006/main" xmlns:r="http://schemas.openxmlformats.org/officeDocument/2006/relationships" xmlns:p="http://schemas.openxmlformats.org/presentationml/2006/main">
   <p:cSld>
     <p:spTree>
@@ -20854,7 +21436,7 @@
             <a:fld id="{AA807A42-CF27-4B84-8583-18EBE418342E}" type="slidenum">
               <a:rPr lang="en-GB" noProof="0" smtClean="0"/>
               <a:pPr/>
-              <a:t>27</a:t>
+              <a:t>28</a:t>
             </a:fld>
             <a:endParaRPr lang="en-GB" noProof="0" dirty="0"/>
           </a:p>
@@ -21032,14 +21614,14 @@
   <p:timing>
     <p:tnLst>
       <p:par>
-        <p:cTn id="1" dur="indefinite" restart="never" nodeType="tmRoot"/>
+        <p:cTn xmlns:p14="http://schemas.microsoft.com/office/powerpoint/2010/main" id="1" dur="indefinite" restart="never" nodeType="tmRoot"/>
       </p:par>
     </p:tnLst>
   </p:timing>
 </p:sld>
 </file>
 
-<file path=ppt/slides/slide28.xml><?xml version="1.0" encoding="utf-8"?>
+<file path=ppt/slides/slide29.xml><?xml version="1.0" encoding="utf-8"?>
 <p:sld xmlns:a="http://schemas.openxmlformats.org/drawingml/2006/main" xmlns:r="http://schemas.openxmlformats.org/officeDocument/2006/relationships" xmlns:p="http://schemas.openxmlformats.org/presentationml/2006/main">
   <p:cSld>
     <p:spTree>
@@ -21116,7 +21698,7 @@
             <a:fld id="{AA807A42-CF27-4B84-8583-18EBE418342E}" type="slidenum">
               <a:rPr lang="en-GB" noProof="0" smtClean="0"/>
               <a:pPr/>
-              <a:t>28</a:t>
+              <a:t>29</a:t>
             </a:fld>
             <a:endParaRPr lang="en-GB" noProof="0" dirty="0"/>
           </a:p>
@@ -23212,7 +23794,7 @@
   <p:timing>
     <p:tnLst>
       <p:par>
-        <p:cTn id="1" dur="indefinite" restart="never" nodeType="tmRoot">
+        <p:cTn xmlns:p14="http://schemas.microsoft.com/office/powerpoint/2010/main" id="1" dur="indefinite" restart="never" nodeType="tmRoot">
           <p:childTnLst>
             <p:seq concurrent="1" nextAc="seek">
               <p:cTn id="2" dur="indefinite" nodeType="mainSeq">
@@ -23454,7 +24036,7 @@
 </p:sld>
 </file>
 
-<file path=ppt/slides/slide29.xml><?xml version="1.0" encoding="utf-8"?>
+<file path=ppt/slides/slide3.xml><?xml version="1.0" encoding="utf-8"?>
 <p:sld xmlns:a="http://schemas.openxmlformats.org/drawingml/2006/main" xmlns:r="http://schemas.openxmlformats.org/officeDocument/2006/relationships" xmlns:p="http://schemas.openxmlformats.org/presentationml/2006/main">
   <p:cSld>
     <p:spTree>
@@ -23473,6 +24055,348 @@
       </p:grpSpPr>
       <p:sp>
         <p:nvSpPr>
+          <p:cNvPr id="2" name="Fußzeilenplatzhalter 1"/>
+          <p:cNvSpPr>
+            <a:spLocks noGrp="1"/>
+          </p:cNvSpPr>
+          <p:nvPr>
+            <p:ph type="ftr" sz="quarter" idx="10"/>
+          </p:nvPr>
+        </p:nvSpPr>
+        <p:spPr/>
+        <p:txBody>
+          <a:bodyPr/>
+          <a:lstStyle/>
+          <a:p>
+            <a:pPr algn="l"/>
+            <a:r>
+              <a:rPr lang="de-DE" dirty="0" err="1" smtClean="0"/>
+              <a:t>mbeddr</a:t>
+            </a:r>
+            <a:r>
+              <a:rPr lang="de-DE" dirty="0" smtClean="0"/>
+              <a:t>, 29.10.2013</a:t>
+            </a:r>
+            <a:endParaRPr lang="de-DE" dirty="0"/>
+          </a:p>
+        </p:txBody>
+      </p:sp>
+      <p:sp>
+        <p:nvSpPr>
+          <p:cNvPr id="3" name="Foliennummernplatzhalter 2"/>
+          <p:cNvSpPr>
+            <a:spLocks noGrp="1"/>
+          </p:cNvSpPr>
+          <p:nvPr>
+            <p:ph type="sldNum" sz="quarter" idx="11"/>
+          </p:nvPr>
+        </p:nvSpPr>
+        <p:spPr/>
+        <p:txBody>
+          <a:bodyPr/>
+          <a:lstStyle/>
+          <a:p>
+            <a:r>
+              <a:rPr lang="en-GB" noProof="0" smtClean="0"/>
+              <a:t>Page </a:t>
+            </a:r>
+            <a:fld id="{AA807A42-CF27-4B84-8583-18EBE418342E}" type="slidenum">
+              <a:rPr lang="en-GB" noProof="0" smtClean="0"/>
+              <a:pPr/>
+              <a:t>3</a:t>
+            </a:fld>
+            <a:endParaRPr lang="en-GB" noProof="0" dirty="0"/>
+          </a:p>
+        </p:txBody>
+      </p:sp>
+      <p:sp>
+        <p:nvSpPr>
+          <p:cNvPr id="6" name="Textplatzhalter 3"/>
+          <p:cNvSpPr>
+            <a:spLocks noGrp="1"/>
+          </p:cNvSpPr>
+          <p:nvPr>
+            <p:ph type="body" sz="quarter" idx="13"/>
+          </p:nvPr>
+        </p:nvSpPr>
+        <p:spPr>
+          <a:xfrm>
+            <a:off x="348763" y="403227"/>
+            <a:ext cx="8445285" cy="960437"/>
+          </a:xfrm>
+        </p:spPr>
+        <p:txBody>
+          <a:bodyPr/>
+          <a:lstStyle/>
+          <a:p>
+            <a:r>
+              <a:rPr lang="en-GB" dirty="0" smtClean="0"/>
+              <a:t>Context.</a:t>
+            </a:r>
+          </a:p>
+          <a:p>
+            <a:r>
+              <a:rPr lang="en-GB" dirty="0" smtClean="0"/>
+              <a:t>What is mbeddr?</a:t>
+            </a:r>
+          </a:p>
+        </p:txBody>
+      </p:sp>
+      <p:sp>
+        <p:nvSpPr>
+          <p:cNvPr id="7" name="Textplatzhalter 4"/>
+          <p:cNvSpPr>
+            <a:spLocks noGrp="1"/>
+          </p:cNvSpPr>
+          <p:nvPr>
+            <p:ph type="body" sz="quarter" idx="14"/>
+          </p:nvPr>
+        </p:nvSpPr>
+        <p:spPr>
+          <a:xfrm>
+            <a:off x="348763" y="1628679"/>
+            <a:ext cx="8445285" cy="4861700"/>
+          </a:xfrm>
+        </p:spPr>
+        <p:txBody>
+          <a:bodyPr/>
+          <a:lstStyle/>
+          <a:p>
+            <a:pPr marL="266700" indent="-266700">
+              <a:spcBef>
+                <a:spcPct val="0"/>
+              </a:spcBef>
+            </a:pPr>
+            <a:endParaRPr lang="en-US" dirty="0" smtClean="0">
+              <a:ea typeface="ＭＳ Ｐゴシック" charset="-128"/>
+            </a:endParaRPr>
+          </a:p>
+          <a:p>
+            <a:pPr marL="266700" indent="-266700">
+              <a:spcBef>
+                <a:spcPct val="0"/>
+              </a:spcBef>
+              <a:buFont typeface="Symbol" pitchFamily="18" charset="2"/>
+              <a:buChar char="-"/>
+            </a:pPr>
+            <a:endParaRPr lang="en-US" dirty="0">
+              <a:ea typeface="ＭＳ Ｐゴシック" charset="-128"/>
+            </a:endParaRPr>
+          </a:p>
+          <a:p>
+            <a:pPr>
+              <a:buFontTx/>
+              <a:buChar char="-"/>
+            </a:pPr>
+            <a:endParaRPr lang="en-US" dirty="0" smtClean="0"/>
+          </a:p>
+          <a:p>
+            <a:endParaRPr lang="de-DE" dirty="0"/>
+          </a:p>
+        </p:txBody>
+      </p:sp>
+      <p:sp>
+        <p:nvSpPr>
+          <p:cNvPr id="9" name="Rechteck 8"/>
+          <p:cNvSpPr/>
+          <p:nvPr/>
+        </p:nvSpPr>
+        <p:spPr>
+          <a:xfrm>
+            <a:off x="1373839" y="2476441"/>
+            <a:ext cx="5993105" cy="216024"/>
+          </a:xfrm>
+          <a:prstGeom prst="rect">
+            <a:avLst/>
+          </a:prstGeom>
+          <a:solidFill>
+            <a:schemeClr val="bg1"/>
+          </a:solidFill>
+          <a:ln>
+            <a:noFill/>
+          </a:ln>
+          <a:effectLst/>
+        </p:spPr>
+        <p:style>
+          <a:lnRef idx="1">
+            <a:schemeClr val="accent1"/>
+          </a:lnRef>
+          <a:fillRef idx="3">
+            <a:schemeClr val="accent1"/>
+          </a:fillRef>
+          <a:effectRef idx="2">
+            <a:schemeClr val="accent1"/>
+          </a:effectRef>
+          <a:fontRef idx="minor">
+            <a:schemeClr val="lt1"/>
+          </a:fontRef>
+        </p:style>
+        <p:txBody>
+          <a:bodyPr rtlCol="0" anchor="ctr"/>
+          <a:lstStyle/>
+          <a:p>
+            <a:pPr algn="ctr"/>
+            <a:endParaRPr lang="de-DE" sz="3200">
+              <a:latin typeface="Calibri"/>
+              <a:cs typeface="Calibri"/>
+            </a:endParaRPr>
+          </a:p>
+        </p:txBody>
+      </p:sp>
+      <p:sp>
+        <p:nvSpPr>
+          <p:cNvPr id="10" name="Titel 1"/>
+          <p:cNvSpPr txBox="1">
+            <a:spLocks/>
+          </p:cNvSpPr>
+          <p:nvPr/>
+        </p:nvSpPr>
+        <p:spPr>
+          <a:xfrm>
+            <a:off x="1319847" y="1324313"/>
+            <a:ext cx="8114861" cy="836712"/>
+          </a:xfrm>
+          <a:prstGeom prst="rect">
+            <a:avLst/>
+          </a:prstGeom>
+        </p:spPr>
+        <p:txBody>
+          <a:bodyPr vert="horz" lIns="91440" tIns="45720" rIns="91440" bIns="45720" rtlCol="0" anchor="ctr">
+            <a:noAutofit/>
+          </a:bodyPr>
+          <a:lstStyle>
+            <a:lvl1pPr algn="ctr" defTabSz="914400" rtl="0" eaLnBrk="1" latinLnBrk="0" hangingPunct="1">
+              <a:spcBef>
+                <a:spcPct val="0"/>
+              </a:spcBef>
+              <a:buNone/>
+              <a:defRPr sz="4400" kern="1200">
+                <a:solidFill>
+                  <a:schemeClr val="tx1"/>
+                </a:solidFill>
+                <a:latin typeface="+mj-lt"/>
+                <a:ea typeface="+mj-ea"/>
+                <a:cs typeface="+mj-cs"/>
+              </a:defRPr>
+            </a:lvl1pPr>
+          </a:lstStyle>
+          <a:p>
+            <a:pPr algn="l"/>
+            <a:r>
+              <a:rPr lang="de-DE" sz="3200" b="1" dirty="0">
+                <a:solidFill>
+                  <a:schemeClr val="tx1">
+                    <a:lumMod val="75000"/>
+                    <a:lumOff val="25000"/>
+                  </a:schemeClr>
+                </a:solidFill>
+                <a:latin typeface="Calibri"/>
+                <a:ea typeface="Verdana" pitchFamily="34" charset="0"/>
+                <a:cs typeface="Calibri"/>
+              </a:rPr>
+              <a:t>An extensible set of integrated languages </a:t>
+            </a:r>
+          </a:p>
+        </p:txBody>
+      </p:sp>
+      <p:sp>
+        <p:nvSpPr>
+          <p:cNvPr id="11" name="Titel 1"/>
+          <p:cNvSpPr txBox="1">
+            <a:spLocks/>
+          </p:cNvSpPr>
+          <p:nvPr/>
+        </p:nvSpPr>
+        <p:spPr>
+          <a:xfrm>
+            <a:off x="1332419" y="1900377"/>
+            <a:ext cx="6559640" cy="836712"/>
+          </a:xfrm>
+          <a:prstGeom prst="rect">
+            <a:avLst/>
+          </a:prstGeom>
+        </p:spPr>
+        <p:txBody>
+          <a:bodyPr vert="horz" lIns="91440" tIns="45720" rIns="91440" bIns="45720" rtlCol="0" anchor="ctr">
+            <a:noAutofit/>
+          </a:bodyPr>
+          <a:lstStyle>
+            <a:lvl1pPr algn="ctr" defTabSz="914400" rtl="0" eaLnBrk="1" latinLnBrk="0" hangingPunct="1">
+              <a:spcBef>
+                <a:spcPct val="0"/>
+              </a:spcBef>
+              <a:buNone/>
+              <a:defRPr sz="4400" kern="1200">
+                <a:solidFill>
+                  <a:schemeClr val="tx1"/>
+                </a:solidFill>
+                <a:latin typeface="+mj-lt"/>
+                <a:ea typeface="+mj-ea"/>
+                <a:cs typeface="+mj-cs"/>
+              </a:defRPr>
+            </a:lvl1pPr>
+          </a:lstStyle>
+          <a:p>
+            <a:pPr algn="l"/>
+            <a:r>
+              <a:rPr lang="de-DE" sz="3200" b="1" dirty="0">
+                <a:solidFill>
+                  <a:schemeClr val="tx1">
+                    <a:lumMod val="75000"/>
+                    <a:lumOff val="25000"/>
+                  </a:schemeClr>
+                </a:solidFill>
+                <a:latin typeface="Calibri"/>
+                <a:ea typeface="Verdana" pitchFamily="34" charset="0"/>
+                <a:cs typeface="Calibri"/>
+              </a:rPr>
+              <a:t>for embedded software engineering. </a:t>
+            </a:r>
+          </a:p>
+        </p:txBody>
+      </p:sp>
+    </p:spTree>
+    <p:extLst>
+      <p:ext uri="{BB962C8B-B14F-4D97-AF65-F5344CB8AC3E}">
+        <p14:creationId xmlns:p14="http://schemas.microsoft.com/office/powerpoint/2010/main" val="3800702723"/>
+      </p:ext>
+    </p:extLst>
+  </p:cSld>
+  <p:clrMapOvr>
+    <a:masterClrMapping/>
+  </p:clrMapOvr>
+  <p:transition xmlns:p14="http://schemas.microsoft.com/office/powerpoint/2010/main">
+    <p:fade/>
+  </p:transition>
+  <p:timing>
+    <p:tnLst>
+      <p:par>
+        <p:cTn xmlns:p14="http://schemas.microsoft.com/office/powerpoint/2010/main" id="1" dur="indefinite" restart="never" nodeType="tmRoot"/>
+      </p:par>
+    </p:tnLst>
+  </p:timing>
+</p:sld>
+</file>
+
+<file path=ppt/slides/slide30.xml><?xml version="1.0" encoding="utf-8"?>
+<p:sld xmlns:a="http://schemas.openxmlformats.org/drawingml/2006/main" xmlns:r="http://schemas.openxmlformats.org/officeDocument/2006/relationships" xmlns:p="http://schemas.openxmlformats.org/presentationml/2006/main">
+  <p:cSld>
+    <p:spTree>
+      <p:nvGrpSpPr>
+        <p:cNvPr id="1" name=""/>
+        <p:cNvGrpSpPr/>
+        <p:nvPr/>
+      </p:nvGrpSpPr>
+      <p:grpSpPr>
+        <a:xfrm>
+          <a:off x="0" y="0"/>
+          <a:ext cx="0" cy="0"/>
+          <a:chOff x="0" y="0"/>
+          <a:chExt cx="0" cy="0"/>
+        </a:xfrm>
+      </p:grpSpPr>
+      <p:sp>
+        <p:nvSpPr>
           <p:cNvPr id="6" name="Fußzeilenplatzhalter 1"/>
           <p:cNvSpPr>
             <a:spLocks noGrp="1"/>
@@ -23531,7 +24455,7 @@
             <a:fld id="{AA807A42-CF27-4B84-8583-18EBE418342E}" type="slidenum">
               <a:rPr lang="en-GB" noProof="0" smtClean="0"/>
               <a:pPr/>
-              <a:t>29</a:t>
+              <a:t>30</a:t>
             </a:fld>
             <a:endParaRPr lang="en-GB" noProof="0" dirty="0"/>
           </a:p>
@@ -24033,7 +24957,7 @@
   <p:timing>
     <p:tnLst>
       <p:par>
-        <p:cTn id="1" dur="indefinite" restart="never" nodeType="tmRoot">
+        <p:cTn xmlns:p14="http://schemas.microsoft.com/office/powerpoint/2010/main" id="1" dur="indefinite" restart="never" nodeType="tmRoot">
           <p:childTnLst>
             <p:seq concurrent="1" nextAc="seek">
               <p:cTn id="2" dur="indefinite" nodeType="mainSeq">
@@ -24119,594 +25043,6 @@
 </p:sld>
 </file>
 
-<file path=ppt/slides/slide3.xml><?xml version="1.0" encoding="utf-8"?>
-<p:sld xmlns:a="http://schemas.openxmlformats.org/drawingml/2006/main" xmlns:r="http://schemas.openxmlformats.org/officeDocument/2006/relationships" xmlns:p="http://schemas.openxmlformats.org/presentationml/2006/main">
-  <p:cSld>
-    <p:spTree>
-      <p:nvGrpSpPr>
-        <p:cNvPr id="1" name=""/>
-        <p:cNvGrpSpPr/>
-        <p:nvPr/>
-      </p:nvGrpSpPr>
-      <p:grpSpPr>
-        <a:xfrm>
-          <a:off x="0" y="0"/>
-          <a:ext cx="0" cy="0"/>
-          <a:chOff x="0" y="0"/>
-          <a:chExt cx="0" cy="0"/>
-        </a:xfrm>
-      </p:grpSpPr>
-      <p:sp>
-        <p:nvSpPr>
-          <p:cNvPr id="2" name="Fußzeilenplatzhalter 1"/>
-          <p:cNvSpPr>
-            <a:spLocks noGrp="1"/>
-          </p:cNvSpPr>
-          <p:nvPr>
-            <p:ph type="ftr" sz="quarter" idx="10"/>
-          </p:nvPr>
-        </p:nvSpPr>
-        <p:spPr/>
-        <p:txBody>
-          <a:bodyPr/>
-          <a:lstStyle/>
-          <a:p>
-            <a:pPr algn="l"/>
-            <a:r>
-              <a:rPr lang="de-DE" dirty="0" err="1" smtClean="0"/>
-              <a:t>mbeddr</a:t>
-            </a:r>
-            <a:r>
-              <a:rPr lang="de-DE" dirty="0" smtClean="0"/>
-              <a:t>, 29.10.2013</a:t>
-            </a:r>
-            <a:endParaRPr lang="de-DE" dirty="0"/>
-          </a:p>
-        </p:txBody>
-      </p:sp>
-      <p:sp>
-        <p:nvSpPr>
-          <p:cNvPr id="3" name="Foliennummernplatzhalter 2"/>
-          <p:cNvSpPr>
-            <a:spLocks noGrp="1"/>
-          </p:cNvSpPr>
-          <p:nvPr>
-            <p:ph type="sldNum" sz="quarter" idx="11"/>
-          </p:nvPr>
-        </p:nvSpPr>
-        <p:spPr/>
-        <p:txBody>
-          <a:bodyPr/>
-          <a:lstStyle/>
-          <a:p>
-            <a:r>
-              <a:rPr lang="en-GB" noProof="0" smtClean="0"/>
-              <a:t>Page </a:t>
-            </a:r>
-            <a:fld id="{AA807A42-CF27-4B84-8583-18EBE418342E}" type="slidenum">
-              <a:rPr lang="en-GB" noProof="0" smtClean="0"/>
-              <a:pPr/>
-              <a:t>3</a:t>
-            </a:fld>
-            <a:endParaRPr lang="en-GB" noProof="0" dirty="0"/>
-          </a:p>
-        </p:txBody>
-      </p:sp>
-      <p:sp>
-        <p:nvSpPr>
-          <p:cNvPr id="6" name="Textplatzhalter 3"/>
-          <p:cNvSpPr>
-            <a:spLocks noGrp="1"/>
-          </p:cNvSpPr>
-          <p:nvPr>
-            <p:ph type="body" sz="quarter" idx="13"/>
-          </p:nvPr>
-        </p:nvSpPr>
-        <p:spPr>
-          <a:xfrm>
-            <a:off x="348763" y="403227"/>
-            <a:ext cx="8445285" cy="960437"/>
-          </a:xfrm>
-        </p:spPr>
-        <p:txBody>
-          <a:bodyPr/>
-          <a:lstStyle/>
-          <a:p>
-            <a:r>
-              <a:rPr lang="en-GB" dirty="0" smtClean="0"/>
-              <a:t>Context.</a:t>
-            </a:r>
-          </a:p>
-          <a:p>
-            <a:r>
-              <a:rPr lang="en-GB" dirty="0" smtClean="0"/>
-              <a:t>What is mbeddr?</a:t>
-            </a:r>
-          </a:p>
-        </p:txBody>
-      </p:sp>
-      <p:sp>
-        <p:nvSpPr>
-          <p:cNvPr id="7" name="Textplatzhalter 4"/>
-          <p:cNvSpPr>
-            <a:spLocks noGrp="1"/>
-          </p:cNvSpPr>
-          <p:nvPr>
-            <p:ph type="body" sz="quarter" idx="14"/>
-          </p:nvPr>
-        </p:nvSpPr>
-        <p:spPr>
-          <a:xfrm>
-            <a:off x="348763" y="1628679"/>
-            <a:ext cx="8445285" cy="4861700"/>
-          </a:xfrm>
-        </p:spPr>
-        <p:txBody>
-          <a:bodyPr/>
-          <a:lstStyle/>
-          <a:p>
-            <a:pPr marL="266700" indent="-266700">
-              <a:spcBef>
-                <a:spcPct val="0"/>
-              </a:spcBef>
-            </a:pPr>
-            <a:endParaRPr lang="en-US" dirty="0" smtClean="0">
-              <a:ea typeface="ＭＳ Ｐゴシック" charset="-128"/>
-            </a:endParaRPr>
-          </a:p>
-          <a:p>
-            <a:pPr marL="266700" indent="-266700">
-              <a:spcBef>
-                <a:spcPct val="0"/>
-              </a:spcBef>
-              <a:buFont typeface="Symbol" pitchFamily="18" charset="2"/>
-              <a:buChar char="-"/>
-            </a:pPr>
-            <a:endParaRPr lang="en-US" dirty="0">
-              <a:ea typeface="ＭＳ Ｐゴシック" charset="-128"/>
-            </a:endParaRPr>
-          </a:p>
-          <a:p>
-            <a:pPr>
-              <a:buFontTx/>
-              <a:buChar char="-"/>
-            </a:pPr>
-            <a:endParaRPr lang="en-US" dirty="0" smtClean="0"/>
-          </a:p>
-          <a:p>
-            <a:endParaRPr lang="de-DE" dirty="0"/>
-          </a:p>
-        </p:txBody>
-      </p:sp>
-      <p:sp>
-        <p:nvSpPr>
-          <p:cNvPr id="9" name="Rechteck 8"/>
-          <p:cNvSpPr/>
-          <p:nvPr/>
-        </p:nvSpPr>
-        <p:spPr>
-          <a:xfrm>
-            <a:off x="1373839" y="2476441"/>
-            <a:ext cx="5993105" cy="216024"/>
-          </a:xfrm>
-          <a:prstGeom prst="rect">
-            <a:avLst/>
-          </a:prstGeom>
-          <a:solidFill>
-            <a:schemeClr val="bg1"/>
-          </a:solidFill>
-          <a:ln>
-            <a:noFill/>
-          </a:ln>
-          <a:effectLst/>
-        </p:spPr>
-        <p:style>
-          <a:lnRef idx="1">
-            <a:schemeClr val="accent1"/>
-          </a:lnRef>
-          <a:fillRef idx="3">
-            <a:schemeClr val="accent1"/>
-          </a:fillRef>
-          <a:effectRef idx="2">
-            <a:schemeClr val="accent1"/>
-          </a:effectRef>
-          <a:fontRef idx="minor">
-            <a:schemeClr val="lt1"/>
-          </a:fontRef>
-        </p:style>
-        <p:txBody>
-          <a:bodyPr rtlCol="0" anchor="ctr"/>
-          <a:lstStyle/>
-          <a:p>
-            <a:pPr algn="ctr"/>
-            <a:endParaRPr lang="de-DE" sz="3200">
-              <a:latin typeface="Calibri"/>
-              <a:cs typeface="Calibri"/>
-            </a:endParaRPr>
-          </a:p>
-        </p:txBody>
-      </p:sp>
-      <p:sp>
-        <p:nvSpPr>
-          <p:cNvPr id="10" name="Titel 1"/>
-          <p:cNvSpPr txBox="1">
-            <a:spLocks/>
-          </p:cNvSpPr>
-          <p:nvPr/>
-        </p:nvSpPr>
-        <p:spPr>
-          <a:xfrm>
-            <a:off x="1319847" y="1324313"/>
-            <a:ext cx="8114861" cy="836712"/>
-          </a:xfrm>
-          <a:prstGeom prst="rect">
-            <a:avLst/>
-          </a:prstGeom>
-        </p:spPr>
-        <p:txBody>
-          <a:bodyPr vert="horz" lIns="91440" tIns="45720" rIns="91440" bIns="45720" rtlCol="0" anchor="ctr">
-            <a:noAutofit/>
-          </a:bodyPr>
-          <a:lstStyle>
-            <a:lvl1pPr algn="ctr" defTabSz="914400" rtl="0" eaLnBrk="1" latinLnBrk="0" hangingPunct="1">
-              <a:spcBef>
-                <a:spcPct val="0"/>
-              </a:spcBef>
-              <a:buNone/>
-              <a:defRPr sz="4400" kern="1200">
-                <a:solidFill>
-                  <a:schemeClr val="tx1"/>
-                </a:solidFill>
-                <a:latin typeface="+mj-lt"/>
-                <a:ea typeface="+mj-ea"/>
-                <a:cs typeface="+mj-cs"/>
-              </a:defRPr>
-            </a:lvl1pPr>
-          </a:lstStyle>
-          <a:p>
-            <a:pPr algn="l"/>
-            <a:r>
-              <a:rPr lang="de-DE" sz="3200" b="1" dirty="0">
-                <a:solidFill>
-                  <a:schemeClr val="tx1">
-                    <a:lumMod val="75000"/>
-                    <a:lumOff val="25000"/>
-                  </a:schemeClr>
-                </a:solidFill>
-                <a:latin typeface="Calibri"/>
-                <a:ea typeface="Verdana" pitchFamily="34" charset="0"/>
-                <a:cs typeface="Calibri"/>
-              </a:rPr>
-              <a:t>An extensible set of integrated languages </a:t>
-            </a:r>
-          </a:p>
-        </p:txBody>
-      </p:sp>
-      <p:sp>
-        <p:nvSpPr>
-          <p:cNvPr id="11" name="Titel 1"/>
-          <p:cNvSpPr txBox="1">
-            <a:spLocks/>
-          </p:cNvSpPr>
-          <p:nvPr/>
-        </p:nvSpPr>
-        <p:spPr>
-          <a:xfrm>
-            <a:off x="1332419" y="1900377"/>
-            <a:ext cx="6559640" cy="836712"/>
-          </a:xfrm>
-          <a:prstGeom prst="rect">
-            <a:avLst/>
-          </a:prstGeom>
-        </p:spPr>
-        <p:txBody>
-          <a:bodyPr vert="horz" lIns="91440" tIns="45720" rIns="91440" bIns="45720" rtlCol="0" anchor="ctr">
-            <a:noAutofit/>
-          </a:bodyPr>
-          <a:lstStyle>
-            <a:lvl1pPr algn="ctr" defTabSz="914400" rtl="0" eaLnBrk="1" latinLnBrk="0" hangingPunct="1">
-              <a:spcBef>
-                <a:spcPct val="0"/>
-              </a:spcBef>
-              <a:buNone/>
-              <a:defRPr sz="4400" kern="1200">
-                <a:solidFill>
-                  <a:schemeClr val="tx1"/>
-                </a:solidFill>
-                <a:latin typeface="+mj-lt"/>
-                <a:ea typeface="+mj-ea"/>
-                <a:cs typeface="+mj-cs"/>
-              </a:defRPr>
-            </a:lvl1pPr>
-          </a:lstStyle>
-          <a:p>
-            <a:pPr algn="l"/>
-            <a:r>
-              <a:rPr lang="de-DE" sz="3200" b="1" dirty="0">
-                <a:solidFill>
-                  <a:schemeClr val="tx1">
-                    <a:lumMod val="75000"/>
-                    <a:lumOff val="25000"/>
-                  </a:schemeClr>
-                </a:solidFill>
-                <a:latin typeface="Calibri"/>
-                <a:ea typeface="Verdana" pitchFamily="34" charset="0"/>
-                <a:cs typeface="Calibri"/>
-              </a:rPr>
-              <a:t>for embedded software engineering. </a:t>
-            </a:r>
-          </a:p>
-        </p:txBody>
-      </p:sp>
-    </p:spTree>
-    <p:extLst>
-      <p:ext uri="{BB962C8B-B14F-4D97-AF65-F5344CB8AC3E}">
-        <p14:creationId xmlns:p14="http://schemas.microsoft.com/office/powerpoint/2010/main" xmlns="" val="3800702723"/>
-      </p:ext>
-    </p:extLst>
-  </p:cSld>
-  <p:clrMapOvr>
-    <a:masterClrMapping/>
-  </p:clrMapOvr>
-  <p:transition>
-    <p:fade/>
-  </p:transition>
-  <p:timing>
-    <p:tnLst>
-      <p:par>
-        <p:cTn id="1" dur="indefinite" restart="never" nodeType="tmRoot"/>
-      </p:par>
-    </p:tnLst>
-  </p:timing>
-</p:sld>
-</file>
-
-<file path=ppt/slides/slide30.xml><?xml version="1.0" encoding="utf-8"?>
-<p:sld xmlns:a="http://schemas.openxmlformats.org/drawingml/2006/main" xmlns:r="http://schemas.openxmlformats.org/officeDocument/2006/relationships" xmlns:p="http://schemas.openxmlformats.org/presentationml/2006/main">
-  <p:cSld>
-    <p:spTree>
-      <p:nvGrpSpPr>
-        <p:cNvPr id="1" name=""/>
-        <p:cNvGrpSpPr/>
-        <p:nvPr/>
-      </p:nvGrpSpPr>
-      <p:grpSpPr>
-        <a:xfrm>
-          <a:off x="0" y="0"/>
-          <a:ext cx="0" cy="0"/>
-          <a:chOff x="0" y="0"/>
-          <a:chExt cx="0" cy="0"/>
-        </a:xfrm>
-      </p:grpSpPr>
-      <p:sp>
-        <p:nvSpPr>
-          <p:cNvPr id="6" name="Fußzeilenplatzhalter 1"/>
-          <p:cNvSpPr>
-            <a:spLocks noGrp="1"/>
-          </p:cNvSpPr>
-          <p:nvPr>
-            <p:ph type="ftr" sz="quarter" idx="10"/>
-          </p:nvPr>
-        </p:nvSpPr>
-        <p:spPr>
-          <a:xfrm>
-            <a:off x="465138" y="6508573"/>
-            <a:ext cx="4021247" cy="331787"/>
-          </a:xfrm>
-        </p:spPr>
-        <p:txBody>
-          <a:bodyPr/>
-          <a:lstStyle/>
-          <a:p>
-            <a:pPr algn="l"/>
-            <a:r>
-              <a:rPr lang="de-DE" dirty="0" err="1" smtClean="0"/>
-              <a:t>mbeddr</a:t>
-            </a:r>
-            <a:r>
-              <a:rPr lang="de-DE" dirty="0" smtClean="0"/>
-              <a:t>, 29.10.2013</a:t>
-            </a:r>
-            <a:endParaRPr lang="de-DE" dirty="0"/>
-          </a:p>
-        </p:txBody>
-      </p:sp>
-      <p:sp>
-        <p:nvSpPr>
-          <p:cNvPr id="7" name="Foliennummernplatzhalter 2"/>
-          <p:cNvSpPr>
-            <a:spLocks noGrp="1"/>
-          </p:cNvSpPr>
-          <p:nvPr>
-            <p:ph type="sldNum" sz="quarter" idx="11"/>
-          </p:nvPr>
-        </p:nvSpPr>
-        <p:spPr>
-          <a:xfrm>
-            <a:off x="6048138" y="6528870"/>
-            <a:ext cx="2988574" cy="329130"/>
-          </a:xfrm>
-        </p:spPr>
-        <p:txBody>
-          <a:bodyPr/>
-          <a:lstStyle/>
-          <a:p>
-            <a:r>
-              <a:rPr lang="en-GB" noProof="0" smtClean="0"/>
-              <a:t>Page </a:t>
-            </a:r>
-            <a:fld id="{AA807A42-CF27-4B84-8583-18EBE418342E}" type="slidenum">
-              <a:rPr lang="en-GB" noProof="0" smtClean="0"/>
-              <a:pPr/>
-              <a:t>30</a:t>
-            </a:fld>
-            <a:endParaRPr lang="en-GB" noProof="0" dirty="0"/>
-          </a:p>
-        </p:txBody>
-      </p:sp>
-      <p:sp>
-        <p:nvSpPr>
-          <p:cNvPr id="8" name="Textplatzhalter 3"/>
-          <p:cNvSpPr>
-            <a:spLocks noGrp="1"/>
-          </p:cNvSpPr>
-          <p:nvPr>
-            <p:ph type="body" sz="quarter" idx="13"/>
-          </p:nvPr>
-        </p:nvSpPr>
-        <p:spPr>
-          <a:xfrm>
-            <a:off x="465138" y="403226"/>
-            <a:ext cx="11263312" cy="960437"/>
-          </a:xfrm>
-        </p:spPr>
-        <p:txBody>
-          <a:bodyPr/>
-          <a:lstStyle/>
-          <a:p>
-            <a:r>
-              <a:rPr lang="en-GB" dirty="0" smtClean="0"/>
-              <a:t>AUTOSAR methodology.</a:t>
-            </a:r>
-          </a:p>
-          <a:p>
-            <a:r>
-              <a:rPr lang="en-GB" dirty="0" smtClean="0"/>
-              <a:t>Simplification.</a:t>
-            </a:r>
-          </a:p>
-        </p:txBody>
-      </p:sp>
-      <p:sp>
-        <p:nvSpPr>
-          <p:cNvPr id="9" name="Textplatzhalter 4"/>
-          <p:cNvSpPr>
-            <a:spLocks noGrp="1"/>
-          </p:cNvSpPr>
-          <p:nvPr>
-            <p:ph type="body" sz="quarter" idx="14"/>
-          </p:nvPr>
-        </p:nvSpPr>
-        <p:spPr>
-          <a:xfrm>
-            <a:off x="465138" y="1611038"/>
-            <a:ext cx="11263312" cy="4861700"/>
-          </a:xfrm>
-        </p:spPr>
-        <p:txBody>
-          <a:bodyPr/>
-          <a:lstStyle/>
-          <a:p>
-            <a:pPr marL="266700" indent="-266700">
-              <a:spcBef>
-                <a:spcPct val="0"/>
-              </a:spcBef>
-            </a:pPr>
-            <a:endParaRPr lang="en-US" dirty="0" smtClean="0">
-              <a:ea typeface="ＭＳ Ｐゴシック" charset="-128"/>
-            </a:endParaRPr>
-          </a:p>
-          <a:p>
-            <a:pPr marL="266700" indent="-266700">
-              <a:spcBef>
-                <a:spcPct val="0"/>
-              </a:spcBef>
-              <a:buFont typeface="Symbol" pitchFamily="18" charset="2"/>
-              <a:buChar char="-"/>
-            </a:pPr>
-            <a:endParaRPr lang="en-US" dirty="0">
-              <a:ea typeface="ＭＳ Ｐゴシック" charset="-128"/>
-            </a:endParaRPr>
-          </a:p>
-          <a:p>
-            <a:pPr>
-              <a:buFontTx/>
-              <a:buChar char="-"/>
-            </a:pPr>
-            <a:endParaRPr lang="en-US" dirty="0" smtClean="0"/>
-          </a:p>
-          <a:p>
-            <a:endParaRPr lang="de-DE" dirty="0"/>
-          </a:p>
-        </p:txBody>
-      </p:sp>
-      <p:sp>
-        <p:nvSpPr>
-          <p:cNvPr id="10" name="TextBox 9"/>
-          <p:cNvSpPr txBox="1"/>
-          <p:nvPr/>
-        </p:nvSpPr>
-        <p:spPr>
-          <a:xfrm>
-            <a:off x="9071" y="2407438"/>
-            <a:ext cx="9134929" cy="1446550"/>
-          </a:xfrm>
-          <a:prstGeom prst="rect">
-            <a:avLst/>
-          </a:prstGeom>
-          <a:noFill/>
-        </p:spPr>
-        <p:txBody>
-          <a:bodyPr wrap="square" rtlCol="0">
-            <a:spAutoFit/>
-          </a:bodyPr>
-          <a:lstStyle/>
-          <a:p>
-            <a:pPr algn="ctr"/>
-            <a:r>
-              <a:rPr lang="de-DE" sz="4400" b="1" dirty="0" smtClean="0"/>
-              <a:t>1. </a:t>
-            </a:r>
-            <a:r>
-              <a:rPr lang="de-DE" sz="4400" b="1" dirty="0" err="1" smtClean="0"/>
-              <a:t>Simplify</a:t>
-            </a:r>
-            <a:r>
-              <a:rPr lang="de-DE" sz="4400" b="1" dirty="0" smtClean="0"/>
-              <a:t> </a:t>
-            </a:r>
-          </a:p>
-          <a:p>
-            <a:pPr algn="ctr"/>
-            <a:r>
-              <a:rPr lang="de-DE" sz="4400" b="1" dirty="0" smtClean="0"/>
-              <a:t>Software </a:t>
-            </a:r>
-            <a:r>
-              <a:rPr lang="de-DE" sz="4400" b="1" dirty="0" err="1" smtClean="0"/>
-              <a:t>Component</a:t>
-            </a:r>
-            <a:r>
-              <a:rPr lang="de-DE" sz="4400" b="1" dirty="0" smtClean="0"/>
-              <a:t> </a:t>
-            </a:r>
-            <a:r>
-              <a:rPr lang="de-DE" sz="4400" b="1" dirty="0" err="1" smtClean="0"/>
-              <a:t>Specification</a:t>
-            </a:r>
-            <a:r>
-              <a:rPr lang="de-DE" sz="4400" b="1" dirty="0" smtClean="0"/>
-              <a:t> </a:t>
-            </a:r>
-            <a:endParaRPr lang="de-DE" sz="4400" b="1" dirty="0"/>
-          </a:p>
-        </p:txBody>
-      </p:sp>
-    </p:spTree>
-  </p:cSld>
-  <p:clrMapOvr>
-    <a:masterClrMapping/>
-  </p:clrMapOvr>
-  <p:timing>
-    <p:tnLst>
-      <p:par>
-        <p:cTn id="1" dur="indefinite" restart="never" nodeType="tmRoot"/>
-      </p:par>
-    </p:tnLst>
-  </p:timing>
-</p:sld>
-</file>
-
 <file path=ppt/slides/slide31.xml><?xml version="1.0" encoding="utf-8"?>
 <p:sld xmlns:a="http://schemas.openxmlformats.org/drawingml/2006/main" xmlns:r="http://schemas.openxmlformats.org/officeDocument/2006/relationships" xmlns:p="http://schemas.openxmlformats.org/presentationml/2006/main">
   <p:cSld>
@@ -24785,6 +25121,252 @@
               <a:rPr lang="en-GB" noProof="0" smtClean="0"/>
               <a:pPr/>
               <a:t>31</a:t>
+            </a:fld>
+            <a:endParaRPr lang="en-GB" noProof="0" dirty="0"/>
+          </a:p>
+        </p:txBody>
+      </p:sp>
+      <p:sp>
+        <p:nvSpPr>
+          <p:cNvPr id="8" name="Textplatzhalter 3"/>
+          <p:cNvSpPr>
+            <a:spLocks noGrp="1"/>
+          </p:cNvSpPr>
+          <p:nvPr>
+            <p:ph type="body" sz="quarter" idx="13"/>
+          </p:nvPr>
+        </p:nvSpPr>
+        <p:spPr>
+          <a:xfrm>
+            <a:off x="465138" y="403226"/>
+            <a:ext cx="11263312" cy="960437"/>
+          </a:xfrm>
+        </p:spPr>
+        <p:txBody>
+          <a:bodyPr/>
+          <a:lstStyle/>
+          <a:p>
+            <a:r>
+              <a:rPr lang="en-GB" dirty="0" smtClean="0"/>
+              <a:t>AUTOSAR methodology.</a:t>
+            </a:r>
+          </a:p>
+          <a:p>
+            <a:r>
+              <a:rPr lang="en-GB" dirty="0" smtClean="0"/>
+              <a:t>Simplification.</a:t>
+            </a:r>
+          </a:p>
+        </p:txBody>
+      </p:sp>
+      <p:sp>
+        <p:nvSpPr>
+          <p:cNvPr id="9" name="Textplatzhalter 4"/>
+          <p:cNvSpPr>
+            <a:spLocks noGrp="1"/>
+          </p:cNvSpPr>
+          <p:nvPr>
+            <p:ph type="body" sz="quarter" idx="14"/>
+          </p:nvPr>
+        </p:nvSpPr>
+        <p:spPr>
+          <a:xfrm>
+            <a:off x="465138" y="1611038"/>
+            <a:ext cx="11263312" cy="4861700"/>
+          </a:xfrm>
+        </p:spPr>
+        <p:txBody>
+          <a:bodyPr/>
+          <a:lstStyle/>
+          <a:p>
+            <a:pPr marL="266700" indent="-266700">
+              <a:spcBef>
+                <a:spcPct val="0"/>
+              </a:spcBef>
+            </a:pPr>
+            <a:endParaRPr lang="en-US" dirty="0" smtClean="0">
+              <a:ea typeface="ＭＳ Ｐゴシック" charset="-128"/>
+            </a:endParaRPr>
+          </a:p>
+          <a:p>
+            <a:pPr marL="266700" indent="-266700">
+              <a:spcBef>
+                <a:spcPct val="0"/>
+              </a:spcBef>
+              <a:buFont typeface="Symbol" pitchFamily="18" charset="2"/>
+              <a:buChar char="-"/>
+            </a:pPr>
+            <a:endParaRPr lang="en-US" dirty="0">
+              <a:ea typeface="ＭＳ Ｐゴシック" charset="-128"/>
+            </a:endParaRPr>
+          </a:p>
+          <a:p>
+            <a:pPr>
+              <a:buFontTx/>
+              <a:buChar char="-"/>
+            </a:pPr>
+            <a:endParaRPr lang="en-US" dirty="0" smtClean="0"/>
+          </a:p>
+          <a:p>
+            <a:endParaRPr lang="de-DE" dirty="0"/>
+          </a:p>
+        </p:txBody>
+      </p:sp>
+      <p:sp>
+        <p:nvSpPr>
+          <p:cNvPr id="10" name="TextBox 9"/>
+          <p:cNvSpPr txBox="1"/>
+          <p:nvPr/>
+        </p:nvSpPr>
+        <p:spPr>
+          <a:xfrm>
+            <a:off x="9071" y="2407438"/>
+            <a:ext cx="9134929" cy="1446550"/>
+          </a:xfrm>
+          <a:prstGeom prst="rect">
+            <a:avLst/>
+          </a:prstGeom>
+          <a:noFill/>
+        </p:spPr>
+        <p:txBody>
+          <a:bodyPr wrap="square" rtlCol="0">
+            <a:spAutoFit/>
+          </a:bodyPr>
+          <a:lstStyle/>
+          <a:p>
+            <a:pPr algn="ctr"/>
+            <a:r>
+              <a:rPr lang="de-DE" sz="4400" b="1" dirty="0" smtClean="0"/>
+              <a:t>1. </a:t>
+            </a:r>
+            <a:r>
+              <a:rPr lang="de-DE" sz="4400" b="1" dirty="0" err="1" smtClean="0"/>
+              <a:t>Simplify</a:t>
+            </a:r>
+            <a:r>
+              <a:rPr lang="de-DE" sz="4400" b="1" dirty="0" smtClean="0"/>
+              <a:t> </a:t>
+            </a:r>
+          </a:p>
+          <a:p>
+            <a:pPr algn="ctr"/>
+            <a:r>
+              <a:rPr lang="de-DE" sz="4400" b="1" dirty="0" smtClean="0"/>
+              <a:t>Software </a:t>
+            </a:r>
+            <a:r>
+              <a:rPr lang="de-DE" sz="4400" b="1" dirty="0" err="1" smtClean="0"/>
+              <a:t>Component</a:t>
+            </a:r>
+            <a:r>
+              <a:rPr lang="de-DE" sz="4400" b="1" dirty="0" smtClean="0"/>
+              <a:t> </a:t>
+            </a:r>
+            <a:r>
+              <a:rPr lang="de-DE" sz="4400" b="1" dirty="0" err="1" smtClean="0"/>
+              <a:t>Specification</a:t>
+            </a:r>
+            <a:r>
+              <a:rPr lang="de-DE" sz="4400" b="1" dirty="0" smtClean="0"/>
+              <a:t> </a:t>
+            </a:r>
+            <a:endParaRPr lang="de-DE" sz="4400" b="1" dirty="0"/>
+          </a:p>
+        </p:txBody>
+      </p:sp>
+    </p:spTree>
+  </p:cSld>
+  <p:clrMapOvr>
+    <a:masterClrMapping/>
+  </p:clrMapOvr>
+  <p:timing>
+    <p:tnLst>
+      <p:par>
+        <p:cTn xmlns:p14="http://schemas.microsoft.com/office/powerpoint/2010/main" id="1" dur="indefinite" restart="never" nodeType="tmRoot"/>
+      </p:par>
+    </p:tnLst>
+  </p:timing>
+</p:sld>
+</file>
+
+<file path=ppt/slides/slide32.xml><?xml version="1.0" encoding="utf-8"?>
+<p:sld xmlns:a="http://schemas.openxmlformats.org/drawingml/2006/main" xmlns:r="http://schemas.openxmlformats.org/officeDocument/2006/relationships" xmlns:p="http://schemas.openxmlformats.org/presentationml/2006/main">
+  <p:cSld>
+    <p:spTree>
+      <p:nvGrpSpPr>
+        <p:cNvPr id="1" name=""/>
+        <p:cNvGrpSpPr/>
+        <p:nvPr/>
+      </p:nvGrpSpPr>
+      <p:grpSpPr>
+        <a:xfrm>
+          <a:off x="0" y="0"/>
+          <a:ext cx="0" cy="0"/>
+          <a:chOff x="0" y="0"/>
+          <a:chExt cx="0" cy="0"/>
+        </a:xfrm>
+      </p:grpSpPr>
+      <p:sp>
+        <p:nvSpPr>
+          <p:cNvPr id="6" name="Fußzeilenplatzhalter 1"/>
+          <p:cNvSpPr>
+            <a:spLocks noGrp="1"/>
+          </p:cNvSpPr>
+          <p:nvPr>
+            <p:ph type="ftr" sz="quarter" idx="10"/>
+          </p:nvPr>
+        </p:nvSpPr>
+        <p:spPr>
+          <a:xfrm>
+            <a:off x="465138" y="6508573"/>
+            <a:ext cx="4021247" cy="331787"/>
+          </a:xfrm>
+        </p:spPr>
+        <p:txBody>
+          <a:bodyPr/>
+          <a:lstStyle/>
+          <a:p>
+            <a:pPr algn="l"/>
+            <a:r>
+              <a:rPr lang="de-DE" dirty="0" err="1" smtClean="0"/>
+              <a:t>mbeddr</a:t>
+            </a:r>
+            <a:r>
+              <a:rPr lang="de-DE" dirty="0" smtClean="0"/>
+              <a:t>, 29.10.2013</a:t>
+            </a:r>
+            <a:endParaRPr lang="de-DE" dirty="0"/>
+          </a:p>
+        </p:txBody>
+      </p:sp>
+      <p:sp>
+        <p:nvSpPr>
+          <p:cNvPr id="7" name="Foliennummernplatzhalter 2"/>
+          <p:cNvSpPr>
+            <a:spLocks noGrp="1"/>
+          </p:cNvSpPr>
+          <p:nvPr>
+            <p:ph type="sldNum" sz="quarter" idx="11"/>
+          </p:nvPr>
+        </p:nvSpPr>
+        <p:spPr>
+          <a:xfrm>
+            <a:off x="6048138" y="6528870"/>
+            <a:ext cx="2988574" cy="329130"/>
+          </a:xfrm>
+        </p:spPr>
+        <p:txBody>
+          <a:bodyPr/>
+          <a:lstStyle/>
+          <a:p>
+            <a:r>
+              <a:rPr lang="en-GB" noProof="0" smtClean="0"/>
+              <a:t>Page </a:t>
+            </a:r>
+            <a:fld id="{AA807A42-CF27-4B84-8583-18EBE418342E}" type="slidenum">
+              <a:rPr lang="en-GB" noProof="0" smtClean="0"/>
+              <a:pPr/>
+              <a:t>32</a:t>
             </a:fld>
             <a:endParaRPr lang="en-GB" noProof="0" dirty="0"/>
           </a:p>
@@ -24984,7 +25566,7 @@
   <p:timing>
     <p:tnLst>
       <p:par>
-        <p:cTn id="1" dur="indefinite" restart="never" nodeType="tmRoot">
+        <p:cTn xmlns:p14="http://schemas.microsoft.com/office/powerpoint/2010/main" id="1" dur="indefinite" restart="never" nodeType="tmRoot">
           <p:childTnLst>
             <p:seq concurrent="1" nextAc="seek">
               <p:cTn id="2" dur="indefinite" nodeType="mainSeq">
@@ -25105,7 +25687,7 @@
 </p:sld>
 </file>
 
-<file path=ppt/slides/slide32.xml><?xml version="1.0" encoding="utf-8"?>
+<file path=ppt/slides/slide33.xml><?xml version="1.0" encoding="utf-8"?>
 <p:sld xmlns:a="http://schemas.openxmlformats.org/drawingml/2006/main" xmlns:r="http://schemas.openxmlformats.org/officeDocument/2006/relationships" xmlns:p="http://schemas.openxmlformats.org/presentationml/2006/main">
   <p:cSld>
     <p:spTree>
@@ -25182,7 +25764,7 @@
             <a:fld id="{AA807A42-CF27-4B84-8583-18EBE418342E}" type="slidenum">
               <a:rPr lang="en-GB" noProof="0" smtClean="0"/>
               <a:pPr/>
-              <a:t>32</a:t>
+              <a:t>33</a:t>
             </a:fld>
             <a:endParaRPr lang="en-GB" noProof="0" dirty="0"/>
           </a:p>
@@ -25523,7 +26105,7 @@
   <p:timing>
     <p:tnLst>
       <p:par>
-        <p:cTn id="1" dur="indefinite" restart="never" nodeType="tmRoot">
+        <p:cTn xmlns:p14="http://schemas.microsoft.com/office/powerpoint/2010/main" id="1" dur="indefinite" restart="never" nodeType="tmRoot">
           <p:childTnLst>
             <p:seq concurrent="1" nextAc="seek">
               <p:cTn id="2" dur="indefinite" nodeType="mainSeq">
@@ -25770,252 +26352,6 @@
 </p:sld>
 </file>
 
-<file path=ppt/slides/slide33.xml><?xml version="1.0" encoding="utf-8"?>
-<p:sld xmlns:a="http://schemas.openxmlformats.org/drawingml/2006/main" xmlns:r="http://schemas.openxmlformats.org/officeDocument/2006/relationships" xmlns:p="http://schemas.openxmlformats.org/presentationml/2006/main">
-  <p:cSld>
-    <p:spTree>
-      <p:nvGrpSpPr>
-        <p:cNvPr id="1" name=""/>
-        <p:cNvGrpSpPr/>
-        <p:nvPr/>
-      </p:nvGrpSpPr>
-      <p:grpSpPr>
-        <a:xfrm>
-          <a:off x="0" y="0"/>
-          <a:ext cx="0" cy="0"/>
-          <a:chOff x="0" y="0"/>
-          <a:chExt cx="0" cy="0"/>
-        </a:xfrm>
-      </p:grpSpPr>
-      <p:sp>
-        <p:nvSpPr>
-          <p:cNvPr id="6" name="Fußzeilenplatzhalter 1"/>
-          <p:cNvSpPr>
-            <a:spLocks noGrp="1"/>
-          </p:cNvSpPr>
-          <p:nvPr>
-            <p:ph type="ftr" sz="quarter" idx="10"/>
-          </p:nvPr>
-        </p:nvSpPr>
-        <p:spPr>
-          <a:xfrm>
-            <a:off x="465138" y="6508573"/>
-            <a:ext cx="4021247" cy="331787"/>
-          </a:xfrm>
-        </p:spPr>
-        <p:txBody>
-          <a:bodyPr/>
-          <a:lstStyle/>
-          <a:p>
-            <a:pPr algn="l"/>
-            <a:r>
-              <a:rPr lang="de-DE" dirty="0" err="1" smtClean="0"/>
-              <a:t>mbeddr</a:t>
-            </a:r>
-            <a:r>
-              <a:rPr lang="de-DE" dirty="0" smtClean="0"/>
-              <a:t>, 29.10.2013</a:t>
-            </a:r>
-            <a:endParaRPr lang="de-DE" dirty="0"/>
-          </a:p>
-        </p:txBody>
-      </p:sp>
-      <p:sp>
-        <p:nvSpPr>
-          <p:cNvPr id="7" name="Foliennummernplatzhalter 2"/>
-          <p:cNvSpPr>
-            <a:spLocks noGrp="1"/>
-          </p:cNvSpPr>
-          <p:nvPr>
-            <p:ph type="sldNum" sz="quarter" idx="11"/>
-          </p:nvPr>
-        </p:nvSpPr>
-        <p:spPr>
-          <a:xfrm>
-            <a:off x="6048138" y="6528870"/>
-            <a:ext cx="2988574" cy="329130"/>
-          </a:xfrm>
-        </p:spPr>
-        <p:txBody>
-          <a:bodyPr/>
-          <a:lstStyle/>
-          <a:p>
-            <a:r>
-              <a:rPr lang="en-GB" noProof="0" smtClean="0"/>
-              <a:t>Page </a:t>
-            </a:r>
-            <a:fld id="{AA807A42-CF27-4B84-8583-18EBE418342E}" type="slidenum">
-              <a:rPr lang="en-GB" noProof="0" smtClean="0"/>
-              <a:pPr/>
-              <a:t>33</a:t>
-            </a:fld>
-            <a:endParaRPr lang="en-GB" noProof="0" dirty="0"/>
-          </a:p>
-        </p:txBody>
-      </p:sp>
-      <p:sp>
-        <p:nvSpPr>
-          <p:cNvPr id="8" name="Textplatzhalter 3"/>
-          <p:cNvSpPr>
-            <a:spLocks noGrp="1"/>
-          </p:cNvSpPr>
-          <p:nvPr>
-            <p:ph type="body" sz="quarter" idx="13"/>
-          </p:nvPr>
-        </p:nvSpPr>
-        <p:spPr>
-          <a:xfrm>
-            <a:off x="465138" y="403226"/>
-            <a:ext cx="11263312" cy="960437"/>
-          </a:xfrm>
-        </p:spPr>
-        <p:txBody>
-          <a:bodyPr/>
-          <a:lstStyle/>
-          <a:p>
-            <a:r>
-              <a:rPr lang="en-GB" dirty="0" smtClean="0"/>
-              <a:t>AUTOSAR methodology.</a:t>
-            </a:r>
-          </a:p>
-          <a:p>
-            <a:r>
-              <a:rPr lang="en-GB" dirty="0" smtClean="0"/>
-              <a:t>Simplification.</a:t>
-            </a:r>
-          </a:p>
-        </p:txBody>
-      </p:sp>
-      <p:sp>
-        <p:nvSpPr>
-          <p:cNvPr id="9" name="Textplatzhalter 4"/>
-          <p:cNvSpPr>
-            <a:spLocks noGrp="1"/>
-          </p:cNvSpPr>
-          <p:nvPr>
-            <p:ph type="body" sz="quarter" idx="14"/>
-          </p:nvPr>
-        </p:nvSpPr>
-        <p:spPr>
-          <a:xfrm>
-            <a:off x="465138" y="1611038"/>
-            <a:ext cx="11263312" cy="4861700"/>
-          </a:xfrm>
-        </p:spPr>
-        <p:txBody>
-          <a:bodyPr/>
-          <a:lstStyle/>
-          <a:p>
-            <a:pPr marL="266700" indent="-266700">
-              <a:spcBef>
-                <a:spcPct val="0"/>
-              </a:spcBef>
-            </a:pPr>
-            <a:endParaRPr lang="en-US" dirty="0" smtClean="0">
-              <a:ea typeface="ＭＳ Ｐゴシック" charset="-128"/>
-            </a:endParaRPr>
-          </a:p>
-          <a:p>
-            <a:pPr marL="266700" indent="-266700">
-              <a:spcBef>
-                <a:spcPct val="0"/>
-              </a:spcBef>
-              <a:buFont typeface="Symbol" pitchFamily="18" charset="2"/>
-              <a:buChar char="-"/>
-            </a:pPr>
-            <a:endParaRPr lang="en-US" dirty="0">
-              <a:ea typeface="ＭＳ Ｐゴシック" charset="-128"/>
-            </a:endParaRPr>
-          </a:p>
-          <a:p>
-            <a:pPr>
-              <a:buFontTx/>
-              <a:buChar char="-"/>
-            </a:pPr>
-            <a:endParaRPr lang="en-US" dirty="0" smtClean="0"/>
-          </a:p>
-          <a:p>
-            <a:endParaRPr lang="de-DE" dirty="0"/>
-          </a:p>
-        </p:txBody>
-      </p:sp>
-      <p:sp>
-        <p:nvSpPr>
-          <p:cNvPr id="10" name="TextBox 9"/>
-          <p:cNvSpPr txBox="1"/>
-          <p:nvPr/>
-        </p:nvSpPr>
-        <p:spPr>
-          <a:xfrm>
-            <a:off x="9071" y="2407438"/>
-            <a:ext cx="9134929" cy="1446550"/>
-          </a:xfrm>
-          <a:prstGeom prst="rect">
-            <a:avLst/>
-          </a:prstGeom>
-          <a:noFill/>
-        </p:spPr>
-        <p:txBody>
-          <a:bodyPr wrap="square" rtlCol="0">
-            <a:spAutoFit/>
-          </a:bodyPr>
-          <a:lstStyle/>
-          <a:p>
-            <a:pPr algn="ctr"/>
-            <a:r>
-              <a:rPr lang="de-DE" sz="4400" b="1" dirty="0" smtClean="0"/>
-              <a:t>2. </a:t>
-            </a:r>
-            <a:r>
-              <a:rPr lang="de-DE" sz="4400" b="1" dirty="0" err="1" smtClean="0"/>
-              <a:t>Simplify</a:t>
-            </a:r>
-            <a:r>
-              <a:rPr lang="de-DE" sz="4400" b="1" dirty="0" smtClean="0"/>
-              <a:t> </a:t>
-            </a:r>
-          </a:p>
-          <a:p>
-            <a:pPr algn="ctr"/>
-            <a:r>
-              <a:rPr lang="de-DE" sz="4400" b="1" dirty="0" smtClean="0"/>
-              <a:t>Software </a:t>
-            </a:r>
-            <a:r>
-              <a:rPr lang="de-DE" sz="4400" b="1" dirty="0" err="1" smtClean="0"/>
-              <a:t>Component</a:t>
-            </a:r>
-            <a:r>
-              <a:rPr lang="de-DE" sz="4400" b="1" dirty="0" smtClean="0"/>
-              <a:t> </a:t>
-            </a:r>
-            <a:r>
-              <a:rPr lang="de-DE" sz="4400" b="1" dirty="0" err="1" smtClean="0"/>
-              <a:t>Implementation</a:t>
-            </a:r>
-            <a:r>
-              <a:rPr lang="de-DE" sz="4400" b="1" dirty="0" smtClean="0"/>
-              <a:t> </a:t>
-            </a:r>
-            <a:endParaRPr lang="de-DE" sz="4400" b="1" dirty="0"/>
-          </a:p>
-        </p:txBody>
-      </p:sp>
-    </p:spTree>
-  </p:cSld>
-  <p:clrMapOvr>
-    <a:masterClrMapping/>
-  </p:clrMapOvr>
-  <p:timing>
-    <p:tnLst>
-      <p:par>
-        <p:cTn id="1" dur="indefinite" restart="never" nodeType="tmRoot"/>
-      </p:par>
-    </p:tnLst>
-  </p:timing>
-</p:sld>
-</file>
-
 <file path=ppt/slides/slide34.xml><?xml version="1.0" encoding="utf-8"?>
 <p:sld xmlns:a="http://schemas.openxmlformats.org/drawingml/2006/main" xmlns:r="http://schemas.openxmlformats.org/officeDocument/2006/relationships" xmlns:p="http://schemas.openxmlformats.org/presentationml/2006/main">
   <p:cSld>
@@ -26210,19 +26546,26 @@
             <a:pPr algn="ctr"/>
             <a:r>
               <a:rPr lang="de-DE" sz="4400" b="1" dirty="0" smtClean="0"/>
-              <a:t>Do </a:t>
+              <a:t>2. </a:t>
             </a:r>
             <a:r>
               <a:rPr lang="de-DE" sz="4400" b="1" dirty="0" err="1" smtClean="0"/>
-              <a:t>we</a:t>
+              <a:t>Simplify</a:t>
             </a:r>
             <a:r>
               <a:rPr lang="de-DE" sz="4400" b="1" dirty="0" smtClean="0"/>
               <a:t> </a:t>
             </a:r>
+          </a:p>
+          <a:p>
+            <a:pPr algn="ctr"/>
+            <a:r>
+              <a:rPr lang="de-DE" sz="4400" b="1" dirty="0" smtClean="0"/>
+              <a:t>Software </a:t>
+            </a:r>
             <a:r>
               <a:rPr lang="de-DE" sz="4400" b="1" dirty="0" err="1" smtClean="0"/>
-              <a:t>really</a:t>
+              <a:t>Component</a:t>
             </a:r>
             <a:r>
               <a:rPr lang="de-DE" sz="4400" b="1" dirty="0" smtClean="0"/>
@@ -26230,59 +26573,11 @@
             </a:r>
             <a:r>
               <a:rPr lang="de-DE" sz="4400" b="1" dirty="0" err="1" smtClean="0"/>
-              <a:t>need</a:t>
+              <a:t>Implementation</a:t>
             </a:r>
             <a:r>
               <a:rPr lang="de-DE" sz="4400" b="1" dirty="0" smtClean="0"/>
               <a:t> </a:t>
-            </a:r>
-            <a:r>
-              <a:rPr lang="de-DE" sz="4400" b="1" dirty="0" err="1" smtClean="0"/>
-              <a:t>to</a:t>
-            </a:r>
-            <a:r>
-              <a:rPr lang="de-DE" sz="4400" b="1" dirty="0" smtClean="0"/>
-              <a:t> </a:t>
-            </a:r>
-            <a:r>
-              <a:rPr lang="de-DE" sz="4400" b="1" dirty="0" err="1" smtClean="0"/>
-              <a:t>know</a:t>
-            </a:r>
-            <a:r>
-              <a:rPr lang="de-DE" sz="4400" b="1" dirty="0" smtClean="0"/>
-              <a:t> </a:t>
-            </a:r>
-            <a:r>
-              <a:rPr lang="de-DE" sz="4400" b="1" dirty="0" err="1" smtClean="0"/>
-              <a:t>which</a:t>
-            </a:r>
-            <a:r>
-              <a:rPr lang="de-DE" sz="4400" b="1" dirty="0" smtClean="0"/>
-              <a:t> </a:t>
-            </a:r>
-            <a:r>
-              <a:rPr lang="de-DE" sz="4400" b="1" dirty="0" err="1" smtClean="0"/>
-              <a:t>middleware</a:t>
-            </a:r>
-            <a:r>
-              <a:rPr lang="de-DE" sz="4400" b="1" dirty="0" smtClean="0"/>
-              <a:t> </a:t>
-            </a:r>
-            <a:r>
-              <a:rPr lang="de-DE" sz="4400" b="1" dirty="0" err="1" smtClean="0"/>
-              <a:t>is</a:t>
-            </a:r>
-            <a:r>
-              <a:rPr lang="de-DE" sz="4400" b="1" dirty="0" smtClean="0"/>
-              <a:t> </a:t>
-            </a:r>
-            <a:r>
-              <a:rPr lang="de-DE" sz="4400" b="1" dirty="0" err="1" smtClean="0"/>
-              <a:t>used</a:t>
-            </a:r>
-            <a:r>
-              <a:rPr lang="de-DE" sz="4400" b="1" dirty="0" smtClean="0"/>
-              <a:t>?</a:t>
             </a:r>
             <a:endParaRPr lang="de-DE" sz="4400" b="1" dirty="0"/>
           </a:p>
@@ -26296,7 +26591,7 @@
   <p:timing>
     <p:tnLst>
       <p:par>
-        <p:cTn id="1" dur="indefinite" restart="never" nodeType="tmRoot"/>
+        <p:cTn xmlns:p14="http://schemas.microsoft.com/office/powerpoint/2010/main" id="1" dur="indefinite" restart="never" nodeType="tmRoot"/>
       </p:par>
     </p:tnLst>
   </p:timing>
@@ -26381,6 +26676,293 @@
               <a:rPr lang="en-GB" noProof="0" smtClean="0"/>
               <a:pPr/>
               <a:t>35</a:t>
+            </a:fld>
+            <a:endParaRPr lang="en-GB" noProof="0" dirty="0"/>
+          </a:p>
+        </p:txBody>
+      </p:sp>
+      <p:sp>
+        <p:nvSpPr>
+          <p:cNvPr id="8" name="Textplatzhalter 3"/>
+          <p:cNvSpPr>
+            <a:spLocks noGrp="1"/>
+          </p:cNvSpPr>
+          <p:nvPr>
+            <p:ph type="body" sz="quarter" idx="13"/>
+          </p:nvPr>
+        </p:nvSpPr>
+        <p:spPr>
+          <a:xfrm>
+            <a:off x="465138" y="403226"/>
+            <a:ext cx="11263312" cy="960437"/>
+          </a:xfrm>
+        </p:spPr>
+        <p:txBody>
+          <a:bodyPr/>
+          <a:lstStyle/>
+          <a:p>
+            <a:r>
+              <a:rPr lang="en-GB" dirty="0" smtClean="0"/>
+              <a:t>AUTOSAR methodology.</a:t>
+            </a:r>
+          </a:p>
+          <a:p>
+            <a:r>
+              <a:rPr lang="en-GB" dirty="0" smtClean="0"/>
+              <a:t>Simplification.</a:t>
+            </a:r>
+          </a:p>
+        </p:txBody>
+      </p:sp>
+      <p:sp>
+        <p:nvSpPr>
+          <p:cNvPr id="9" name="Textplatzhalter 4"/>
+          <p:cNvSpPr>
+            <a:spLocks noGrp="1"/>
+          </p:cNvSpPr>
+          <p:nvPr>
+            <p:ph type="body" sz="quarter" idx="14"/>
+          </p:nvPr>
+        </p:nvSpPr>
+        <p:spPr>
+          <a:xfrm>
+            <a:off x="465138" y="1611038"/>
+            <a:ext cx="11263312" cy="4861700"/>
+          </a:xfrm>
+        </p:spPr>
+        <p:txBody>
+          <a:bodyPr/>
+          <a:lstStyle/>
+          <a:p>
+            <a:pPr marL="266700" indent="-266700">
+              <a:spcBef>
+                <a:spcPct val="0"/>
+              </a:spcBef>
+            </a:pPr>
+            <a:endParaRPr lang="en-US" dirty="0" smtClean="0">
+              <a:ea typeface="ＭＳ Ｐゴシック" charset="-128"/>
+            </a:endParaRPr>
+          </a:p>
+          <a:p>
+            <a:pPr marL="266700" indent="-266700">
+              <a:spcBef>
+                <a:spcPct val="0"/>
+              </a:spcBef>
+              <a:buFont typeface="Symbol" pitchFamily="18" charset="2"/>
+              <a:buChar char="-"/>
+            </a:pPr>
+            <a:endParaRPr lang="en-US" dirty="0">
+              <a:ea typeface="ＭＳ Ｐゴシック" charset="-128"/>
+            </a:endParaRPr>
+          </a:p>
+          <a:p>
+            <a:pPr>
+              <a:buFontTx/>
+              <a:buChar char="-"/>
+            </a:pPr>
+            <a:endParaRPr lang="en-US" dirty="0" smtClean="0"/>
+          </a:p>
+          <a:p>
+            <a:endParaRPr lang="de-DE" dirty="0"/>
+          </a:p>
+        </p:txBody>
+      </p:sp>
+      <p:sp>
+        <p:nvSpPr>
+          <p:cNvPr id="10" name="TextBox 9"/>
+          <p:cNvSpPr txBox="1"/>
+          <p:nvPr/>
+        </p:nvSpPr>
+        <p:spPr>
+          <a:xfrm>
+            <a:off x="9071" y="2407438"/>
+            <a:ext cx="9134929" cy="1446550"/>
+          </a:xfrm>
+          <a:prstGeom prst="rect">
+            <a:avLst/>
+          </a:prstGeom>
+          <a:noFill/>
+        </p:spPr>
+        <p:txBody>
+          <a:bodyPr wrap="square" rtlCol="0">
+            <a:spAutoFit/>
+          </a:bodyPr>
+          <a:lstStyle/>
+          <a:p>
+            <a:pPr algn="ctr"/>
+            <a:r>
+              <a:rPr lang="de-DE" sz="4400" b="1" dirty="0" smtClean="0"/>
+              <a:t>Do </a:t>
+            </a:r>
+            <a:r>
+              <a:rPr lang="de-DE" sz="4400" b="1" dirty="0" err="1" smtClean="0"/>
+              <a:t>we</a:t>
+            </a:r>
+            <a:r>
+              <a:rPr lang="de-DE" sz="4400" b="1" dirty="0" smtClean="0"/>
+              <a:t> </a:t>
+            </a:r>
+            <a:r>
+              <a:rPr lang="de-DE" sz="4400" b="1" dirty="0" err="1" smtClean="0"/>
+              <a:t>really</a:t>
+            </a:r>
+            <a:r>
+              <a:rPr lang="de-DE" sz="4400" b="1" dirty="0" smtClean="0"/>
+              <a:t> </a:t>
+            </a:r>
+            <a:r>
+              <a:rPr lang="de-DE" sz="4400" b="1" dirty="0" err="1" smtClean="0"/>
+              <a:t>need</a:t>
+            </a:r>
+            <a:r>
+              <a:rPr lang="de-DE" sz="4400" b="1" dirty="0" smtClean="0"/>
+              <a:t> </a:t>
+            </a:r>
+            <a:r>
+              <a:rPr lang="de-DE" sz="4400" b="1" dirty="0" err="1" smtClean="0"/>
+              <a:t>to</a:t>
+            </a:r>
+            <a:r>
+              <a:rPr lang="de-DE" sz="4400" b="1" dirty="0" smtClean="0"/>
+              <a:t> </a:t>
+            </a:r>
+            <a:r>
+              <a:rPr lang="de-DE" sz="4400" b="1" dirty="0" err="1" smtClean="0"/>
+              <a:t>know</a:t>
+            </a:r>
+            <a:r>
+              <a:rPr lang="de-DE" sz="4400" b="1" dirty="0" smtClean="0"/>
+              <a:t> </a:t>
+            </a:r>
+            <a:r>
+              <a:rPr lang="de-DE" sz="4400" b="1" dirty="0" err="1" smtClean="0"/>
+              <a:t>which</a:t>
+            </a:r>
+            <a:r>
+              <a:rPr lang="de-DE" sz="4400" b="1" dirty="0" smtClean="0"/>
+              <a:t> </a:t>
+            </a:r>
+            <a:r>
+              <a:rPr lang="de-DE" sz="4400" b="1" dirty="0" err="1" smtClean="0"/>
+              <a:t>middleware</a:t>
+            </a:r>
+            <a:r>
+              <a:rPr lang="de-DE" sz="4400" b="1" dirty="0" smtClean="0"/>
+              <a:t> </a:t>
+            </a:r>
+            <a:r>
+              <a:rPr lang="de-DE" sz="4400" b="1" dirty="0" err="1" smtClean="0"/>
+              <a:t>is</a:t>
+            </a:r>
+            <a:r>
+              <a:rPr lang="de-DE" sz="4400" b="1" dirty="0" smtClean="0"/>
+              <a:t> </a:t>
+            </a:r>
+            <a:r>
+              <a:rPr lang="de-DE" sz="4400" b="1" dirty="0" err="1" smtClean="0"/>
+              <a:t>used</a:t>
+            </a:r>
+            <a:r>
+              <a:rPr lang="de-DE" sz="4400" b="1" dirty="0" smtClean="0"/>
+              <a:t>?</a:t>
+            </a:r>
+            <a:endParaRPr lang="de-DE" sz="4400" b="1" dirty="0"/>
+          </a:p>
+        </p:txBody>
+      </p:sp>
+    </p:spTree>
+  </p:cSld>
+  <p:clrMapOvr>
+    <a:masterClrMapping/>
+  </p:clrMapOvr>
+  <p:timing>
+    <p:tnLst>
+      <p:par>
+        <p:cTn xmlns:p14="http://schemas.microsoft.com/office/powerpoint/2010/main" id="1" dur="indefinite" restart="never" nodeType="tmRoot"/>
+      </p:par>
+    </p:tnLst>
+  </p:timing>
+</p:sld>
+</file>
+
+<file path=ppt/slides/slide36.xml><?xml version="1.0" encoding="utf-8"?>
+<p:sld xmlns:a="http://schemas.openxmlformats.org/drawingml/2006/main" xmlns:r="http://schemas.openxmlformats.org/officeDocument/2006/relationships" xmlns:p="http://schemas.openxmlformats.org/presentationml/2006/main">
+  <p:cSld>
+    <p:spTree>
+      <p:nvGrpSpPr>
+        <p:cNvPr id="1" name=""/>
+        <p:cNvGrpSpPr/>
+        <p:nvPr/>
+      </p:nvGrpSpPr>
+      <p:grpSpPr>
+        <a:xfrm>
+          <a:off x="0" y="0"/>
+          <a:ext cx="0" cy="0"/>
+          <a:chOff x="0" y="0"/>
+          <a:chExt cx="0" cy="0"/>
+        </a:xfrm>
+      </p:grpSpPr>
+      <p:sp>
+        <p:nvSpPr>
+          <p:cNvPr id="6" name="Fußzeilenplatzhalter 1"/>
+          <p:cNvSpPr>
+            <a:spLocks noGrp="1"/>
+          </p:cNvSpPr>
+          <p:nvPr>
+            <p:ph type="ftr" sz="quarter" idx="10"/>
+          </p:nvPr>
+        </p:nvSpPr>
+        <p:spPr>
+          <a:xfrm>
+            <a:off x="465138" y="6508573"/>
+            <a:ext cx="4021247" cy="331787"/>
+          </a:xfrm>
+        </p:spPr>
+        <p:txBody>
+          <a:bodyPr/>
+          <a:lstStyle/>
+          <a:p>
+            <a:pPr algn="l"/>
+            <a:r>
+              <a:rPr lang="de-DE" dirty="0" err="1" smtClean="0"/>
+              <a:t>mbeddr</a:t>
+            </a:r>
+            <a:r>
+              <a:rPr lang="de-DE" dirty="0" smtClean="0"/>
+              <a:t>, 29.10.2013</a:t>
+            </a:r>
+            <a:endParaRPr lang="de-DE" dirty="0"/>
+          </a:p>
+        </p:txBody>
+      </p:sp>
+      <p:sp>
+        <p:nvSpPr>
+          <p:cNvPr id="7" name="Foliennummernplatzhalter 2"/>
+          <p:cNvSpPr>
+            <a:spLocks noGrp="1"/>
+          </p:cNvSpPr>
+          <p:nvPr>
+            <p:ph type="sldNum" sz="quarter" idx="11"/>
+          </p:nvPr>
+        </p:nvSpPr>
+        <p:spPr>
+          <a:xfrm>
+            <a:off x="6048138" y="6528870"/>
+            <a:ext cx="2988574" cy="329130"/>
+          </a:xfrm>
+        </p:spPr>
+        <p:txBody>
+          <a:bodyPr/>
+          <a:lstStyle/>
+          <a:p>
+            <a:r>
+              <a:rPr lang="en-GB" noProof="0" smtClean="0"/>
+              <a:t>Page </a:t>
+            </a:r>
+            <a:fld id="{AA807A42-CF27-4B84-8583-18EBE418342E}" type="slidenum">
+              <a:rPr lang="en-GB" noProof="0" smtClean="0"/>
+              <a:pPr/>
+              <a:t>36</a:t>
             </a:fld>
             <a:endParaRPr lang="en-GB" noProof="0" dirty="0"/>
           </a:p>
@@ -27390,7 +27972,7 @@
   <p:timing>
     <p:tnLst>
       <p:par>
-        <p:cTn id="1" dur="indefinite" restart="never" nodeType="tmRoot">
+        <p:cTn xmlns:p14="http://schemas.microsoft.com/office/powerpoint/2010/main" id="1" dur="indefinite" restart="never" nodeType="tmRoot">
           <p:childTnLst>
             <p:seq concurrent="1" nextAc="seek">
               <p:cTn id="2" dur="indefinite" nodeType="mainSeq">
@@ -27511,7 +28093,7 @@
 </p:sld>
 </file>
 
-<file path=ppt/slides/slide36.xml><?xml version="1.0" encoding="utf-8"?>
+<file path=ppt/slides/slide37.xml><?xml version="1.0" encoding="utf-8"?>
 <p:sld xmlns:a="http://schemas.openxmlformats.org/drawingml/2006/main" xmlns:r="http://schemas.openxmlformats.org/officeDocument/2006/relationships" xmlns:p="http://schemas.openxmlformats.org/presentationml/2006/main">
   <p:cSld>
     <p:spTree>
@@ -27588,7 +28170,7 @@
             <a:fld id="{AA807A42-CF27-4B84-8583-18EBE418342E}" type="slidenum">
               <a:rPr lang="en-GB" noProof="0" smtClean="0"/>
               <a:pPr/>
-              <a:t>36</a:t>
+              <a:t>37</a:t>
             </a:fld>
             <a:endParaRPr lang="en-GB" noProof="0" dirty="0"/>
           </a:p>
@@ -28138,7 +28720,7 @@
   <p:timing>
     <p:tnLst>
       <p:par>
-        <p:cTn id="1" dur="indefinite" restart="never" nodeType="tmRoot">
+        <p:cTn xmlns:p14="http://schemas.microsoft.com/office/powerpoint/2010/main" id="1" dur="indefinite" restart="never" nodeType="tmRoot">
           <p:childTnLst>
             <p:seq concurrent="1" nextAc="seek">
               <p:cTn id="2" dur="indefinite" nodeType="mainSeq">
@@ -28221,7 +28803,7 @@
 </p:sld>
 </file>
 
-<file path=ppt/slides/slide37.xml><?xml version="1.0" encoding="utf-8"?>
+<file path=ppt/slides/slide38.xml><?xml version="1.0" encoding="utf-8"?>
 <p:sld xmlns:a="http://schemas.openxmlformats.org/drawingml/2006/main" xmlns:r="http://schemas.openxmlformats.org/officeDocument/2006/relationships" xmlns:p="http://schemas.openxmlformats.org/presentationml/2006/main">
   <p:cSld>
     <p:spTree>
@@ -28298,7 +28880,7 @@
             <a:fld id="{AA807A42-CF27-4B84-8583-18EBE418342E}" type="slidenum">
               <a:rPr lang="en-GB" noProof="0" smtClean="0"/>
               <a:pPr/>
-              <a:t>37</a:t>
+              <a:t>38</a:t>
             </a:fld>
             <a:endParaRPr lang="en-GB" noProof="0" dirty="0"/>
           </a:p>
@@ -29086,7 +29668,7 @@
   <p:timing>
     <p:tnLst>
       <p:par>
-        <p:cTn id="1" dur="indefinite" restart="never" nodeType="tmRoot">
+        <p:cTn xmlns:p14="http://schemas.microsoft.com/office/powerpoint/2010/main" id="1" dur="indefinite" restart="never" nodeType="tmRoot">
           <p:childTnLst>
             <p:seq concurrent="1" nextAc="seek">
               <p:cTn id="2" dur="indefinite" nodeType="mainSeq">
@@ -29310,7 +29892,7 @@
 </p:sld>
 </file>
 
-<file path=ppt/slides/slide38.xml><?xml version="1.0" encoding="utf-8"?>
+<file path=ppt/slides/slide39.xml><?xml version="1.0" encoding="utf-8"?>
 <p:sld xmlns:a="http://schemas.openxmlformats.org/drawingml/2006/main" xmlns:r="http://schemas.openxmlformats.org/officeDocument/2006/relationships" xmlns:p="http://schemas.openxmlformats.org/presentationml/2006/main">
   <p:cSld>
     <p:spTree>
@@ -29387,7 +29969,7 @@
             <a:fld id="{AA807A42-CF27-4B84-8583-18EBE418342E}" type="slidenum">
               <a:rPr lang="en-GB" noProof="0" smtClean="0"/>
               <a:pPr/>
-              <a:t>38</a:t>
+              <a:t>39</a:t>
             </a:fld>
             <a:endParaRPr lang="en-GB" noProof="0" dirty="0"/>
           </a:p>
@@ -29618,14 +30200,14 @@
   <p:timing>
     <p:tnLst>
       <p:par>
-        <p:cTn id="1" dur="indefinite" restart="never" nodeType="tmRoot"/>
+        <p:cTn xmlns:p14="http://schemas.microsoft.com/office/powerpoint/2010/main" id="1" dur="indefinite" restart="never" nodeType="tmRoot"/>
       </p:par>
     </p:tnLst>
   </p:timing>
 </p:sld>
 </file>
 
-<file path=ppt/slides/slide39.xml><?xml version="1.0" encoding="utf-8"?>
+<file path=ppt/slides/slide4.xml><?xml version="1.0" encoding="utf-8"?>
 <p:sld xmlns:a="http://schemas.openxmlformats.org/drawingml/2006/main" xmlns:r="http://schemas.openxmlformats.org/officeDocument/2006/relationships" xmlns:p="http://schemas.openxmlformats.org/presentationml/2006/main">
   <p:cSld>
     <p:spTree>
@@ -29644,6 +30226,359 @@
       </p:grpSpPr>
       <p:sp>
         <p:nvSpPr>
+          <p:cNvPr id="2" name="Fußzeilenplatzhalter 1"/>
+          <p:cNvSpPr>
+            <a:spLocks noGrp="1"/>
+          </p:cNvSpPr>
+          <p:nvPr>
+            <p:ph type="ftr" sz="quarter" idx="10"/>
+          </p:nvPr>
+        </p:nvSpPr>
+        <p:spPr/>
+        <p:txBody>
+          <a:bodyPr/>
+          <a:lstStyle/>
+          <a:p>
+            <a:pPr algn="l"/>
+            <a:r>
+              <a:rPr lang="de-DE" dirty="0" err="1" smtClean="0"/>
+              <a:t>mbeddr</a:t>
+            </a:r>
+            <a:r>
+              <a:rPr lang="de-DE" dirty="0" smtClean="0"/>
+              <a:t>, 29.10.2013</a:t>
+            </a:r>
+            <a:endParaRPr lang="de-DE" dirty="0"/>
+          </a:p>
+        </p:txBody>
+      </p:sp>
+      <p:sp>
+        <p:nvSpPr>
+          <p:cNvPr id="3" name="Foliennummernplatzhalter 2"/>
+          <p:cNvSpPr>
+            <a:spLocks noGrp="1"/>
+          </p:cNvSpPr>
+          <p:nvPr>
+            <p:ph type="sldNum" sz="quarter" idx="11"/>
+          </p:nvPr>
+        </p:nvSpPr>
+        <p:spPr/>
+        <p:txBody>
+          <a:bodyPr/>
+          <a:lstStyle/>
+          <a:p>
+            <a:r>
+              <a:rPr lang="en-GB" noProof="0" smtClean="0"/>
+              <a:t>Page </a:t>
+            </a:r>
+            <a:fld id="{AA807A42-CF27-4B84-8583-18EBE418342E}" type="slidenum">
+              <a:rPr lang="en-GB" noProof="0" smtClean="0"/>
+              <a:pPr/>
+              <a:t>4</a:t>
+            </a:fld>
+            <a:endParaRPr lang="en-GB" noProof="0" dirty="0"/>
+          </a:p>
+        </p:txBody>
+      </p:sp>
+      <p:sp>
+        <p:nvSpPr>
+          <p:cNvPr id="6" name="Textplatzhalter 3"/>
+          <p:cNvSpPr>
+            <a:spLocks noGrp="1"/>
+          </p:cNvSpPr>
+          <p:nvPr>
+            <p:ph type="body" sz="quarter" idx="13"/>
+          </p:nvPr>
+        </p:nvSpPr>
+        <p:spPr>
+          <a:xfrm>
+            <a:off x="348763" y="403227"/>
+            <a:ext cx="8445285" cy="960437"/>
+          </a:xfrm>
+        </p:spPr>
+        <p:txBody>
+          <a:bodyPr/>
+          <a:lstStyle/>
+          <a:p>
+            <a:r>
+              <a:rPr lang="en-GB" dirty="0" smtClean="0"/>
+              <a:t>Context.</a:t>
+            </a:r>
+          </a:p>
+          <a:p>
+            <a:r>
+              <a:rPr lang="en-GB" dirty="0" smtClean="0"/>
+              <a:t>What is mbeddr?</a:t>
+            </a:r>
+          </a:p>
+        </p:txBody>
+      </p:sp>
+      <p:sp>
+        <p:nvSpPr>
+          <p:cNvPr id="7" name="Textplatzhalter 4"/>
+          <p:cNvSpPr>
+            <a:spLocks noGrp="1"/>
+          </p:cNvSpPr>
+          <p:nvPr>
+            <p:ph type="body" sz="quarter" idx="14"/>
+          </p:nvPr>
+        </p:nvSpPr>
+        <p:spPr>
+          <a:xfrm>
+            <a:off x="348763" y="1628679"/>
+            <a:ext cx="8445285" cy="4861700"/>
+          </a:xfrm>
+        </p:spPr>
+        <p:txBody>
+          <a:bodyPr/>
+          <a:lstStyle/>
+          <a:p>
+            <a:pPr marL="266700" indent="-266700">
+              <a:spcBef>
+                <a:spcPct val="0"/>
+              </a:spcBef>
+            </a:pPr>
+            <a:endParaRPr lang="en-US" dirty="0" smtClean="0">
+              <a:ea typeface="ＭＳ Ｐゴシック" charset="-128"/>
+            </a:endParaRPr>
+          </a:p>
+          <a:p>
+            <a:pPr marL="266700" indent="-266700">
+              <a:spcBef>
+                <a:spcPct val="0"/>
+              </a:spcBef>
+              <a:buFont typeface="Symbol" pitchFamily="18" charset="2"/>
+              <a:buChar char="-"/>
+            </a:pPr>
+            <a:endParaRPr lang="en-US" dirty="0">
+              <a:ea typeface="ＭＳ Ｐゴシック" charset="-128"/>
+            </a:endParaRPr>
+          </a:p>
+          <a:p>
+            <a:pPr>
+              <a:buFontTx/>
+              <a:buChar char="-"/>
+            </a:pPr>
+            <a:endParaRPr lang="en-US" dirty="0" smtClean="0"/>
+          </a:p>
+          <a:p>
+            <a:endParaRPr lang="de-DE" dirty="0"/>
+          </a:p>
+        </p:txBody>
+      </p:sp>
+      <p:sp>
+        <p:nvSpPr>
+          <p:cNvPr id="9" name="Rechteck 8"/>
+          <p:cNvSpPr/>
+          <p:nvPr/>
+        </p:nvSpPr>
+        <p:spPr>
+          <a:xfrm>
+            <a:off x="1373839" y="2476441"/>
+            <a:ext cx="5993105" cy="216024"/>
+          </a:xfrm>
+          <a:prstGeom prst="rect">
+            <a:avLst/>
+          </a:prstGeom>
+          <a:solidFill>
+            <a:schemeClr val="bg1"/>
+          </a:solidFill>
+          <a:ln>
+            <a:noFill/>
+          </a:ln>
+          <a:effectLst/>
+        </p:spPr>
+        <p:style>
+          <a:lnRef idx="1">
+            <a:schemeClr val="accent1"/>
+          </a:lnRef>
+          <a:fillRef idx="3">
+            <a:schemeClr val="accent1"/>
+          </a:fillRef>
+          <a:effectRef idx="2">
+            <a:schemeClr val="accent1"/>
+          </a:effectRef>
+          <a:fontRef idx="minor">
+            <a:schemeClr val="lt1"/>
+          </a:fontRef>
+        </p:style>
+        <p:txBody>
+          <a:bodyPr rtlCol="0" anchor="ctr"/>
+          <a:lstStyle/>
+          <a:p>
+            <a:pPr algn="ctr"/>
+            <a:endParaRPr lang="de-DE" sz="3200">
+              <a:latin typeface="Calibri"/>
+              <a:cs typeface="Calibri"/>
+            </a:endParaRPr>
+          </a:p>
+        </p:txBody>
+      </p:sp>
+      <p:sp>
+        <p:nvSpPr>
+          <p:cNvPr id="10" name="Titel 1"/>
+          <p:cNvSpPr txBox="1">
+            <a:spLocks/>
+          </p:cNvSpPr>
+          <p:nvPr/>
+        </p:nvSpPr>
+        <p:spPr>
+          <a:xfrm>
+            <a:off x="1319847" y="1324313"/>
+            <a:ext cx="8114861" cy="836712"/>
+          </a:xfrm>
+          <a:prstGeom prst="rect">
+            <a:avLst/>
+          </a:prstGeom>
+        </p:spPr>
+        <p:txBody>
+          <a:bodyPr vert="horz" lIns="91440" tIns="45720" rIns="91440" bIns="45720" rtlCol="0" anchor="ctr">
+            <a:noAutofit/>
+          </a:bodyPr>
+          <a:lstStyle>
+            <a:lvl1pPr algn="ctr" defTabSz="914400" rtl="0" eaLnBrk="1" latinLnBrk="0" hangingPunct="1">
+              <a:spcBef>
+                <a:spcPct val="0"/>
+              </a:spcBef>
+              <a:buNone/>
+              <a:defRPr sz="4400" kern="1200">
+                <a:solidFill>
+                  <a:schemeClr val="tx1"/>
+                </a:solidFill>
+                <a:latin typeface="+mj-lt"/>
+                <a:ea typeface="+mj-ea"/>
+                <a:cs typeface="+mj-cs"/>
+              </a:defRPr>
+            </a:lvl1pPr>
+          </a:lstStyle>
+          <a:p>
+            <a:pPr algn="l"/>
+            <a:r>
+              <a:rPr lang="de-DE" sz="3200" b="1" dirty="0">
+                <a:solidFill>
+                  <a:schemeClr val="tx1">
+                    <a:lumMod val="75000"/>
+                    <a:lumOff val="25000"/>
+                  </a:schemeClr>
+                </a:solidFill>
+                <a:latin typeface="Calibri"/>
+                <a:ea typeface="Verdana" pitchFamily="34" charset="0"/>
+                <a:cs typeface="Calibri"/>
+              </a:rPr>
+              <a:t>An extensible set of integrated </a:t>
+            </a:r>
+            <a:r>
+              <a:rPr lang="de-DE" sz="3200" b="1" dirty="0">
+                <a:solidFill>
+                  <a:srgbClr val="FF0000"/>
+                </a:solidFill>
+                <a:latin typeface="Calibri"/>
+                <a:ea typeface="Verdana" pitchFamily="34" charset="0"/>
+                <a:cs typeface="Calibri"/>
+              </a:rPr>
+              <a:t>languages </a:t>
+            </a:r>
+          </a:p>
+        </p:txBody>
+      </p:sp>
+      <p:sp>
+        <p:nvSpPr>
+          <p:cNvPr id="11" name="Titel 1"/>
+          <p:cNvSpPr txBox="1">
+            <a:spLocks/>
+          </p:cNvSpPr>
+          <p:nvPr/>
+        </p:nvSpPr>
+        <p:spPr>
+          <a:xfrm>
+            <a:off x="1332419" y="1900377"/>
+            <a:ext cx="6559640" cy="836712"/>
+          </a:xfrm>
+          <a:prstGeom prst="rect">
+            <a:avLst/>
+          </a:prstGeom>
+        </p:spPr>
+        <p:txBody>
+          <a:bodyPr vert="horz" lIns="91440" tIns="45720" rIns="91440" bIns="45720" rtlCol="0" anchor="ctr">
+            <a:noAutofit/>
+          </a:bodyPr>
+          <a:lstStyle>
+            <a:lvl1pPr algn="ctr" defTabSz="914400" rtl="0" eaLnBrk="1" latinLnBrk="0" hangingPunct="1">
+              <a:spcBef>
+                <a:spcPct val="0"/>
+              </a:spcBef>
+              <a:buNone/>
+              <a:defRPr sz="4400" kern="1200">
+                <a:solidFill>
+                  <a:schemeClr val="tx1"/>
+                </a:solidFill>
+                <a:latin typeface="+mj-lt"/>
+                <a:ea typeface="+mj-ea"/>
+                <a:cs typeface="+mj-cs"/>
+              </a:defRPr>
+            </a:lvl1pPr>
+          </a:lstStyle>
+          <a:p>
+            <a:pPr algn="l"/>
+            <a:r>
+              <a:rPr lang="de-DE" sz="3200" b="1" dirty="0">
+                <a:solidFill>
+                  <a:schemeClr val="tx1">
+                    <a:lumMod val="75000"/>
+                    <a:lumOff val="25000"/>
+                  </a:schemeClr>
+                </a:solidFill>
+                <a:latin typeface="Calibri"/>
+                <a:ea typeface="Verdana" pitchFamily="34" charset="0"/>
+                <a:cs typeface="Calibri"/>
+              </a:rPr>
+              <a:t>for embedded software engineering. </a:t>
+            </a:r>
+          </a:p>
+        </p:txBody>
+      </p:sp>
+    </p:spTree>
+    <p:extLst>
+      <p:ext uri="{BB962C8B-B14F-4D97-AF65-F5344CB8AC3E}">
+        <p14:creationId xmlns:p14="http://schemas.microsoft.com/office/powerpoint/2010/main" val="3938426385"/>
+      </p:ext>
+    </p:extLst>
+  </p:cSld>
+  <p:clrMapOvr>
+    <a:masterClrMapping/>
+  </p:clrMapOvr>
+  <p:transition xmlns:p14="http://schemas.microsoft.com/office/powerpoint/2010/main">
+    <p:fade/>
+  </p:transition>
+  <p:timing>
+    <p:tnLst>
+      <p:par>
+        <p:cTn xmlns:p14="http://schemas.microsoft.com/office/powerpoint/2010/main" id="1" dur="indefinite" restart="never" nodeType="tmRoot"/>
+      </p:par>
+    </p:tnLst>
+  </p:timing>
+</p:sld>
+</file>
+
+<file path=ppt/slides/slide40.xml><?xml version="1.0" encoding="utf-8"?>
+<p:sld xmlns:a="http://schemas.openxmlformats.org/drawingml/2006/main" xmlns:r="http://schemas.openxmlformats.org/officeDocument/2006/relationships" xmlns:p="http://schemas.openxmlformats.org/presentationml/2006/main">
+  <p:cSld>
+    <p:spTree>
+      <p:nvGrpSpPr>
+        <p:cNvPr id="1" name=""/>
+        <p:cNvGrpSpPr/>
+        <p:nvPr/>
+      </p:nvGrpSpPr>
+      <p:grpSpPr>
+        <a:xfrm>
+          <a:off x="0" y="0"/>
+          <a:ext cx="0" cy="0"/>
+          <a:chOff x="0" y="0"/>
+          <a:chExt cx="0" cy="0"/>
+        </a:xfrm>
+      </p:grpSpPr>
+      <p:sp>
+        <p:nvSpPr>
           <p:cNvPr id="6" name="Fußzeilenplatzhalter 1"/>
           <p:cNvSpPr>
             <a:spLocks noGrp="1"/>
@@ -29702,7 +30637,7 @@
             <a:fld id="{AA807A42-CF27-4B84-8583-18EBE418342E}" type="slidenum">
               <a:rPr lang="en-GB" noProof="0" smtClean="0"/>
               <a:pPr/>
-              <a:t>39</a:t>
+              <a:t>40</a:t>
             </a:fld>
             <a:endParaRPr lang="en-GB" noProof="0" dirty="0"/>
           </a:p>
@@ -30339,7 +31274,7 @@
   <p:timing>
     <p:tnLst>
       <p:par>
-        <p:cTn id="1" dur="indefinite" restart="never" nodeType="tmRoot">
+        <p:cTn xmlns:p14="http://schemas.microsoft.com/office/powerpoint/2010/main" id="1" dur="indefinite" restart="never" nodeType="tmRoot">
           <p:childTnLst>
             <p:seq concurrent="1" nextAc="seek">
               <p:cTn id="2" dur="indefinite" nodeType="mainSeq">
@@ -30602,7 +31537,7 @@
 </p:sld>
 </file>
 
-<file path=ppt/slides/slide4.xml><?xml version="1.0" encoding="utf-8"?>
+<file path=ppt/slides/slide41.xml><?xml version="1.0" encoding="utf-8"?>
 <p:sld xmlns:a="http://schemas.openxmlformats.org/drawingml/2006/main" xmlns:r="http://schemas.openxmlformats.org/officeDocument/2006/relationships" xmlns:p="http://schemas.openxmlformats.org/presentationml/2006/main">
   <p:cSld>
     <p:spTree>
@@ -30621,6 +31556,213 @@
       </p:grpSpPr>
       <p:sp>
         <p:nvSpPr>
+          <p:cNvPr id="6" name="Fußzeilenplatzhalter 1"/>
+          <p:cNvSpPr>
+            <a:spLocks noGrp="1"/>
+          </p:cNvSpPr>
+          <p:nvPr>
+            <p:ph type="ftr" sz="quarter" idx="10"/>
+          </p:nvPr>
+        </p:nvSpPr>
+        <p:spPr>
+          <a:xfrm>
+            <a:off x="465138" y="6508573"/>
+            <a:ext cx="4021247" cy="331787"/>
+          </a:xfrm>
+        </p:spPr>
+        <p:txBody>
+          <a:bodyPr/>
+          <a:lstStyle/>
+          <a:p>
+            <a:pPr algn="l"/>
+            <a:r>
+              <a:rPr lang="de-DE" dirty="0" err="1" smtClean="0"/>
+              <a:t>mbeddr</a:t>
+            </a:r>
+            <a:r>
+              <a:rPr lang="de-DE" dirty="0" smtClean="0"/>
+              <a:t>, 29.10.2013</a:t>
+            </a:r>
+            <a:endParaRPr lang="de-DE" dirty="0"/>
+          </a:p>
+        </p:txBody>
+      </p:sp>
+      <p:sp>
+        <p:nvSpPr>
+          <p:cNvPr id="7" name="Foliennummernplatzhalter 2"/>
+          <p:cNvSpPr>
+            <a:spLocks noGrp="1"/>
+          </p:cNvSpPr>
+          <p:nvPr>
+            <p:ph type="sldNum" sz="quarter" idx="11"/>
+          </p:nvPr>
+        </p:nvSpPr>
+        <p:spPr>
+          <a:xfrm>
+            <a:off x="6048138" y="6528870"/>
+            <a:ext cx="2988574" cy="329130"/>
+          </a:xfrm>
+        </p:spPr>
+        <p:txBody>
+          <a:bodyPr/>
+          <a:lstStyle/>
+          <a:p>
+            <a:r>
+              <a:rPr lang="en-GB" noProof="0" smtClean="0"/>
+              <a:t>Page </a:t>
+            </a:r>
+            <a:fld id="{AA807A42-CF27-4B84-8583-18EBE418342E}" type="slidenum">
+              <a:rPr lang="en-GB" noProof="0" smtClean="0"/>
+              <a:pPr/>
+              <a:t>41</a:t>
+            </a:fld>
+            <a:endParaRPr lang="en-GB" noProof="0" dirty="0"/>
+          </a:p>
+        </p:txBody>
+      </p:sp>
+      <p:sp>
+        <p:nvSpPr>
+          <p:cNvPr id="8" name="Textplatzhalter 3"/>
+          <p:cNvSpPr>
+            <a:spLocks noGrp="1"/>
+          </p:cNvSpPr>
+          <p:nvPr>
+            <p:ph type="body" sz="quarter" idx="13"/>
+          </p:nvPr>
+        </p:nvSpPr>
+        <p:spPr>
+          <a:xfrm>
+            <a:off x="465138" y="403226"/>
+            <a:ext cx="11263312" cy="960437"/>
+          </a:xfrm>
+        </p:spPr>
+        <p:txBody>
+          <a:bodyPr/>
+          <a:lstStyle/>
+          <a:p>
+            <a:r>
+              <a:rPr lang="en-GB" dirty="0" smtClean="0"/>
+              <a:t>Thank you!</a:t>
+            </a:r>
+          </a:p>
+        </p:txBody>
+      </p:sp>
+      <p:sp>
+        <p:nvSpPr>
+          <p:cNvPr id="9" name="Textplatzhalter 4"/>
+          <p:cNvSpPr>
+            <a:spLocks noGrp="1"/>
+          </p:cNvSpPr>
+          <p:nvPr>
+            <p:ph type="body" sz="quarter" idx="14"/>
+          </p:nvPr>
+        </p:nvSpPr>
+        <p:spPr>
+          <a:xfrm>
+            <a:off x="465138" y="1611038"/>
+            <a:ext cx="11263312" cy="4861700"/>
+          </a:xfrm>
+        </p:spPr>
+        <p:txBody>
+          <a:bodyPr/>
+          <a:lstStyle/>
+          <a:p>
+            <a:pPr marL="266700" indent="-266700">
+              <a:spcBef>
+                <a:spcPct val="0"/>
+              </a:spcBef>
+            </a:pPr>
+            <a:endParaRPr lang="en-US" dirty="0" smtClean="0">
+              <a:ea typeface="ＭＳ Ｐゴシック" charset="-128"/>
+            </a:endParaRPr>
+          </a:p>
+          <a:p>
+            <a:pPr marL="266700" indent="-266700">
+              <a:spcBef>
+                <a:spcPct val="0"/>
+              </a:spcBef>
+              <a:buFont typeface="Symbol" pitchFamily="18" charset="2"/>
+              <a:buChar char="-"/>
+            </a:pPr>
+            <a:endParaRPr lang="en-US" dirty="0">
+              <a:ea typeface="ＭＳ Ｐゴシック" charset="-128"/>
+            </a:endParaRPr>
+          </a:p>
+          <a:p>
+            <a:pPr>
+              <a:buFontTx/>
+              <a:buChar char="-"/>
+            </a:pPr>
+            <a:endParaRPr lang="en-US" dirty="0" smtClean="0"/>
+          </a:p>
+          <a:p>
+            <a:endParaRPr lang="de-DE" dirty="0"/>
+          </a:p>
+        </p:txBody>
+      </p:sp>
+      <p:pic>
+        <p:nvPicPr>
+          <p:cNvPr id="11" name="Bild 10" descr="1.pdf"/>
+          <p:cNvPicPr>
+            <a:picLocks noChangeAspect="1"/>
+          </p:cNvPicPr>
+          <p:nvPr/>
+        </p:nvPicPr>
+        <p:blipFill rotWithShape="1">
+          <a:blip r:embed="rId2" cstate="print">
+            <a:extLst>
+              <a:ext uri="{28A0092B-C50C-407E-A947-70E740481C1C}">
+                <a14:useLocalDpi xmlns:a14="http://schemas.microsoft.com/office/drawing/2010/main" val="0"/>
+              </a:ext>
+            </a:extLst>
+          </a:blip>
+          <a:srcRect l="9528" t="21373" r="10398" b="17256"/>
+          <a:stretch/>
+        </p:blipFill>
+        <p:spPr>
+          <a:xfrm>
+            <a:off x="1269836" y="2156259"/>
+            <a:ext cx="6155667" cy="2675371"/>
+          </a:xfrm>
+          <a:prstGeom prst="rect">
+            <a:avLst/>
+          </a:prstGeom>
+        </p:spPr>
+      </p:pic>
+    </p:spTree>
+  </p:cSld>
+  <p:clrMapOvr>
+    <a:masterClrMapping/>
+  </p:clrMapOvr>
+  <p:timing>
+    <p:tnLst>
+      <p:par>
+        <p:cTn xmlns:p14="http://schemas.microsoft.com/office/powerpoint/2010/main" id="1" dur="indefinite" restart="never" nodeType="tmRoot"/>
+      </p:par>
+    </p:tnLst>
+  </p:timing>
+</p:sld>
+</file>
+
+<file path=ppt/slides/slide5.xml><?xml version="1.0" encoding="utf-8"?>
+<p:sld xmlns:a="http://schemas.openxmlformats.org/drawingml/2006/main" xmlns:r="http://schemas.openxmlformats.org/officeDocument/2006/relationships" xmlns:p="http://schemas.openxmlformats.org/presentationml/2006/main">
+  <p:cSld>
+    <p:spTree>
+      <p:nvGrpSpPr>
+        <p:cNvPr id="1" name=""/>
+        <p:cNvGrpSpPr/>
+        <p:nvPr/>
+      </p:nvGrpSpPr>
+      <p:grpSpPr>
+        <a:xfrm>
+          <a:off x="0" y="0"/>
+          <a:ext cx="0" cy="0"/>
+          <a:chOff x="0" y="0"/>
+          <a:chExt cx="0" cy="0"/>
+        </a:xfrm>
+      </p:grpSpPr>
+      <p:sp>
+        <p:nvSpPr>
           <p:cNvPr id="2" name="Fußzeilenplatzhalter 1"/>
           <p:cNvSpPr>
             <a:spLocks noGrp="1"/>
@@ -30669,7 +31811,7 @@
             <a:fld id="{AA807A42-CF27-4B84-8583-18EBE418342E}" type="slidenum">
               <a:rPr lang="en-GB" noProof="0" smtClean="0"/>
               <a:pPr/>
-              <a:t>4</a:t>
+              <a:t>5</a:t>
             </a:fld>
             <a:endParaRPr lang="en-GB" noProof="0" dirty="0"/>
           </a:p>
@@ -30860,7 +32002,7 @@
                 <a:ea typeface="Verdana" pitchFamily="34" charset="0"/>
                 <a:cs typeface="Calibri"/>
               </a:rPr>
-              <a:t>An extensible set of integrated </a:t>
+              <a:t>An extensible set of </a:t>
             </a:r>
             <a:r>
               <a:rPr lang="de-DE" sz="3200" b="1" dirty="0">
@@ -30871,7 +32013,21 @@
                 <a:ea typeface="Verdana" pitchFamily="34" charset="0"/>
                 <a:cs typeface="Calibri"/>
               </a:rPr>
-              <a:t>languages </a:t>
+              <a:t>integrated</a:t>
+            </a:r>
+            <a:r>
+              <a:rPr lang="de-DE" sz="3200" b="1" dirty="0">
+                <a:solidFill>
+                  <a:schemeClr val="tx1">
+                    <a:lumMod val="75000"/>
+                    <a:lumOff val="25000"/>
+                  </a:schemeClr>
+                </a:solidFill>
+                <a:latin typeface="Calibri"/>
+                <a:ea typeface="Verdana" pitchFamily="34" charset="0"/>
+                <a:cs typeface="Calibri"/>
+              </a:rPr>
+              <a:t> languages </a:t>
             </a:r>
           </a:p>
         </p:txBody>
@@ -30935,27 +32091,27 @@
     </p:spTree>
     <p:extLst>
       <p:ext uri="{BB962C8B-B14F-4D97-AF65-F5344CB8AC3E}">
-        <p14:creationId xmlns:p14="http://schemas.microsoft.com/office/powerpoint/2010/main" xmlns="" val="3938426385"/>
+        <p14:creationId xmlns:p14="http://schemas.microsoft.com/office/powerpoint/2010/main" val="144512218"/>
       </p:ext>
     </p:extLst>
   </p:cSld>
   <p:clrMapOvr>
     <a:masterClrMapping/>
   </p:clrMapOvr>
-  <p:transition>
+  <p:transition xmlns:p14="http://schemas.microsoft.com/office/powerpoint/2010/main">
     <p:fade/>
   </p:transition>
   <p:timing>
     <p:tnLst>
       <p:par>
-        <p:cTn id="1" dur="indefinite" restart="never" nodeType="tmRoot"/>
+        <p:cTn xmlns:p14="http://schemas.microsoft.com/office/powerpoint/2010/main" id="1" dur="indefinite" restart="never" nodeType="tmRoot"/>
       </p:par>
     </p:tnLst>
   </p:timing>
 </p:sld>
 </file>
 
-<file path=ppt/slides/slide40.xml><?xml version="1.0" encoding="utf-8"?>
+<file path=ppt/slides/slide6.xml><?xml version="1.0" encoding="utf-8"?>
 <p:sld xmlns:a="http://schemas.openxmlformats.org/drawingml/2006/main" xmlns:r="http://schemas.openxmlformats.org/officeDocument/2006/relationships" xmlns:p="http://schemas.openxmlformats.org/presentationml/2006/main">
   <p:cSld>
     <p:spTree>
@@ -30974,213 +32130,6 @@
       </p:grpSpPr>
       <p:sp>
         <p:nvSpPr>
-          <p:cNvPr id="6" name="Fußzeilenplatzhalter 1"/>
-          <p:cNvSpPr>
-            <a:spLocks noGrp="1"/>
-          </p:cNvSpPr>
-          <p:nvPr>
-            <p:ph type="ftr" sz="quarter" idx="10"/>
-          </p:nvPr>
-        </p:nvSpPr>
-        <p:spPr>
-          <a:xfrm>
-            <a:off x="465138" y="6508573"/>
-            <a:ext cx="4021247" cy="331787"/>
-          </a:xfrm>
-        </p:spPr>
-        <p:txBody>
-          <a:bodyPr/>
-          <a:lstStyle/>
-          <a:p>
-            <a:pPr algn="l"/>
-            <a:r>
-              <a:rPr lang="de-DE" dirty="0" err="1" smtClean="0"/>
-              <a:t>mbeddr</a:t>
-            </a:r>
-            <a:r>
-              <a:rPr lang="de-DE" dirty="0" smtClean="0"/>
-              <a:t>, 29.10.2013</a:t>
-            </a:r>
-            <a:endParaRPr lang="de-DE" dirty="0"/>
-          </a:p>
-        </p:txBody>
-      </p:sp>
-      <p:sp>
-        <p:nvSpPr>
-          <p:cNvPr id="7" name="Foliennummernplatzhalter 2"/>
-          <p:cNvSpPr>
-            <a:spLocks noGrp="1"/>
-          </p:cNvSpPr>
-          <p:nvPr>
-            <p:ph type="sldNum" sz="quarter" idx="11"/>
-          </p:nvPr>
-        </p:nvSpPr>
-        <p:spPr>
-          <a:xfrm>
-            <a:off x="6048138" y="6528870"/>
-            <a:ext cx="2988574" cy="329130"/>
-          </a:xfrm>
-        </p:spPr>
-        <p:txBody>
-          <a:bodyPr/>
-          <a:lstStyle/>
-          <a:p>
-            <a:r>
-              <a:rPr lang="en-GB" noProof="0" smtClean="0"/>
-              <a:t>Page </a:t>
-            </a:r>
-            <a:fld id="{AA807A42-CF27-4B84-8583-18EBE418342E}" type="slidenum">
-              <a:rPr lang="en-GB" noProof="0" smtClean="0"/>
-              <a:pPr/>
-              <a:t>40</a:t>
-            </a:fld>
-            <a:endParaRPr lang="en-GB" noProof="0" dirty="0"/>
-          </a:p>
-        </p:txBody>
-      </p:sp>
-      <p:sp>
-        <p:nvSpPr>
-          <p:cNvPr id="8" name="Textplatzhalter 3"/>
-          <p:cNvSpPr>
-            <a:spLocks noGrp="1"/>
-          </p:cNvSpPr>
-          <p:nvPr>
-            <p:ph type="body" sz="quarter" idx="13"/>
-          </p:nvPr>
-        </p:nvSpPr>
-        <p:spPr>
-          <a:xfrm>
-            <a:off x="465138" y="403226"/>
-            <a:ext cx="11263312" cy="960437"/>
-          </a:xfrm>
-        </p:spPr>
-        <p:txBody>
-          <a:bodyPr/>
-          <a:lstStyle/>
-          <a:p>
-            <a:r>
-              <a:rPr lang="en-GB" dirty="0" smtClean="0"/>
-              <a:t>Thank you!</a:t>
-            </a:r>
-          </a:p>
-        </p:txBody>
-      </p:sp>
-      <p:sp>
-        <p:nvSpPr>
-          <p:cNvPr id="9" name="Textplatzhalter 4"/>
-          <p:cNvSpPr>
-            <a:spLocks noGrp="1"/>
-          </p:cNvSpPr>
-          <p:nvPr>
-            <p:ph type="body" sz="quarter" idx="14"/>
-          </p:nvPr>
-        </p:nvSpPr>
-        <p:spPr>
-          <a:xfrm>
-            <a:off x="465138" y="1611038"/>
-            <a:ext cx="11263312" cy="4861700"/>
-          </a:xfrm>
-        </p:spPr>
-        <p:txBody>
-          <a:bodyPr/>
-          <a:lstStyle/>
-          <a:p>
-            <a:pPr marL="266700" indent="-266700">
-              <a:spcBef>
-                <a:spcPct val="0"/>
-              </a:spcBef>
-            </a:pPr>
-            <a:endParaRPr lang="en-US" dirty="0" smtClean="0">
-              <a:ea typeface="ＭＳ Ｐゴシック" charset="-128"/>
-            </a:endParaRPr>
-          </a:p>
-          <a:p>
-            <a:pPr marL="266700" indent="-266700">
-              <a:spcBef>
-                <a:spcPct val="0"/>
-              </a:spcBef>
-              <a:buFont typeface="Symbol" pitchFamily="18" charset="2"/>
-              <a:buChar char="-"/>
-            </a:pPr>
-            <a:endParaRPr lang="en-US" dirty="0">
-              <a:ea typeface="ＭＳ Ｐゴシック" charset="-128"/>
-            </a:endParaRPr>
-          </a:p>
-          <a:p>
-            <a:pPr>
-              <a:buFontTx/>
-              <a:buChar char="-"/>
-            </a:pPr>
-            <a:endParaRPr lang="en-US" dirty="0" smtClean="0"/>
-          </a:p>
-          <a:p>
-            <a:endParaRPr lang="de-DE" dirty="0"/>
-          </a:p>
-        </p:txBody>
-      </p:sp>
-      <p:pic>
-        <p:nvPicPr>
-          <p:cNvPr id="11" name="Bild 10" descr="1.pdf"/>
-          <p:cNvPicPr>
-            <a:picLocks noChangeAspect="1"/>
-          </p:cNvPicPr>
-          <p:nvPr/>
-        </p:nvPicPr>
-        <p:blipFill rotWithShape="1">
-          <a:blip r:embed="rId2" cstate="print">
-            <a:extLst>
-              <a:ext uri="{28A0092B-C50C-407E-A947-70E740481C1C}">
-                <a14:useLocalDpi xmlns:a14="http://schemas.microsoft.com/office/drawing/2010/main" xmlns="" val="0"/>
-              </a:ext>
-            </a:extLst>
-          </a:blip>
-          <a:srcRect l="9528" t="21373" r="10398" b="17256"/>
-          <a:stretch/>
-        </p:blipFill>
-        <p:spPr>
-          <a:xfrm>
-            <a:off x="1269836" y="2156259"/>
-            <a:ext cx="6155667" cy="2675371"/>
-          </a:xfrm>
-          <a:prstGeom prst="rect">
-            <a:avLst/>
-          </a:prstGeom>
-        </p:spPr>
-      </p:pic>
-    </p:spTree>
-  </p:cSld>
-  <p:clrMapOvr>
-    <a:masterClrMapping/>
-  </p:clrMapOvr>
-  <p:timing>
-    <p:tnLst>
-      <p:par>
-        <p:cTn id="1" dur="indefinite" restart="never" nodeType="tmRoot"/>
-      </p:par>
-    </p:tnLst>
-  </p:timing>
-</p:sld>
-</file>
-
-<file path=ppt/slides/slide5.xml><?xml version="1.0" encoding="utf-8"?>
-<p:sld xmlns:a="http://schemas.openxmlformats.org/drawingml/2006/main" xmlns:r="http://schemas.openxmlformats.org/officeDocument/2006/relationships" xmlns:p="http://schemas.openxmlformats.org/presentationml/2006/main">
-  <p:cSld>
-    <p:spTree>
-      <p:nvGrpSpPr>
-        <p:cNvPr id="1" name=""/>
-        <p:cNvGrpSpPr/>
-        <p:nvPr/>
-      </p:nvGrpSpPr>
-      <p:grpSpPr>
-        <a:xfrm>
-          <a:off x="0" y="0"/>
-          <a:ext cx="0" cy="0"/>
-          <a:chOff x="0" y="0"/>
-          <a:chExt cx="0" cy="0"/>
-        </a:xfrm>
-      </p:grpSpPr>
-      <p:sp>
-        <p:nvSpPr>
           <p:cNvPr id="2" name="Fußzeilenplatzhalter 1"/>
           <p:cNvSpPr>
             <a:spLocks noGrp="1"/>
@@ -31229,7 +32178,7 @@
             <a:fld id="{AA807A42-CF27-4B84-8583-18EBE418342E}" type="slidenum">
               <a:rPr lang="en-GB" noProof="0" smtClean="0"/>
               <a:pPr/>
-              <a:t>5</a:t>
+              <a:t>6</a:t>
             </a:fld>
             <a:endParaRPr lang="en-GB" noProof="0" dirty="0"/>
           </a:p>
@@ -31420,7 +32369,7 @@
                 <a:ea typeface="Verdana" pitchFamily="34" charset="0"/>
                 <a:cs typeface="Calibri"/>
               </a:rPr>
-              <a:t>An extensible set of </a:t>
+              <a:t>An </a:t>
             </a:r>
             <a:r>
               <a:rPr lang="de-DE" sz="3200" b="1" dirty="0">
@@ -31431,7 +32380,7 @@
                 <a:ea typeface="Verdana" pitchFamily="34" charset="0"/>
                 <a:cs typeface="Calibri"/>
               </a:rPr>
-              <a:t>integrated</a:t>
+              <a:t>extensible</a:t>
             </a:r>
             <a:r>
               <a:rPr lang="de-DE" sz="3200" b="1" dirty="0">
@@ -31445,7 +32394,7 @@
                 <a:ea typeface="Verdana" pitchFamily="34" charset="0"/>
                 <a:cs typeface="Calibri"/>
               </a:rPr>
-              <a:t> languages </a:t>
+              <a:t> set of integrated languages </a:t>
             </a:r>
           </a:p>
         </p:txBody>
@@ -31509,27 +32458,27 @@
     </p:spTree>
     <p:extLst>
       <p:ext uri="{BB962C8B-B14F-4D97-AF65-F5344CB8AC3E}">
-        <p14:creationId xmlns:p14="http://schemas.microsoft.com/office/powerpoint/2010/main" xmlns="" val="144512218"/>
+        <p14:creationId xmlns:p14="http://schemas.microsoft.com/office/powerpoint/2010/main" val="2888238089"/>
       </p:ext>
     </p:extLst>
   </p:cSld>
   <p:clrMapOvr>
     <a:masterClrMapping/>
   </p:clrMapOvr>
-  <p:transition>
+  <p:transition xmlns:p14="http://schemas.microsoft.com/office/powerpoint/2010/main">
     <p:fade/>
   </p:transition>
   <p:timing>
     <p:tnLst>
       <p:par>
-        <p:cTn id="1" dur="indefinite" restart="never" nodeType="tmRoot"/>
+        <p:cTn xmlns:p14="http://schemas.microsoft.com/office/powerpoint/2010/main" id="1" dur="indefinite" restart="never" nodeType="tmRoot"/>
       </p:par>
     </p:tnLst>
   </p:timing>
 </p:sld>
 </file>
 
-<file path=ppt/slides/slide6.xml><?xml version="1.0" encoding="utf-8"?>
+<file path=ppt/slides/slide7.xml><?xml version="1.0" encoding="utf-8"?>
 <p:sld xmlns:a="http://schemas.openxmlformats.org/drawingml/2006/main" xmlns:r="http://schemas.openxmlformats.org/officeDocument/2006/relationships" xmlns:p="http://schemas.openxmlformats.org/presentationml/2006/main">
   <p:cSld>
     <p:spTree>
@@ -31596,7 +32545,7 @@
             <a:fld id="{AA807A42-CF27-4B84-8583-18EBE418342E}" type="slidenum">
               <a:rPr lang="en-GB" noProof="0" smtClean="0"/>
               <a:pPr/>
-              <a:t>6</a:t>
+              <a:t>7</a:t>
             </a:fld>
             <a:endParaRPr lang="en-GB" noProof="0" dirty="0"/>
           </a:p>
@@ -31787,32 +32736,7 @@
                 <a:ea typeface="Verdana" pitchFamily="34" charset="0"/>
                 <a:cs typeface="Calibri"/>
               </a:rPr>
-              <a:t>An </a:t>
-            </a:r>
-            <a:r>
-              <a:rPr lang="de-DE" sz="3200" b="1" dirty="0">
-                <a:solidFill>
-                  <a:srgbClr val="FF0000"/>
-                </a:solidFill>
-                <a:latin typeface="Calibri"/>
-                <a:ea typeface="Verdana" pitchFamily="34" charset="0"/>
-                <a:cs typeface="Calibri"/>
-              </a:rPr>
-              <a:t>extensible</a:t>
-            </a:r>
-            <a:r>
-              <a:rPr lang="de-DE" sz="3200" b="1" dirty="0">
-                <a:solidFill>
-                  <a:schemeClr val="tx1">
-                    <a:lumMod val="75000"/>
-                    <a:lumOff val="25000"/>
-                  </a:schemeClr>
-                </a:solidFill>
-                <a:latin typeface="Calibri"/>
-                <a:ea typeface="Verdana" pitchFamily="34" charset="0"/>
-                <a:cs typeface="Calibri"/>
-              </a:rPr>
-              <a:t> set of integrated languages </a:t>
+              <a:t>An extensible set of integrated languages </a:t>
             </a:r>
           </a:p>
         </p:txBody>
@@ -31868,7 +32792,32 @@
                 <a:ea typeface="Verdana" pitchFamily="34" charset="0"/>
                 <a:cs typeface="Calibri"/>
               </a:rPr>
-              <a:t>for embedded software engineering. </a:t>
+              <a:t>for </a:t>
+            </a:r>
+            <a:r>
+              <a:rPr lang="de-DE" sz="3200" b="1" dirty="0">
+                <a:solidFill>
+                  <a:srgbClr val="FF0000"/>
+                </a:solidFill>
+                <a:latin typeface="Calibri"/>
+                <a:ea typeface="Verdana" pitchFamily="34" charset="0"/>
+                <a:cs typeface="Calibri"/>
+              </a:rPr>
+              <a:t>embedded software</a:t>
+            </a:r>
+            <a:r>
+              <a:rPr lang="de-DE" sz="3200" b="1" dirty="0">
+                <a:solidFill>
+                  <a:schemeClr val="tx1">
+                    <a:lumMod val="75000"/>
+                    <a:lumOff val="25000"/>
+                  </a:schemeClr>
+                </a:solidFill>
+                <a:latin typeface="Calibri"/>
+                <a:ea typeface="Verdana" pitchFamily="34" charset="0"/>
+                <a:cs typeface="Calibri"/>
+              </a:rPr>
+              <a:t> engineering. </a:t>
             </a:r>
           </a:p>
         </p:txBody>
@@ -31876,27 +32825,27 @@
     </p:spTree>
     <p:extLst>
       <p:ext uri="{BB962C8B-B14F-4D97-AF65-F5344CB8AC3E}">
-        <p14:creationId xmlns:p14="http://schemas.microsoft.com/office/powerpoint/2010/main" xmlns="" val="2888238089"/>
+        <p14:creationId xmlns:p14="http://schemas.microsoft.com/office/powerpoint/2010/main" val="953527749"/>
       </p:ext>
     </p:extLst>
   </p:cSld>
   <p:clrMapOvr>
     <a:masterClrMapping/>
   </p:clrMapOvr>
-  <p:transition>
+  <p:transition xmlns:p14="http://schemas.microsoft.com/office/powerpoint/2010/main">
     <p:fade/>
   </p:transition>
   <p:timing>
     <p:tnLst>
       <p:par>
-        <p:cTn id="1" dur="indefinite" restart="never" nodeType="tmRoot"/>
+        <p:cTn xmlns:p14="http://schemas.microsoft.com/office/powerpoint/2010/main" id="1" dur="indefinite" restart="never" nodeType="tmRoot"/>
       </p:par>
     </p:tnLst>
   </p:timing>
 </p:sld>
 </file>
 
-<file path=ppt/slides/slide7.xml><?xml version="1.0" encoding="utf-8"?>
+<file path=ppt/slides/slide8.xml><?xml version="1.0" encoding="utf-8"?>
 <p:sld xmlns:a="http://schemas.openxmlformats.org/drawingml/2006/main" xmlns:r="http://schemas.openxmlformats.org/officeDocument/2006/relationships" xmlns:p="http://schemas.openxmlformats.org/presentationml/2006/main">
   <p:cSld>
     <p:spTree>
@@ -31963,7 +32912,7 @@
             <a:fld id="{AA807A42-CF27-4B84-8583-18EBE418342E}" type="slidenum">
               <a:rPr lang="en-GB" noProof="0" smtClean="0"/>
               <a:pPr/>
-              <a:t>7</a:t>
+              <a:t>8</a:t>
             </a:fld>
             <a:endParaRPr lang="en-GB" noProof="0" dirty="0"/>
           </a:p>
@@ -32210,7 +33159,7 @@
                 <a:ea typeface="Verdana" pitchFamily="34" charset="0"/>
                 <a:cs typeface="Calibri"/>
               </a:rPr>
-              <a:t>for </a:t>
+              <a:t>for embedded software </a:t>
             </a:r>
             <a:r>
               <a:rPr lang="de-DE" sz="3200" b="1" dirty="0">
@@ -32221,7 +33170,7 @@
                 <a:ea typeface="Verdana" pitchFamily="34" charset="0"/>
                 <a:cs typeface="Calibri"/>
               </a:rPr>
-              <a:t>embedded software</a:t>
+              <a:t>engineering</a:t>
             </a:r>
             <a:r>
               <a:rPr lang="de-DE" sz="3200" b="1" dirty="0">
@@ -32235,7 +33184,7 @@
                 <a:ea typeface="Verdana" pitchFamily="34" charset="0"/>
                 <a:cs typeface="Calibri"/>
               </a:rPr>
-              <a:t> engineering. </a:t>
+              <a:t>. </a:t>
             </a:r>
           </a:p>
         </p:txBody>
@@ -32243,27 +33192,27 @@
     </p:spTree>
     <p:extLst>
       <p:ext uri="{BB962C8B-B14F-4D97-AF65-F5344CB8AC3E}">
-        <p14:creationId xmlns:p14="http://schemas.microsoft.com/office/powerpoint/2010/main" xmlns="" val="953527749"/>
+        <p14:creationId xmlns:p14="http://schemas.microsoft.com/office/powerpoint/2010/main" val="4146777580"/>
       </p:ext>
     </p:extLst>
   </p:cSld>
   <p:clrMapOvr>
     <a:masterClrMapping/>
   </p:clrMapOvr>
-  <p:transition>
+  <p:transition xmlns:p14="http://schemas.microsoft.com/office/powerpoint/2010/main">
     <p:fade/>
   </p:transition>
   <p:timing>
     <p:tnLst>
       <p:par>
-        <p:cTn id="1" dur="indefinite" restart="never" nodeType="tmRoot"/>
+        <p:cTn xmlns:p14="http://schemas.microsoft.com/office/powerpoint/2010/main" id="1" dur="indefinite" restart="never" nodeType="tmRoot"/>
       </p:par>
     </p:tnLst>
   </p:timing>
 </p:sld>
 </file>
 
-<file path=ppt/slides/slide8.xml><?xml version="1.0" encoding="utf-8"?>
+<file path=ppt/slides/slide9.xml><?xml version="1.0" encoding="utf-8"?>
 <p:sld xmlns:a="http://schemas.openxmlformats.org/drawingml/2006/main" xmlns:r="http://schemas.openxmlformats.org/officeDocument/2006/relationships" xmlns:p="http://schemas.openxmlformats.org/presentationml/2006/main">
   <p:cSld>
     <p:spTree>
@@ -32330,7 +33279,7 @@
             <a:fld id="{AA807A42-CF27-4B84-8583-18EBE418342E}" type="slidenum">
               <a:rPr lang="en-GB" noProof="0" smtClean="0"/>
               <a:pPr/>
-              <a:t>8</a:t>
+              <a:t>9</a:t>
             </a:fld>
             <a:endParaRPr lang="en-GB" noProof="0" dirty="0"/>
           </a:p>
@@ -32577,373 +33526,6 @@
                 <a:ea typeface="Verdana" pitchFamily="34" charset="0"/>
                 <a:cs typeface="Calibri"/>
               </a:rPr>
-              <a:t>for embedded software </a:t>
-            </a:r>
-            <a:r>
-              <a:rPr lang="de-DE" sz="3200" b="1" dirty="0">
-                <a:solidFill>
-                  <a:srgbClr val="FF0000"/>
-                </a:solidFill>
-                <a:latin typeface="Calibri"/>
-                <a:ea typeface="Verdana" pitchFamily="34" charset="0"/>
-                <a:cs typeface="Calibri"/>
-              </a:rPr>
-              <a:t>engineering</a:t>
-            </a:r>
-            <a:r>
-              <a:rPr lang="de-DE" sz="3200" b="1" dirty="0">
-                <a:solidFill>
-                  <a:schemeClr val="tx1">
-                    <a:lumMod val="75000"/>
-                    <a:lumOff val="25000"/>
-                  </a:schemeClr>
-                </a:solidFill>
-                <a:latin typeface="Calibri"/>
-                <a:ea typeface="Verdana" pitchFamily="34" charset="0"/>
-                <a:cs typeface="Calibri"/>
-              </a:rPr>
-              <a:t>. </a:t>
-            </a:r>
-          </a:p>
-        </p:txBody>
-      </p:sp>
-    </p:spTree>
-    <p:extLst>
-      <p:ext uri="{BB962C8B-B14F-4D97-AF65-F5344CB8AC3E}">
-        <p14:creationId xmlns:p14="http://schemas.microsoft.com/office/powerpoint/2010/main" xmlns="" val="4146777580"/>
-      </p:ext>
-    </p:extLst>
-  </p:cSld>
-  <p:clrMapOvr>
-    <a:masterClrMapping/>
-  </p:clrMapOvr>
-  <p:transition>
-    <p:fade/>
-  </p:transition>
-  <p:timing>
-    <p:tnLst>
-      <p:par>
-        <p:cTn id="1" dur="indefinite" restart="never" nodeType="tmRoot"/>
-      </p:par>
-    </p:tnLst>
-  </p:timing>
-</p:sld>
-</file>
-
-<file path=ppt/slides/slide9.xml><?xml version="1.0" encoding="utf-8"?>
-<p:sld xmlns:a="http://schemas.openxmlformats.org/drawingml/2006/main" xmlns:r="http://schemas.openxmlformats.org/officeDocument/2006/relationships" xmlns:p="http://schemas.openxmlformats.org/presentationml/2006/main">
-  <p:cSld>
-    <p:spTree>
-      <p:nvGrpSpPr>
-        <p:cNvPr id="1" name=""/>
-        <p:cNvGrpSpPr/>
-        <p:nvPr/>
-      </p:nvGrpSpPr>
-      <p:grpSpPr>
-        <a:xfrm>
-          <a:off x="0" y="0"/>
-          <a:ext cx="0" cy="0"/>
-          <a:chOff x="0" y="0"/>
-          <a:chExt cx="0" cy="0"/>
-        </a:xfrm>
-      </p:grpSpPr>
-      <p:sp>
-        <p:nvSpPr>
-          <p:cNvPr id="2" name="Fußzeilenplatzhalter 1"/>
-          <p:cNvSpPr>
-            <a:spLocks noGrp="1"/>
-          </p:cNvSpPr>
-          <p:nvPr>
-            <p:ph type="ftr" sz="quarter" idx="10"/>
-          </p:nvPr>
-        </p:nvSpPr>
-        <p:spPr/>
-        <p:txBody>
-          <a:bodyPr/>
-          <a:lstStyle/>
-          <a:p>
-            <a:pPr algn="l"/>
-            <a:r>
-              <a:rPr lang="de-DE" dirty="0" err="1" smtClean="0"/>
-              <a:t>mbeddr</a:t>
-            </a:r>
-            <a:r>
-              <a:rPr lang="de-DE" dirty="0" smtClean="0"/>
-              <a:t>, 29.10.2013</a:t>
-            </a:r>
-            <a:endParaRPr lang="de-DE" dirty="0"/>
-          </a:p>
-        </p:txBody>
-      </p:sp>
-      <p:sp>
-        <p:nvSpPr>
-          <p:cNvPr id="3" name="Foliennummernplatzhalter 2"/>
-          <p:cNvSpPr>
-            <a:spLocks noGrp="1"/>
-          </p:cNvSpPr>
-          <p:nvPr>
-            <p:ph type="sldNum" sz="quarter" idx="11"/>
-          </p:nvPr>
-        </p:nvSpPr>
-        <p:spPr/>
-        <p:txBody>
-          <a:bodyPr/>
-          <a:lstStyle/>
-          <a:p>
-            <a:r>
-              <a:rPr lang="en-GB" noProof="0" smtClean="0"/>
-              <a:t>Page </a:t>
-            </a:r>
-            <a:fld id="{AA807A42-CF27-4B84-8583-18EBE418342E}" type="slidenum">
-              <a:rPr lang="en-GB" noProof="0" smtClean="0"/>
-              <a:pPr/>
-              <a:t>9</a:t>
-            </a:fld>
-            <a:endParaRPr lang="en-GB" noProof="0" dirty="0"/>
-          </a:p>
-        </p:txBody>
-      </p:sp>
-      <p:sp>
-        <p:nvSpPr>
-          <p:cNvPr id="6" name="Textplatzhalter 3"/>
-          <p:cNvSpPr>
-            <a:spLocks noGrp="1"/>
-          </p:cNvSpPr>
-          <p:nvPr>
-            <p:ph type="body" sz="quarter" idx="13"/>
-          </p:nvPr>
-        </p:nvSpPr>
-        <p:spPr>
-          <a:xfrm>
-            <a:off x="348763" y="403227"/>
-            <a:ext cx="8445285" cy="960437"/>
-          </a:xfrm>
-        </p:spPr>
-        <p:txBody>
-          <a:bodyPr/>
-          <a:lstStyle/>
-          <a:p>
-            <a:r>
-              <a:rPr lang="en-GB" dirty="0" smtClean="0"/>
-              <a:t>Context.</a:t>
-            </a:r>
-          </a:p>
-          <a:p>
-            <a:r>
-              <a:rPr lang="en-GB" dirty="0" smtClean="0"/>
-              <a:t>What is mbeddr?</a:t>
-            </a:r>
-          </a:p>
-        </p:txBody>
-      </p:sp>
-      <p:sp>
-        <p:nvSpPr>
-          <p:cNvPr id="7" name="Textplatzhalter 4"/>
-          <p:cNvSpPr>
-            <a:spLocks noGrp="1"/>
-          </p:cNvSpPr>
-          <p:nvPr>
-            <p:ph type="body" sz="quarter" idx="14"/>
-          </p:nvPr>
-        </p:nvSpPr>
-        <p:spPr>
-          <a:xfrm>
-            <a:off x="348763" y="1628679"/>
-            <a:ext cx="8445285" cy="4861700"/>
-          </a:xfrm>
-        </p:spPr>
-        <p:txBody>
-          <a:bodyPr/>
-          <a:lstStyle/>
-          <a:p>
-            <a:pPr marL="266700" indent="-266700">
-              <a:spcBef>
-                <a:spcPct val="0"/>
-              </a:spcBef>
-            </a:pPr>
-            <a:endParaRPr lang="en-US" dirty="0" smtClean="0">
-              <a:ea typeface="ＭＳ Ｐゴシック" charset="-128"/>
-            </a:endParaRPr>
-          </a:p>
-          <a:p>
-            <a:pPr marL="266700" indent="-266700">
-              <a:spcBef>
-                <a:spcPct val="0"/>
-              </a:spcBef>
-              <a:buFont typeface="Symbol" pitchFamily="18" charset="2"/>
-              <a:buChar char="-"/>
-            </a:pPr>
-            <a:endParaRPr lang="en-US" dirty="0">
-              <a:ea typeface="ＭＳ Ｐゴシック" charset="-128"/>
-            </a:endParaRPr>
-          </a:p>
-          <a:p>
-            <a:pPr>
-              <a:buFontTx/>
-              <a:buChar char="-"/>
-            </a:pPr>
-            <a:endParaRPr lang="en-US" dirty="0" smtClean="0"/>
-          </a:p>
-          <a:p>
-            <a:endParaRPr lang="de-DE" dirty="0"/>
-          </a:p>
-        </p:txBody>
-      </p:sp>
-      <p:sp>
-        <p:nvSpPr>
-          <p:cNvPr id="9" name="Rechteck 8"/>
-          <p:cNvSpPr/>
-          <p:nvPr/>
-        </p:nvSpPr>
-        <p:spPr>
-          <a:xfrm>
-            <a:off x="1373839" y="2476441"/>
-            <a:ext cx="5993105" cy="216024"/>
-          </a:xfrm>
-          <a:prstGeom prst="rect">
-            <a:avLst/>
-          </a:prstGeom>
-          <a:solidFill>
-            <a:schemeClr val="bg1"/>
-          </a:solidFill>
-          <a:ln>
-            <a:noFill/>
-          </a:ln>
-          <a:effectLst/>
-        </p:spPr>
-        <p:style>
-          <a:lnRef idx="1">
-            <a:schemeClr val="accent1"/>
-          </a:lnRef>
-          <a:fillRef idx="3">
-            <a:schemeClr val="accent1"/>
-          </a:fillRef>
-          <a:effectRef idx="2">
-            <a:schemeClr val="accent1"/>
-          </a:effectRef>
-          <a:fontRef idx="minor">
-            <a:schemeClr val="lt1"/>
-          </a:fontRef>
-        </p:style>
-        <p:txBody>
-          <a:bodyPr rtlCol="0" anchor="ctr"/>
-          <a:lstStyle/>
-          <a:p>
-            <a:pPr algn="ctr"/>
-            <a:endParaRPr lang="de-DE" sz="3200">
-              <a:latin typeface="Calibri"/>
-              <a:cs typeface="Calibri"/>
-            </a:endParaRPr>
-          </a:p>
-        </p:txBody>
-      </p:sp>
-      <p:sp>
-        <p:nvSpPr>
-          <p:cNvPr id="10" name="Titel 1"/>
-          <p:cNvSpPr txBox="1">
-            <a:spLocks/>
-          </p:cNvSpPr>
-          <p:nvPr/>
-        </p:nvSpPr>
-        <p:spPr>
-          <a:xfrm>
-            <a:off x="1319847" y="1324313"/>
-            <a:ext cx="8114861" cy="836712"/>
-          </a:xfrm>
-          <a:prstGeom prst="rect">
-            <a:avLst/>
-          </a:prstGeom>
-        </p:spPr>
-        <p:txBody>
-          <a:bodyPr vert="horz" lIns="91440" tIns="45720" rIns="91440" bIns="45720" rtlCol="0" anchor="ctr">
-            <a:noAutofit/>
-          </a:bodyPr>
-          <a:lstStyle>
-            <a:lvl1pPr algn="ctr" defTabSz="914400" rtl="0" eaLnBrk="1" latinLnBrk="0" hangingPunct="1">
-              <a:spcBef>
-                <a:spcPct val="0"/>
-              </a:spcBef>
-              <a:buNone/>
-              <a:defRPr sz="4400" kern="1200">
-                <a:solidFill>
-                  <a:schemeClr val="tx1"/>
-                </a:solidFill>
-                <a:latin typeface="+mj-lt"/>
-                <a:ea typeface="+mj-ea"/>
-                <a:cs typeface="+mj-cs"/>
-              </a:defRPr>
-            </a:lvl1pPr>
-          </a:lstStyle>
-          <a:p>
-            <a:pPr algn="l"/>
-            <a:r>
-              <a:rPr lang="de-DE" sz="3200" b="1" dirty="0">
-                <a:solidFill>
-                  <a:schemeClr val="tx1">
-                    <a:lumMod val="75000"/>
-                    <a:lumOff val="25000"/>
-                  </a:schemeClr>
-                </a:solidFill>
-                <a:latin typeface="Calibri"/>
-                <a:ea typeface="Verdana" pitchFamily="34" charset="0"/>
-                <a:cs typeface="Calibri"/>
-              </a:rPr>
-              <a:t>An extensible set of integrated languages </a:t>
-            </a:r>
-          </a:p>
-        </p:txBody>
-      </p:sp>
-      <p:sp>
-        <p:nvSpPr>
-          <p:cNvPr id="11" name="Titel 1"/>
-          <p:cNvSpPr txBox="1">
-            <a:spLocks/>
-          </p:cNvSpPr>
-          <p:nvPr/>
-        </p:nvSpPr>
-        <p:spPr>
-          <a:xfrm>
-            <a:off x="1332419" y="1900377"/>
-            <a:ext cx="6559640" cy="836712"/>
-          </a:xfrm>
-          <a:prstGeom prst="rect">
-            <a:avLst/>
-          </a:prstGeom>
-        </p:spPr>
-        <p:txBody>
-          <a:bodyPr vert="horz" lIns="91440" tIns="45720" rIns="91440" bIns="45720" rtlCol="0" anchor="ctr">
-            <a:noAutofit/>
-          </a:bodyPr>
-          <a:lstStyle>
-            <a:lvl1pPr algn="ctr" defTabSz="914400" rtl="0" eaLnBrk="1" latinLnBrk="0" hangingPunct="1">
-              <a:spcBef>
-                <a:spcPct val="0"/>
-              </a:spcBef>
-              <a:buNone/>
-              <a:defRPr sz="4400" kern="1200">
-                <a:solidFill>
-                  <a:schemeClr val="tx1"/>
-                </a:solidFill>
-                <a:latin typeface="+mj-lt"/>
-                <a:ea typeface="+mj-ea"/>
-                <a:cs typeface="+mj-cs"/>
-              </a:defRPr>
-            </a:lvl1pPr>
-          </a:lstStyle>
-          <a:p>
-            <a:pPr algn="l"/>
-            <a:r>
-              <a:rPr lang="de-DE" sz="3200" b="1" dirty="0">
-                <a:solidFill>
-                  <a:schemeClr val="tx1">
-                    <a:lumMod val="75000"/>
-                    <a:lumOff val="25000"/>
-                  </a:schemeClr>
-                </a:solidFill>
-                <a:latin typeface="Calibri"/>
-                <a:ea typeface="Verdana" pitchFamily="34" charset="0"/>
-                <a:cs typeface="Calibri"/>
-              </a:rPr>
               <a:t>for embedded software engineering. </a:t>
             </a:r>
           </a:p>
@@ -32976,20 +33558,20 @@
     </p:spTree>
     <p:extLst>
       <p:ext uri="{BB962C8B-B14F-4D97-AF65-F5344CB8AC3E}">
-        <p14:creationId xmlns:p14="http://schemas.microsoft.com/office/powerpoint/2010/main" xmlns="" val="3326573663"/>
+        <p14:creationId xmlns:p14="http://schemas.microsoft.com/office/powerpoint/2010/main" val="3326573663"/>
       </p:ext>
     </p:extLst>
   </p:cSld>
   <p:clrMapOvr>
     <a:masterClrMapping/>
   </p:clrMapOvr>
-  <p:transition>
+  <p:transition xmlns:p14="http://schemas.microsoft.com/office/powerpoint/2010/main">
     <p:fade/>
   </p:transition>
   <p:timing>
     <p:tnLst>
       <p:par>
-        <p:cTn id="1" dur="indefinite" restart="never" nodeType="tmRoot"/>
+        <p:cTn xmlns:p14="http://schemas.microsoft.com/office/powerpoint/2010/main" id="1" dur="indefinite" restart="never" nodeType="tmRoot"/>
       </p:par>
     </p:tnLst>
   </p:timing>

--- a/etc/folienEclipseCon2013/ECE2013-mbeddr-schmierer_voelter.pptx
+++ b/etc/folienEclipseCon2013/ECE2013-mbeddr-schmierer_voelter.pptx
@@ -10895,27 +10895,27 @@
       </p:sp>
       <p:pic>
         <p:nvPicPr>
-          <p:cNvPr id="2" name="Bild 1" descr="1.pdf"/>
+          <p:cNvPr id="4" name="Bild 3" descr="1.pdf"/>
           <p:cNvPicPr>
             <a:picLocks noChangeAspect="1"/>
           </p:cNvPicPr>
           <p:nvPr/>
         </p:nvPicPr>
         <p:blipFill rotWithShape="1">
-          <a:blip r:embed="rId2" cstate="print">
+          <a:blip r:embed="rId2">
             <a:extLst>
               <a:ext uri="{28A0092B-C50C-407E-A947-70E740481C1C}">
                 <a14:useLocalDpi xmlns:a14="http://schemas.microsoft.com/office/drawing/2010/main" val="0"/>
               </a:ext>
             </a:extLst>
           </a:blip>
-          <a:srcRect l="9528" t="21373" r="10398" b="17256"/>
+          <a:srcRect l="10468" t="32630" r="7206" b="30019"/>
           <a:stretch/>
         </p:blipFill>
         <p:spPr>
           <a:xfrm>
-            <a:off x="1269836" y="814607"/>
-            <a:ext cx="6155667" cy="2675371"/>
+            <a:off x="-160430" y="519492"/>
+            <a:ext cx="9030241" cy="2323278"/>
           </a:xfrm>
           <a:prstGeom prst="rect">
             <a:avLst/>
@@ -11923,377 +11923,9 @@
           </a:p>
         </p:txBody>
       </p:sp>
-      <p:sp>
-        <p:nvSpPr>
-          <p:cNvPr id="11" name="Rechteck 10"/>
-          <p:cNvSpPr/>
-          <p:nvPr/>
-        </p:nvSpPr>
-        <p:spPr>
-          <a:xfrm>
-            <a:off x="755576" y="2478832"/>
-            <a:ext cx="7992888" cy="216024"/>
-          </a:xfrm>
-          <a:prstGeom prst="rect">
-            <a:avLst/>
-          </a:prstGeom>
-          <a:solidFill>
-            <a:schemeClr val="bg1"/>
-          </a:solidFill>
-          <a:ln>
-            <a:noFill/>
-          </a:ln>
-          <a:effectLst/>
-        </p:spPr>
-        <p:style>
-          <a:lnRef idx="1">
-            <a:schemeClr val="accent1"/>
-          </a:lnRef>
-          <a:fillRef idx="3">
-            <a:schemeClr val="accent1"/>
-          </a:fillRef>
-          <a:effectRef idx="2">
-            <a:schemeClr val="accent1"/>
-          </a:effectRef>
-          <a:fontRef idx="minor">
-            <a:schemeClr val="lt1"/>
-          </a:fontRef>
-        </p:style>
-        <p:txBody>
-          <a:bodyPr rtlCol="0" anchor="ctr"/>
-          <a:lstStyle/>
-          <a:p>
-            <a:pPr algn="ctr"/>
-            <a:endParaRPr lang="de-DE"/>
-          </a:p>
-        </p:txBody>
-      </p:sp>
-      <p:sp>
-        <p:nvSpPr>
-          <p:cNvPr id="12" name="Rechteck 11"/>
-          <p:cNvSpPr/>
-          <p:nvPr/>
-        </p:nvSpPr>
-        <p:spPr>
-          <a:xfrm>
-            <a:off x="8316416" y="2478832"/>
-            <a:ext cx="504056" cy="2232248"/>
-          </a:xfrm>
-          <a:prstGeom prst="rect">
-            <a:avLst/>
-          </a:prstGeom>
-          <a:solidFill>
-            <a:schemeClr val="bg1"/>
-          </a:solidFill>
-          <a:ln>
-            <a:noFill/>
-          </a:ln>
-          <a:effectLst/>
-        </p:spPr>
-        <p:style>
-          <a:lnRef idx="1">
-            <a:schemeClr val="accent1"/>
-          </a:lnRef>
-          <a:fillRef idx="3">
-            <a:schemeClr val="accent1"/>
-          </a:fillRef>
-          <a:effectRef idx="2">
-            <a:schemeClr val="accent1"/>
-          </a:effectRef>
-          <a:fontRef idx="minor">
-            <a:schemeClr val="lt1"/>
-          </a:fontRef>
-        </p:style>
-        <p:txBody>
-          <a:bodyPr rtlCol="0" anchor="ctr"/>
-          <a:lstStyle/>
-          <a:p>
-            <a:pPr algn="ctr"/>
-            <a:endParaRPr lang="de-DE"/>
-          </a:p>
-        </p:txBody>
-      </p:sp>
-      <p:sp>
-        <p:nvSpPr>
-          <p:cNvPr id="13" name="Rechteck 12"/>
-          <p:cNvSpPr/>
-          <p:nvPr/>
-        </p:nvSpPr>
-        <p:spPr>
-          <a:xfrm>
-            <a:off x="467544" y="2550840"/>
-            <a:ext cx="504056" cy="2232248"/>
-          </a:xfrm>
-          <a:prstGeom prst="rect">
-            <a:avLst/>
-          </a:prstGeom>
-          <a:solidFill>
-            <a:schemeClr val="bg1"/>
-          </a:solidFill>
-          <a:ln>
-            <a:noFill/>
-          </a:ln>
-          <a:effectLst/>
-        </p:spPr>
-        <p:style>
-          <a:lnRef idx="1">
-            <a:schemeClr val="accent1"/>
-          </a:lnRef>
-          <a:fillRef idx="3">
-            <a:schemeClr val="accent1"/>
-          </a:fillRef>
-          <a:effectRef idx="2">
-            <a:schemeClr val="accent1"/>
-          </a:effectRef>
-          <a:fontRef idx="minor">
-            <a:schemeClr val="lt1"/>
-          </a:fontRef>
-        </p:style>
-        <p:txBody>
-          <a:bodyPr rtlCol="0" anchor="ctr"/>
-          <a:lstStyle/>
-          <a:p>
-            <a:pPr algn="ctr"/>
-            <a:endParaRPr lang="de-DE"/>
-          </a:p>
-        </p:txBody>
-      </p:sp>
-      <p:sp>
-        <p:nvSpPr>
-          <p:cNvPr id="14" name="Titel 1"/>
-          <p:cNvSpPr txBox="1">
-            <a:spLocks/>
-          </p:cNvSpPr>
-          <p:nvPr/>
-        </p:nvSpPr>
-        <p:spPr>
-          <a:xfrm>
-            <a:off x="683568" y="2362200"/>
-            <a:ext cx="8748464" cy="836712"/>
-          </a:xfrm>
-          <a:prstGeom prst="rect">
-            <a:avLst/>
-          </a:prstGeom>
-        </p:spPr>
-        <p:txBody>
-          <a:bodyPr vert="horz" lIns="91440" tIns="45720" rIns="91440" bIns="45720" rtlCol="0" anchor="ctr">
-            <a:noAutofit/>
-          </a:bodyPr>
-          <a:lstStyle>
-            <a:lvl1pPr algn="ctr" defTabSz="914400" rtl="0" eaLnBrk="1" latinLnBrk="0" hangingPunct="1">
-              <a:spcBef>
-                <a:spcPct val="0"/>
-              </a:spcBef>
-              <a:buNone/>
-              <a:defRPr sz="4400" kern="1200">
-                <a:solidFill>
-                  <a:schemeClr val="tx1"/>
-                </a:solidFill>
-                <a:latin typeface="+mj-lt"/>
-                <a:ea typeface="+mj-ea"/>
-                <a:cs typeface="+mj-cs"/>
-              </a:defRPr>
-            </a:lvl1pPr>
-          </a:lstStyle>
-          <a:p>
-            <a:pPr algn="l"/>
-            <a:r>
-              <a:rPr lang="de-DE" sz="3600" b="1" dirty="0">
-                <a:solidFill>
-                  <a:schemeClr val="tx1">
-                    <a:lumMod val="75000"/>
-                    <a:lumOff val="25000"/>
-                  </a:schemeClr>
-                </a:solidFill>
-                <a:latin typeface="Verdana"/>
-                <a:ea typeface="Verdana" pitchFamily="34" charset="0"/>
-                <a:cs typeface="Verdana"/>
-              </a:rPr>
-              <a:t>Open Source</a:t>
-            </a:r>
-          </a:p>
-          <a:p>
-            <a:pPr algn="l"/>
-            <a:r>
-              <a:rPr lang="de-DE" sz="3600" b="1" dirty="0">
-                <a:solidFill>
-                  <a:schemeClr val="tx1">
-                    <a:lumMod val="75000"/>
-                    <a:lumOff val="25000"/>
-                  </a:schemeClr>
-                </a:solidFill>
-                <a:latin typeface="Verdana"/>
-                <a:ea typeface="Verdana" pitchFamily="34" charset="0"/>
-                <a:cs typeface="Verdana"/>
-              </a:rPr>
-              <a:t>Eclipse Public License</a:t>
-            </a:r>
-          </a:p>
-          <a:p>
-            <a:pPr algn="l"/>
-            <a:endParaRPr lang="de-DE" sz="3600" b="1" dirty="0">
-              <a:solidFill>
-                <a:schemeClr val="tx1">
-                  <a:lumMod val="75000"/>
-                  <a:lumOff val="25000"/>
-                </a:schemeClr>
-              </a:solidFill>
-              <a:latin typeface="Verdana"/>
-              <a:ea typeface="Verdana" pitchFamily="34" charset="0"/>
-              <a:cs typeface="Verdana"/>
-            </a:endParaRPr>
-          </a:p>
-          <a:p>
-            <a:pPr algn="l"/>
-            <a:r>
-              <a:rPr lang="de-DE" sz="3600" b="1" dirty="0">
-                <a:solidFill>
-                  <a:schemeClr val="tx1">
-                    <a:lumMod val="75000"/>
-                    <a:lumOff val="25000"/>
-                  </a:schemeClr>
-                </a:solidFill>
-                <a:latin typeface="Verdana"/>
-                <a:ea typeface="Verdana" pitchFamily="34" charset="0"/>
-                <a:cs typeface="Verdana"/>
-              </a:rPr>
-              <a:t>http://mbeddr.com</a:t>
-            </a:r>
-          </a:p>
-        </p:txBody>
-      </p:sp>
-      <p:sp>
-        <p:nvSpPr>
-          <p:cNvPr id="20" name="Titel 1"/>
-          <p:cNvSpPr txBox="1">
-            <a:spLocks/>
-          </p:cNvSpPr>
-          <p:nvPr/>
-        </p:nvSpPr>
-        <p:spPr>
-          <a:xfrm>
-            <a:off x="4386064" y="4876464"/>
-            <a:ext cx="5282882" cy="836712"/>
-          </a:xfrm>
-          <a:prstGeom prst="rect">
-            <a:avLst/>
-          </a:prstGeom>
-        </p:spPr>
-        <p:txBody>
-          <a:bodyPr vert="horz" lIns="91440" tIns="45720" rIns="91440" bIns="45720" rtlCol="0" anchor="ctr">
-            <a:noAutofit/>
-          </a:bodyPr>
-          <a:lstStyle>
-            <a:lvl1pPr algn="ctr" defTabSz="914400" rtl="0" eaLnBrk="1" latinLnBrk="0" hangingPunct="1">
-              <a:spcBef>
-                <a:spcPct val="0"/>
-              </a:spcBef>
-              <a:buNone/>
-              <a:defRPr sz="4400" kern="1200">
-                <a:solidFill>
-                  <a:schemeClr val="tx1"/>
-                </a:solidFill>
-                <a:latin typeface="+mj-lt"/>
-                <a:ea typeface="+mj-ea"/>
-                <a:cs typeface="+mj-cs"/>
-              </a:defRPr>
-            </a:lvl1pPr>
-          </a:lstStyle>
-          <a:p>
-            <a:pPr algn="l"/>
-            <a:r>
-              <a:rPr lang="de-DE" sz="3000" b="1" dirty="0">
-                <a:solidFill>
-                  <a:schemeClr val="tx1">
-                    <a:lumMod val="75000"/>
-                    <a:lumOff val="25000"/>
-                  </a:schemeClr>
-                </a:solidFill>
-                <a:latin typeface="Verdana"/>
-                <a:ea typeface="Verdana" pitchFamily="34" charset="0"/>
-                <a:cs typeface="Verdana"/>
-              </a:rPr>
-              <a:t>Proposal Submitted</a:t>
-            </a:r>
-          </a:p>
-          <a:p>
-            <a:pPr algn="l"/>
-            <a:endParaRPr lang="de-DE" sz="1200" b="1" dirty="0">
-              <a:solidFill>
-                <a:schemeClr val="tx1">
-                  <a:lumMod val="75000"/>
-                  <a:lumOff val="25000"/>
-                </a:schemeClr>
-              </a:solidFill>
-              <a:latin typeface="Verdana"/>
-              <a:ea typeface="Verdana" pitchFamily="34" charset="0"/>
-              <a:cs typeface="Verdana"/>
-            </a:endParaRPr>
-          </a:p>
-          <a:p>
-            <a:pPr algn="l"/>
-            <a:r>
-              <a:rPr lang="de-DE" sz="3000" b="1" dirty="0">
-                <a:solidFill>
-                  <a:schemeClr val="tx1">
-                    <a:lumMod val="75000"/>
-                    <a:lumOff val="25000"/>
-                  </a:schemeClr>
-                </a:solidFill>
-                <a:latin typeface="Verdana"/>
-                <a:ea typeface="Verdana" pitchFamily="34" charset="0"/>
-                <a:cs typeface="Verdana"/>
-              </a:rPr>
-              <a:t>Online any day now!</a:t>
-            </a:r>
-          </a:p>
-          <a:p>
-            <a:pPr algn="l"/>
-            <a:endParaRPr lang="de-DE" sz="1200" b="1" dirty="0">
-              <a:solidFill>
-                <a:schemeClr val="tx1">
-                  <a:lumMod val="75000"/>
-                  <a:lumOff val="25000"/>
-                </a:schemeClr>
-              </a:solidFill>
-              <a:latin typeface="Verdana"/>
-              <a:ea typeface="Verdana" pitchFamily="34" charset="0"/>
-              <a:cs typeface="Verdana"/>
-            </a:endParaRPr>
-          </a:p>
-          <a:p>
-            <a:pPr algn="l"/>
-            <a:r>
-              <a:rPr lang="de-DE" sz="3000" b="1" dirty="0">
-                <a:solidFill>
-                  <a:schemeClr val="tx1">
-                    <a:lumMod val="75000"/>
-                    <a:lumOff val="25000"/>
-                  </a:schemeClr>
-                </a:solidFill>
-                <a:latin typeface="Verdana"/>
-                <a:ea typeface="Verdana" pitchFamily="34" charset="0"/>
-                <a:cs typeface="Verdana"/>
-              </a:rPr>
-              <a:t>Interested Party?</a:t>
-            </a:r>
-            <a:endParaRPr lang="de-DE" sz="3000" b="1" dirty="0">
-              <a:solidFill>
-                <a:schemeClr val="tx1">
-                  <a:lumMod val="75000"/>
-                  <a:lumOff val="25000"/>
-                </a:schemeClr>
-              </a:solidFill>
-              <a:latin typeface="Verdana"/>
-              <a:ea typeface="Verdana" pitchFamily="34" charset="0"/>
-              <a:cs typeface="Verdana"/>
-            </a:endParaRPr>
-          </a:p>
-        </p:txBody>
-      </p:sp>
       <p:pic>
         <p:nvPicPr>
-          <p:cNvPr id="3" name="Bild 2"/>
+          <p:cNvPr id="2" name="Bild 1"/>
           <p:cNvPicPr>
             <a:picLocks noChangeAspect="1"/>
           </p:cNvPicPr>
@@ -12307,8 +11939,8 @@
         </p:blipFill>
         <p:spPr>
           <a:xfrm>
-            <a:off x="683568" y="4227211"/>
-            <a:ext cx="3515925" cy="2331742"/>
+            <a:off x="479569" y="1446256"/>
+            <a:ext cx="7951618" cy="4647776"/>
           </a:xfrm>
           <a:prstGeom prst="rect">
             <a:avLst/>
@@ -12318,7 +11950,7 @@
     </p:spTree>
     <p:extLst>
       <p:ext uri="{BB962C8B-B14F-4D97-AF65-F5344CB8AC3E}">
-        <p14:creationId xmlns:p14="http://schemas.microsoft.com/office/powerpoint/2010/main" val="1092887984"/>
+        <p14:creationId xmlns:p14="http://schemas.microsoft.com/office/powerpoint/2010/main" val="1042745391"/>
       </p:ext>
     </p:extLst>
   </p:cSld>

--- a/etc/folienEclipseCon2013/ECE2013-mbeddr-schmierer_voelter.pptx
+++ b/etc/folienEclipseCon2013/ECE2013-mbeddr-schmierer_voelter.pptx
@@ -51,7 +51,7 @@
     <p:sldId id="482" r:id="rId42"/>
   </p:sldIdLst>
   <p:sldSz cx="9144000" cy="6858000" type="screen4x3"/>
-  <p:notesSz cx="6858000" cy="9144000"/>
+  <p:notesSz cx="7099300" cy="10234613"/>
   <p:defaultTextStyle>
     <a:defPPr>
       <a:defRPr lang="de-DE"/>
@@ -185,17 +185,17 @@
         <p:spPr>
           <a:xfrm>
             <a:off x="0" y="0"/>
-            <a:ext cx="2971800" cy="457200"/>
+            <a:ext cx="3076363" cy="511731"/>
           </a:xfrm>
           <a:prstGeom prst="rect">
             <a:avLst/>
           </a:prstGeom>
         </p:spPr>
         <p:txBody>
-          <a:bodyPr vert="horz" lIns="91440" tIns="45720" rIns="91440" bIns="45720" rtlCol="0"/>
+          <a:bodyPr vert="horz" lIns="99048" tIns="49524" rIns="99048" bIns="49524" rtlCol="0"/>
           <a:lstStyle>
             <a:lvl1pPr algn="l">
-              <a:defRPr sz="1200"/>
+              <a:defRPr sz="1300"/>
             </a:lvl1pPr>
           </a:lstStyle>
           <a:p>
@@ -215,25 +215,25 @@
         </p:nvSpPr>
         <p:spPr>
           <a:xfrm>
-            <a:off x="3884613" y="0"/>
-            <a:ext cx="2971800" cy="457200"/>
+            <a:off x="4021294" y="0"/>
+            <a:ext cx="3076363" cy="511731"/>
           </a:xfrm>
           <a:prstGeom prst="rect">
             <a:avLst/>
           </a:prstGeom>
         </p:spPr>
         <p:txBody>
-          <a:bodyPr vert="horz" lIns="91440" tIns="45720" rIns="91440" bIns="45720" rtlCol="0"/>
+          <a:bodyPr vert="horz" lIns="99048" tIns="49524" rIns="99048" bIns="49524" rtlCol="0"/>
           <a:lstStyle>
             <a:lvl1pPr algn="r">
-              <a:defRPr sz="1200"/>
+              <a:defRPr sz="1300"/>
             </a:lvl1pPr>
           </a:lstStyle>
           <a:p>
             <a:fld id="{BA23DC7E-545F-4537-850F-CC5C2B410559}" type="datetimeFigureOut">
               <a:rPr lang="de-DE" smtClean="0"/>
               <a:pPr/>
-              <a:t>29/10/13</a:t>
+              <a:t>08.11.2013</a:t>
             </a:fld>
             <a:endParaRPr lang="de-DE"/>
           </a:p>
@@ -251,8 +251,8 @@
         </p:nvSpPr>
         <p:spPr>
           <a:xfrm>
-            <a:off x="1143000" y="685800"/>
-            <a:ext cx="4572000" cy="3429000"/>
+            <a:off x="992188" y="768350"/>
+            <a:ext cx="5114925" cy="3836988"/>
           </a:xfrm>
           <a:prstGeom prst="rect">
             <a:avLst/>
@@ -265,7 +265,7 @@
           </a:ln>
         </p:spPr>
         <p:txBody>
-          <a:bodyPr vert="horz" lIns="91440" tIns="45720" rIns="91440" bIns="45720" rtlCol="0" anchor="ctr"/>
+          <a:bodyPr vert="horz" lIns="99048" tIns="49524" rIns="99048" bIns="49524" rtlCol="0" anchor="ctr"/>
           <a:lstStyle/>
           <a:p>
             <a:endParaRPr lang="de-DE"/>
@@ -284,15 +284,15 @@
         </p:nvSpPr>
         <p:spPr>
           <a:xfrm>
-            <a:off x="685800" y="4343400"/>
-            <a:ext cx="5486400" cy="4114800"/>
+            <a:off x="709930" y="4861441"/>
+            <a:ext cx="5679440" cy="4605576"/>
           </a:xfrm>
           <a:prstGeom prst="rect">
             <a:avLst/>
           </a:prstGeom>
         </p:spPr>
         <p:txBody>
-          <a:bodyPr vert="horz" lIns="91440" tIns="45720" rIns="91440" bIns="45720" rtlCol="0"/>
+          <a:bodyPr vert="horz" lIns="99048" tIns="49524" rIns="99048" bIns="49524" rtlCol="0"/>
           <a:lstStyle/>
           <a:p>
             <a:pPr lvl="0"/>
@@ -344,18 +344,18 @@
         </p:nvSpPr>
         <p:spPr>
           <a:xfrm>
-            <a:off x="0" y="8685213"/>
-            <a:ext cx="2971800" cy="457200"/>
+            <a:off x="0" y="9721106"/>
+            <a:ext cx="3076363" cy="511731"/>
           </a:xfrm>
           <a:prstGeom prst="rect">
             <a:avLst/>
           </a:prstGeom>
         </p:spPr>
         <p:txBody>
-          <a:bodyPr vert="horz" lIns="91440" tIns="45720" rIns="91440" bIns="45720" rtlCol="0" anchor="b"/>
+          <a:bodyPr vert="horz" lIns="99048" tIns="49524" rIns="99048" bIns="49524" rtlCol="0" anchor="b"/>
           <a:lstStyle>
             <a:lvl1pPr algn="l">
-              <a:defRPr sz="1200"/>
+              <a:defRPr sz="1300"/>
             </a:lvl1pPr>
           </a:lstStyle>
           <a:p>
@@ -375,25 +375,25 @@
         </p:nvSpPr>
         <p:spPr>
           <a:xfrm>
-            <a:off x="3884613" y="8685213"/>
-            <a:ext cx="2971800" cy="457200"/>
+            <a:off x="4021294" y="9721106"/>
+            <a:ext cx="3076363" cy="511731"/>
           </a:xfrm>
           <a:prstGeom prst="rect">
             <a:avLst/>
           </a:prstGeom>
         </p:spPr>
         <p:txBody>
-          <a:bodyPr vert="horz" lIns="91440" tIns="45720" rIns="91440" bIns="45720" rtlCol="0" anchor="b"/>
+          <a:bodyPr vert="horz" lIns="99048" tIns="49524" rIns="99048" bIns="49524" rtlCol="0" anchor="b"/>
           <a:lstStyle>
             <a:lvl1pPr algn="r">
-              <a:defRPr sz="1200"/>
+              <a:defRPr sz="1300"/>
             </a:lvl1pPr>
           </a:lstStyle>
           <a:p>
             <a:fld id="{F67A725A-9256-4EC5-8CDB-4CC5D97770DD}" type="slidenum">
               <a:rPr lang="de-DE" smtClean="0"/>
               <a:pPr/>
-              <a:t>‹Nr.›</a:t>
+              <a:t>‹#›</a:t>
             </a:fld>
             <a:endParaRPr lang="de-DE"/>
           </a:p>
@@ -402,7 +402,7 @@
     </p:spTree>
     <p:extLst>
       <p:ext uri="{BB962C8B-B14F-4D97-AF65-F5344CB8AC3E}">
-        <p14:creationId xmlns:p14="http://schemas.microsoft.com/office/powerpoint/2010/main" val="2083301213"/>
+        <p14:creationId xmlns:p14="http://schemas.microsoft.com/office/powerpoint/2010/main" xmlns="" val="2083301213"/>
       </p:ext>
     </p:extLst>
   </p:cSld>
@@ -1040,21 +1040,7 @@
           </a:bodyPr>
           <a:lstStyle/>
           <a:p>
-            <a:pPr marL="0" marR="0" indent="0" algn="l" defTabSz="914400" rtl="0" eaLnBrk="1" fontAlgn="auto" latinLnBrk="0" hangingPunct="1">
-              <a:lnSpc>
-                <a:spcPct val="100000"/>
-              </a:lnSpc>
-              <a:spcBef>
-                <a:spcPts val="0"/>
-              </a:spcBef>
-              <a:spcAft>
-                <a:spcPts val="0"/>
-              </a:spcAft>
-              <a:buClrTx/>
-              <a:buSzTx/>
-              <a:buFontTx/>
-              <a:buNone/>
-              <a:tabLst/>
+            <a:pPr defTabSz="990478">
               <a:defRPr/>
             </a:pPr>
             <a:r>
@@ -1158,21 +1144,7 @@
           </a:bodyPr>
           <a:lstStyle/>
           <a:p>
-            <a:pPr marL="0" marR="0" indent="0" algn="l" defTabSz="914400" rtl="0" eaLnBrk="1" fontAlgn="auto" latinLnBrk="0" hangingPunct="1">
-              <a:lnSpc>
-                <a:spcPct val="100000"/>
-              </a:lnSpc>
-              <a:spcBef>
-                <a:spcPts val="0"/>
-              </a:spcBef>
-              <a:spcAft>
-                <a:spcPts val="0"/>
-              </a:spcAft>
-              <a:buClrTx/>
-              <a:buSzTx/>
-              <a:buFontTx/>
-              <a:buNone/>
-              <a:tabLst/>
+            <a:pPr defTabSz="990478">
               <a:defRPr/>
             </a:pPr>
             <a:r>
@@ -1276,21 +1248,7 @@
           </a:bodyPr>
           <a:lstStyle/>
           <a:p>
-            <a:pPr marL="0" marR="0" indent="0" algn="l" defTabSz="914400" rtl="0" eaLnBrk="1" fontAlgn="auto" latinLnBrk="0" hangingPunct="1">
-              <a:lnSpc>
-                <a:spcPct val="100000"/>
-              </a:lnSpc>
-              <a:spcBef>
-                <a:spcPts val="0"/>
-              </a:spcBef>
-              <a:spcAft>
-                <a:spcPts val="0"/>
-              </a:spcAft>
-              <a:buClrTx/>
-              <a:buSzTx/>
-              <a:buFontTx/>
-              <a:buNone/>
-              <a:tabLst/>
+            <a:pPr defTabSz="990478">
               <a:defRPr/>
             </a:pPr>
             <a:r>
@@ -2161,21 +2119,7 @@
           </a:bodyPr>
           <a:lstStyle/>
           <a:p>
-            <a:pPr marL="0" marR="0" indent="0" algn="l" defTabSz="914400" rtl="0" eaLnBrk="1" fontAlgn="auto" latinLnBrk="0" hangingPunct="1">
-              <a:lnSpc>
-                <a:spcPct val="100000"/>
-              </a:lnSpc>
-              <a:spcBef>
-                <a:spcPts val="0"/>
-              </a:spcBef>
-              <a:spcAft>
-                <a:spcPts val="0"/>
-              </a:spcAft>
-              <a:buClrTx/>
-              <a:buSzTx/>
-              <a:buFontTx/>
-              <a:buNone/>
-              <a:tabLst/>
+            <a:pPr defTabSz="990478">
               <a:defRPr/>
             </a:pPr>
             <a:r>
@@ -2640,21 +2584,7 @@
           </a:bodyPr>
           <a:lstStyle/>
           <a:p>
-            <a:pPr marL="0" marR="0" indent="0" algn="l" defTabSz="914400" rtl="0" eaLnBrk="1" fontAlgn="auto" latinLnBrk="0" hangingPunct="1">
-              <a:lnSpc>
-                <a:spcPct val="100000"/>
-              </a:lnSpc>
-              <a:spcBef>
-                <a:spcPts val="0"/>
-              </a:spcBef>
-              <a:spcAft>
-                <a:spcPts val="0"/>
-              </a:spcAft>
-              <a:buClrTx/>
-              <a:buSzTx/>
-              <a:buFontTx/>
-              <a:buNone/>
-              <a:tabLst/>
+            <a:pPr defTabSz="990478">
               <a:defRPr/>
             </a:pPr>
             <a:r>
@@ -3330,21 +3260,7 @@
           </a:bodyPr>
           <a:lstStyle/>
           <a:p>
-            <a:pPr marL="0" marR="0" indent="0" algn="l" defTabSz="914400" rtl="0" eaLnBrk="1" fontAlgn="auto" latinLnBrk="0" hangingPunct="1">
-              <a:lnSpc>
-                <a:spcPct val="100000"/>
-              </a:lnSpc>
-              <a:spcBef>
-                <a:spcPts val="0"/>
-              </a:spcBef>
-              <a:spcAft>
-                <a:spcPts val="0"/>
-              </a:spcAft>
-              <a:buClrTx/>
-              <a:buSzTx/>
-              <a:buFontTx/>
-              <a:buNone/>
-              <a:tabLst/>
+            <a:pPr defTabSz="990478">
               <a:defRPr/>
             </a:pPr>
             <a:r>
@@ -6197,7 +6113,7 @@
     </p:spTree>
     <p:extLst>
       <p:ext uri="{BB962C8B-B14F-4D97-AF65-F5344CB8AC3E}">
-        <p14:creationId xmlns:p14="http://schemas.microsoft.com/office/powerpoint/2010/main" val="3849503778"/>
+        <p14:creationId xmlns:p14="http://schemas.microsoft.com/office/powerpoint/2010/main" xmlns="" val="3849503778"/>
       </p:ext>
     </p:extLst>
   </p:cSld>
@@ -6207,7 +6123,7 @@
   <p:timing>
     <p:tnLst>
       <p:par>
-        <p:cTn xmlns:p14="http://schemas.microsoft.com/office/powerpoint/2010/main" id="1" dur="indefinite" restart="never" nodeType="tmRoot"/>
+        <p:cTn id="1" dur="indefinite" restart="never" nodeType="tmRoot"/>
       </p:par>
     </p:tnLst>
   </p:timing>
@@ -6332,7 +6248,7 @@
     </p:spTree>
     <p:extLst>
       <p:ext uri="{BB962C8B-B14F-4D97-AF65-F5344CB8AC3E}">
-        <p14:creationId xmlns:p14="http://schemas.microsoft.com/office/powerpoint/2010/main" val="3242060718"/>
+        <p14:creationId xmlns:p14="http://schemas.microsoft.com/office/powerpoint/2010/main" xmlns="" val="3242060718"/>
       </p:ext>
     </p:extLst>
   </p:cSld>
@@ -6405,7 +6321,7 @@
             <a:fld id="{AA807A42-CF27-4B84-8583-18EBE418342E}" type="slidenum">
               <a:rPr lang="en-GB" noProof="0" smtClean="0"/>
               <a:pPr/>
-              <a:t>‹Nr.›</a:t>
+              <a:t>‹#›</a:t>
             </a:fld>
             <a:endParaRPr lang="en-GB" noProof="0" dirty="0"/>
           </a:p>
@@ -6837,7 +6753,7 @@
             <a:fld id="{AA807A42-CF27-4B84-8583-18EBE418342E}" type="slidenum">
               <a:rPr lang="en-GB" noProof="0" smtClean="0"/>
               <a:pPr/>
-              <a:t>‹Nr.›</a:t>
+              <a:t>‹#›</a:t>
             </a:fld>
             <a:endParaRPr lang="en-GB" noProof="0" dirty="0"/>
           </a:p>
@@ -7163,7 +7079,7 @@
             <a:fld id="{AA807A42-CF27-4B84-8583-18EBE418342E}" type="slidenum">
               <a:rPr lang="en-GB" noProof="0" smtClean="0"/>
               <a:pPr/>
-              <a:t>‹Nr.›</a:t>
+              <a:t>‹#›</a:t>
             </a:fld>
             <a:endParaRPr lang="en-GB" noProof="0" dirty="0"/>
           </a:p>
@@ -8571,7 +8487,7 @@
     </p:spTree>
     <p:extLst>
       <p:ext uri="{BB962C8B-B14F-4D97-AF65-F5344CB8AC3E}">
-        <p14:creationId xmlns:p14="http://schemas.microsoft.com/office/powerpoint/2010/main" val="2408415105"/>
+        <p14:creationId xmlns:p14="http://schemas.microsoft.com/office/powerpoint/2010/main" xmlns="" val="2408415105"/>
       </p:ext>
     </p:extLst>
   </p:cSld>
@@ -8581,7 +8497,7 @@
   <p:timing>
     <p:tnLst>
       <p:par>
-        <p:cTn xmlns:p14="http://schemas.microsoft.com/office/powerpoint/2010/main" id="1" dur="indefinite" restart="never" nodeType="tmRoot"/>
+        <p:cTn id="1" dur="indefinite" restart="never" nodeType="tmRoot"/>
       </p:par>
     </p:tnLst>
   </p:timing>
@@ -8818,7 +8734,7 @@
     </p:spTree>
     <p:extLst>
       <p:ext uri="{BB962C8B-B14F-4D97-AF65-F5344CB8AC3E}">
-        <p14:creationId xmlns:p14="http://schemas.microsoft.com/office/powerpoint/2010/main" val="336931444"/>
+        <p14:creationId xmlns:p14="http://schemas.microsoft.com/office/powerpoint/2010/main" xmlns="" val="336931444"/>
       </p:ext>
     </p:extLst>
   </p:cSld>
@@ -8828,7 +8744,7 @@
   <p:timing>
     <p:tnLst>
       <p:par>
-        <p:cTn xmlns:p14="http://schemas.microsoft.com/office/powerpoint/2010/main" id="1" dur="indefinite" restart="never" nodeType="tmRoot"/>
+        <p:cTn id="1" dur="indefinite" restart="never" nodeType="tmRoot"/>
       </p:par>
     </p:tnLst>
   </p:timing>
@@ -9072,7 +8988,7 @@
     </p:spTree>
     <p:extLst>
       <p:ext uri="{BB962C8B-B14F-4D97-AF65-F5344CB8AC3E}">
-        <p14:creationId xmlns:p14="http://schemas.microsoft.com/office/powerpoint/2010/main" val="1974033518"/>
+        <p14:creationId xmlns:p14="http://schemas.microsoft.com/office/powerpoint/2010/main" xmlns="" val="1974033518"/>
       </p:ext>
     </p:extLst>
   </p:cSld>
@@ -9082,7 +8998,7 @@
   <p:timing>
     <p:tnLst>
       <p:par>
-        <p:cTn xmlns:p14="http://schemas.microsoft.com/office/powerpoint/2010/main" id="1" dur="indefinite" restart="never" nodeType="tmRoot"/>
+        <p:cTn id="1" dur="indefinite" restart="never" nodeType="tmRoot"/>
       </p:par>
     </p:tnLst>
   </p:timing>
@@ -9152,7 +9068,7 @@
             <a:fld id="{AA807A42-CF27-4B84-8583-18EBE418342E}" type="slidenum">
               <a:rPr lang="en-GB" noProof="0" smtClean="0"/>
               <a:pPr/>
-              <a:t>‹Nr.›</a:t>
+              <a:t>‹#›</a:t>
             </a:fld>
             <a:endParaRPr lang="en-GB" noProof="0" dirty="0"/>
           </a:p>
@@ -9424,7 +9340,7 @@
             <a:fld id="{AA807A42-CF27-4B84-8583-18EBE418342E}" type="slidenum">
               <a:rPr lang="en-GB" noProof="0" smtClean="0"/>
               <a:pPr/>
-              <a:t>‹Nr.›</a:t>
+              <a:t>‹#›</a:t>
             </a:fld>
             <a:endParaRPr lang="en-GB" noProof="0" dirty="0"/>
           </a:p>
@@ -9697,7 +9613,7 @@
             <a:fld id="{AA807A42-CF27-4B84-8583-18EBE418342E}" type="slidenum">
               <a:rPr lang="en-GB" noProof="0" smtClean="0"/>
               <a:pPr/>
-              <a:t>‹Nr.›</a:t>
+              <a:t>‹#›</a:t>
             </a:fld>
             <a:endParaRPr lang="en-GB" noProof="0" dirty="0"/>
           </a:p>
@@ -9970,7 +9886,7 @@
             <a:fld id="{AA807A42-CF27-4B84-8583-18EBE418342E}" type="slidenum">
               <a:rPr lang="en-GB" noProof="0" smtClean="0"/>
               <a:pPr/>
-              <a:t>‹Nr.›</a:t>
+              <a:t>‹#›</a:t>
             </a:fld>
             <a:endParaRPr lang="en-GB" noProof="0" dirty="0"/>
           </a:p>
@@ -10243,7 +10159,7 @@
             <a:fld id="{AA807A42-CF27-4B84-8583-18EBE418342E}" type="slidenum">
               <a:rPr lang="en-GB" noProof="0" smtClean="0"/>
               <a:pPr/>
-              <a:t>‹Nr.›</a:t>
+              <a:t>‹#›</a:t>
             </a:fld>
             <a:endParaRPr lang="en-GB" noProof="0" dirty="0"/>
           </a:p>
@@ -10455,7 +10371,7 @@
             <a:fld id="{AA807A42-CF27-4B84-8583-18EBE418342E}" type="slidenum">
               <a:rPr lang="en-GB" noProof="0" smtClean="0"/>
               <a:pPr/>
-              <a:t>‹Nr.›</a:t>
+              <a:t>‹#›</a:t>
             </a:fld>
             <a:endParaRPr lang="en-GB" noProof="0" dirty="0"/>
           </a:p>
@@ -10464,7 +10380,7 @@
     </p:spTree>
     <p:extLst>
       <p:ext uri="{BB962C8B-B14F-4D97-AF65-F5344CB8AC3E}">
-        <p14:creationId xmlns:p14="http://schemas.microsoft.com/office/powerpoint/2010/main" val="3829165557"/>
+        <p14:creationId xmlns:p14="http://schemas.microsoft.com/office/powerpoint/2010/main" xmlns="" val="3829165557"/>
       </p:ext>
     </p:extLst>
   </p:cSld>
@@ -10487,7 +10403,7 @@
   <p:timing>
     <p:tnLst>
       <p:par>
-        <p:cTn xmlns:p14="http://schemas.microsoft.com/office/powerpoint/2010/main" id="1" dur="indefinite" restart="never" nodeType="tmRoot"/>
+        <p:cTn id="1" dur="indefinite" restart="never" nodeType="tmRoot"/>
       </p:par>
     </p:tnLst>
   </p:timing>
@@ -10787,10 +10703,19 @@
           <a:p>
             <a:r>
               <a:rPr lang="en-GB" sz="3200" dirty="0" smtClean="0"/>
-              <a:t>Simplifying complex Embedded Development processes </a:t>
-            </a:r>
-          </a:p>
-          <a:p>
+              <a:t>Simplifying complex Embedded </a:t>
+            </a:r>
+            <a:endParaRPr lang="en-GB" sz="3200" dirty="0" smtClean="0"/>
+          </a:p>
+          <a:p>
+            <a:r>
+              <a:rPr lang="en-GB" sz="3200" dirty="0" smtClean="0"/>
+              <a:t>Development </a:t>
+            </a:r>
+            <a:r>
+              <a:rPr lang="en-GB" sz="3200" dirty="0" smtClean="0"/>
+              <a:t>processes </a:t>
+            </a:r>
             <a:r>
               <a:rPr lang="en-GB" sz="3200" dirty="0" smtClean="0"/>
               <a:t>with </a:t>
@@ -10895,27 +10820,23 @@
       </p:sp>
       <p:pic>
         <p:nvPicPr>
-          <p:cNvPr id="4" name="Bild 3" descr="1.pdf"/>
+          <p:cNvPr id="9" name="Picture 8" descr="1.png"/>
           <p:cNvPicPr>
             <a:picLocks noChangeAspect="1"/>
           </p:cNvPicPr>
           <p:nvPr/>
         </p:nvPicPr>
-        <p:blipFill rotWithShape="1">
-          <a:blip r:embed="rId2">
-            <a:extLst>
-              <a:ext uri="{28A0092B-C50C-407E-A947-70E740481C1C}">
-                <a14:useLocalDpi xmlns:a14="http://schemas.microsoft.com/office/drawing/2010/main" val="0"/>
-              </a:ext>
-            </a:extLst>
-          </a:blip>
-          <a:srcRect l="10468" t="32630" r="7206" b="30019"/>
-          <a:stretch/>
+        <p:blipFill>
+          <a:blip r:embed="rId2" cstate="print"/>
+          <a:srcRect l="14834" t="28195" r="9463" b="33444"/>
+          <a:stretch>
+            <a:fillRect/>
+          </a:stretch>
         </p:blipFill>
         <p:spPr>
           <a:xfrm>
-            <a:off x="-160430" y="519492"/>
-            <a:ext cx="9030241" cy="2323278"/>
+            <a:off x="510863" y="395980"/>
+            <a:ext cx="8187586" cy="2317232"/>
           </a:xfrm>
           <a:prstGeom prst="rect">
             <a:avLst/>
@@ -10927,13 +10848,13 @@
   <p:clrMapOvr>
     <a:masterClrMapping/>
   </p:clrMapOvr>
-  <p:transition xmlns:p14="http://schemas.microsoft.com/office/powerpoint/2010/main">
+  <p:transition>
     <p:fade/>
   </p:transition>
   <p:timing>
     <p:tnLst>
       <p:par>
-        <p:cTn xmlns:p14="http://schemas.microsoft.com/office/powerpoint/2010/main" id="1" dur="indefinite" restart="never" nodeType="tmRoot"/>
+        <p:cTn id="1" dur="indefinite" restart="never" nodeType="tmRoot"/>
       </p:par>
     </p:tnLst>
   </p:timing>
@@ -11204,7 +11125,7 @@
   <p:timing>
     <p:tnLst>
       <p:par>
-        <p:cTn xmlns:p14="http://schemas.microsoft.com/office/powerpoint/2010/main" id="1" dur="indefinite" restart="never" nodeType="tmRoot"/>
+        <p:cTn id="1" dur="indefinite" restart="never" nodeType="tmRoot"/>
       </p:par>
     </p:tnLst>
   </p:timing>
@@ -11747,7 +11668,7 @@
   <p:timing>
     <p:tnLst>
       <p:par>
-        <p:cTn xmlns:p14="http://schemas.microsoft.com/office/powerpoint/2010/main" id="1" dur="indefinite" restart="never" nodeType="tmRoot"/>
+        <p:cTn id="1" dur="indefinite" restart="never" nodeType="tmRoot"/>
       </p:par>
     </p:tnLst>
   </p:timing>
@@ -11932,7 +11853,7 @@
           <p:nvPr/>
         </p:nvPicPr>
         <p:blipFill>
-          <a:blip r:embed="rId2"/>
+          <a:blip r:embed="rId2" cstate="print"/>
           <a:stretch>
             <a:fillRect/>
           </a:stretch>
@@ -11950,7 +11871,7 @@
     </p:spTree>
     <p:extLst>
       <p:ext uri="{BB962C8B-B14F-4D97-AF65-F5344CB8AC3E}">
-        <p14:creationId xmlns:p14="http://schemas.microsoft.com/office/powerpoint/2010/main" val="1042745391"/>
+        <p14:creationId xmlns:p14="http://schemas.microsoft.com/office/powerpoint/2010/main" xmlns="" val="1042745391"/>
       </p:ext>
     </p:extLst>
   </p:cSld>
@@ -11960,7 +11881,7 @@
   <p:timing>
     <p:tnLst>
       <p:par>
-        <p:cTn xmlns:p14="http://schemas.microsoft.com/office/powerpoint/2010/main" id="1" dur="indefinite" restart="never" nodeType="tmRoot"/>
+        <p:cTn id="1" dur="indefinite" restart="never" nodeType="tmRoot"/>
       </p:par>
     </p:tnLst>
   </p:timing>
@@ -12100,20 +12021,20 @@
     </p:spTree>
     <p:extLst>
       <p:ext uri="{BB962C8B-B14F-4D97-AF65-F5344CB8AC3E}">
-        <p14:creationId xmlns:p14="http://schemas.microsoft.com/office/powerpoint/2010/main" val="1244883522"/>
+        <p14:creationId xmlns:p14="http://schemas.microsoft.com/office/powerpoint/2010/main" xmlns="" val="1244883522"/>
       </p:ext>
     </p:extLst>
   </p:cSld>
   <p:clrMapOvr>
     <a:masterClrMapping/>
   </p:clrMapOvr>
-  <p:transition xmlns:p14="http://schemas.microsoft.com/office/powerpoint/2010/main">
+  <p:transition>
     <p:fade/>
   </p:transition>
   <p:timing>
     <p:tnLst>
       <p:par>
-        <p:cTn xmlns:p14="http://schemas.microsoft.com/office/powerpoint/2010/main" id="1" dur="indefinite" restart="never" nodeType="tmRoot"/>
+        <p:cTn id="1" dur="indefinite" restart="never" nodeType="tmRoot"/>
       </p:par>
     </p:tnLst>
   </p:timing>
@@ -12742,7 +12663,7 @@
   <p:timing>
     <p:tnLst>
       <p:par>
-        <p:cTn xmlns:p14="http://schemas.microsoft.com/office/powerpoint/2010/main" id="1" dur="indefinite" restart="never" nodeType="tmRoot"/>
+        <p:cTn id="1" dur="indefinite" restart="never" nodeType="tmRoot"/>
       </p:par>
     </p:tnLst>
   </p:timing>
@@ -13528,7 +13449,7 @@
   <p:timing>
     <p:tnLst>
       <p:par>
-        <p:cTn xmlns:p14="http://schemas.microsoft.com/office/powerpoint/2010/main" id="1" dur="indefinite" restart="never" nodeType="tmRoot"/>
+        <p:cTn id="1" dur="indefinite" restart="never" nodeType="tmRoot"/>
       </p:par>
     </p:tnLst>
   </p:timing>
@@ -13724,7 +13645,7 @@
           <a:blip r:embed="rId2" cstate="print">
             <a:extLst>
               <a:ext uri="{BEBA8EAE-BF5A-486C-A8C5-ECC9F3942E4B}">
-                <a14:imgProps xmlns:a14="http://schemas.microsoft.com/office/drawing/2010/main">
+                <a14:imgProps xmlns:a14="http://schemas.microsoft.com/office/drawing/2010/main" xmlns="">
                   <a14:imgLayer r:embed="rId3">
                     <a14:imgEffect>
                       <a14:saturation sat="0"/>
@@ -14054,7 +13975,7 @@
   <p:timing>
     <p:tnLst>
       <p:par>
-        <p:cTn xmlns:p14="http://schemas.microsoft.com/office/powerpoint/2010/main" id="1" dur="indefinite" restart="never" nodeType="tmRoot"/>
+        <p:cTn id="1" dur="indefinite" restart="never" nodeType="tmRoot"/>
       </p:par>
     </p:tnLst>
   </p:timing>
@@ -14262,7 +14183,7 @@
   <p:timing>
     <p:tnLst>
       <p:par>
-        <p:cTn xmlns:p14="http://schemas.microsoft.com/office/powerpoint/2010/main" id="1" dur="indefinite" restart="never" nodeType="tmRoot"/>
+        <p:cTn id="1" dur="indefinite" restart="never" nodeType="tmRoot"/>
       </p:par>
     </p:tnLst>
   </p:timing>
@@ -14474,7 +14395,7 @@
   <p:timing>
     <p:tnLst>
       <p:par>
-        <p:cTn xmlns:p14="http://schemas.microsoft.com/office/powerpoint/2010/main" id="1" dur="indefinite" restart="never" nodeType="tmRoot"/>
+        <p:cTn id="1" dur="indefinite" restart="never" nodeType="tmRoot"/>
       </p:par>
     </p:tnLst>
   </p:timing>
@@ -14854,7 +14775,7 @@
   <p:timing>
     <p:tnLst>
       <p:par>
-        <p:cTn xmlns:p14="http://schemas.microsoft.com/office/powerpoint/2010/main" id="1" dur="indefinite" restart="never" nodeType="tmRoot"/>
+        <p:cTn id="1" dur="indefinite" restart="never" nodeType="tmRoot"/>
       </p:par>
     </p:tnLst>
   </p:timing>
@@ -14994,20 +14915,20 @@
     </p:spTree>
     <p:extLst>
       <p:ext uri="{BB962C8B-B14F-4D97-AF65-F5344CB8AC3E}">
-        <p14:creationId xmlns:p14="http://schemas.microsoft.com/office/powerpoint/2010/main" val="1244883522"/>
+        <p14:creationId xmlns:p14="http://schemas.microsoft.com/office/powerpoint/2010/main" xmlns="" val="1244883522"/>
       </p:ext>
     </p:extLst>
   </p:cSld>
   <p:clrMapOvr>
     <a:masterClrMapping/>
   </p:clrMapOvr>
-  <p:transition xmlns:p14="http://schemas.microsoft.com/office/powerpoint/2010/main">
+  <p:transition>
     <p:fade/>
   </p:transition>
   <p:timing>
     <p:tnLst>
       <p:par>
-        <p:cTn xmlns:p14="http://schemas.microsoft.com/office/powerpoint/2010/main" id="1" dur="indefinite" restart="never" nodeType="tmRoot"/>
+        <p:cTn id="1" dur="indefinite" restart="never" nodeType="tmRoot"/>
       </p:par>
     </p:tnLst>
   </p:timing>
@@ -15219,7 +15140,7 @@
   <p:timing>
     <p:tnLst>
       <p:par>
-        <p:cTn xmlns:p14="http://schemas.microsoft.com/office/powerpoint/2010/main" id="1" dur="indefinite" restart="never" nodeType="tmRoot"/>
+        <p:cTn id="1" dur="indefinite" restart="never" nodeType="tmRoot"/>
       </p:par>
     </p:tnLst>
   </p:timing>
@@ -15477,7 +15398,7 @@
   <p:timing>
     <p:tnLst>
       <p:par>
-        <p:cTn xmlns:p14="http://schemas.microsoft.com/office/powerpoint/2010/main" id="1" dur="indefinite" restart="never" nodeType="tmRoot"/>
+        <p:cTn id="1" dur="indefinite" restart="never" nodeType="tmRoot"/>
       </p:par>
     </p:tnLst>
   </p:timing>
@@ -15617,20 +15538,20 @@
     </p:spTree>
     <p:extLst>
       <p:ext uri="{BB962C8B-B14F-4D97-AF65-F5344CB8AC3E}">
-        <p14:creationId xmlns:p14="http://schemas.microsoft.com/office/powerpoint/2010/main" val="1244883522"/>
+        <p14:creationId xmlns:p14="http://schemas.microsoft.com/office/powerpoint/2010/main" xmlns="" val="1244883522"/>
       </p:ext>
     </p:extLst>
   </p:cSld>
   <p:clrMapOvr>
     <a:masterClrMapping/>
   </p:clrMapOvr>
-  <p:transition xmlns:p14="http://schemas.microsoft.com/office/powerpoint/2010/main">
+  <p:transition>
     <p:fade/>
   </p:transition>
   <p:timing>
     <p:tnLst>
       <p:par>
-        <p:cTn xmlns:p14="http://schemas.microsoft.com/office/powerpoint/2010/main" id="1" dur="indefinite" restart="never" nodeType="tmRoot"/>
+        <p:cTn id="1" dur="indefinite" restart="never" nodeType="tmRoot"/>
       </p:par>
     </p:tnLst>
   </p:timing>
@@ -15825,13 +15746,13 @@
   <p:clrMapOvr>
     <a:masterClrMapping/>
   </p:clrMapOvr>
-  <p:transition xmlns:p14="http://schemas.microsoft.com/office/powerpoint/2010/main">
+  <p:transition>
     <p:fade/>
   </p:transition>
   <p:timing>
     <p:tnLst>
       <p:par>
-        <p:cTn xmlns:p14="http://schemas.microsoft.com/office/powerpoint/2010/main" id="1" dur="indefinite" restart="never" nodeType="tmRoot"/>
+        <p:cTn id="1" dur="indefinite" restart="never" nodeType="tmRoot"/>
       </p:par>
     </p:tnLst>
   </p:timing>
@@ -17207,7 +17128,7 @@
   <p:timing>
     <p:tnLst>
       <p:par>
-        <p:cTn xmlns:p14="http://schemas.microsoft.com/office/powerpoint/2010/main" id="1" dur="indefinite" restart="never" nodeType="tmRoot">
+        <p:cTn id="1" dur="indefinite" restart="never" nodeType="tmRoot">
           <p:childTnLst>
             <p:seq concurrent="1" nextAc="seek">
               <p:cTn id="2" dur="indefinite" nodeType="mainSeq">
@@ -17828,7 +17749,11 @@
               <a:pPr algn="ctr"/>
               <a:r>
                 <a:rPr lang="en-US" sz="1400" dirty="0" smtClean="0"/>
-                <a:t>Component 1</a:t>
+                <a:t>Component </a:t>
+              </a:r>
+              <a:r>
+                <a:rPr lang="en-US" sz="1400" dirty="0" smtClean="0"/>
+                <a:t>2</a:t>
               </a:r>
               <a:endParaRPr lang="en-US" sz="1400" dirty="0"/>
             </a:p>
@@ -18360,7 +18285,7 @@
   <p:timing>
     <p:tnLst>
       <p:par>
-        <p:cTn xmlns:p14="http://schemas.microsoft.com/office/powerpoint/2010/main" id="1" dur="indefinite" restart="never" nodeType="tmRoot"/>
+        <p:cTn id="1" dur="indefinite" restart="never" nodeType="tmRoot"/>
       </p:par>
     </p:tnLst>
   </p:timing>
@@ -19781,7 +19706,7 @@
   <p:timing>
     <p:tnLst>
       <p:par>
-        <p:cTn xmlns:p14="http://schemas.microsoft.com/office/powerpoint/2010/main" id="1" dur="indefinite" restart="never" nodeType="tmRoot">
+        <p:cTn id="1" dur="indefinite" restart="never" nodeType="tmRoot">
           <p:childTnLst>
             <p:seq concurrent="1" nextAc="seek">
               <p:cTn id="2" dur="indefinite" nodeType="mainSeq">
@@ -20765,7 +20690,7 @@
   <p:timing>
     <p:tnLst>
       <p:par>
-        <p:cTn xmlns:p14="http://schemas.microsoft.com/office/powerpoint/2010/main" id="1" dur="indefinite" restart="never" nodeType="tmRoot">
+        <p:cTn id="1" dur="indefinite" restart="never" nodeType="tmRoot">
           <p:childTnLst>
             <p:seq concurrent="1" nextAc="seek">
               <p:cTn id="2" dur="indefinite" nodeType="mainSeq">
@@ -21246,7 +21171,7 @@
   <p:timing>
     <p:tnLst>
       <p:par>
-        <p:cTn xmlns:p14="http://schemas.microsoft.com/office/powerpoint/2010/main" id="1" dur="indefinite" restart="never" nodeType="tmRoot"/>
+        <p:cTn id="1" dur="indefinite" restart="never" nodeType="tmRoot"/>
       </p:par>
     </p:tnLst>
   </p:timing>
@@ -23426,7 +23351,7 @@
   <p:timing>
     <p:tnLst>
       <p:par>
-        <p:cTn xmlns:p14="http://schemas.microsoft.com/office/powerpoint/2010/main" id="1" dur="indefinite" restart="never" nodeType="tmRoot">
+        <p:cTn id="1" dur="indefinite" restart="never" nodeType="tmRoot">
           <p:childTnLst>
             <p:seq concurrent="1" nextAc="seek">
               <p:cTn id="2" dur="indefinite" nodeType="mainSeq">
@@ -23990,20 +23915,20 @@
     </p:spTree>
     <p:extLst>
       <p:ext uri="{BB962C8B-B14F-4D97-AF65-F5344CB8AC3E}">
-        <p14:creationId xmlns:p14="http://schemas.microsoft.com/office/powerpoint/2010/main" val="3800702723"/>
+        <p14:creationId xmlns:p14="http://schemas.microsoft.com/office/powerpoint/2010/main" xmlns="" val="3800702723"/>
       </p:ext>
     </p:extLst>
   </p:cSld>
   <p:clrMapOvr>
     <a:masterClrMapping/>
   </p:clrMapOvr>
-  <p:transition xmlns:p14="http://schemas.microsoft.com/office/powerpoint/2010/main">
+  <p:transition>
     <p:fade/>
   </p:transition>
   <p:timing>
     <p:tnLst>
       <p:par>
-        <p:cTn xmlns:p14="http://schemas.microsoft.com/office/powerpoint/2010/main" id="1" dur="indefinite" restart="never" nodeType="tmRoot"/>
+        <p:cTn id="1" dur="indefinite" restart="never" nodeType="tmRoot"/>
       </p:par>
     </p:tnLst>
   </p:timing>
@@ -24589,7 +24514,7 @@
   <p:timing>
     <p:tnLst>
       <p:par>
-        <p:cTn xmlns:p14="http://schemas.microsoft.com/office/powerpoint/2010/main" id="1" dur="indefinite" restart="never" nodeType="tmRoot">
+        <p:cTn id="1" dur="indefinite" restart="never" nodeType="tmRoot">
           <p:childTnLst>
             <p:seq concurrent="1" nextAc="seek">
               <p:cTn id="2" dur="indefinite" nodeType="mainSeq">
@@ -24914,7 +24839,7 @@
   <p:timing>
     <p:tnLst>
       <p:par>
-        <p:cTn xmlns:p14="http://schemas.microsoft.com/office/powerpoint/2010/main" id="1" dur="indefinite" restart="never" nodeType="tmRoot"/>
+        <p:cTn id="1" dur="indefinite" restart="never" nodeType="tmRoot"/>
       </p:par>
     </p:tnLst>
   </p:timing>
@@ -25198,7 +25123,7 @@
   <p:timing>
     <p:tnLst>
       <p:par>
-        <p:cTn xmlns:p14="http://schemas.microsoft.com/office/powerpoint/2010/main" id="1" dur="indefinite" restart="never" nodeType="tmRoot">
+        <p:cTn id="1" dur="indefinite" restart="never" nodeType="tmRoot">
           <p:childTnLst>
             <p:seq concurrent="1" nextAc="seek">
               <p:cTn id="2" dur="indefinite" nodeType="mainSeq">
@@ -25737,7 +25662,7 @@
   <p:timing>
     <p:tnLst>
       <p:par>
-        <p:cTn xmlns:p14="http://schemas.microsoft.com/office/powerpoint/2010/main" id="1" dur="indefinite" restart="never" nodeType="tmRoot">
+        <p:cTn id="1" dur="indefinite" restart="never" nodeType="tmRoot">
           <p:childTnLst>
             <p:seq concurrent="1" nextAc="seek">
               <p:cTn id="2" dur="indefinite" nodeType="mainSeq">
@@ -26223,7 +26148,7 @@
   <p:timing>
     <p:tnLst>
       <p:par>
-        <p:cTn xmlns:p14="http://schemas.microsoft.com/office/powerpoint/2010/main" id="1" dur="indefinite" restart="never" nodeType="tmRoot"/>
+        <p:cTn id="1" dur="indefinite" restart="never" nodeType="tmRoot"/>
       </p:par>
     </p:tnLst>
   </p:timing>
@@ -26510,7 +26435,7 @@
   <p:timing>
     <p:tnLst>
       <p:par>
-        <p:cTn xmlns:p14="http://schemas.microsoft.com/office/powerpoint/2010/main" id="1" dur="indefinite" restart="never" nodeType="tmRoot"/>
+        <p:cTn id="1" dur="indefinite" restart="never" nodeType="tmRoot"/>
       </p:par>
     </p:tnLst>
   </p:timing>
@@ -27604,7 +27529,7 @@
   <p:timing>
     <p:tnLst>
       <p:par>
-        <p:cTn xmlns:p14="http://schemas.microsoft.com/office/powerpoint/2010/main" id="1" dur="indefinite" restart="never" nodeType="tmRoot">
+        <p:cTn id="1" dur="indefinite" restart="never" nodeType="tmRoot">
           <p:childTnLst>
             <p:seq concurrent="1" nextAc="seek">
               <p:cTn id="2" dur="indefinite" nodeType="mainSeq">
@@ -28352,7 +28277,7 @@
   <p:timing>
     <p:tnLst>
       <p:par>
-        <p:cTn xmlns:p14="http://schemas.microsoft.com/office/powerpoint/2010/main" id="1" dur="indefinite" restart="never" nodeType="tmRoot">
+        <p:cTn id="1" dur="indefinite" restart="never" nodeType="tmRoot">
           <p:childTnLst>
             <p:seq concurrent="1" nextAc="seek">
               <p:cTn id="2" dur="indefinite" nodeType="mainSeq">
@@ -29300,7 +29225,7 @@
   <p:timing>
     <p:tnLst>
       <p:par>
-        <p:cTn xmlns:p14="http://schemas.microsoft.com/office/powerpoint/2010/main" id="1" dur="indefinite" restart="never" nodeType="tmRoot">
+        <p:cTn id="1" dur="indefinite" restart="never" nodeType="tmRoot">
           <p:childTnLst>
             <p:seq concurrent="1" nextAc="seek">
               <p:cTn id="2" dur="indefinite" nodeType="mainSeq">
@@ -29832,7 +29757,7 @@
   <p:timing>
     <p:tnLst>
       <p:par>
-        <p:cTn xmlns:p14="http://schemas.microsoft.com/office/powerpoint/2010/main" id="1" dur="indefinite" restart="never" nodeType="tmRoot"/>
+        <p:cTn id="1" dur="indefinite" restart="never" nodeType="tmRoot"/>
       </p:par>
     </p:tnLst>
   </p:timing>
@@ -30172,20 +30097,20 @@
     </p:spTree>
     <p:extLst>
       <p:ext uri="{BB962C8B-B14F-4D97-AF65-F5344CB8AC3E}">
-        <p14:creationId xmlns:p14="http://schemas.microsoft.com/office/powerpoint/2010/main" val="3938426385"/>
+        <p14:creationId xmlns:p14="http://schemas.microsoft.com/office/powerpoint/2010/main" xmlns="" val="3938426385"/>
       </p:ext>
     </p:extLst>
   </p:cSld>
   <p:clrMapOvr>
     <a:masterClrMapping/>
   </p:clrMapOvr>
-  <p:transition xmlns:p14="http://schemas.microsoft.com/office/powerpoint/2010/main">
+  <p:transition>
     <p:fade/>
   </p:transition>
   <p:timing>
     <p:tnLst>
       <p:par>
-        <p:cTn xmlns:p14="http://schemas.microsoft.com/office/powerpoint/2010/main" id="1" dur="indefinite" restart="never" nodeType="tmRoot"/>
+        <p:cTn id="1" dur="indefinite" restart="never" nodeType="tmRoot"/>
       </p:par>
     </p:tnLst>
   </p:timing>
@@ -30906,7 +30831,7 @@
   <p:timing>
     <p:tnLst>
       <p:par>
-        <p:cTn xmlns:p14="http://schemas.microsoft.com/office/powerpoint/2010/main" id="1" dur="indefinite" restart="never" nodeType="tmRoot">
+        <p:cTn id="1" dur="indefinite" restart="never" nodeType="tmRoot">
           <p:childTnLst>
             <p:seq concurrent="1" nextAc="seek">
               <p:cTn id="2" dur="indefinite" nodeType="mainSeq">
@@ -31334,27 +31259,23 @@
       </p:sp>
       <p:pic>
         <p:nvPicPr>
-          <p:cNvPr id="11" name="Bild 10" descr="1.pdf"/>
+          <p:cNvPr id="10" name="Picture 9" descr="1.png"/>
           <p:cNvPicPr>
             <a:picLocks noChangeAspect="1"/>
           </p:cNvPicPr>
           <p:nvPr/>
         </p:nvPicPr>
-        <p:blipFill rotWithShape="1">
-          <a:blip r:embed="rId2" cstate="print">
-            <a:extLst>
-              <a:ext uri="{28A0092B-C50C-407E-A947-70E740481C1C}">
-                <a14:useLocalDpi xmlns:a14="http://schemas.microsoft.com/office/drawing/2010/main" val="0"/>
-              </a:ext>
-            </a:extLst>
-          </a:blip>
-          <a:srcRect l="9528" t="21373" r="10398" b="17256"/>
-          <a:stretch/>
+        <p:blipFill>
+          <a:blip r:embed="rId2" cstate="print"/>
+          <a:srcRect l="1582" t="3157" r="1880" b="3430"/>
+          <a:stretch>
+            <a:fillRect/>
+          </a:stretch>
         </p:blipFill>
         <p:spPr>
           <a:xfrm>
-            <a:off x="1269836" y="2156259"/>
-            <a:ext cx="6155667" cy="2675371"/>
+            <a:off x="747347" y="1195753"/>
+            <a:ext cx="7418555" cy="4009293"/>
           </a:xfrm>
           <a:prstGeom prst="rect">
             <a:avLst/>
@@ -31369,7 +31290,7 @@
   <p:timing>
     <p:tnLst>
       <p:par>
-        <p:cTn xmlns:p14="http://schemas.microsoft.com/office/powerpoint/2010/main" id="1" dur="indefinite" restart="never" nodeType="tmRoot"/>
+        <p:cTn id="1" dur="indefinite" restart="never" nodeType="tmRoot"/>
       </p:par>
     </p:tnLst>
   </p:timing>
@@ -31723,20 +31644,20 @@
     </p:spTree>
     <p:extLst>
       <p:ext uri="{BB962C8B-B14F-4D97-AF65-F5344CB8AC3E}">
-        <p14:creationId xmlns:p14="http://schemas.microsoft.com/office/powerpoint/2010/main" val="144512218"/>
+        <p14:creationId xmlns:p14="http://schemas.microsoft.com/office/powerpoint/2010/main" xmlns="" val="144512218"/>
       </p:ext>
     </p:extLst>
   </p:cSld>
   <p:clrMapOvr>
     <a:masterClrMapping/>
   </p:clrMapOvr>
-  <p:transition xmlns:p14="http://schemas.microsoft.com/office/powerpoint/2010/main">
+  <p:transition>
     <p:fade/>
   </p:transition>
   <p:timing>
     <p:tnLst>
       <p:par>
-        <p:cTn xmlns:p14="http://schemas.microsoft.com/office/powerpoint/2010/main" id="1" dur="indefinite" restart="never" nodeType="tmRoot"/>
+        <p:cTn id="1" dur="indefinite" restart="never" nodeType="tmRoot"/>
       </p:par>
     </p:tnLst>
   </p:timing>
@@ -32090,20 +32011,20 @@
     </p:spTree>
     <p:extLst>
       <p:ext uri="{BB962C8B-B14F-4D97-AF65-F5344CB8AC3E}">
-        <p14:creationId xmlns:p14="http://schemas.microsoft.com/office/powerpoint/2010/main" val="2888238089"/>
+        <p14:creationId xmlns:p14="http://schemas.microsoft.com/office/powerpoint/2010/main" xmlns="" val="2888238089"/>
       </p:ext>
     </p:extLst>
   </p:cSld>
   <p:clrMapOvr>
     <a:masterClrMapping/>
   </p:clrMapOvr>
-  <p:transition xmlns:p14="http://schemas.microsoft.com/office/powerpoint/2010/main">
+  <p:transition>
     <p:fade/>
   </p:transition>
   <p:timing>
     <p:tnLst>
       <p:par>
-        <p:cTn xmlns:p14="http://schemas.microsoft.com/office/powerpoint/2010/main" id="1" dur="indefinite" restart="never" nodeType="tmRoot"/>
+        <p:cTn id="1" dur="indefinite" restart="never" nodeType="tmRoot"/>
       </p:par>
     </p:tnLst>
   </p:timing>
@@ -32457,20 +32378,20 @@
     </p:spTree>
     <p:extLst>
       <p:ext uri="{BB962C8B-B14F-4D97-AF65-F5344CB8AC3E}">
-        <p14:creationId xmlns:p14="http://schemas.microsoft.com/office/powerpoint/2010/main" val="953527749"/>
+        <p14:creationId xmlns:p14="http://schemas.microsoft.com/office/powerpoint/2010/main" xmlns="" val="953527749"/>
       </p:ext>
     </p:extLst>
   </p:cSld>
   <p:clrMapOvr>
     <a:masterClrMapping/>
   </p:clrMapOvr>
-  <p:transition xmlns:p14="http://schemas.microsoft.com/office/powerpoint/2010/main">
+  <p:transition>
     <p:fade/>
   </p:transition>
   <p:timing>
     <p:tnLst>
       <p:par>
-        <p:cTn xmlns:p14="http://schemas.microsoft.com/office/powerpoint/2010/main" id="1" dur="indefinite" restart="never" nodeType="tmRoot"/>
+        <p:cTn id="1" dur="indefinite" restart="never" nodeType="tmRoot"/>
       </p:par>
     </p:tnLst>
   </p:timing>
@@ -32824,20 +32745,20 @@
     </p:spTree>
     <p:extLst>
       <p:ext uri="{BB962C8B-B14F-4D97-AF65-F5344CB8AC3E}">
-        <p14:creationId xmlns:p14="http://schemas.microsoft.com/office/powerpoint/2010/main" val="4146777580"/>
+        <p14:creationId xmlns:p14="http://schemas.microsoft.com/office/powerpoint/2010/main" xmlns="" val="4146777580"/>
       </p:ext>
     </p:extLst>
   </p:cSld>
   <p:clrMapOvr>
     <a:masterClrMapping/>
   </p:clrMapOvr>
-  <p:transition xmlns:p14="http://schemas.microsoft.com/office/powerpoint/2010/main">
+  <p:transition>
     <p:fade/>
   </p:transition>
   <p:timing>
     <p:tnLst>
       <p:par>
-        <p:cTn xmlns:p14="http://schemas.microsoft.com/office/powerpoint/2010/main" id="1" dur="indefinite" restart="never" nodeType="tmRoot"/>
+        <p:cTn id="1" dur="indefinite" restart="never" nodeType="tmRoot"/>
       </p:par>
     </p:tnLst>
   </p:timing>
@@ -33190,20 +33111,20 @@
     </p:spTree>
     <p:extLst>
       <p:ext uri="{BB962C8B-B14F-4D97-AF65-F5344CB8AC3E}">
-        <p14:creationId xmlns:p14="http://schemas.microsoft.com/office/powerpoint/2010/main" val="3326573663"/>
+        <p14:creationId xmlns:p14="http://schemas.microsoft.com/office/powerpoint/2010/main" xmlns="" val="3326573663"/>
       </p:ext>
     </p:extLst>
   </p:cSld>
   <p:clrMapOvr>
     <a:masterClrMapping/>
   </p:clrMapOvr>
-  <p:transition xmlns:p14="http://schemas.microsoft.com/office/powerpoint/2010/main">
+  <p:transition>
     <p:fade/>
   </p:transition>
   <p:timing>
     <p:tnLst>
       <p:par>
-        <p:cTn xmlns:p14="http://schemas.microsoft.com/office/powerpoint/2010/main" id="1" dur="indefinite" restart="never" nodeType="tmRoot"/>
+        <p:cTn id="1" dur="indefinite" restart="never" nodeType="tmRoot"/>
       </p:par>
     </p:tnLst>
   </p:timing>
